--- a/2017/CD-MAKE_2017/Fed/Federated_Learning_Local_Sphere.pptx
+++ b/2017/CD-MAKE_2017/Fed/Federated_Learning_Local_Sphere.pptx
@@ -9,14 +9,17 @@
   </p:notesMasterIdLst>
   <p:sldIdLst>
     <p:sldId id="290" r:id="rId3"/>
-    <p:sldId id="370" r:id="rId5"/>
-    <p:sldId id="314" r:id="rId6"/>
-    <p:sldId id="366" r:id="rId7"/>
-    <p:sldId id="367" r:id="rId8"/>
-    <p:sldId id="368" r:id="rId9"/>
-    <p:sldId id="369" r:id="rId10"/>
-    <p:sldId id="298" r:id="rId11"/>
-    <p:sldId id="261" r:id="rId12"/>
+    <p:sldId id="371" r:id="rId5"/>
+    <p:sldId id="373" r:id="rId6"/>
+    <p:sldId id="370" r:id="rId7"/>
+    <p:sldId id="374" r:id="rId8"/>
+    <p:sldId id="314" r:id="rId9"/>
+    <p:sldId id="366" r:id="rId10"/>
+    <p:sldId id="367" r:id="rId11"/>
+    <p:sldId id="368" r:id="rId12"/>
+    <p:sldId id="298" r:id="rId13"/>
+    <p:sldId id="369" r:id="rId14"/>
+    <p:sldId id="261" r:id="rId15"/>
   </p:sldIdLst>
   <p:sldSz cx="9144000" cy="6858000" type="screen4x3"/>
   <p:notesSz cx="6858000" cy="9144000"/>
@@ -459,6 +462,198 @@
       </p:grpSpPr>
       <p:sp>
         <p:nvSpPr>
+          <p:cNvPr id="2" name="Slide Image Placeholder 1"/>
+          <p:cNvSpPr>
+            <a:spLocks noGrp="1" noRot="1" noChangeAspect="1"/>
+          </p:cNvSpPr>
+          <p:nvPr>
+            <p:ph type="sldImg"/>
+          </p:nvPr>
+        </p:nvSpPr>
+        <p:spPr/>
+      </p:sp>
+      <p:sp>
+        <p:nvSpPr>
+          <p:cNvPr id="3" name="Notes Placeholder 2"/>
+          <p:cNvSpPr>
+            <a:spLocks noGrp="1"/>
+          </p:cNvSpPr>
+          <p:nvPr>
+            <p:ph type="body" idx="1"/>
+          </p:nvPr>
+        </p:nvSpPr>
+        <p:spPr/>
+        <p:txBody>
+          <a:bodyPr/>
+          <a:lstStyle/>
+          <a:p>
+            <a:r>
+              <a:rPr lang="en-US" dirty="0" smtClean="0"/>
+              <a:t>Prepared for having</a:t>
+            </a:r>
+            <a:r>
+              <a:rPr lang="en-US" baseline="0" dirty="0" smtClean="0"/>
+              <a:t> this law now only applied to front-end databases but also to statistical of ML knowledge bases…</a:t>
+            </a:r>
+            <a:endParaRPr lang="en-US" dirty="0"/>
+          </a:p>
+        </p:txBody>
+      </p:sp>
+    </p:spTree>
+  </p:cSld>
+  <p:clrMapOvr>
+    <a:masterClrMapping/>
+  </p:clrMapOvr>
+</p:notes>
+</file>
+
+<file path=ppt/notesSlides/notesSlide4.xml><?xml version="1.0" encoding="utf-8"?>
+<p:notes xmlns:a="http://schemas.openxmlformats.org/drawingml/2006/main" xmlns:r="http://schemas.openxmlformats.org/officeDocument/2006/relationships" xmlns:p="http://schemas.openxmlformats.org/presentationml/2006/main">
+  <p:cSld>
+    <p:spTree>
+      <p:nvGrpSpPr>
+        <p:cNvPr id="1" name=""/>
+        <p:cNvGrpSpPr/>
+        <p:nvPr/>
+      </p:nvGrpSpPr>
+      <p:grpSpPr>
+        <a:xfrm>
+          <a:off x="0" y="0"/>
+          <a:ext cx="0" cy="0"/>
+          <a:chOff x="0" y="0"/>
+          <a:chExt cx="0" cy="0"/>
+        </a:xfrm>
+      </p:grpSpPr>
+      <p:sp>
+        <p:nvSpPr>
+          <p:cNvPr id="2" name="Slide Image Placeholder 1"/>
+          <p:cNvSpPr>
+            <a:spLocks noGrp="1" noRot="1" noChangeAspect="1"/>
+          </p:cNvSpPr>
+          <p:nvPr>
+            <p:ph type="sldImg"/>
+          </p:nvPr>
+        </p:nvSpPr>
+        <p:spPr/>
+      </p:sp>
+      <p:sp>
+        <p:nvSpPr>
+          <p:cNvPr id="3" name="Notes Placeholder 2"/>
+          <p:cNvSpPr>
+            <a:spLocks noGrp="1"/>
+          </p:cNvSpPr>
+          <p:nvPr>
+            <p:ph type="body" idx="1"/>
+          </p:nvPr>
+        </p:nvSpPr>
+        <p:spPr/>
+        <p:txBody>
+          <a:bodyPr/>
+          <a:lstStyle/>
+          <a:p>
+            <a:r>
+              <a:rPr lang="en-US" dirty="0" smtClean="0"/>
+              <a:t>Prepared for having</a:t>
+            </a:r>
+            <a:r>
+              <a:rPr lang="en-US" baseline="0" dirty="0" smtClean="0"/>
+              <a:t> this law now only applied to front-end databases but also to statistical of ML knowledge bases…</a:t>
+            </a:r>
+            <a:endParaRPr lang="en-US" dirty="0"/>
+          </a:p>
+        </p:txBody>
+      </p:sp>
+    </p:spTree>
+  </p:cSld>
+  <p:clrMapOvr>
+    <a:masterClrMapping/>
+  </p:clrMapOvr>
+</p:notes>
+</file>
+
+<file path=ppt/notesSlides/notesSlide5.xml><?xml version="1.0" encoding="utf-8"?>
+<p:notes xmlns:a="http://schemas.openxmlformats.org/drawingml/2006/main" xmlns:r="http://schemas.openxmlformats.org/officeDocument/2006/relationships" xmlns:p="http://schemas.openxmlformats.org/presentationml/2006/main">
+  <p:cSld>
+    <p:spTree>
+      <p:nvGrpSpPr>
+        <p:cNvPr id="1" name=""/>
+        <p:cNvGrpSpPr/>
+        <p:nvPr/>
+      </p:nvGrpSpPr>
+      <p:grpSpPr>
+        <a:xfrm>
+          <a:off x="0" y="0"/>
+          <a:ext cx="0" cy="0"/>
+          <a:chOff x="0" y="0"/>
+          <a:chExt cx="0" cy="0"/>
+        </a:xfrm>
+      </p:grpSpPr>
+      <p:sp>
+        <p:nvSpPr>
+          <p:cNvPr id="2" name="Slide Image Placeholder 1"/>
+          <p:cNvSpPr>
+            <a:spLocks noGrp="1" noRot="1" noChangeAspect="1"/>
+          </p:cNvSpPr>
+          <p:nvPr>
+            <p:ph type="sldImg"/>
+          </p:nvPr>
+        </p:nvSpPr>
+        <p:spPr/>
+      </p:sp>
+      <p:sp>
+        <p:nvSpPr>
+          <p:cNvPr id="3" name="Notes Placeholder 2"/>
+          <p:cNvSpPr>
+            <a:spLocks noGrp="1"/>
+          </p:cNvSpPr>
+          <p:nvPr>
+            <p:ph type="body" idx="1"/>
+          </p:nvPr>
+        </p:nvSpPr>
+        <p:spPr/>
+        <p:txBody>
+          <a:bodyPr/>
+          <a:lstStyle/>
+          <a:p>
+            <a:r>
+              <a:rPr lang="en-US" dirty="0" smtClean="0"/>
+              <a:t>Prepared for having</a:t>
+            </a:r>
+            <a:r>
+              <a:rPr lang="en-US" baseline="0" dirty="0" smtClean="0"/>
+              <a:t> this law now only applied to front-end databases but also to statistical of ML knowledge bases…</a:t>
+            </a:r>
+            <a:endParaRPr lang="en-US" dirty="0"/>
+          </a:p>
+        </p:txBody>
+      </p:sp>
+    </p:spTree>
+  </p:cSld>
+  <p:clrMapOvr>
+    <a:masterClrMapping/>
+  </p:clrMapOvr>
+</p:notes>
+</file>
+
+<file path=ppt/notesSlides/notesSlide6.xml><?xml version="1.0" encoding="utf-8"?>
+<p:notes xmlns:a="http://schemas.openxmlformats.org/drawingml/2006/main" xmlns:r="http://schemas.openxmlformats.org/officeDocument/2006/relationships" xmlns:p="http://schemas.openxmlformats.org/presentationml/2006/main">
+  <p:cSld>
+    <p:spTree>
+      <p:nvGrpSpPr>
+        <p:cNvPr id="1" name=""/>
+        <p:cNvGrpSpPr/>
+        <p:nvPr/>
+      </p:nvGrpSpPr>
+      <p:grpSpPr>
+        <a:xfrm>
+          <a:off x="0" y="0"/>
+          <a:ext cx="0" cy="0"/>
+          <a:chOff x="0" y="0"/>
+          <a:chExt cx="0" cy="0"/>
+        </a:xfrm>
+      </p:grpSpPr>
+      <p:sp>
+        <p:nvSpPr>
           <p:cNvPr id="51" name="Shape 51"/>
           <p:cNvSpPr>
             <a:spLocks noGrp="1" noRot="1" noChangeAspect="1"/>
@@ -1654,7 +1849,7 @@
                 <a:cs typeface="+mj-cs"/>
                 <a:sym typeface="Helvetica"/>
               </a:rPr>
-              <a:t>8</a:t>
+              <a:t>9</a:t>
             </a:r>
             <a:r>
               <a:rPr kumimoji="0" lang="en-US" sz="1200" b="1" i="0" u="none" strike="noStrike" cap="none" spc="0" normalizeH="0" baseline="0" dirty="0" smtClean="0">
@@ -1692,27 +1887,24 @@
                 <a:cs typeface="+mj-cs"/>
                 <a:sym typeface="Helvetica"/>
               </a:rPr>
-              <a:t>3</a:t>
-            </a:r>
-            <a:r>
-              <a:rPr kumimoji="0" lang="en-US" sz="1200" b="1" i="0" u="none" strike="noStrike" cap="none" spc="0" normalizeH="0" baseline="0" dirty="0" smtClean="0">
-                <a:ln>
-                  <a:noFill/>
-                </a:ln>
-                <a:solidFill>
-                  <a:schemeClr val="accent1">
-                    <a:lumMod val="50000"/>
-                  </a:schemeClr>
-                </a:solidFill>
-                <a:effectLst/>
-                <a:uFillTx/>
-                <a:latin typeface="+mj-lt"/>
-                <a:ea typeface="+mj-ea"/>
-                <a:cs typeface="+mj-cs"/>
-                <a:sym typeface="Helvetica"/>
-              </a:rPr>
-              <a:t>1</a:t>
-            </a:r>
+              <a:t>01</a:t>
+            </a:r>
+            <a:endParaRPr kumimoji="0" lang="x-none" altLang="en-US" sz="1200" b="1" i="0" u="none" strike="noStrike" cap="none" spc="0" normalizeH="0" baseline="0" dirty="0" smtClean="0">
+              <a:ln>
+                <a:noFill/>
+              </a:ln>
+              <a:solidFill>
+                <a:schemeClr val="accent1">
+                  <a:lumMod val="50000"/>
+                </a:schemeClr>
+              </a:solidFill>
+              <a:effectLst/>
+              <a:uFillTx/>
+              <a:latin typeface="+mj-lt"/>
+              <a:ea typeface="+mj-ea"/>
+              <a:cs typeface="+mj-cs"/>
+              <a:sym typeface="Helvetica"/>
+            </a:endParaRPr>
           </a:p>
         </p:txBody>
       </p:sp>
@@ -2473,627 +2665,7 @@
 </p:sld>
 </file>
 
-<file path=ppt/slides/slide2.xml><?xml version="1.0" encoding="utf-8"?>
-<p:sld xmlns:a="http://schemas.openxmlformats.org/drawingml/2006/main" xmlns:r="http://schemas.openxmlformats.org/officeDocument/2006/relationships" xmlns:p="http://schemas.openxmlformats.org/presentationml/2006/main">
-  <p:cSld>
-    <p:spTree>
-      <p:nvGrpSpPr>
-        <p:cNvPr id="1" name=""/>
-        <p:cNvGrpSpPr/>
-        <p:nvPr/>
-      </p:nvGrpSpPr>
-      <p:grpSpPr>
-        <a:xfrm>
-          <a:off x="0" y="0"/>
-          <a:ext cx="0" cy="0"/>
-          <a:chOff x="0" y="0"/>
-          <a:chExt cx="0" cy="0"/>
-        </a:xfrm>
-      </p:grpSpPr>
-      <p:sp>
-        <p:nvSpPr>
-          <p:cNvPr id="2" name="Title 1"/>
-          <p:cNvSpPr>
-            <a:spLocks noGrp="1"/>
-          </p:cNvSpPr>
-          <p:nvPr>
-            <p:ph type="title"/>
-          </p:nvPr>
-        </p:nvSpPr>
-        <p:spPr>
-          <a:xfrm>
-            <a:off x="251518" y="0"/>
-            <a:ext cx="6093531" cy="427420"/>
-          </a:xfrm>
-        </p:spPr>
-        <p:txBody>
-          <a:bodyPr/>
-          <a:lstStyle/>
-          <a:p>
-            <a:r>
-              <a:rPr lang="x-none" altLang="en-US" dirty="0" smtClean="0"/>
-              <a:t>Recommendation Cascades</a:t>
-            </a:r>
-            <a:endParaRPr lang="x-none" altLang="en-US" dirty="0"/>
-          </a:p>
-        </p:txBody>
-      </p:sp>
-      <p:pic>
-        <p:nvPicPr>
-          <p:cNvPr id="3" name="Picture 2" descr="recommender_cascade_size"/>
-          <p:cNvPicPr>
-            <a:picLocks noChangeAspect="1"/>
-          </p:cNvPicPr>
-          <p:nvPr/>
-        </p:nvPicPr>
-        <p:blipFill>
-          <a:blip r:embed="rId1"/>
-          <a:stretch>
-            <a:fillRect/>
-          </a:stretch>
-        </p:blipFill>
-        <p:spPr>
-          <a:xfrm>
-            <a:off x="935355" y="730885"/>
-            <a:ext cx="7028815" cy="2496185"/>
-          </a:xfrm>
-          <a:prstGeom prst="rect">
-            <a:avLst/>
-          </a:prstGeom>
-        </p:spPr>
-      </p:pic>
-      <p:pic>
-        <p:nvPicPr>
-          <p:cNvPr id="4" name="Picture 3" descr="recommender_cascades_shapes"/>
-          <p:cNvPicPr>
-            <a:picLocks noChangeAspect="1"/>
-          </p:cNvPicPr>
-          <p:nvPr/>
-        </p:nvPicPr>
-        <p:blipFill>
-          <a:blip r:embed="rId2"/>
-          <a:stretch>
-            <a:fillRect/>
-          </a:stretch>
-        </p:blipFill>
-        <p:spPr>
-          <a:xfrm>
-            <a:off x="1337310" y="3229610"/>
-            <a:ext cx="6286500" cy="2629535"/>
-          </a:xfrm>
-          <a:prstGeom prst="rect">
-            <a:avLst/>
-          </a:prstGeom>
-        </p:spPr>
-      </p:pic>
-      <p:sp>
-        <p:nvSpPr>
-          <p:cNvPr id="5" name="Text Box 4"/>
-          <p:cNvSpPr txBox="1"/>
-          <p:nvPr/>
-        </p:nvSpPr>
-        <p:spPr>
-          <a:xfrm>
-            <a:off x="2534285" y="5908040"/>
-            <a:ext cx="4304665" cy="547370"/>
-          </a:xfrm>
-          <a:prstGeom prst="rect">
-            <a:avLst/>
-          </a:prstGeom>
-          <a:noFill/>
-          <a:ln w="12700" cap="flat">
-            <a:noFill/>
-            <a:miter lim="400000"/>
-          </a:ln>
-        </p:spPr>
-        <p:style>
-          <a:lnRef idx="0">
-            <a:scrgbClr r="0" g="0" b="0"/>
-          </a:lnRef>
-          <a:fillRef idx="0">
-            <a:scrgbClr r="0" g="0" b="0"/>
-          </a:fillRef>
-          <a:effectRef idx="0">
-            <a:scrgbClr r="0" g="0" b="0"/>
-          </a:effectRef>
-          <a:fontRef idx="none"/>
-        </p:style>
-        <p:txBody>
-          <a:bodyPr rot="0" vertOverflow="overflow" horzOverflow="overflow" vert="horz" wrap="square" lIns="45718" tIns="45718" rIns="45718" bIns="45718" numCol="1" spcCol="38100" rtlCol="0" anchor="t" forceAA="0">
-            <a:spAutoFit/>
-          </a:bodyPr>
-          <a:p>
-            <a:pPr marL="0" marR="0" indent="0" algn="l" defTabSz="914400" rtl="0" fontAlgn="auto" latinLnBrk="1" hangingPunct="0">
-              <a:lnSpc>
-                <a:spcPct val="100000"/>
-              </a:lnSpc>
-              <a:spcBef>
-                <a:spcPts val="0"/>
-              </a:spcBef>
-              <a:spcAft>
-                <a:spcPts val="0"/>
-              </a:spcAft>
-              <a:buClrTx/>
-              <a:buSzTx/>
-              <a:buFontTx/>
-              <a:buNone/>
-            </a:pPr>
-            <a:r>
-              <a:rPr kumimoji="0" lang="en-US" sz="1000" b="0" i="0" u="none" strike="noStrike" cap="none" spc="0" normalizeH="0" baseline="0">
-                <a:ln>
-                  <a:noFill/>
-                </a:ln>
-                <a:solidFill>
-                  <a:srgbClr val="000000"/>
-                </a:solidFill>
-                <a:effectLst/>
-                <a:uFillTx/>
-                <a:latin typeface="+mj-lt"/>
-                <a:ea typeface="+mj-ea"/>
-                <a:cs typeface="+mj-cs"/>
-                <a:sym typeface="Helvetica"/>
-              </a:rPr>
-              <a:t>Leskovec, Jure, Ajit Singh, and Jon Kleinberg. "Patterns of influence in a recommendation network." Pacific-Asia Conference on Knowledge Discovery and Data Mining. Springer, Berlin, Heidelberg, 2006.</a:t>
-            </a:r>
-            <a:endParaRPr kumimoji="0" lang="en-US" sz="1000" b="0" i="0" u="none" strike="noStrike" cap="none" spc="0" normalizeH="0" baseline="0">
-              <a:ln>
-                <a:noFill/>
-              </a:ln>
-              <a:solidFill>
-                <a:srgbClr val="000000"/>
-              </a:solidFill>
-              <a:effectLst/>
-              <a:uFillTx/>
-              <a:latin typeface="+mj-lt"/>
-              <a:ea typeface="+mj-ea"/>
-              <a:cs typeface="+mj-cs"/>
-              <a:sym typeface="Helvetica"/>
-            </a:endParaRPr>
-          </a:p>
-        </p:txBody>
-      </p:sp>
-    </p:spTree>
-  </p:cSld>
-  <p:clrMapOvr>
-    <a:masterClrMapping/>
-  </p:clrMapOvr>
-  <p:transition spd="med"/>
-  <p:timing>
-    <p:tnLst>
-      <p:par>
-        <p:cTn id="1" dur="indefinite" restart="never" nodeType="tmRoot"/>
-      </p:par>
-    </p:tnLst>
-  </p:timing>
-</p:sld>
-</file>
-
-<file path=ppt/slides/slide3.xml><?xml version="1.0" encoding="utf-8"?>
-<p:sld xmlns:a="http://schemas.openxmlformats.org/drawingml/2006/main" xmlns:r="http://schemas.openxmlformats.org/officeDocument/2006/relationships" xmlns:p="http://schemas.openxmlformats.org/presentationml/2006/main">
-  <p:cSld>
-    <p:spTree>
-      <p:nvGrpSpPr>
-        <p:cNvPr id="1" name=""/>
-        <p:cNvGrpSpPr/>
-        <p:nvPr/>
-      </p:nvGrpSpPr>
-      <p:grpSpPr>
-        <a:xfrm>
-          <a:off x="0" y="0"/>
-          <a:ext cx="0" cy="0"/>
-          <a:chOff x="0" y="0"/>
-          <a:chExt cx="0" cy="0"/>
-        </a:xfrm>
-      </p:grpSpPr>
-      <p:sp>
-        <p:nvSpPr>
-          <p:cNvPr id="2" name="Title 1"/>
-          <p:cNvSpPr>
-            <a:spLocks noGrp="1"/>
-          </p:cNvSpPr>
-          <p:nvPr>
-            <p:ph type="title"/>
-          </p:nvPr>
-        </p:nvSpPr>
-        <p:spPr>
-          <a:xfrm>
-            <a:off x="251518" y="0"/>
-            <a:ext cx="6093531" cy="427420"/>
-          </a:xfrm>
-        </p:spPr>
-        <p:txBody>
-          <a:bodyPr/>
-          <a:lstStyle/>
-          <a:p>
-            <a:r>
-              <a:rPr lang="x-none" altLang="en-US" dirty="0" smtClean="0"/>
-              <a:t>Traditional request / response cycle</a:t>
-            </a:r>
-            <a:endParaRPr lang="x-none" altLang="en-US" dirty="0"/>
-          </a:p>
-        </p:txBody>
-      </p:sp>
-      <p:pic>
-        <p:nvPicPr>
-          <p:cNvPr id="49" name="Picture 48" descr="request_response"/>
-          <p:cNvPicPr>
-            <a:picLocks noChangeAspect="1"/>
-          </p:cNvPicPr>
-          <p:nvPr/>
-        </p:nvPicPr>
-        <p:blipFill>
-          <a:blip r:embed="rId1"/>
-          <a:stretch>
-            <a:fillRect/>
-          </a:stretch>
-        </p:blipFill>
-        <p:spPr>
-          <a:xfrm>
-            <a:off x="256540" y="951230"/>
-            <a:ext cx="8580755" cy="4828540"/>
-          </a:xfrm>
-          <a:prstGeom prst="rect">
-            <a:avLst/>
-          </a:prstGeom>
-        </p:spPr>
-      </p:pic>
-    </p:spTree>
-  </p:cSld>
-  <p:clrMapOvr>
-    <a:masterClrMapping/>
-  </p:clrMapOvr>
-  <p:transition spd="med"/>
-  <p:timing>
-    <p:tnLst>
-      <p:par>
-        <p:cTn id="1" dur="indefinite" restart="never" nodeType="tmRoot"/>
-      </p:par>
-    </p:tnLst>
-  </p:timing>
-</p:sld>
-</file>
-
-<file path=ppt/slides/slide4.xml><?xml version="1.0" encoding="utf-8"?>
-<p:sld xmlns:a="http://schemas.openxmlformats.org/drawingml/2006/main" xmlns:r="http://schemas.openxmlformats.org/officeDocument/2006/relationships" xmlns:p="http://schemas.openxmlformats.org/presentationml/2006/main">
-  <p:cSld>
-    <p:spTree>
-      <p:nvGrpSpPr>
-        <p:cNvPr id="1" name=""/>
-        <p:cNvGrpSpPr/>
-        <p:nvPr/>
-      </p:nvGrpSpPr>
-      <p:grpSpPr>
-        <a:xfrm>
-          <a:off x="0" y="0"/>
-          <a:ext cx="0" cy="0"/>
-          <a:chOff x="0" y="0"/>
-          <a:chExt cx="0" cy="0"/>
-        </a:xfrm>
-      </p:grpSpPr>
-      <p:sp>
-        <p:nvSpPr>
-          <p:cNvPr id="2" name="Title 1"/>
-          <p:cNvSpPr>
-            <a:spLocks noGrp="1"/>
-          </p:cNvSpPr>
-          <p:nvPr>
-            <p:ph type="title"/>
-          </p:nvPr>
-        </p:nvSpPr>
-        <p:spPr>
-          <a:xfrm>
-            <a:off x="251518" y="0"/>
-            <a:ext cx="6093531" cy="427420"/>
-          </a:xfrm>
-        </p:spPr>
-        <p:txBody>
-          <a:bodyPr/>
-          <a:lstStyle/>
-          <a:p>
-            <a:r>
-              <a:rPr lang="x-none" altLang="en-US" dirty="0" smtClean="0"/>
-              <a:t>Longpolling / Ajax</a:t>
-            </a:r>
-            <a:endParaRPr lang="x-none" altLang="en-US" dirty="0"/>
-          </a:p>
-        </p:txBody>
-      </p:sp>
-      <p:pic>
-        <p:nvPicPr>
-          <p:cNvPr id="3" name="Picture 2" descr="ajax"/>
-          <p:cNvPicPr>
-            <a:picLocks noChangeAspect="1"/>
-          </p:cNvPicPr>
-          <p:nvPr/>
-        </p:nvPicPr>
-        <p:blipFill>
-          <a:blip r:embed="rId1"/>
-          <a:stretch>
-            <a:fillRect/>
-          </a:stretch>
-        </p:blipFill>
-        <p:spPr>
-          <a:xfrm>
-            <a:off x="46355" y="1118870"/>
-            <a:ext cx="9171305" cy="4828540"/>
-          </a:xfrm>
-          <a:prstGeom prst="rect">
-            <a:avLst/>
-          </a:prstGeom>
-        </p:spPr>
-      </p:pic>
-    </p:spTree>
-  </p:cSld>
-  <p:clrMapOvr>
-    <a:masterClrMapping/>
-  </p:clrMapOvr>
-  <p:transition spd="med"/>
-  <p:timing>
-    <p:tnLst>
-      <p:par>
-        <p:cTn id="1" dur="indefinite" restart="never" nodeType="tmRoot"/>
-      </p:par>
-    </p:tnLst>
-  </p:timing>
-</p:sld>
-</file>
-
-<file path=ppt/slides/slide5.xml><?xml version="1.0" encoding="utf-8"?>
-<p:sld xmlns:a="http://schemas.openxmlformats.org/drawingml/2006/main" xmlns:r="http://schemas.openxmlformats.org/officeDocument/2006/relationships" xmlns:p="http://schemas.openxmlformats.org/presentationml/2006/main">
-  <p:cSld>
-    <p:spTree>
-      <p:nvGrpSpPr>
-        <p:cNvPr id="1" name=""/>
-        <p:cNvGrpSpPr/>
-        <p:nvPr/>
-      </p:nvGrpSpPr>
-      <p:grpSpPr>
-        <a:xfrm>
-          <a:off x="0" y="0"/>
-          <a:ext cx="0" cy="0"/>
-          <a:chOff x="0" y="0"/>
-          <a:chExt cx="0" cy="0"/>
-        </a:xfrm>
-      </p:grpSpPr>
-      <p:sp>
-        <p:nvSpPr>
-          <p:cNvPr id="2" name="Title 1"/>
-          <p:cNvSpPr>
-            <a:spLocks noGrp="1"/>
-          </p:cNvSpPr>
-          <p:nvPr>
-            <p:ph type="title"/>
-          </p:nvPr>
-        </p:nvSpPr>
-        <p:spPr>
-          <a:xfrm>
-            <a:off x="251518" y="0"/>
-            <a:ext cx="6093531" cy="427420"/>
-          </a:xfrm>
-        </p:spPr>
-        <p:txBody>
-          <a:bodyPr/>
-          <a:lstStyle/>
-          <a:p>
-            <a:r>
-              <a:rPr lang="x-none" altLang="en-US" dirty="0" smtClean="0"/>
-              <a:t>Traditional request / response cycle</a:t>
-            </a:r>
-            <a:endParaRPr lang="x-none" altLang="en-US" dirty="0"/>
-          </a:p>
-        </p:txBody>
-      </p:sp>
-      <p:pic>
-        <p:nvPicPr>
-          <p:cNvPr id="3" name="Picture 2" descr="pubsub"/>
-          <p:cNvPicPr>
-            <a:picLocks noChangeAspect="1"/>
-          </p:cNvPicPr>
-          <p:nvPr/>
-        </p:nvPicPr>
-        <p:blipFill>
-          <a:blip r:embed="rId1"/>
-          <a:stretch>
-            <a:fillRect/>
-          </a:stretch>
-        </p:blipFill>
-        <p:spPr>
-          <a:xfrm>
-            <a:off x="313690" y="1094740"/>
-            <a:ext cx="8437880" cy="4714240"/>
-          </a:xfrm>
-          <a:prstGeom prst="rect">
-            <a:avLst/>
-          </a:prstGeom>
-        </p:spPr>
-      </p:pic>
-    </p:spTree>
-  </p:cSld>
-  <p:clrMapOvr>
-    <a:masterClrMapping/>
-  </p:clrMapOvr>
-  <p:transition spd="med"/>
-  <p:timing>
-    <p:tnLst>
-      <p:par>
-        <p:cTn id="1" dur="indefinite" restart="never" nodeType="tmRoot"/>
-      </p:par>
-    </p:tnLst>
-  </p:timing>
-</p:sld>
-</file>
-
-<file path=ppt/slides/slide6.xml><?xml version="1.0" encoding="utf-8"?>
-<p:sld xmlns:a="http://schemas.openxmlformats.org/drawingml/2006/main" xmlns:r="http://schemas.openxmlformats.org/officeDocument/2006/relationships" xmlns:p="http://schemas.openxmlformats.org/presentationml/2006/main">
-  <p:cSld>
-    <p:spTree>
-      <p:nvGrpSpPr>
-        <p:cNvPr id="1" name=""/>
-        <p:cNvGrpSpPr/>
-        <p:nvPr/>
-      </p:nvGrpSpPr>
-      <p:grpSpPr>
-        <a:xfrm>
-          <a:off x="0" y="0"/>
-          <a:ext cx="0" cy="0"/>
-          <a:chOff x="0" y="0"/>
-          <a:chExt cx="0" cy="0"/>
-        </a:xfrm>
-      </p:grpSpPr>
-      <p:sp>
-        <p:nvSpPr>
-          <p:cNvPr id="2" name="Title 1"/>
-          <p:cNvSpPr>
-            <a:spLocks noGrp="1"/>
-          </p:cNvSpPr>
-          <p:nvPr>
-            <p:ph type="title"/>
-          </p:nvPr>
-        </p:nvSpPr>
-        <p:spPr>
-          <a:xfrm>
-            <a:off x="251518" y="0"/>
-            <a:ext cx="6093531" cy="427420"/>
-          </a:xfrm>
-        </p:spPr>
-        <p:txBody>
-          <a:bodyPr/>
-          <a:lstStyle/>
-          <a:p>
-            <a:r>
-              <a:rPr lang="x-none" altLang="en-US" dirty="0" smtClean="0"/>
-              <a:t>Global Sphere / Local Sphere</a:t>
-            </a:r>
-            <a:endParaRPr lang="x-none" altLang="en-US" dirty="0"/>
-          </a:p>
-        </p:txBody>
-      </p:sp>
-      <p:pic>
-        <p:nvPicPr>
-          <p:cNvPr id="3" name="Picture 2" descr="local_sphere"/>
-          <p:cNvPicPr>
-            <a:picLocks noChangeAspect="1"/>
-          </p:cNvPicPr>
-          <p:nvPr/>
-        </p:nvPicPr>
-        <p:blipFill>
-          <a:blip r:embed="rId1"/>
-          <a:stretch>
-            <a:fillRect/>
-          </a:stretch>
-        </p:blipFill>
-        <p:spPr>
-          <a:xfrm>
-            <a:off x="230505" y="947420"/>
-            <a:ext cx="8632825" cy="5096510"/>
-          </a:xfrm>
-          <a:prstGeom prst="rect">
-            <a:avLst/>
-          </a:prstGeom>
-        </p:spPr>
-      </p:pic>
-    </p:spTree>
-  </p:cSld>
-  <p:clrMapOvr>
-    <a:masterClrMapping/>
-  </p:clrMapOvr>
-  <p:transition spd="med"/>
-  <p:timing>
-    <p:tnLst>
-      <p:par>
-        <p:cTn id="1" dur="indefinite" restart="never" nodeType="tmRoot"/>
-      </p:par>
-    </p:tnLst>
-  </p:timing>
-</p:sld>
-</file>
-
-<file path=ppt/slides/slide7.xml><?xml version="1.0" encoding="utf-8"?>
-<p:sld xmlns:a="http://schemas.openxmlformats.org/drawingml/2006/main" xmlns:r="http://schemas.openxmlformats.org/officeDocument/2006/relationships" xmlns:p="http://schemas.openxmlformats.org/presentationml/2006/main">
-  <p:cSld>
-    <p:spTree>
-      <p:nvGrpSpPr>
-        <p:cNvPr id="1" name=""/>
-        <p:cNvGrpSpPr/>
-        <p:nvPr/>
-      </p:nvGrpSpPr>
-      <p:grpSpPr>
-        <a:xfrm>
-          <a:off x="0" y="0"/>
-          <a:ext cx="0" cy="0"/>
-          <a:chOff x="0" y="0"/>
-          <a:chExt cx="0" cy="0"/>
-        </a:xfrm>
-      </p:grpSpPr>
-      <p:sp>
-        <p:nvSpPr>
-          <p:cNvPr id="2" name="Title 1"/>
-          <p:cNvSpPr>
-            <a:spLocks noGrp="1"/>
-          </p:cNvSpPr>
-          <p:nvPr>
-            <p:ph type="title"/>
-          </p:nvPr>
-        </p:nvSpPr>
-        <p:spPr>
-          <a:xfrm>
-            <a:off x="251518" y="0"/>
-            <a:ext cx="6093531" cy="427420"/>
-          </a:xfrm>
-        </p:spPr>
-        <p:txBody>
-          <a:bodyPr/>
-          <a:lstStyle/>
-          <a:p>
-            <a:r>
-              <a:rPr lang="x-none" altLang="en-US" dirty="0" smtClean="0"/>
-              <a:t>Traditional request / response cycle</a:t>
-            </a:r>
-            <a:endParaRPr lang="x-none" altLang="en-US" dirty="0"/>
-          </a:p>
-        </p:txBody>
-      </p:sp>
-      <p:pic>
-        <p:nvPicPr>
-          <p:cNvPr id="3" name="Picture 2" descr="bagging_vs_local_sphere"/>
-          <p:cNvPicPr>
-            <a:picLocks noChangeAspect="1"/>
-          </p:cNvPicPr>
-          <p:nvPr/>
-        </p:nvPicPr>
-        <p:blipFill>
-          <a:blip r:embed="rId1"/>
-          <a:stretch>
-            <a:fillRect/>
-          </a:stretch>
-        </p:blipFill>
-        <p:spPr>
-          <a:xfrm>
-            <a:off x="683260" y="2021840"/>
-            <a:ext cx="7695565" cy="2708910"/>
-          </a:xfrm>
-          <a:prstGeom prst="rect">
-            <a:avLst/>
-          </a:prstGeom>
-        </p:spPr>
-      </p:pic>
-    </p:spTree>
-  </p:cSld>
-  <p:clrMapOvr>
-    <a:masterClrMapping/>
-  </p:clrMapOvr>
-  <p:transition spd="med"/>
-  <p:timing>
-    <p:tnLst>
-      <p:par>
-        <p:cTn id="1" dur="indefinite" restart="never" nodeType="tmRoot"/>
-      </p:par>
-    </p:tnLst>
-  </p:timing>
-</p:sld>
-</file>
-
-<file path=ppt/slides/slide8.xml><?xml version="1.0" encoding="utf-8"?>
+<file path=ppt/slides/slide10.xml><?xml version="1.0" encoding="utf-8"?>
 <p:sld xmlns:a="http://schemas.openxmlformats.org/drawingml/2006/main" xmlns:r="http://schemas.openxmlformats.org/officeDocument/2006/relationships" xmlns:p="http://schemas.openxmlformats.org/presentationml/2006/main">
   <p:cSld>
     <p:spTree>
@@ -3230,18 +2802,10 @@
           </a:lstStyle>
           <a:p>
             <a:r>
-              <a:rPr lang="x-none" altLang="en-US" dirty="0" smtClean="0"/>
-              <a:t>GDPR - </a:t>
-            </a:r>
-            <a:r>
-              <a:rPr lang="en-US" dirty="0" smtClean="0"/>
-              <a:t>The right to be forgotten </a:t>
-            </a:r>
-            <a:r>
-              <a:rPr lang="x-none" altLang="en-US" dirty="0" smtClean="0"/>
-              <a:t>&amp; more...</a:t>
-            </a:r>
-            <a:endParaRPr lang="x-none" altLang="en-US" dirty="0" smtClean="0"/>
+              <a:rPr lang="x-none" dirty="0" smtClean="0"/>
+              <a:t>Proposed mechanism</a:t>
+            </a:r>
+            <a:endParaRPr lang="x-none" dirty="0" smtClean="0"/>
           </a:p>
         </p:txBody>
       </p:sp>
@@ -3253,8 +2817,8 @@
         </p:nvSpPr>
         <p:spPr>
           <a:xfrm>
-            <a:off x="295967" y="1091682"/>
-            <a:ext cx="8392341" cy="5253134"/>
+            <a:off x="295910" y="807720"/>
+            <a:ext cx="8392160" cy="5537835"/>
           </a:xfrm>
           <a:prstGeom prst="rect">
             <a:avLst/>
@@ -3420,7 +2984,99 @@
             </a:lvl9pPr>
           </a:lstStyle>
           <a:p>
-            <a:pPr defTabSz="676275">
+            <a:pPr marL="457200" indent="-457200" defTabSz="676275">
+              <a:spcBef>
+                <a:spcPts val="0"/>
+              </a:spcBef>
+              <a:buClr>
+                <a:srgbClr val="1F497D"/>
+              </a:buClr>
+              <a:buFont typeface="Arial" charset="0"/>
+              <a:buAutoNum type="arabicPeriod"/>
+              <a:defRPr sz="1800">
+                <a:solidFill>
+                  <a:srgbClr val="000000"/>
+                </a:solidFill>
+              </a:defRPr>
+            </a:pPr>
+            <a:r>
+              <a:rPr lang="en-US" sz="2400" dirty="0" smtClean="0">
+                <a:solidFill>
+                  <a:schemeClr val="accent1">
+                    <a:lumMod val="50000"/>
+                  </a:schemeClr>
+                </a:solidFill>
+              </a:rPr>
+              <a:t>Pub/Sub keeps the local sphere in sync with global data</a:t>
+            </a:r>
+            <a:endParaRPr lang="en-US" sz="2400" dirty="0" smtClean="0">
+              <a:solidFill>
+                <a:schemeClr val="accent1">
+                  <a:lumMod val="50000"/>
+                </a:schemeClr>
+              </a:solidFill>
+            </a:endParaRPr>
+          </a:p>
+          <a:p>
+            <a:pPr marL="457200" indent="-457200" defTabSz="676275">
+              <a:spcBef>
+                <a:spcPts val="0"/>
+              </a:spcBef>
+              <a:buClr>
+                <a:srgbClr val="1F497D"/>
+              </a:buClr>
+              <a:buFont typeface="Arial" charset="0"/>
+              <a:buAutoNum type="arabicPeriod"/>
+              <a:defRPr sz="1800">
+                <a:solidFill>
+                  <a:srgbClr val="000000"/>
+                </a:solidFill>
+              </a:defRPr>
+            </a:pPr>
+            <a:endParaRPr lang="en-US" sz="2400" dirty="0" smtClean="0">
+              <a:solidFill>
+                <a:schemeClr val="accent1">
+                  <a:lumMod val="50000"/>
+                </a:schemeClr>
+              </a:solidFill>
+            </a:endParaRPr>
+          </a:p>
+          <a:p>
+            <a:pPr marL="457200" indent="-457200" defTabSz="676275">
+              <a:spcBef>
+                <a:spcPts val="0"/>
+              </a:spcBef>
+              <a:buClr>
+                <a:srgbClr val="1F497D"/>
+              </a:buClr>
+              <a:buFont typeface="Arial" charset="0"/>
+              <a:buAutoNum type="arabicPeriod"/>
+              <a:defRPr sz="1800">
+                <a:solidFill>
+                  <a:srgbClr val="000000"/>
+                </a:solidFill>
+              </a:defRPr>
+            </a:pPr>
+            <a:r>
+              <a:rPr lang="en-US" sz="2400" dirty="0" smtClean="0">
+                <a:solidFill>
+                  <a:schemeClr val="accent1">
+                    <a:lumMod val="50000"/>
+                  </a:schemeClr>
+                </a:solidFill>
+              </a:rPr>
+              <a:t>Local algorithms compute recommendations</a:t>
+            </a:r>
+            <a:endParaRPr lang="en-US" sz="2400" dirty="0" smtClean="0">
+              <a:solidFill>
+                <a:schemeClr val="accent1">
+                  <a:lumMod val="50000"/>
+                </a:schemeClr>
+              </a:solidFill>
+            </a:endParaRPr>
+          </a:p>
+          <a:p>
+            <a:pPr marL="800100" lvl="1" indent="-342900" defTabSz="676275">
               <a:spcBef>
                 <a:spcPts val="0"/>
               </a:spcBef>
@@ -3443,7 +3099,7 @@
                   </a:schemeClr>
                 </a:solidFill>
               </a:rPr>
-              <a:t>Basically: A user has the right to have their data deleted from a database upon request</a:t>
+              <a:t>these can also come from a client-side crawler (like the FB crawler which scans URLs you paste into a comment field and extracts images from a website etc.)</a:t>
             </a:r>
             <a:endParaRPr lang="en-US" sz="2400" dirty="0" smtClean="0">
               <a:solidFill>
@@ -3454,7 +3110,7 @@
             </a:endParaRPr>
           </a:p>
           <a:p>
-            <a:pPr defTabSz="676275">
+            <a:pPr marL="800100" lvl="1" indent="-342900" defTabSz="676275">
               <a:spcBef>
                 <a:spcPts val="0"/>
               </a:spcBef>
@@ -3478,7 +3134,7 @@
             </a:endParaRPr>
           </a:p>
           <a:p>
-            <a:pPr defTabSz="676275">
+            <a:pPr marL="457200" indent="-457200" defTabSz="676275">
               <a:spcBef>
                 <a:spcPts val="0"/>
               </a:spcBef>
@@ -3486,7 +3142,7 @@
                 <a:srgbClr val="1F497D"/>
               </a:buClr>
               <a:buFont typeface="Arial" charset="0"/>
-              <a:buChar char="•"/>
+              <a:buAutoNum type="arabicPeriod"/>
               <a:defRPr sz="1800">
                 <a:solidFill>
                   <a:srgbClr val="000000"/>
@@ -3494,16 +3150,16 @@
               </a:defRPr>
             </a:pPr>
             <a:r>
-              <a:rPr lang="x-none" altLang="en-US" sz="2400" dirty="0" smtClean="0">
+              <a:rPr lang="en-US" sz="2400" dirty="0" smtClean="0">
                 <a:solidFill>
                   <a:schemeClr val="accent1">
                     <a:lumMod val="50000"/>
                   </a:schemeClr>
                 </a:solidFill>
               </a:rPr>
-              <a:t>The processing of personal data is expressely prohibited: age, race, income, socioeconomic status...</a:t>
-            </a:r>
-            <a:endParaRPr lang="x-none" altLang="en-US" sz="2400" dirty="0" smtClean="0">
+              <a:t>Upon user acceptance, a new node is introduced into the local sphere + updated to the global sphere</a:t>
+            </a:r>
+            <a:endParaRPr lang="en-US" sz="2400" dirty="0" smtClean="0">
               <a:solidFill>
                 <a:schemeClr val="accent1">
                   <a:lumMod val="50000"/>
@@ -3512,7 +3168,7 @@
             </a:endParaRPr>
           </a:p>
           <a:p>
-            <a:pPr defTabSz="676275">
+            <a:pPr marL="457200" indent="-457200" defTabSz="676275">
               <a:spcBef>
                 <a:spcPts val="0"/>
               </a:spcBef>
@@ -3520,14 +3176,14 @@
                 <a:srgbClr val="1F497D"/>
               </a:buClr>
               <a:buFont typeface="Arial" charset="0"/>
-              <a:buChar char="•"/>
+              <a:buAutoNum type="arabicPeriod"/>
               <a:defRPr sz="1800">
                 <a:solidFill>
                   <a:srgbClr val="000000"/>
                 </a:solidFill>
               </a:defRPr>
             </a:pPr>
-            <a:endParaRPr lang="x-none" altLang="en-US" sz="2400" dirty="0" smtClean="0">
+            <a:endParaRPr lang="en-US" sz="2400" dirty="0" smtClean="0">
               <a:solidFill>
                 <a:schemeClr val="accent1">
                   <a:lumMod val="50000"/>
@@ -3536,7 +3192,7 @@
             </a:endParaRPr>
           </a:p>
           <a:p>
-            <a:pPr defTabSz="676275">
+            <a:pPr marL="457200" indent="-457200" defTabSz="676275">
               <a:spcBef>
                 <a:spcPts val="0"/>
               </a:spcBef>
@@ -3544,7 +3200,7 @@
                 <a:srgbClr val="1F497D"/>
               </a:buClr>
               <a:buFont typeface="Arial" charset="0"/>
-              <a:buChar char="•"/>
+              <a:buAutoNum type="arabicPeriod"/>
               <a:defRPr sz="1800">
                 <a:solidFill>
                   <a:srgbClr val="000000"/>
@@ -3552,16 +3208,16 @@
               </a:defRPr>
             </a:pPr>
             <a:r>
-              <a:rPr lang="x-none" altLang="en-US" sz="2400" dirty="0" smtClean="0">
+              <a:rPr lang="en-US" sz="2400" dirty="0" smtClean="0">
                 <a:solidFill>
                   <a:schemeClr val="accent1">
                     <a:lumMod val="50000"/>
                   </a:schemeClr>
                 </a:solidFill>
               </a:rPr>
-              <a:t>BUT: algorithms must not be implicitly discriminating either!</a:t>
-            </a:r>
-            <a:endParaRPr lang="x-none" altLang="en-US" sz="2400" dirty="0" smtClean="0">
+              <a:t>Client devices with overlapping local spheres now receive that node in the background</a:t>
+            </a:r>
+            <a:endParaRPr lang="en-US" sz="2400" dirty="0" smtClean="0">
               <a:solidFill>
                 <a:schemeClr val="accent1">
                   <a:lumMod val="50000"/>
@@ -3570,7 +3226,7 @@
             </a:endParaRPr>
           </a:p>
           <a:p>
-            <a:pPr defTabSz="676275">
+            <a:pPr marL="457200" indent="-457200" defTabSz="676275">
               <a:spcBef>
                 <a:spcPts val="0"/>
               </a:spcBef>
@@ -3578,14 +3234,14 @@
                 <a:srgbClr val="1F497D"/>
               </a:buClr>
               <a:buFont typeface="Arial" charset="0"/>
-              <a:buChar char="•"/>
+              <a:buAutoNum type="arabicPeriod"/>
               <a:defRPr sz="1800">
                 <a:solidFill>
                   <a:srgbClr val="000000"/>
                 </a:solidFill>
               </a:defRPr>
             </a:pPr>
-            <a:endParaRPr lang="x-none" altLang="en-US" sz="2400" dirty="0" smtClean="0">
+            <a:endParaRPr lang="en-US" sz="2400" dirty="0" smtClean="0">
               <a:solidFill>
                 <a:schemeClr val="accent1">
                   <a:lumMod val="50000"/>
@@ -3594,7 +3250,7 @@
             </a:endParaRPr>
           </a:p>
           <a:p>
-            <a:pPr defTabSz="676275">
+            <a:pPr marL="457200" indent="-457200" defTabSz="676275">
               <a:spcBef>
                 <a:spcPts val="0"/>
               </a:spcBef>
@@ -3602,7 +3258,7 @@
                 <a:srgbClr val="1F497D"/>
               </a:buClr>
               <a:buFont typeface="Arial" charset="0"/>
-              <a:buChar char="•"/>
+              <a:buAutoNum type="arabicPeriod"/>
               <a:defRPr sz="1800">
                 <a:solidFill>
                   <a:srgbClr val="000000"/>
@@ -3610,16 +3266,16 @@
               </a:defRPr>
             </a:pPr>
             <a:r>
-              <a:rPr lang="x-none" altLang="en-US" sz="2400" dirty="0" smtClean="0">
+              <a:rPr lang="en-US" sz="2400" dirty="0" smtClean="0">
                 <a:solidFill>
                   <a:schemeClr val="accent1">
                     <a:lumMod val="50000"/>
                   </a:schemeClr>
                 </a:solidFill>
               </a:rPr>
-              <a:t>Think about recommender systems... just collaborative filtering...</a:t>
-            </a:r>
-            <a:endParaRPr lang="x-none" altLang="en-US" sz="2400" dirty="0" smtClean="0">
+              <a:t>Their recommenders respond...</a:t>
+            </a:r>
+            <a:endParaRPr lang="en-US" sz="2400" dirty="0" smtClean="0">
               <a:solidFill>
                 <a:schemeClr val="accent1">
                   <a:lumMod val="50000"/>
@@ -3628,7 +3284,7 @@
             </a:endParaRPr>
           </a:p>
           <a:p>
-            <a:pPr defTabSz="676275">
+            <a:pPr marL="457200" indent="-457200" defTabSz="676275">
               <a:spcBef>
                 <a:spcPts val="0"/>
               </a:spcBef>
@@ -3636,95 +3292,7 @@
                 <a:srgbClr val="1F497D"/>
               </a:buClr>
               <a:buFont typeface="Arial" charset="0"/>
-              <a:buChar char="•"/>
-              <a:defRPr sz="1800">
-                <a:solidFill>
-                  <a:srgbClr val="000000"/>
-                </a:solidFill>
-              </a:defRPr>
-            </a:pPr>
-            <a:endParaRPr lang="en-US" sz="2400" dirty="0">
-              <a:solidFill>
-                <a:schemeClr val="accent1">
-                  <a:lumMod val="50000"/>
-                </a:schemeClr>
-              </a:solidFill>
-            </a:endParaRPr>
-          </a:p>
-          <a:p>
-            <a:pPr defTabSz="676275">
-              <a:spcBef>
-                <a:spcPts val="0"/>
-              </a:spcBef>
-              <a:buClr>
-                <a:srgbClr val="1F497D"/>
-              </a:buClr>
-              <a:buFont typeface="Arial" charset="0"/>
-              <a:buChar char="•"/>
-              <a:defRPr sz="1800">
-                <a:solidFill>
-                  <a:srgbClr val="000000"/>
-                </a:solidFill>
-              </a:defRPr>
-            </a:pPr>
-            <a:r>
-              <a:rPr lang="en-US" sz="2400" dirty="0" smtClean="0">
-                <a:solidFill>
-                  <a:schemeClr val="accent1">
-                    <a:lumMod val="50000"/>
-                  </a:schemeClr>
-                </a:solidFill>
-              </a:rPr>
-              <a:t>From </a:t>
-            </a:r>
-            <a:r>
-              <a:rPr lang="x-none" altLang="en-US" sz="2400" dirty="0" smtClean="0">
-                <a:solidFill>
-                  <a:schemeClr val="accent1">
-                    <a:lumMod val="50000"/>
-                  </a:schemeClr>
-                </a:solidFill>
-              </a:rPr>
-              <a:t>May </a:t>
-            </a:r>
-            <a:r>
-              <a:rPr lang="en-US" sz="2400" dirty="0" smtClean="0">
-                <a:solidFill>
-                  <a:schemeClr val="accent1">
-                    <a:lumMod val="50000"/>
-                  </a:schemeClr>
-                </a:solidFill>
-              </a:rPr>
-              <a:t>2018 onwards, the </a:t>
-            </a:r>
-            <a:r>
-              <a:rPr lang="x-none" altLang="en-US" sz="2400" dirty="0" smtClean="0">
-                <a:solidFill>
-                  <a:schemeClr val="accent1">
-                    <a:lumMod val="50000"/>
-                  </a:schemeClr>
-                </a:solidFill>
-              </a:rPr>
-              <a:t>GDPR will come into force and violations carry a severe penalty (like 4% of revenue)</a:t>
-            </a:r>
-            <a:endParaRPr lang="x-none" altLang="en-US" sz="2400" dirty="0" smtClean="0">
-              <a:solidFill>
-                <a:schemeClr val="accent1">
-                  <a:lumMod val="50000"/>
-                </a:schemeClr>
-              </a:solidFill>
-            </a:endParaRPr>
-          </a:p>
-          <a:p>
-            <a:pPr marL="0" indent="0" defTabSz="676275">
-              <a:spcBef>
-                <a:spcPts val="0"/>
-              </a:spcBef>
-              <a:buClr>
-                <a:srgbClr val="1F497D"/>
-              </a:buClr>
-              <a:buFont typeface="Arial" charset="0"/>
-              <a:buNone/>
+              <a:buAutoNum type="arabicPeriod"/>
               <a:defRPr sz="1800">
                 <a:solidFill>
                   <a:srgbClr val="000000"/>
@@ -3757,7 +3325,236 @@
 </p:sld>
 </file>
 
-<file path=ppt/slides/slide9.xml><?xml version="1.0" encoding="utf-8"?>
+<file path=ppt/slides/slide11.xml><?xml version="1.0" encoding="utf-8"?>
+<p:sld xmlns:a="http://schemas.openxmlformats.org/drawingml/2006/main" xmlns:r="http://schemas.openxmlformats.org/officeDocument/2006/relationships" xmlns:p="http://schemas.openxmlformats.org/presentationml/2006/main">
+  <p:cSld>
+    <p:spTree>
+      <p:nvGrpSpPr>
+        <p:cNvPr id="1" name=""/>
+        <p:cNvGrpSpPr/>
+        <p:nvPr/>
+      </p:nvGrpSpPr>
+      <p:grpSpPr>
+        <a:xfrm>
+          <a:off x="0" y="0"/>
+          <a:ext cx="0" cy="0"/>
+          <a:chOff x="0" y="0"/>
+          <a:chExt cx="0" cy="0"/>
+        </a:xfrm>
+      </p:grpSpPr>
+      <p:sp>
+        <p:nvSpPr>
+          <p:cNvPr id="2" name="Title 1"/>
+          <p:cNvSpPr>
+            <a:spLocks noGrp="1"/>
+          </p:cNvSpPr>
+          <p:nvPr>
+            <p:ph type="title"/>
+          </p:nvPr>
+        </p:nvSpPr>
+        <p:spPr>
+          <a:xfrm>
+            <a:off x="251518" y="0"/>
+            <a:ext cx="6093531" cy="427420"/>
+          </a:xfrm>
+        </p:spPr>
+        <p:txBody>
+          <a:bodyPr/>
+          <a:lstStyle/>
+          <a:p>
+            <a:r>
+              <a:rPr lang="x-none" altLang="en-US" dirty="0" smtClean="0"/>
+              <a:t>Machine Learning / Conclusion</a:t>
+            </a:r>
+            <a:endParaRPr lang="x-none" altLang="en-US" dirty="0"/>
+          </a:p>
+        </p:txBody>
+      </p:sp>
+      <p:pic>
+        <p:nvPicPr>
+          <p:cNvPr id="3" name="Picture 2" descr="bagging_vs_local_sphere"/>
+          <p:cNvPicPr>
+            <a:picLocks noChangeAspect="1"/>
+          </p:cNvPicPr>
+          <p:nvPr/>
+        </p:nvPicPr>
+        <p:blipFill>
+          <a:blip r:embed="rId1"/>
+          <a:stretch>
+            <a:fillRect/>
+          </a:stretch>
+        </p:blipFill>
+        <p:spPr>
+          <a:xfrm>
+            <a:off x="683260" y="3404870"/>
+            <a:ext cx="7695565" cy="2708910"/>
+          </a:xfrm>
+          <a:prstGeom prst="rect">
+            <a:avLst/>
+          </a:prstGeom>
+        </p:spPr>
+      </p:pic>
+      <p:sp>
+        <p:nvSpPr>
+          <p:cNvPr id="5" name="Text Box 4"/>
+          <p:cNvSpPr txBox="1"/>
+          <p:nvPr/>
+        </p:nvSpPr>
+        <p:spPr>
+          <a:xfrm>
+            <a:off x="440690" y="1041400"/>
+            <a:ext cx="8330565" cy="2287905"/>
+          </a:xfrm>
+          <a:prstGeom prst="rect">
+            <a:avLst/>
+          </a:prstGeom>
+          <a:noFill/>
+          <a:ln w="12700" cap="flat">
+            <a:noFill/>
+            <a:miter lim="400000"/>
+          </a:ln>
+        </p:spPr>
+        <p:style>
+          <a:lnRef idx="0">
+            <a:scrgbClr r="0" g="0" b="0"/>
+          </a:lnRef>
+          <a:fillRef idx="0">
+            <a:scrgbClr r="0" g="0" b="0"/>
+          </a:fillRef>
+          <a:effectRef idx="0">
+            <a:scrgbClr r="0" g="0" b="0"/>
+          </a:effectRef>
+          <a:fontRef idx="none"/>
+        </p:style>
+        <p:txBody>
+          <a:bodyPr rot="0" vertOverflow="overflow" horzOverflow="overflow" vert="horz" wrap="square" lIns="45718" tIns="45718" rIns="45718" bIns="45718" numCol="1" spcCol="38100" rtlCol="0" anchor="t" forceAA="0">
+            <a:spAutoFit/>
+          </a:bodyPr>
+          <a:p>
+            <a:pPr marL="457200" indent="-457200" defTabSz="676275">
+              <a:spcBef>
+                <a:spcPts val="0"/>
+              </a:spcBef>
+              <a:buClr>
+                <a:srgbClr val="1F497D"/>
+              </a:buClr>
+              <a:buFont typeface="Arial" charset="0"/>
+              <a:buChar char="•"/>
+              <a:defRPr sz="1800">
+                <a:solidFill>
+                  <a:srgbClr val="000000"/>
+                </a:solidFill>
+              </a:defRPr>
+            </a:pPr>
+            <a:r>
+              <a:rPr lang="x-none" altLang="en-US" sz="2400" dirty="0" smtClean="0">
+                <a:solidFill>
+                  <a:schemeClr val="accent1">
+                    <a:lumMod val="50000"/>
+                  </a:schemeClr>
+                </a:solidFill>
+                <a:latin typeface="Calibri"/>
+                <a:sym typeface="+mn-ea"/>
+              </a:rPr>
+              <a:t>Maybe it's even possible to implement Machine Learning paradigms on such a distributed platform (see bagging below)</a:t>
+            </a:r>
+            <a:endParaRPr lang="x-none" altLang="en-US" sz="2400" dirty="0" smtClean="0">
+              <a:solidFill>
+                <a:schemeClr val="accent1">
+                  <a:lumMod val="50000"/>
+                </a:schemeClr>
+              </a:solidFill>
+              <a:latin typeface="Calibri"/>
+            </a:endParaRPr>
+          </a:p>
+          <a:p>
+            <a:pPr marL="457200" indent="-457200" defTabSz="676275">
+              <a:spcBef>
+                <a:spcPts val="0"/>
+              </a:spcBef>
+              <a:buClr>
+                <a:srgbClr val="1F497D"/>
+              </a:buClr>
+              <a:buFont typeface="Arial" charset="0"/>
+              <a:buChar char="•"/>
+              <a:defRPr sz="1800">
+                <a:solidFill>
+                  <a:srgbClr val="000000"/>
+                </a:solidFill>
+              </a:defRPr>
+            </a:pPr>
+            <a:endParaRPr lang="en-US" sz="2400" dirty="0" smtClean="0">
+              <a:solidFill>
+                <a:schemeClr val="accent1">
+                  <a:lumMod val="50000"/>
+                </a:schemeClr>
+              </a:solidFill>
+              <a:latin typeface="Calibri"/>
+              <a:sym typeface="+mn-ea"/>
+            </a:endParaRPr>
+          </a:p>
+          <a:p>
+            <a:pPr marL="457200" indent="-457200" defTabSz="676275">
+              <a:spcBef>
+                <a:spcPts val="0"/>
+              </a:spcBef>
+              <a:buClr>
+                <a:srgbClr val="1F497D"/>
+              </a:buClr>
+              <a:buFont typeface="Arial" charset="0"/>
+              <a:buChar char="•"/>
+              <a:defRPr sz="1800">
+                <a:solidFill>
+                  <a:srgbClr val="000000"/>
+                </a:solidFill>
+              </a:defRPr>
+            </a:pPr>
+            <a:r>
+              <a:rPr lang="x-none" altLang="en-US" sz="2400" dirty="0" smtClean="0">
+                <a:solidFill>
+                  <a:schemeClr val="accent1">
+                    <a:lumMod val="50000"/>
+                  </a:schemeClr>
+                </a:solidFill>
+                <a:latin typeface="Calibri"/>
+                <a:sym typeface="+mn-ea"/>
+              </a:rPr>
+              <a:t>In the end, we might not even have to curate a global graph anymore - it could be a 'ghost-like', implicit instantiation of the sum of all local spheres....</a:t>
+            </a:r>
+            <a:endParaRPr kumimoji="0" lang="x-none" altLang="en-US" sz="2400" b="0" i="0" u="none" strike="noStrike" cap="none" spc="0" normalizeH="0" baseline="0">
+              <a:ln>
+                <a:noFill/>
+              </a:ln>
+              <a:solidFill>
+                <a:srgbClr val="000000"/>
+              </a:solidFill>
+              <a:effectLst/>
+              <a:uFillTx/>
+              <a:latin typeface="Calibri"/>
+              <a:ea typeface="+mj-ea"/>
+              <a:cs typeface="+mj-cs"/>
+              <a:sym typeface="Helvetica"/>
+            </a:endParaRPr>
+          </a:p>
+        </p:txBody>
+      </p:sp>
+    </p:spTree>
+  </p:cSld>
+  <p:clrMapOvr>
+    <a:masterClrMapping/>
+  </p:clrMapOvr>
+  <p:transition spd="med"/>
+  <p:timing>
+    <p:tnLst>
+      <p:par>
+        <p:cTn id="1" dur="indefinite" restart="never" nodeType="tmRoot"/>
+      </p:par>
+    </p:tnLst>
+  </p:timing>
+</p:sld>
+</file>
+
+<file path=ppt/slides/slide12.xml><?xml version="1.0" encoding="utf-8"?>
 <p:sld xmlns:a="http://schemas.openxmlformats.org/drawingml/2006/main" xmlns:r="http://schemas.openxmlformats.org/officeDocument/2006/relationships" xmlns:p="http://schemas.openxmlformats.org/presentationml/2006/main">
   <p:cSld>
     <p:spTree>
@@ -3852,6 +3649,2715 @@
           </a:p>
         </p:txBody>
       </p:sp>
+    </p:spTree>
+  </p:cSld>
+  <p:clrMapOvr>
+    <a:masterClrMapping/>
+  </p:clrMapOvr>
+  <p:transition spd="med"/>
+  <p:timing>
+    <p:tnLst>
+      <p:par>
+        <p:cTn id="1" dur="indefinite" restart="never" nodeType="tmRoot"/>
+      </p:par>
+    </p:tnLst>
+  </p:timing>
+</p:sld>
+</file>
+
+<file path=ppt/slides/slide2.xml><?xml version="1.0" encoding="utf-8"?>
+<p:sld xmlns:a="http://schemas.openxmlformats.org/drawingml/2006/main" xmlns:r="http://schemas.openxmlformats.org/officeDocument/2006/relationships" xmlns:p="http://schemas.openxmlformats.org/presentationml/2006/main">
+  <p:cSld>
+    <p:spTree>
+      <p:nvGrpSpPr>
+        <p:cNvPr id="1" name=""/>
+        <p:cNvGrpSpPr/>
+        <p:nvPr/>
+      </p:nvGrpSpPr>
+      <p:grpSpPr>
+        <a:xfrm>
+          <a:off x="0" y="0"/>
+          <a:ext cx="0" cy="0"/>
+          <a:chOff x="0" y="0"/>
+          <a:chExt cx="0" cy="0"/>
+        </a:xfrm>
+      </p:grpSpPr>
+      <p:sp>
+        <p:nvSpPr>
+          <p:cNvPr id="2" name="Title 1"/>
+          <p:cNvSpPr txBox="1"/>
+          <p:nvPr/>
+        </p:nvSpPr>
+        <p:spPr>
+          <a:xfrm>
+            <a:off x="253746" y="-11495"/>
+            <a:ext cx="7227146" cy="427420"/>
+          </a:xfrm>
+          <a:prstGeom prst="rect">
+            <a:avLst/>
+          </a:prstGeom>
+        </p:spPr>
+        <p:txBody>
+          <a:bodyPr/>
+          <a:lstStyle>
+            <a:lvl1pPr>
+              <a:defRPr sz="2400" b="1">
+                <a:solidFill>
+                  <a:srgbClr val="1F497D"/>
+                </a:solidFill>
+                <a:latin typeface="Calibri"/>
+                <a:ea typeface="Calibri"/>
+                <a:cs typeface="Calibri"/>
+                <a:sym typeface="Calibri"/>
+              </a:defRPr>
+            </a:lvl1pPr>
+            <a:lvl2pPr>
+              <a:defRPr sz="2400" b="1">
+                <a:solidFill>
+                  <a:srgbClr val="1F497D"/>
+                </a:solidFill>
+                <a:latin typeface="Calibri"/>
+                <a:ea typeface="Calibri"/>
+                <a:cs typeface="Calibri"/>
+                <a:sym typeface="Calibri"/>
+              </a:defRPr>
+            </a:lvl2pPr>
+            <a:lvl3pPr>
+              <a:defRPr sz="2400" b="1">
+                <a:solidFill>
+                  <a:srgbClr val="1F497D"/>
+                </a:solidFill>
+                <a:latin typeface="Calibri"/>
+                <a:ea typeface="Calibri"/>
+                <a:cs typeface="Calibri"/>
+                <a:sym typeface="Calibri"/>
+              </a:defRPr>
+            </a:lvl3pPr>
+            <a:lvl4pPr>
+              <a:defRPr sz="2400" b="1">
+                <a:solidFill>
+                  <a:srgbClr val="1F497D"/>
+                </a:solidFill>
+                <a:latin typeface="Calibri"/>
+                <a:ea typeface="Calibri"/>
+                <a:cs typeface="Calibri"/>
+                <a:sym typeface="Calibri"/>
+              </a:defRPr>
+            </a:lvl4pPr>
+            <a:lvl5pPr>
+              <a:defRPr sz="2400" b="1">
+                <a:solidFill>
+                  <a:srgbClr val="1F497D"/>
+                </a:solidFill>
+                <a:latin typeface="Calibri"/>
+                <a:ea typeface="Calibri"/>
+                <a:cs typeface="Calibri"/>
+                <a:sym typeface="Calibri"/>
+              </a:defRPr>
+            </a:lvl5pPr>
+            <a:lvl6pPr>
+              <a:defRPr sz="2400" b="1">
+                <a:solidFill>
+                  <a:srgbClr val="1F497D"/>
+                </a:solidFill>
+                <a:latin typeface="Calibri"/>
+                <a:ea typeface="Calibri"/>
+                <a:cs typeface="Calibri"/>
+                <a:sym typeface="Calibri"/>
+              </a:defRPr>
+            </a:lvl6pPr>
+            <a:lvl7pPr>
+              <a:defRPr sz="2400" b="1">
+                <a:solidFill>
+                  <a:srgbClr val="1F497D"/>
+                </a:solidFill>
+                <a:latin typeface="Calibri"/>
+                <a:ea typeface="Calibri"/>
+                <a:cs typeface="Calibri"/>
+                <a:sym typeface="Calibri"/>
+              </a:defRPr>
+            </a:lvl7pPr>
+            <a:lvl8pPr>
+              <a:defRPr sz="2400" b="1">
+                <a:solidFill>
+                  <a:srgbClr val="1F497D"/>
+                </a:solidFill>
+                <a:latin typeface="Calibri"/>
+                <a:ea typeface="Calibri"/>
+                <a:cs typeface="Calibri"/>
+                <a:sym typeface="Calibri"/>
+              </a:defRPr>
+            </a:lvl8pPr>
+            <a:lvl9pPr>
+              <a:defRPr sz="2400" b="1">
+                <a:solidFill>
+                  <a:srgbClr val="1F497D"/>
+                </a:solidFill>
+                <a:latin typeface="Calibri"/>
+                <a:ea typeface="Calibri"/>
+                <a:cs typeface="Calibri"/>
+                <a:sym typeface="Calibri"/>
+              </a:defRPr>
+            </a:lvl9pPr>
+          </a:lstStyle>
+          <a:p>
+            <a:r>
+              <a:rPr lang="x-none" dirty="0" smtClean="0"/>
+              <a:t>Introduction and Motivation</a:t>
+            </a:r>
+            <a:endParaRPr lang="x-none" dirty="0" smtClean="0"/>
+          </a:p>
+        </p:txBody>
+      </p:sp>
+      <p:sp>
+        <p:nvSpPr>
+          <p:cNvPr id="3" name="Shape 34"/>
+          <p:cNvSpPr txBox="1"/>
+          <p:nvPr/>
+        </p:nvSpPr>
+        <p:spPr>
+          <a:xfrm>
+            <a:off x="295910" y="1116965"/>
+            <a:ext cx="8392160" cy="5230495"/>
+          </a:xfrm>
+          <a:prstGeom prst="rect">
+            <a:avLst/>
+          </a:prstGeom>
+        </p:spPr>
+        <p:txBody>
+          <a:bodyPr>
+            <a:noAutofit/>
+          </a:bodyPr>
+          <a:lstStyle>
+            <a:lvl1pPr marL="342900" indent="-342900">
+              <a:spcBef>
+                <a:spcPts val="700"/>
+              </a:spcBef>
+              <a:buSzPct val="100000"/>
+              <a:buFont typeface="Wingdings" panose="05000000000000000000" charset="2"/>
+              <a:buChar char="▪"/>
+              <a:defRPr sz="3200">
+                <a:solidFill>
+                  <a:srgbClr val="1F497D"/>
+                </a:solidFill>
+                <a:latin typeface="Calibri"/>
+                <a:ea typeface="Calibri"/>
+                <a:cs typeface="Calibri"/>
+                <a:sym typeface="Calibri"/>
+              </a:defRPr>
+            </a:lvl1pPr>
+            <a:lvl2pPr marL="783590" indent="-326390">
+              <a:spcBef>
+                <a:spcPts val="700"/>
+              </a:spcBef>
+              <a:buSzPct val="100000"/>
+              <a:buFont typeface="Wingdings" panose="05000000000000000000" charset="2"/>
+              <a:buChar char="▪"/>
+              <a:defRPr sz="3200">
+                <a:solidFill>
+                  <a:srgbClr val="1F497D"/>
+                </a:solidFill>
+                <a:latin typeface="Calibri"/>
+                <a:ea typeface="Calibri"/>
+                <a:cs typeface="Calibri"/>
+                <a:sym typeface="Calibri"/>
+              </a:defRPr>
+            </a:lvl2pPr>
+            <a:lvl3pPr marL="1219200" indent="-304800">
+              <a:spcBef>
+                <a:spcPts val="700"/>
+              </a:spcBef>
+              <a:buSzPct val="100000"/>
+              <a:buFont typeface="Wingdings" panose="05000000000000000000" charset="2"/>
+              <a:buChar char="▪"/>
+              <a:defRPr sz="3200">
+                <a:solidFill>
+                  <a:srgbClr val="1F497D"/>
+                </a:solidFill>
+                <a:latin typeface="Calibri"/>
+                <a:ea typeface="Calibri"/>
+                <a:cs typeface="Calibri"/>
+                <a:sym typeface="Calibri"/>
+              </a:defRPr>
+            </a:lvl3pPr>
+            <a:lvl4pPr marL="1737360" indent="-365760">
+              <a:spcBef>
+                <a:spcPts val="700"/>
+              </a:spcBef>
+              <a:buSzPct val="100000"/>
+              <a:buFont typeface="Wingdings" panose="05000000000000000000" charset="2"/>
+              <a:buChar char="▪"/>
+              <a:defRPr sz="3200">
+                <a:solidFill>
+                  <a:srgbClr val="1F497D"/>
+                </a:solidFill>
+                <a:latin typeface="Calibri"/>
+                <a:ea typeface="Calibri"/>
+                <a:cs typeface="Calibri"/>
+                <a:sym typeface="Calibri"/>
+              </a:defRPr>
+            </a:lvl4pPr>
+            <a:lvl5pPr marL="2194560" indent="-365760">
+              <a:spcBef>
+                <a:spcPts val="700"/>
+              </a:spcBef>
+              <a:buSzPct val="100000"/>
+              <a:buFont typeface="Wingdings" panose="05000000000000000000" charset="2"/>
+              <a:buChar char="▪"/>
+              <a:defRPr sz="3200">
+                <a:solidFill>
+                  <a:srgbClr val="1F497D"/>
+                </a:solidFill>
+                <a:latin typeface="Calibri"/>
+                <a:ea typeface="Calibri"/>
+                <a:cs typeface="Calibri"/>
+                <a:sym typeface="Calibri"/>
+              </a:defRPr>
+            </a:lvl5pPr>
+            <a:lvl6pPr marL="2651760" indent="-365760">
+              <a:spcBef>
+                <a:spcPts val="700"/>
+              </a:spcBef>
+              <a:buSzPct val="100000"/>
+              <a:buFont typeface="Wingdings" panose="05000000000000000000" charset="2"/>
+              <a:buChar char="•"/>
+              <a:defRPr sz="3200">
+                <a:solidFill>
+                  <a:srgbClr val="1F497D"/>
+                </a:solidFill>
+                <a:latin typeface="Calibri"/>
+                <a:ea typeface="Calibri"/>
+                <a:cs typeface="Calibri"/>
+                <a:sym typeface="Calibri"/>
+              </a:defRPr>
+            </a:lvl6pPr>
+            <a:lvl7pPr marL="3108960" indent="-365760">
+              <a:spcBef>
+                <a:spcPts val="700"/>
+              </a:spcBef>
+              <a:buSzPct val="100000"/>
+              <a:buFont typeface="Wingdings" panose="05000000000000000000" charset="2"/>
+              <a:buChar char="•"/>
+              <a:defRPr sz="3200">
+                <a:solidFill>
+                  <a:srgbClr val="1F497D"/>
+                </a:solidFill>
+                <a:latin typeface="Calibri"/>
+                <a:ea typeface="Calibri"/>
+                <a:cs typeface="Calibri"/>
+                <a:sym typeface="Calibri"/>
+              </a:defRPr>
+            </a:lvl7pPr>
+            <a:lvl8pPr marL="3566160" indent="-365760">
+              <a:spcBef>
+                <a:spcPts val="700"/>
+              </a:spcBef>
+              <a:buSzPct val="100000"/>
+              <a:buFont typeface="Wingdings" panose="05000000000000000000" charset="2"/>
+              <a:buChar char="•"/>
+              <a:defRPr sz="3200">
+                <a:solidFill>
+                  <a:srgbClr val="1F497D"/>
+                </a:solidFill>
+                <a:latin typeface="Calibri"/>
+                <a:ea typeface="Calibri"/>
+                <a:cs typeface="Calibri"/>
+                <a:sym typeface="Calibri"/>
+              </a:defRPr>
+            </a:lvl8pPr>
+            <a:lvl9pPr marL="4023360" indent="-365760">
+              <a:spcBef>
+                <a:spcPts val="700"/>
+              </a:spcBef>
+              <a:buSzPct val="100000"/>
+              <a:buFont typeface="Wingdings" panose="05000000000000000000" charset="2"/>
+              <a:buChar char="•"/>
+              <a:defRPr sz="3200">
+                <a:solidFill>
+                  <a:srgbClr val="1F497D"/>
+                </a:solidFill>
+                <a:latin typeface="Calibri"/>
+                <a:ea typeface="Calibri"/>
+                <a:cs typeface="Calibri"/>
+                <a:sym typeface="Calibri"/>
+              </a:defRPr>
+            </a:lvl9pPr>
+          </a:lstStyle>
+          <a:p>
+            <a:pPr defTabSz="676275">
+              <a:spcBef>
+                <a:spcPts val="0"/>
+              </a:spcBef>
+              <a:buClr>
+                <a:srgbClr val="1F497D"/>
+              </a:buClr>
+              <a:buFont typeface="Arial" charset="0"/>
+              <a:buChar char="•"/>
+              <a:defRPr sz="1800">
+                <a:solidFill>
+                  <a:srgbClr val="000000"/>
+                </a:solidFill>
+              </a:defRPr>
+            </a:pPr>
+            <a:r>
+              <a:rPr lang="en-US" sz="2400" dirty="0" smtClean="0">
+                <a:solidFill>
+                  <a:schemeClr val="accent1">
+                    <a:lumMod val="50000"/>
+                  </a:schemeClr>
+                </a:solidFill>
+              </a:rPr>
+              <a:t>Thinking about Machine learning from a *European* startup perspective</a:t>
+            </a:r>
+            <a:endParaRPr lang="en-US" sz="2400" dirty="0" smtClean="0">
+              <a:solidFill>
+                <a:schemeClr val="accent1">
+                  <a:lumMod val="50000"/>
+                </a:schemeClr>
+              </a:solidFill>
+            </a:endParaRPr>
+          </a:p>
+          <a:p>
+            <a:pPr defTabSz="676275">
+              <a:spcBef>
+                <a:spcPts val="0"/>
+              </a:spcBef>
+              <a:buClr>
+                <a:srgbClr val="1F497D"/>
+              </a:buClr>
+              <a:buFont typeface="Arial" charset="0"/>
+              <a:buChar char="•"/>
+              <a:defRPr sz="1800">
+                <a:solidFill>
+                  <a:srgbClr val="000000"/>
+                </a:solidFill>
+              </a:defRPr>
+            </a:pPr>
+            <a:endParaRPr lang="en-US" sz="2400" dirty="0" smtClean="0">
+              <a:solidFill>
+                <a:schemeClr val="accent1">
+                  <a:lumMod val="50000"/>
+                </a:schemeClr>
+              </a:solidFill>
+            </a:endParaRPr>
+          </a:p>
+          <a:p>
+            <a:pPr defTabSz="676275">
+              <a:spcBef>
+                <a:spcPts val="0"/>
+              </a:spcBef>
+              <a:buClr>
+                <a:srgbClr val="1F497D"/>
+              </a:buClr>
+              <a:buFont typeface="Arial" charset="0"/>
+              <a:buChar char="•"/>
+              <a:defRPr sz="1800">
+                <a:solidFill>
+                  <a:srgbClr val="000000"/>
+                </a:solidFill>
+              </a:defRPr>
+            </a:pPr>
+            <a:r>
+              <a:rPr lang="en-US" sz="2400" dirty="0" smtClean="0">
+                <a:solidFill>
+                  <a:schemeClr val="accent1">
+                    <a:lumMod val="50000"/>
+                  </a:schemeClr>
+                </a:solidFill>
+              </a:rPr>
+              <a:t>Which brings a few particular challenges with it</a:t>
+            </a:r>
+            <a:r>
+              <a:rPr lang="x-none" altLang="en-US" sz="2400" dirty="0" smtClean="0">
+                <a:solidFill>
+                  <a:schemeClr val="accent1">
+                    <a:lumMod val="50000"/>
+                  </a:schemeClr>
+                </a:solidFill>
+              </a:rPr>
+              <a:t>:</a:t>
+            </a:r>
+            <a:endParaRPr lang="x-none" altLang="en-US" sz="2400" dirty="0" smtClean="0">
+              <a:solidFill>
+                <a:schemeClr val="accent1">
+                  <a:lumMod val="50000"/>
+                </a:schemeClr>
+              </a:solidFill>
+            </a:endParaRPr>
+          </a:p>
+          <a:p>
+            <a:pPr defTabSz="676275">
+              <a:spcBef>
+                <a:spcPts val="0"/>
+              </a:spcBef>
+              <a:buClr>
+                <a:srgbClr val="1F497D"/>
+              </a:buClr>
+              <a:buFont typeface="Arial" charset="0"/>
+              <a:buChar char="•"/>
+              <a:defRPr sz="1800">
+                <a:solidFill>
+                  <a:srgbClr val="000000"/>
+                </a:solidFill>
+              </a:defRPr>
+            </a:pPr>
+            <a:endParaRPr lang="x-none" altLang="en-US" sz="2400" dirty="0" smtClean="0">
+              <a:solidFill>
+                <a:schemeClr val="accent1">
+                  <a:lumMod val="50000"/>
+                </a:schemeClr>
+              </a:solidFill>
+            </a:endParaRPr>
+          </a:p>
+          <a:p>
+            <a:pPr lvl="1" defTabSz="676275">
+              <a:spcBef>
+                <a:spcPts val="0"/>
+              </a:spcBef>
+              <a:buClr>
+                <a:srgbClr val="1F497D"/>
+              </a:buClr>
+              <a:buFont typeface="Arial" charset="0"/>
+              <a:buChar char="•"/>
+              <a:defRPr sz="1800">
+                <a:solidFill>
+                  <a:srgbClr val="000000"/>
+                </a:solidFill>
+              </a:defRPr>
+            </a:pPr>
+            <a:r>
+              <a:rPr lang="en-US" sz="2400" dirty="0" smtClean="0">
+                <a:solidFill>
+                  <a:schemeClr val="accent1">
+                    <a:lumMod val="50000"/>
+                  </a:schemeClr>
+                </a:solidFill>
+              </a:rPr>
+              <a:t>Usually less startup capital than U.S. competitors</a:t>
+            </a:r>
+            <a:endParaRPr lang="en-US" sz="2400" dirty="0" smtClean="0">
+              <a:solidFill>
+                <a:schemeClr val="accent1">
+                  <a:lumMod val="50000"/>
+                </a:schemeClr>
+              </a:solidFill>
+            </a:endParaRPr>
+          </a:p>
+          <a:p>
+            <a:pPr marL="914400" lvl="2" indent="0" defTabSz="676275">
+              <a:spcBef>
+                <a:spcPts val="0"/>
+              </a:spcBef>
+              <a:buClr>
+                <a:srgbClr val="1F497D"/>
+              </a:buClr>
+              <a:buFont typeface="Arial" charset="0"/>
+              <a:buNone/>
+              <a:defRPr sz="1800">
+                <a:solidFill>
+                  <a:srgbClr val="000000"/>
+                </a:solidFill>
+              </a:defRPr>
+            </a:pPr>
+            <a:r>
+              <a:rPr lang="en-US" sz="2400" dirty="0" smtClean="0">
+                <a:solidFill>
+                  <a:schemeClr val="accent1">
+                    <a:lumMod val="50000"/>
+                  </a:schemeClr>
+                </a:solidFill>
+              </a:rPr>
+              <a:t>=&gt; therefore less money for computing power</a:t>
+            </a:r>
+            <a:endParaRPr lang="en-US" sz="2400" dirty="0" smtClean="0">
+              <a:solidFill>
+                <a:schemeClr val="accent1">
+                  <a:lumMod val="50000"/>
+                </a:schemeClr>
+              </a:solidFill>
+            </a:endParaRPr>
+          </a:p>
+          <a:p>
+            <a:pPr marL="800100" lvl="1" indent="-342900" defTabSz="676275">
+              <a:spcBef>
+                <a:spcPts val="0"/>
+              </a:spcBef>
+              <a:buClr>
+                <a:srgbClr val="1F497D"/>
+              </a:buClr>
+              <a:buFont typeface="Arial" charset="0"/>
+              <a:buChar char="•"/>
+              <a:defRPr sz="1800">
+                <a:solidFill>
+                  <a:srgbClr val="000000"/>
+                </a:solidFill>
+              </a:defRPr>
+            </a:pPr>
+            <a:r>
+              <a:rPr lang="en-US" sz="2400" dirty="0" smtClean="0">
+                <a:solidFill>
+                  <a:schemeClr val="accent1">
+                    <a:lumMod val="50000"/>
+                  </a:schemeClr>
+                </a:solidFill>
+              </a:rPr>
+              <a:t>much fewer possible customers </a:t>
+            </a:r>
+            <a:r>
+              <a:rPr lang="x-none" altLang="en-US" sz="2400" dirty="0" smtClean="0">
+                <a:solidFill>
+                  <a:schemeClr val="accent1">
+                    <a:lumMod val="50000"/>
+                  </a:schemeClr>
+                </a:solidFill>
+              </a:rPr>
+              <a:t>(initially)</a:t>
+            </a:r>
+            <a:r>
+              <a:rPr lang="en-US" sz="2400" dirty="0" smtClean="0">
+                <a:solidFill>
+                  <a:schemeClr val="accent1">
+                    <a:lumMod val="50000"/>
+                  </a:schemeClr>
+                </a:solidFill>
+              </a:rPr>
+              <a:t> than Asian competitors</a:t>
+            </a:r>
+            <a:endParaRPr lang="en-US" sz="2400" dirty="0" smtClean="0">
+              <a:solidFill>
+                <a:schemeClr val="accent1">
+                  <a:lumMod val="50000"/>
+                </a:schemeClr>
+              </a:solidFill>
+            </a:endParaRPr>
+          </a:p>
+          <a:p>
+            <a:pPr marL="800100" lvl="1" indent="-342900" defTabSz="676275">
+              <a:spcBef>
+                <a:spcPts val="0"/>
+              </a:spcBef>
+              <a:buClr>
+                <a:srgbClr val="1F497D"/>
+              </a:buClr>
+              <a:buFont typeface="Arial" charset="0"/>
+              <a:buChar char="•"/>
+              <a:defRPr sz="1800">
+                <a:solidFill>
+                  <a:srgbClr val="000000"/>
+                </a:solidFill>
+              </a:defRPr>
+            </a:pPr>
+            <a:r>
+              <a:rPr lang="en-US" sz="2400" dirty="0" smtClean="0">
+                <a:solidFill>
+                  <a:schemeClr val="accent1">
+                    <a:lumMod val="50000"/>
+                  </a:schemeClr>
+                </a:solidFill>
+              </a:rPr>
+              <a:t>GDPR is a major impediment</a:t>
+            </a:r>
+            <a:endParaRPr lang="en-US" sz="2400" dirty="0" smtClean="0">
+              <a:solidFill>
+                <a:schemeClr val="accent1">
+                  <a:lumMod val="50000"/>
+                </a:schemeClr>
+              </a:solidFill>
+            </a:endParaRPr>
+          </a:p>
+          <a:p>
+            <a:pPr marL="800100" lvl="1" indent="-342900" defTabSz="676275">
+              <a:spcBef>
+                <a:spcPts val="0"/>
+              </a:spcBef>
+              <a:buClr>
+                <a:srgbClr val="1F497D"/>
+              </a:buClr>
+              <a:buFont typeface="Arial" charset="0"/>
+              <a:buChar char="•"/>
+              <a:defRPr sz="1800">
+                <a:solidFill>
+                  <a:srgbClr val="000000"/>
+                </a:solidFill>
+              </a:defRPr>
+            </a:pPr>
+            <a:endParaRPr lang="en-US" sz="2400" dirty="0" smtClean="0">
+              <a:solidFill>
+                <a:schemeClr val="accent1">
+                  <a:lumMod val="50000"/>
+                </a:schemeClr>
+              </a:solidFill>
+            </a:endParaRPr>
+          </a:p>
+          <a:p>
+            <a:pPr marL="342900" lvl="0" indent="-342900" defTabSz="676275">
+              <a:spcBef>
+                <a:spcPts val="0"/>
+              </a:spcBef>
+              <a:buClr>
+                <a:srgbClr val="1F497D"/>
+              </a:buClr>
+              <a:buFont typeface="Arial" charset="0"/>
+              <a:buChar char="•"/>
+              <a:defRPr sz="1800">
+                <a:solidFill>
+                  <a:srgbClr val="000000"/>
+                </a:solidFill>
+              </a:defRPr>
+            </a:pPr>
+            <a:r>
+              <a:rPr lang="x-none" altLang="en-US" sz="2400" dirty="0" smtClean="0">
+                <a:solidFill>
+                  <a:schemeClr val="accent1">
+                    <a:lumMod val="50000"/>
+                  </a:schemeClr>
+                </a:solidFill>
+              </a:rPr>
+              <a:t>Maybe we can circumnavigate all those hurdles via</a:t>
+            </a:r>
+            <a:endParaRPr lang="x-none" altLang="en-US" sz="2400" dirty="0" smtClean="0">
+              <a:solidFill>
+                <a:schemeClr val="accent1">
+                  <a:lumMod val="50000"/>
+                </a:schemeClr>
+              </a:solidFill>
+            </a:endParaRPr>
+          </a:p>
+          <a:p>
+            <a:pPr marL="0" lvl="0" indent="0" defTabSz="676275">
+              <a:spcBef>
+                <a:spcPts val="0"/>
+              </a:spcBef>
+              <a:buClr>
+                <a:srgbClr val="1F497D"/>
+              </a:buClr>
+              <a:buFont typeface="Arial" charset="0"/>
+              <a:buNone/>
+              <a:defRPr sz="1800">
+                <a:solidFill>
+                  <a:srgbClr val="000000"/>
+                </a:solidFill>
+              </a:defRPr>
+            </a:pPr>
+            <a:r>
+              <a:rPr lang="x-none" altLang="en-US" sz="2400" b="1" dirty="0" smtClean="0">
+                <a:solidFill>
+                  <a:schemeClr val="accent1">
+                    <a:lumMod val="50000"/>
+                  </a:schemeClr>
+                </a:solidFill>
+              </a:rPr>
+              <a:t>			Client-side Machine Learning</a:t>
+            </a:r>
+            <a:endParaRPr lang="x-none" altLang="en-US" sz="2400" b="1" dirty="0" smtClean="0">
+              <a:solidFill>
+                <a:schemeClr val="accent1">
+                  <a:lumMod val="50000"/>
+                </a:schemeClr>
+              </a:solidFill>
+            </a:endParaRPr>
+          </a:p>
+          <a:p>
+            <a:pPr marL="457200" indent="-457200" defTabSz="676275">
+              <a:spcBef>
+                <a:spcPts val="0"/>
+              </a:spcBef>
+              <a:buClr>
+                <a:srgbClr val="1F497D"/>
+              </a:buClr>
+              <a:buFont typeface="Arial" charset="0"/>
+              <a:buAutoNum type="arabicPeriod"/>
+              <a:defRPr sz="1800">
+                <a:solidFill>
+                  <a:srgbClr val="000000"/>
+                </a:solidFill>
+              </a:defRPr>
+            </a:pPr>
+            <a:endParaRPr lang="x-none" altLang="en-US" sz="2400" b="1" dirty="0" smtClean="0">
+              <a:solidFill>
+                <a:schemeClr val="accent1">
+                  <a:lumMod val="50000"/>
+                </a:schemeClr>
+              </a:solidFill>
+            </a:endParaRPr>
+          </a:p>
+        </p:txBody>
+      </p:sp>
+    </p:spTree>
+  </p:cSld>
+  <p:clrMapOvr>
+    <a:masterClrMapping/>
+  </p:clrMapOvr>
+  <p:transition spd="med"/>
+  <p:timing>
+    <p:tnLst>
+      <p:par>
+        <p:cTn id="1" dur="indefinite" restart="never" nodeType="tmRoot"/>
+      </p:par>
+    </p:tnLst>
+  </p:timing>
+</p:sld>
+</file>
+
+<file path=ppt/slides/slide3.xml><?xml version="1.0" encoding="utf-8"?>
+<p:sld xmlns:a="http://schemas.openxmlformats.org/drawingml/2006/main" xmlns:r="http://schemas.openxmlformats.org/officeDocument/2006/relationships" xmlns:p="http://schemas.openxmlformats.org/presentationml/2006/main">
+  <p:cSld>
+    <p:spTree>
+      <p:nvGrpSpPr>
+        <p:cNvPr id="1" name=""/>
+        <p:cNvGrpSpPr/>
+        <p:nvPr/>
+      </p:nvGrpSpPr>
+      <p:grpSpPr>
+        <a:xfrm>
+          <a:off x="0" y="0"/>
+          <a:ext cx="0" cy="0"/>
+          <a:chOff x="0" y="0"/>
+          <a:chExt cx="0" cy="0"/>
+        </a:xfrm>
+      </p:grpSpPr>
+      <p:sp>
+        <p:nvSpPr>
+          <p:cNvPr id="2" name="Title 1"/>
+          <p:cNvSpPr txBox="1"/>
+          <p:nvPr/>
+        </p:nvSpPr>
+        <p:spPr>
+          <a:xfrm>
+            <a:off x="253746" y="-11495"/>
+            <a:ext cx="7227146" cy="427420"/>
+          </a:xfrm>
+          <a:prstGeom prst="rect">
+            <a:avLst/>
+          </a:prstGeom>
+        </p:spPr>
+        <p:txBody>
+          <a:bodyPr/>
+          <a:lstStyle>
+            <a:lvl1pPr>
+              <a:defRPr sz="2400" b="1">
+                <a:solidFill>
+                  <a:srgbClr val="1F497D"/>
+                </a:solidFill>
+                <a:latin typeface="Calibri"/>
+                <a:ea typeface="Calibri"/>
+                <a:cs typeface="Calibri"/>
+                <a:sym typeface="Calibri"/>
+              </a:defRPr>
+            </a:lvl1pPr>
+            <a:lvl2pPr>
+              <a:defRPr sz="2400" b="1">
+                <a:solidFill>
+                  <a:srgbClr val="1F497D"/>
+                </a:solidFill>
+                <a:latin typeface="Calibri"/>
+                <a:ea typeface="Calibri"/>
+                <a:cs typeface="Calibri"/>
+                <a:sym typeface="Calibri"/>
+              </a:defRPr>
+            </a:lvl2pPr>
+            <a:lvl3pPr>
+              <a:defRPr sz="2400" b="1">
+                <a:solidFill>
+                  <a:srgbClr val="1F497D"/>
+                </a:solidFill>
+                <a:latin typeface="Calibri"/>
+                <a:ea typeface="Calibri"/>
+                <a:cs typeface="Calibri"/>
+                <a:sym typeface="Calibri"/>
+              </a:defRPr>
+            </a:lvl3pPr>
+            <a:lvl4pPr>
+              <a:defRPr sz="2400" b="1">
+                <a:solidFill>
+                  <a:srgbClr val="1F497D"/>
+                </a:solidFill>
+                <a:latin typeface="Calibri"/>
+                <a:ea typeface="Calibri"/>
+                <a:cs typeface="Calibri"/>
+                <a:sym typeface="Calibri"/>
+              </a:defRPr>
+            </a:lvl4pPr>
+            <a:lvl5pPr>
+              <a:defRPr sz="2400" b="1">
+                <a:solidFill>
+                  <a:srgbClr val="1F497D"/>
+                </a:solidFill>
+                <a:latin typeface="Calibri"/>
+                <a:ea typeface="Calibri"/>
+                <a:cs typeface="Calibri"/>
+                <a:sym typeface="Calibri"/>
+              </a:defRPr>
+            </a:lvl5pPr>
+            <a:lvl6pPr>
+              <a:defRPr sz="2400" b="1">
+                <a:solidFill>
+                  <a:srgbClr val="1F497D"/>
+                </a:solidFill>
+                <a:latin typeface="Calibri"/>
+                <a:ea typeface="Calibri"/>
+                <a:cs typeface="Calibri"/>
+                <a:sym typeface="Calibri"/>
+              </a:defRPr>
+            </a:lvl6pPr>
+            <a:lvl7pPr>
+              <a:defRPr sz="2400" b="1">
+                <a:solidFill>
+                  <a:srgbClr val="1F497D"/>
+                </a:solidFill>
+                <a:latin typeface="Calibri"/>
+                <a:ea typeface="Calibri"/>
+                <a:cs typeface="Calibri"/>
+                <a:sym typeface="Calibri"/>
+              </a:defRPr>
+            </a:lvl7pPr>
+            <a:lvl8pPr>
+              <a:defRPr sz="2400" b="1">
+                <a:solidFill>
+                  <a:srgbClr val="1F497D"/>
+                </a:solidFill>
+                <a:latin typeface="Calibri"/>
+                <a:ea typeface="Calibri"/>
+                <a:cs typeface="Calibri"/>
+                <a:sym typeface="Calibri"/>
+              </a:defRPr>
+            </a:lvl8pPr>
+            <a:lvl9pPr>
+              <a:defRPr sz="2400" b="1">
+                <a:solidFill>
+                  <a:srgbClr val="1F497D"/>
+                </a:solidFill>
+                <a:latin typeface="Calibri"/>
+                <a:ea typeface="Calibri"/>
+                <a:cs typeface="Calibri"/>
+                <a:sym typeface="Calibri"/>
+              </a:defRPr>
+            </a:lvl9pPr>
+          </a:lstStyle>
+          <a:p>
+            <a:r>
+              <a:rPr lang="x-none" dirty="0" smtClean="0"/>
+              <a:t>Introduction and Motivation</a:t>
+            </a:r>
+            <a:endParaRPr lang="x-none" dirty="0" smtClean="0"/>
+          </a:p>
+        </p:txBody>
+      </p:sp>
+      <p:sp>
+        <p:nvSpPr>
+          <p:cNvPr id="3" name="Shape 34"/>
+          <p:cNvSpPr txBox="1"/>
+          <p:nvPr/>
+        </p:nvSpPr>
+        <p:spPr>
+          <a:xfrm>
+            <a:off x="260350" y="915035"/>
+            <a:ext cx="8392160" cy="2080260"/>
+          </a:xfrm>
+          <a:prstGeom prst="rect">
+            <a:avLst/>
+          </a:prstGeom>
+        </p:spPr>
+        <p:txBody>
+          <a:bodyPr>
+            <a:noAutofit/>
+          </a:bodyPr>
+          <a:lstStyle>
+            <a:lvl1pPr marL="342900" indent="-342900">
+              <a:spcBef>
+                <a:spcPts val="700"/>
+              </a:spcBef>
+              <a:buSzPct val="100000"/>
+              <a:buFont typeface="Wingdings" panose="05000000000000000000" charset="2"/>
+              <a:buChar char="▪"/>
+              <a:defRPr sz="3200">
+                <a:solidFill>
+                  <a:srgbClr val="1F497D"/>
+                </a:solidFill>
+                <a:latin typeface="Calibri"/>
+                <a:ea typeface="Calibri"/>
+                <a:cs typeface="Calibri"/>
+                <a:sym typeface="Calibri"/>
+              </a:defRPr>
+            </a:lvl1pPr>
+            <a:lvl2pPr marL="783590" indent="-326390">
+              <a:spcBef>
+                <a:spcPts val="700"/>
+              </a:spcBef>
+              <a:buSzPct val="100000"/>
+              <a:buFont typeface="Wingdings" panose="05000000000000000000" charset="2"/>
+              <a:buChar char="▪"/>
+              <a:defRPr sz="3200">
+                <a:solidFill>
+                  <a:srgbClr val="1F497D"/>
+                </a:solidFill>
+                <a:latin typeface="Calibri"/>
+                <a:ea typeface="Calibri"/>
+                <a:cs typeface="Calibri"/>
+                <a:sym typeface="Calibri"/>
+              </a:defRPr>
+            </a:lvl2pPr>
+            <a:lvl3pPr marL="1219200" indent="-304800">
+              <a:spcBef>
+                <a:spcPts val="700"/>
+              </a:spcBef>
+              <a:buSzPct val="100000"/>
+              <a:buFont typeface="Wingdings" panose="05000000000000000000" charset="2"/>
+              <a:buChar char="▪"/>
+              <a:defRPr sz="3200">
+                <a:solidFill>
+                  <a:srgbClr val="1F497D"/>
+                </a:solidFill>
+                <a:latin typeface="Calibri"/>
+                <a:ea typeface="Calibri"/>
+                <a:cs typeface="Calibri"/>
+                <a:sym typeface="Calibri"/>
+              </a:defRPr>
+            </a:lvl3pPr>
+            <a:lvl4pPr marL="1737360" indent="-365760">
+              <a:spcBef>
+                <a:spcPts val="700"/>
+              </a:spcBef>
+              <a:buSzPct val="100000"/>
+              <a:buFont typeface="Wingdings" panose="05000000000000000000" charset="2"/>
+              <a:buChar char="▪"/>
+              <a:defRPr sz="3200">
+                <a:solidFill>
+                  <a:srgbClr val="1F497D"/>
+                </a:solidFill>
+                <a:latin typeface="Calibri"/>
+                <a:ea typeface="Calibri"/>
+                <a:cs typeface="Calibri"/>
+                <a:sym typeface="Calibri"/>
+              </a:defRPr>
+            </a:lvl4pPr>
+            <a:lvl5pPr marL="2194560" indent="-365760">
+              <a:spcBef>
+                <a:spcPts val="700"/>
+              </a:spcBef>
+              <a:buSzPct val="100000"/>
+              <a:buFont typeface="Wingdings" panose="05000000000000000000" charset="2"/>
+              <a:buChar char="▪"/>
+              <a:defRPr sz="3200">
+                <a:solidFill>
+                  <a:srgbClr val="1F497D"/>
+                </a:solidFill>
+                <a:latin typeface="Calibri"/>
+                <a:ea typeface="Calibri"/>
+                <a:cs typeface="Calibri"/>
+                <a:sym typeface="Calibri"/>
+              </a:defRPr>
+            </a:lvl5pPr>
+            <a:lvl6pPr marL="2651760" indent="-365760">
+              <a:spcBef>
+                <a:spcPts val="700"/>
+              </a:spcBef>
+              <a:buSzPct val="100000"/>
+              <a:buFont typeface="Wingdings" panose="05000000000000000000" charset="2"/>
+              <a:buChar char="•"/>
+              <a:defRPr sz="3200">
+                <a:solidFill>
+                  <a:srgbClr val="1F497D"/>
+                </a:solidFill>
+                <a:latin typeface="Calibri"/>
+                <a:ea typeface="Calibri"/>
+                <a:cs typeface="Calibri"/>
+                <a:sym typeface="Calibri"/>
+              </a:defRPr>
+            </a:lvl6pPr>
+            <a:lvl7pPr marL="3108960" indent="-365760">
+              <a:spcBef>
+                <a:spcPts val="700"/>
+              </a:spcBef>
+              <a:buSzPct val="100000"/>
+              <a:buFont typeface="Wingdings" panose="05000000000000000000" charset="2"/>
+              <a:buChar char="•"/>
+              <a:defRPr sz="3200">
+                <a:solidFill>
+                  <a:srgbClr val="1F497D"/>
+                </a:solidFill>
+                <a:latin typeface="Calibri"/>
+                <a:ea typeface="Calibri"/>
+                <a:cs typeface="Calibri"/>
+                <a:sym typeface="Calibri"/>
+              </a:defRPr>
+            </a:lvl7pPr>
+            <a:lvl8pPr marL="3566160" indent="-365760">
+              <a:spcBef>
+                <a:spcPts val="700"/>
+              </a:spcBef>
+              <a:buSzPct val="100000"/>
+              <a:buFont typeface="Wingdings" panose="05000000000000000000" charset="2"/>
+              <a:buChar char="•"/>
+              <a:defRPr sz="3200">
+                <a:solidFill>
+                  <a:srgbClr val="1F497D"/>
+                </a:solidFill>
+                <a:latin typeface="Calibri"/>
+                <a:ea typeface="Calibri"/>
+                <a:cs typeface="Calibri"/>
+                <a:sym typeface="Calibri"/>
+              </a:defRPr>
+            </a:lvl8pPr>
+            <a:lvl9pPr marL="4023360" indent="-365760">
+              <a:spcBef>
+                <a:spcPts val="700"/>
+              </a:spcBef>
+              <a:buSzPct val="100000"/>
+              <a:buFont typeface="Wingdings" panose="05000000000000000000" charset="2"/>
+              <a:buChar char="•"/>
+              <a:defRPr sz="3200">
+                <a:solidFill>
+                  <a:srgbClr val="1F497D"/>
+                </a:solidFill>
+                <a:latin typeface="Calibri"/>
+                <a:ea typeface="Calibri"/>
+                <a:cs typeface="Calibri"/>
+                <a:sym typeface="Calibri"/>
+              </a:defRPr>
+            </a:lvl9pPr>
+          </a:lstStyle>
+          <a:p>
+            <a:pPr defTabSz="676275">
+              <a:spcBef>
+                <a:spcPts val="0"/>
+              </a:spcBef>
+              <a:buClr>
+                <a:srgbClr val="1F497D"/>
+              </a:buClr>
+              <a:buFont typeface="Arial" charset="0"/>
+              <a:buChar char="•"/>
+              <a:defRPr sz="1800">
+                <a:solidFill>
+                  <a:srgbClr val="000000"/>
+                </a:solidFill>
+              </a:defRPr>
+            </a:pPr>
+            <a:r>
+              <a:rPr lang="en-US" sz="2400" dirty="0" smtClean="0">
+                <a:solidFill>
+                  <a:schemeClr val="accent1">
+                    <a:lumMod val="50000"/>
+                  </a:schemeClr>
+                </a:solidFill>
+              </a:rPr>
+              <a:t>How far away are relevant decision points within a social networks usually?</a:t>
+            </a:r>
+            <a:endParaRPr lang="en-US" sz="2400" dirty="0" smtClean="0">
+              <a:solidFill>
+                <a:schemeClr val="accent1">
+                  <a:lumMod val="50000"/>
+                </a:schemeClr>
+              </a:solidFill>
+            </a:endParaRPr>
+          </a:p>
+          <a:p>
+            <a:pPr defTabSz="676275">
+              <a:spcBef>
+                <a:spcPts val="0"/>
+              </a:spcBef>
+              <a:buClr>
+                <a:srgbClr val="1F497D"/>
+              </a:buClr>
+              <a:buFont typeface="Arial" charset="0"/>
+              <a:buChar char="•"/>
+              <a:defRPr sz="1800">
+                <a:solidFill>
+                  <a:srgbClr val="000000"/>
+                </a:solidFill>
+              </a:defRPr>
+            </a:pPr>
+            <a:r>
+              <a:rPr lang="en-US" sz="2400" dirty="0" smtClean="0">
+                <a:solidFill>
+                  <a:schemeClr val="accent1">
+                    <a:lumMod val="50000"/>
+                  </a:schemeClr>
+                </a:solidFill>
+              </a:rPr>
+              <a:t>Leskovec</a:t>
+            </a:r>
+            <a:r>
+              <a:rPr lang="x-none" altLang="en-US" sz="2400" dirty="0" smtClean="0">
+                <a:solidFill>
+                  <a:schemeClr val="accent1">
+                    <a:lumMod val="50000"/>
+                  </a:schemeClr>
+                </a:solidFill>
+              </a:rPr>
+              <a:t>,</a:t>
+            </a:r>
+            <a:r>
+              <a:rPr lang="en-US" sz="2400" dirty="0" smtClean="0">
+                <a:solidFill>
+                  <a:schemeClr val="accent1">
+                    <a:lumMod val="50000"/>
+                  </a:schemeClr>
+                </a:solidFill>
+              </a:rPr>
+              <a:t> even back in 2006 observed recommender cascades within an online shopping system</a:t>
+            </a:r>
+            <a:endParaRPr lang="en-US" sz="2400" dirty="0" smtClean="0">
+              <a:solidFill>
+                <a:schemeClr val="accent1">
+                  <a:lumMod val="50000"/>
+                </a:schemeClr>
+              </a:solidFill>
+            </a:endParaRPr>
+          </a:p>
+          <a:p>
+            <a:pPr lvl="1" defTabSz="676275">
+              <a:spcBef>
+                <a:spcPts val="0"/>
+              </a:spcBef>
+              <a:buClr>
+                <a:srgbClr val="1F497D"/>
+              </a:buClr>
+              <a:buFont typeface="Arial" charset="0"/>
+              <a:buChar char="•"/>
+              <a:defRPr sz="1800">
+                <a:solidFill>
+                  <a:srgbClr val="000000"/>
+                </a:solidFill>
+              </a:defRPr>
+            </a:pPr>
+            <a:r>
+              <a:rPr lang="en-US" sz="2400" dirty="0" smtClean="0">
+                <a:solidFill>
+                  <a:schemeClr val="accent1">
+                    <a:lumMod val="50000"/>
+                  </a:schemeClr>
+                </a:solidFill>
+              </a:rPr>
+              <a:t>for 3 out of 4 products: maximum size of cascade was &lt; 10</a:t>
+            </a:r>
+            <a:endParaRPr lang="en-US" sz="2400" dirty="0" smtClean="0">
+              <a:solidFill>
+                <a:schemeClr val="accent1">
+                  <a:lumMod val="50000"/>
+                </a:schemeClr>
+              </a:solidFill>
+            </a:endParaRPr>
+          </a:p>
+          <a:p>
+            <a:pPr lvl="1" defTabSz="676275">
+              <a:spcBef>
+                <a:spcPts val="0"/>
+              </a:spcBef>
+              <a:buClr>
+                <a:srgbClr val="1F497D"/>
+              </a:buClr>
+              <a:buFont typeface="Arial" charset="0"/>
+              <a:buChar char="•"/>
+              <a:defRPr sz="1800">
+                <a:solidFill>
+                  <a:srgbClr val="000000"/>
+                </a:solidFill>
+              </a:defRPr>
+            </a:pPr>
+            <a:endParaRPr lang="en-US" sz="2400" dirty="0" smtClean="0">
+              <a:solidFill>
+                <a:schemeClr val="accent1">
+                  <a:lumMod val="50000"/>
+                </a:schemeClr>
+              </a:solidFill>
+            </a:endParaRPr>
+          </a:p>
+        </p:txBody>
+      </p:sp>
+      <p:pic>
+        <p:nvPicPr>
+          <p:cNvPr id="5" name="Picture 4" descr="recommender_cascade_size"/>
+          <p:cNvPicPr>
+            <a:picLocks noChangeAspect="1"/>
+          </p:cNvPicPr>
+          <p:nvPr/>
+        </p:nvPicPr>
+        <p:blipFill>
+          <a:blip r:embed="rId1"/>
+          <a:stretch>
+            <a:fillRect/>
+          </a:stretch>
+        </p:blipFill>
+        <p:spPr>
+          <a:xfrm>
+            <a:off x="757555" y="3092450"/>
+            <a:ext cx="7028815" cy="2496185"/>
+          </a:xfrm>
+          <a:prstGeom prst="rect">
+            <a:avLst/>
+          </a:prstGeom>
+        </p:spPr>
+      </p:pic>
+      <p:sp>
+        <p:nvSpPr>
+          <p:cNvPr id="6" name="Text Box 5"/>
+          <p:cNvSpPr txBox="1"/>
+          <p:nvPr/>
+        </p:nvSpPr>
+        <p:spPr>
+          <a:xfrm>
+            <a:off x="2546350" y="5897245"/>
+            <a:ext cx="4280535" cy="640715"/>
+          </a:xfrm>
+          <a:prstGeom prst="rect">
+            <a:avLst/>
+          </a:prstGeom>
+          <a:noFill/>
+          <a:ln w="12700" cap="flat">
+            <a:noFill/>
+            <a:miter lim="400000"/>
+          </a:ln>
+        </p:spPr>
+        <p:style>
+          <a:lnRef idx="0">
+            <a:scrgbClr r="0" g="0" b="0"/>
+          </a:lnRef>
+          <a:fillRef idx="0">
+            <a:scrgbClr r="0" g="0" b="0"/>
+          </a:fillRef>
+          <a:effectRef idx="0">
+            <a:scrgbClr r="0" g="0" b="0"/>
+          </a:effectRef>
+          <a:fontRef idx="none"/>
+        </p:style>
+        <p:txBody>
+          <a:bodyPr rot="0" vertOverflow="overflow" horzOverflow="overflow" vert="horz" wrap="square" lIns="45718" tIns="45718" rIns="45718" bIns="45718" numCol="1" spcCol="38100" rtlCol="0" anchor="t" forceAA="0">
+            <a:spAutoFit/>
+          </a:bodyPr>
+          <a:p>
+            <a:pPr marL="0" marR="0" indent="0" algn="l" defTabSz="914400" rtl="0" fontAlgn="auto" latinLnBrk="1" hangingPunct="0">
+              <a:lnSpc>
+                <a:spcPct val="100000"/>
+              </a:lnSpc>
+              <a:spcBef>
+                <a:spcPts val="0"/>
+              </a:spcBef>
+              <a:spcAft>
+                <a:spcPts val="0"/>
+              </a:spcAft>
+              <a:buClrTx/>
+              <a:buSzTx/>
+              <a:buFontTx/>
+              <a:buNone/>
+            </a:pPr>
+            <a:r>
+              <a:rPr kumimoji="0" lang="en-US" sz="1200" b="0" i="0" u="none" strike="noStrike" cap="none" spc="0" normalizeH="0" baseline="0">
+                <a:ln>
+                  <a:noFill/>
+                </a:ln>
+                <a:solidFill>
+                  <a:srgbClr val="000000"/>
+                </a:solidFill>
+                <a:effectLst/>
+                <a:uFillTx/>
+                <a:latin typeface="Calibri"/>
+                <a:ea typeface="+mj-ea"/>
+                <a:cs typeface="+mj-cs"/>
+                <a:sym typeface="Helvetica"/>
+              </a:rPr>
+              <a:t>Leskovec, Jure, Ajit Singh, and Jon Kleinberg. "Patterns of influence in a recommendation network." Pacific-Asia Conference on Knowledge Discovery and Data Mining. Springer, Berlin, Heidelberg, 2006.</a:t>
+            </a:r>
+            <a:endParaRPr kumimoji="0" lang="en-US" sz="1200" b="0" i="0" u="none" strike="noStrike" cap="none" spc="0" normalizeH="0" baseline="0">
+              <a:ln>
+                <a:noFill/>
+              </a:ln>
+              <a:solidFill>
+                <a:srgbClr val="000000"/>
+              </a:solidFill>
+              <a:effectLst/>
+              <a:uFillTx/>
+              <a:latin typeface="Calibri"/>
+              <a:ea typeface="+mj-ea"/>
+              <a:cs typeface="+mj-cs"/>
+              <a:sym typeface="Helvetica"/>
+            </a:endParaRPr>
+          </a:p>
+        </p:txBody>
+      </p:sp>
+    </p:spTree>
+  </p:cSld>
+  <p:clrMapOvr>
+    <a:masterClrMapping/>
+  </p:clrMapOvr>
+  <p:transition spd="med"/>
+  <p:timing>
+    <p:tnLst>
+      <p:par>
+        <p:cTn id="1" dur="indefinite" restart="never" nodeType="tmRoot"/>
+      </p:par>
+    </p:tnLst>
+  </p:timing>
+</p:sld>
+</file>
+
+<file path=ppt/slides/slide4.xml><?xml version="1.0" encoding="utf-8"?>
+<p:sld xmlns:a="http://schemas.openxmlformats.org/drawingml/2006/main" xmlns:r="http://schemas.openxmlformats.org/officeDocument/2006/relationships" xmlns:p="http://schemas.openxmlformats.org/presentationml/2006/main">
+  <p:cSld>
+    <p:spTree>
+      <p:nvGrpSpPr>
+        <p:cNvPr id="1" name=""/>
+        <p:cNvGrpSpPr/>
+        <p:nvPr/>
+      </p:nvGrpSpPr>
+      <p:grpSpPr>
+        <a:xfrm>
+          <a:off x="0" y="0"/>
+          <a:ext cx="0" cy="0"/>
+          <a:chOff x="0" y="0"/>
+          <a:chExt cx="0" cy="0"/>
+        </a:xfrm>
+      </p:grpSpPr>
+      <p:sp>
+        <p:nvSpPr>
+          <p:cNvPr id="2" name="Title 1"/>
+          <p:cNvSpPr>
+            <a:spLocks noGrp="1"/>
+          </p:cNvSpPr>
+          <p:nvPr>
+            <p:ph type="title"/>
+          </p:nvPr>
+        </p:nvSpPr>
+        <p:spPr>
+          <a:xfrm>
+            <a:off x="251518" y="0"/>
+            <a:ext cx="6093531" cy="427420"/>
+          </a:xfrm>
+        </p:spPr>
+        <p:txBody>
+          <a:bodyPr/>
+          <a:lstStyle/>
+          <a:p>
+            <a:r>
+              <a:rPr lang="x-none" altLang="en-US" dirty="0" smtClean="0"/>
+              <a:t>Recommendation Cascades</a:t>
+            </a:r>
+            <a:endParaRPr lang="x-none" altLang="en-US" dirty="0"/>
+          </a:p>
+        </p:txBody>
+      </p:sp>
+      <p:pic>
+        <p:nvPicPr>
+          <p:cNvPr id="4" name="Picture 3" descr="recommender_cascades_shapes"/>
+          <p:cNvPicPr>
+            <a:picLocks noChangeAspect="1"/>
+          </p:cNvPicPr>
+          <p:nvPr/>
+        </p:nvPicPr>
+        <p:blipFill>
+          <a:blip r:embed="rId1"/>
+          <a:stretch>
+            <a:fillRect/>
+          </a:stretch>
+        </p:blipFill>
+        <p:spPr>
+          <a:xfrm>
+            <a:off x="1337310" y="3241040"/>
+            <a:ext cx="6286500" cy="2629535"/>
+          </a:xfrm>
+          <a:prstGeom prst="rect">
+            <a:avLst/>
+          </a:prstGeom>
+        </p:spPr>
+      </p:pic>
+      <p:sp>
+        <p:nvSpPr>
+          <p:cNvPr id="5" name="Text Box 4"/>
+          <p:cNvSpPr txBox="1"/>
+          <p:nvPr/>
+        </p:nvSpPr>
+        <p:spPr>
+          <a:xfrm>
+            <a:off x="2546350" y="5897245"/>
+            <a:ext cx="4280535" cy="640715"/>
+          </a:xfrm>
+          <a:prstGeom prst="rect">
+            <a:avLst/>
+          </a:prstGeom>
+          <a:noFill/>
+          <a:ln w="12700" cap="flat">
+            <a:noFill/>
+            <a:miter lim="400000"/>
+          </a:ln>
+        </p:spPr>
+        <p:style>
+          <a:lnRef idx="0">
+            <a:scrgbClr r="0" g="0" b="0"/>
+          </a:lnRef>
+          <a:fillRef idx="0">
+            <a:scrgbClr r="0" g="0" b="0"/>
+          </a:fillRef>
+          <a:effectRef idx="0">
+            <a:scrgbClr r="0" g="0" b="0"/>
+          </a:effectRef>
+          <a:fontRef idx="none"/>
+        </p:style>
+        <p:txBody>
+          <a:bodyPr rot="0" vertOverflow="overflow" horzOverflow="overflow" vert="horz" wrap="square" lIns="45718" tIns="45718" rIns="45718" bIns="45718" numCol="1" spcCol="38100" rtlCol="0" anchor="t" forceAA="0">
+            <a:spAutoFit/>
+          </a:bodyPr>
+          <a:p>
+            <a:pPr marL="0" marR="0" indent="0" algn="l" defTabSz="914400" rtl="0" fontAlgn="auto" latinLnBrk="1" hangingPunct="0">
+              <a:lnSpc>
+                <a:spcPct val="100000"/>
+              </a:lnSpc>
+              <a:spcBef>
+                <a:spcPts val="0"/>
+              </a:spcBef>
+              <a:spcAft>
+                <a:spcPts val="0"/>
+              </a:spcAft>
+              <a:buClrTx/>
+              <a:buSzTx/>
+              <a:buFontTx/>
+              <a:buNone/>
+            </a:pPr>
+            <a:r>
+              <a:rPr kumimoji="0" lang="en-US" sz="1200" b="0" i="0" u="none" strike="noStrike" cap="none" spc="0" normalizeH="0" baseline="0">
+                <a:ln>
+                  <a:noFill/>
+                </a:ln>
+                <a:solidFill>
+                  <a:srgbClr val="000000"/>
+                </a:solidFill>
+                <a:effectLst/>
+                <a:uFillTx/>
+                <a:latin typeface="Calibri"/>
+                <a:ea typeface="+mj-ea"/>
+                <a:cs typeface="+mj-cs"/>
+                <a:sym typeface="Helvetica"/>
+              </a:rPr>
+              <a:t>Leskovec, Jure, Ajit Singh, and Jon Kleinberg. "Patterns of influence in a recommendation network." Pacific-Asia Conference on Knowledge Discovery and Data Mining. Springer, Berlin, Heidelberg, 2006.</a:t>
+            </a:r>
+            <a:endParaRPr kumimoji="0" lang="en-US" sz="1200" b="0" i="0" u="none" strike="noStrike" cap="none" spc="0" normalizeH="0" baseline="0">
+              <a:ln>
+                <a:noFill/>
+              </a:ln>
+              <a:solidFill>
+                <a:srgbClr val="000000"/>
+              </a:solidFill>
+              <a:effectLst/>
+              <a:uFillTx/>
+              <a:latin typeface="Calibri"/>
+              <a:ea typeface="+mj-ea"/>
+              <a:cs typeface="+mj-cs"/>
+              <a:sym typeface="Helvetica"/>
+            </a:endParaRPr>
+          </a:p>
+        </p:txBody>
+      </p:sp>
+      <p:sp>
+        <p:nvSpPr>
+          <p:cNvPr id="7" name="Text Box 6"/>
+          <p:cNvSpPr txBox="1"/>
+          <p:nvPr/>
+        </p:nvSpPr>
+        <p:spPr>
+          <a:xfrm>
+            <a:off x="402590" y="542290"/>
+            <a:ext cx="8520430" cy="2653665"/>
+          </a:xfrm>
+          <a:prstGeom prst="rect">
+            <a:avLst/>
+          </a:prstGeom>
+          <a:noFill/>
+          <a:ln w="12700" cap="flat">
+            <a:noFill/>
+            <a:miter lim="400000"/>
+          </a:ln>
+        </p:spPr>
+        <p:style>
+          <a:lnRef idx="0">
+            <a:scrgbClr r="0" g="0" b="0"/>
+          </a:lnRef>
+          <a:fillRef idx="0">
+            <a:scrgbClr r="0" g="0" b="0"/>
+          </a:fillRef>
+          <a:effectRef idx="0">
+            <a:scrgbClr r="0" g="0" b="0"/>
+          </a:effectRef>
+          <a:fontRef idx="none"/>
+        </p:style>
+        <p:txBody>
+          <a:bodyPr rot="0" vertOverflow="overflow" horzOverflow="overflow" vert="horz" wrap="square" lIns="45718" tIns="45718" rIns="45718" bIns="45718" numCol="1" spcCol="38100" rtlCol="0" anchor="t" forceAA="0">
+            <a:spAutoFit/>
+          </a:bodyPr>
+          <a:p>
+            <a:pPr marL="342900" marR="0" indent="-342900" algn="l" defTabSz="914400" rtl="0" fontAlgn="auto" latinLnBrk="1" hangingPunct="0">
+              <a:lnSpc>
+                <a:spcPct val="100000"/>
+              </a:lnSpc>
+              <a:spcBef>
+                <a:spcPts val="0"/>
+              </a:spcBef>
+              <a:spcAft>
+                <a:spcPts val="0"/>
+              </a:spcAft>
+              <a:buClrTx/>
+              <a:buSzTx/>
+              <a:buFont typeface="Arial" charset="0"/>
+              <a:buChar char="•"/>
+            </a:pPr>
+            <a:r>
+              <a:rPr kumimoji="0" lang="en-US" sz="2400" b="0" i="0" u="none" strike="noStrike" cap="none" spc="0" normalizeH="0" baseline="0">
+                <a:ln>
+                  <a:noFill/>
+                </a:ln>
+                <a:solidFill>
+                  <a:schemeClr val="accent5">
+                    <a:lumMod val="50000"/>
+                  </a:schemeClr>
+                </a:solidFill>
+                <a:effectLst/>
+                <a:uFillTx/>
+                <a:latin typeface="Calibri"/>
+                <a:ea typeface="+mj-ea"/>
+                <a:cs typeface="+mj-cs"/>
+                <a:sym typeface="Helvetica"/>
+              </a:rPr>
+              <a:t>most were not chains, but one node influencing many others (splits) or several recommendations directed at one node (merges)</a:t>
+            </a:r>
+            <a:endParaRPr kumimoji="0" lang="en-US" sz="2400" b="0" i="0" u="none" strike="noStrike" cap="none" spc="0" normalizeH="0" baseline="0">
+              <a:ln>
+                <a:noFill/>
+              </a:ln>
+              <a:solidFill>
+                <a:schemeClr val="accent5">
+                  <a:lumMod val="50000"/>
+                </a:schemeClr>
+              </a:solidFill>
+              <a:effectLst/>
+              <a:uFillTx/>
+              <a:latin typeface="Calibri"/>
+              <a:ea typeface="+mj-ea"/>
+              <a:cs typeface="+mj-cs"/>
+              <a:sym typeface="Helvetica"/>
+            </a:endParaRPr>
+          </a:p>
+          <a:p>
+            <a:pPr marL="342900" marR="0" indent="-342900" algn="l" defTabSz="914400" rtl="0" fontAlgn="auto" latinLnBrk="1" hangingPunct="0">
+              <a:lnSpc>
+                <a:spcPct val="100000"/>
+              </a:lnSpc>
+              <a:spcBef>
+                <a:spcPts val="0"/>
+              </a:spcBef>
+              <a:spcAft>
+                <a:spcPts val="0"/>
+              </a:spcAft>
+              <a:buClrTx/>
+              <a:buSzTx/>
+              <a:buFont typeface="Arial" charset="0"/>
+              <a:buChar char="•"/>
+            </a:pPr>
+            <a:endParaRPr kumimoji="0" lang="en-US" sz="2400" b="0" i="0" u="none" strike="noStrike" cap="none" spc="0" normalizeH="0" baseline="0">
+              <a:ln>
+                <a:noFill/>
+              </a:ln>
+              <a:solidFill>
+                <a:schemeClr val="accent5">
+                  <a:lumMod val="50000"/>
+                </a:schemeClr>
+              </a:solidFill>
+              <a:effectLst/>
+              <a:uFillTx/>
+              <a:latin typeface="Calibri"/>
+              <a:ea typeface="+mj-ea"/>
+              <a:cs typeface="+mj-cs"/>
+              <a:sym typeface="Helvetica"/>
+            </a:endParaRPr>
+          </a:p>
+          <a:p>
+            <a:pPr marL="342900" marR="0" indent="-342900" algn="l" defTabSz="914400" rtl="0" fontAlgn="auto" latinLnBrk="1" hangingPunct="0">
+              <a:lnSpc>
+                <a:spcPct val="100000"/>
+              </a:lnSpc>
+              <a:spcBef>
+                <a:spcPts val="0"/>
+              </a:spcBef>
+              <a:spcAft>
+                <a:spcPts val="0"/>
+              </a:spcAft>
+              <a:buClrTx/>
+              <a:buSzTx/>
+              <a:buFont typeface="Arial" charset="0"/>
+              <a:buChar char="•"/>
+            </a:pPr>
+            <a:r>
+              <a:rPr kumimoji="0" lang="en-US" sz="2400" b="0" i="0" u="none" strike="noStrike" cap="none" spc="0" normalizeH="0" baseline="0">
+                <a:ln>
+                  <a:noFill/>
+                </a:ln>
+                <a:solidFill>
+                  <a:schemeClr val="accent5">
+                    <a:lumMod val="50000"/>
+                  </a:schemeClr>
+                </a:solidFill>
+                <a:effectLst/>
+                <a:uFillTx/>
+                <a:latin typeface="Calibri"/>
+                <a:ea typeface="+mj-ea"/>
+                <a:cs typeface="+mj-cs"/>
+                <a:sym typeface="Helvetica"/>
+              </a:rPr>
+              <a:t>single recommendations made up the majority of 'cascades'</a:t>
+            </a:r>
+            <a:endParaRPr kumimoji="0" lang="en-US" sz="2400" b="0" i="0" u="none" strike="noStrike" cap="none" spc="0" normalizeH="0" baseline="0">
+              <a:ln>
+                <a:noFill/>
+              </a:ln>
+              <a:solidFill>
+                <a:schemeClr val="accent5">
+                  <a:lumMod val="50000"/>
+                </a:schemeClr>
+              </a:solidFill>
+              <a:effectLst/>
+              <a:uFillTx/>
+              <a:latin typeface="Calibri"/>
+              <a:ea typeface="+mj-ea"/>
+              <a:cs typeface="+mj-cs"/>
+              <a:sym typeface="Helvetica"/>
+            </a:endParaRPr>
+          </a:p>
+          <a:p>
+            <a:pPr marL="342900" marR="0" indent="-342900" algn="l" defTabSz="914400" rtl="0" fontAlgn="auto" latinLnBrk="1" hangingPunct="0">
+              <a:lnSpc>
+                <a:spcPct val="100000"/>
+              </a:lnSpc>
+              <a:spcBef>
+                <a:spcPts val="0"/>
+              </a:spcBef>
+              <a:spcAft>
+                <a:spcPts val="0"/>
+              </a:spcAft>
+              <a:buClrTx/>
+              <a:buSzTx/>
+              <a:buFont typeface="Arial" charset="0"/>
+              <a:buChar char="•"/>
+            </a:pPr>
+            <a:endParaRPr kumimoji="0" lang="en-US" sz="2400" b="0" i="0" u="none" strike="noStrike" cap="none" spc="0" normalizeH="0" baseline="0">
+              <a:ln>
+                <a:noFill/>
+              </a:ln>
+              <a:solidFill>
+                <a:schemeClr val="accent5">
+                  <a:lumMod val="50000"/>
+                </a:schemeClr>
+              </a:solidFill>
+              <a:effectLst/>
+              <a:uFillTx/>
+              <a:latin typeface="Calibri"/>
+              <a:ea typeface="+mj-ea"/>
+              <a:cs typeface="+mj-cs"/>
+              <a:sym typeface="Helvetica"/>
+            </a:endParaRPr>
+          </a:p>
+          <a:p>
+            <a:pPr marL="342900" marR="0" indent="-342900" algn="l" defTabSz="914400" rtl="0" fontAlgn="auto" latinLnBrk="1" hangingPunct="0">
+              <a:lnSpc>
+                <a:spcPct val="100000"/>
+              </a:lnSpc>
+              <a:spcBef>
+                <a:spcPts val="0"/>
+              </a:spcBef>
+              <a:spcAft>
+                <a:spcPts val="0"/>
+              </a:spcAft>
+              <a:buClrTx/>
+              <a:buSzTx/>
+              <a:buFont typeface="Arial" charset="0"/>
+              <a:buChar char="•"/>
+            </a:pPr>
+            <a:r>
+              <a:rPr kumimoji="0" lang="en-US" sz="2400" b="0" i="0" u="none" strike="noStrike" cap="none" spc="0" normalizeH="0" baseline="0">
+                <a:ln>
+                  <a:noFill/>
+                </a:ln>
+                <a:solidFill>
+                  <a:schemeClr val="accent5">
+                    <a:lumMod val="50000"/>
+                  </a:schemeClr>
+                </a:solidFill>
+                <a:effectLst/>
+                <a:uFillTx/>
+                <a:latin typeface="Calibri"/>
+                <a:ea typeface="+mj-ea"/>
+                <a:cs typeface="+mj-cs"/>
+                <a:sym typeface="Helvetica"/>
+              </a:rPr>
+              <a:t>overall, the average ego network from which relevant recommendations originated was little more than 1(!)</a:t>
+            </a:r>
+            <a:endParaRPr kumimoji="0" lang="en-US" sz="2400" b="0" i="0" u="none" strike="noStrike" cap="none" spc="0" normalizeH="0" baseline="0">
+              <a:ln>
+                <a:noFill/>
+              </a:ln>
+              <a:solidFill>
+                <a:schemeClr val="accent5">
+                  <a:lumMod val="50000"/>
+                </a:schemeClr>
+              </a:solidFill>
+              <a:effectLst/>
+              <a:uFillTx/>
+              <a:latin typeface="Calibri"/>
+              <a:ea typeface="+mj-ea"/>
+              <a:cs typeface="+mj-cs"/>
+              <a:sym typeface="Helvetica"/>
+            </a:endParaRPr>
+          </a:p>
+        </p:txBody>
+      </p:sp>
+    </p:spTree>
+  </p:cSld>
+  <p:clrMapOvr>
+    <a:masterClrMapping/>
+  </p:clrMapOvr>
+  <p:transition spd="med"/>
+  <p:timing>
+    <p:tnLst>
+      <p:par>
+        <p:cTn id="1" dur="indefinite" restart="never" nodeType="tmRoot"/>
+      </p:par>
+    </p:tnLst>
+  </p:timing>
+</p:sld>
+</file>
+
+<file path=ppt/slides/slide5.xml><?xml version="1.0" encoding="utf-8"?>
+<p:sld xmlns:a="http://schemas.openxmlformats.org/drawingml/2006/main" xmlns:r="http://schemas.openxmlformats.org/officeDocument/2006/relationships" xmlns:p="http://schemas.openxmlformats.org/presentationml/2006/main">
+  <p:cSld>
+    <p:spTree>
+      <p:nvGrpSpPr>
+        <p:cNvPr id="1" name=""/>
+        <p:cNvGrpSpPr/>
+        <p:nvPr/>
+      </p:nvGrpSpPr>
+      <p:grpSpPr>
+        <a:xfrm>
+          <a:off x="0" y="0"/>
+          <a:ext cx="0" cy="0"/>
+          <a:chOff x="0" y="0"/>
+          <a:chExt cx="0" cy="0"/>
+        </a:xfrm>
+      </p:grpSpPr>
+      <p:sp>
+        <p:nvSpPr>
+          <p:cNvPr id="2" name="Title 1"/>
+          <p:cNvSpPr txBox="1"/>
+          <p:nvPr/>
+        </p:nvSpPr>
+        <p:spPr>
+          <a:xfrm>
+            <a:off x="253746" y="-11495"/>
+            <a:ext cx="7227146" cy="427420"/>
+          </a:xfrm>
+          <a:prstGeom prst="rect">
+            <a:avLst/>
+          </a:prstGeom>
+        </p:spPr>
+        <p:txBody>
+          <a:bodyPr/>
+          <a:lstStyle>
+            <a:lvl1pPr>
+              <a:defRPr sz="2400" b="1">
+                <a:solidFill>
+                  <a:srgbClr val="1F497D"/>
+                </a:solidFill>
+                <a:latin typeface="Calibri"/>
+                <a:ea typeface="Calibri"/>
+                <a:cs typeface="Calibri"/>
+                <a:sym typeface="Calibri"/>
+              </a:defRPr>
+            </a:lvl1pPr>
+            <a:lvl2pPr>
+              <a:defRPr sz="2400" b="1">
+                <a:solidFill>
+                  <a:srgbClr val="1F497D"/>
+                </a:solidFill>
+                <a:latin typeface="Calibri"/>
+                <a:ea typeface="Calibri"/>
+                <a:cs typeface="Calibri"/>
+                <a:sym typeface="Calibri"/>
+              </a:defRPr>
+            </a:lvl2pPr>
+            <a:lvl3pPr>
+              <a:defRPr sz="2400" b="1">
+                <a:solidFill>
+                  <a:srgbClr val="1F497D"/>
+                </a:solidFill>
+                <a:latin typeface="Calibri"/>
+                <a:ea typeface="Calibri"/>
+                <a:cs typeface="Calibri"/>
+                <a:sym typeface="Calibri"/>
+              </a:defRPr>
+            </a:lvl3pPr>
+            <a:lvl4pPr>
+              <a:defRPr sz="2400" b="1">
+                <a:solidFill>
+                  <a:srgbClr val="1F497D"/>
+                </a:solidFill>
+                <a:latin typeface="Calibri"/>
+                <a:ea typeface="Calibri"/>
+                <a:cs typeface="Calibri"/>
+                <a:sym typeface="Calibri"/>
+              </a:defRPr>
+            </a:lvl4pPr>
+            <a:lvl5pPr>
+              <a:defRPr sz="2400" b="1">
+                <a:solidFill>
+                  <a:srgbClr val="1F497D"/>
+                </a:solidFill>
+                <a:latin typeface="Calibri"/>
+                <a:ea typeface="Calibri"/>
+                <a:cs typeface="Calibri"/>
+                <a:sym typeface="Calibri"/>
+              </a:defRPr>
+            </a:lvl5pPr>
+            <a:lvl6pPr>
+              <a:defRPr sz="2400" b="1">
+                <a:solidFill>
+                  <a:srgbClr val="1F497D"/>
+                </a:solidFill>
+                <a:latin typeface="Calibri"/>
+                <a:ea typeface="Calibri"/>
+                <a:cs typeface="Calibri"/>
+                <a:sym typeface="Calibri"/>
+              </a:defRPr>
+            </a:lvl6pPr>
+            <a:lvl7pPr>
+              <a:defRPr sz="2400" b="1">
+                <a:solidFill>
+                  <a:srgbClr val="1F497D"/>
+                </a:solidFill>
+                <a:latin typeface="Calibri"/>
+                <a:ea typeface="Calibri"/>
+                <a:cs typeface="Calibri"/>
+                <a:sym typeface="Calibri"/>
+              </a:defRPr>
+            </a:lvl7pPr>
+            <a:lvl8pPr>
+              <a:defRPr sz="2400" b="1">
+                <a:solidFill>
+                  <a:srgbClr val="1F497D"/>
+                </a:solidFill>
+                <a:latin typeface="Calibri"/>
+                <a:ea typeface="Calibri"/>
+                <a:cs typeface="Calibri"/>
+                <a:sym typeface="Calibri"/>
+              </a:defRPr>
+            </a:lvl8pPr>
+            <a:lvl9pPr>
+              <a:defRPr sz="2400" b="1">
+                <a:solidFill>
+                  <a:srgbClr val="1F497D"/>
+                </a:solidFill>
+                <a:latin typeface="Calibri"/>
+                <a:ea typeface="Calibri"/>
+                <a:cs typeface="Calibri"/>
+                <a:sym typeface="Calibri"/>
+              </a:defRPr>
+            </a:lvl9pPr>
+          </a:lstStyle>
+          <a:p>
+            <a:r>
+              <a:rPr lang="x-none" dirty="0" smtClean="0"/>
+              <a:t>Introduction and Motivation</a:t>
+            </a:r>
+            <a:endParaRPr lang="x-none" dirty="0" smtClean="0"/>
+          </a:p>
+        </p:txBody>
+      </p:sp>
+      <p:sp>
+        <p:nvSpPr>
+          <p:cNvPr id="3" name="Shape 34"/>
+          <p:cNvSpPr txBox="1"/>
+          <p:nvPr/>
+        </p:nvSpPr>
+        <p:spPr>
+          <a:xfrm>
+            <a:off x="450850" y="916940"/>
+            <a:ext cx="8226425" cy="5230495"/>
+          </a:xfrm>
+          <a:prstGeom prst="rect">
+            <a:avLst/>
+          </a:prstGeom>
+        </p:spPr>
+        <p:txBody>
+          <a:bodyPr>
+            <a:noAutofit/>
+          </a:bodyPr>
+          <a:lstStyle>
+            <a:lvl1pPr marL="342900" indent="-342900">
+              <a:spcBef>
+                <a:spcPts val="700"/>
+              </a:spcBef>
+              <a:buSzPct val="100000"/>
+              <a:buFont typeface="Wingdings" panose="05000000000000000000" charset="2"/>
+              <a:buChar char="▪"/>
+              <a:defRPr sz="3200">
+                <a:solidFill>
+                  <a:srgbClr val="1F497D"/>
+                </a:solidFill>
+                <a:latin typeface="Calibri"/>
+                <a:ea typeface="Calibri"/>
+                <a:cs typeface="Calibri"/>
+                <a:sym typeface="Calibri"/>
+              </a:defRPr>
+            </a:lvl1pPr>
+            <a:lvl2pPr marL="783590" indent="-326390">
+              <a:spcBef>
+                <a:spcPts val="700"/>
+              </a:spcBef>
+              <a:buSzPct val="100000"/>
+              <a:buFont typeface="Wingdings" panose="05000000000000000000" charset="2"/>
+              <a:buChar char="▪"/>
+              <a:defRPr sz="3200">
+                <a:solidFill>
+                  <a:srgbClr val="1F497D"/>
+                </a:solidFill>
+                <a:latin typeface="Calibri"/>
+                <a:ea typeface="Calibri"/>
+                <a:cs typeface="Calibri"/>
+                <a:sym typeface="Calibri"/>
+              </a:defRPr>
+            </a:lvl2pPr>
+            <a:lvl3pPr marL="1219200" indent="-304800">
+              <a:spcBef>
+                <a:spcPts val="700"/>
+              </a:spcBef>
+              <a:buSzPct val="100000"/>
+              <a:buFont typeface="Wingdings" panose="05000000000000000000" charset="2"/>
+              <a:buChar char="▪"/>
+              <a:defRPr sz="3200">
+                <a:solidFill>
+                  <a:srgbClr val="1F497D"/>
+                </a:solidFill>
+                <a:latin typeface="Calibri"/>
+                <a:ea typeface="Calibri"/>
+                <a:cs typeface="Calibri"/>
+                <a:sym typeface="Calibri"/>
+              </a:defRPr>
+            </a:lvl3pPr>
+            <a:lvl4pPr marL="1737360" indent="-365760">
+              <a:spcBef>
+                <a:spcPts val="700"/>
+              </a:spcBef>
+              <a:buSzPct val="100000"/>
+              <a:buFont typeface="Wingdings" panose="05000000000000000000" charset="2"/>
+              <a:buChar char="▪"/>
+              <a:defRPr sz="3200">
+                <a:solidFill>
+                  <a:srgbClr val="1F497D"/>
+                </a:solidFill>
+                <a:latin typeface="Calibri"/>
+                <a:ea typeface="Calibri"/>
+                <a:cs typeface="Calibri"/>
+                <a:sym typeface="Calibri"/>
+              </a:defRPr>
+            </a:lvl4pPr>
+            <a:lvl5pPr marL="2194560" indent="-365760">
+              <a:spcBef>
+                <a:spcPts val="700"/>
+              </a:spcBef>
+              <a:buSzPct val="100000"/>
+              <a:buFont typeface="Wingdings" panose="05000000000000000000" charset="2"/>
+              <a:buChar char="▪"/>
+              <a:defRPr sz="3200">
+                <a:solidFill>
+                  <a:srgbClr val="1F497D"/>
+                </a:solidFill>
+                <a:latin typeface="Calibri"/>
+                <a:ea typeface="Calibri"/>
+                <a:cs typeface="Calibri"/>
+                <a:sym typeface="Calibri"/>
+              </a:defRPr>
+            </a:lvl5pPr>
+            <a:lvl6pPr marL="2651760" indent="-365760">
+              <a:spcBef>
+                <a:spcPts val="700"/>
+              </a:spcBef>
+              <a:buSzPct val="100000"/>
+              <a:buFont typeface="Wingdings" panose="05000000000000000000" charset="2"/>
+              <a:buChar char="•"/>
+              <a:defRPr sz="3200">
+                <a:solidFill>
+                  <a:srgbClr val="1F497D"/>
+                </a:solidFill>
+                <a:latin typeface="Calibri"/>
+                <a:ea typeface="Calibri"/>
+                <a:cs typeface="Calibri"/>
+                <a:sym typeface="Calibri"/>
+              </a:defRPr>
+            </a:lvl6pPr>
+            <a:lvl7pPr marL="3108960" indent="-365760">
+              <a:spcBef>
+                <a:spcPts val="700"/>
+              </a:spcBef>
+              <a:buSzPct val="100000"/>
+              <a:buFont typeface="Wingdings" panose="05000000000000000000" charset="2"/>
+              <a:buChar char="•"/>
+              <a:defRPr sz="3200">
+                <a:solidFill>
+                  <a:srgbClr val="1F497D"/>
+                </a:solidFill>
+                <a:latin typeface="Calibri"/>
+                <a:ea typeface="Calibri"/>
+                <a:cs typeface="Calibri"/>
+                <a:sym typeface="Calibri"/>
+              </a:defRPr>
+            </a:lvl7pPr>
+            <a:lvl8pPr marL="3566160" indent="-365760">
+              <a:spcBef>
+                <a:spcPts val="700"/>
+              </a:spcBef>
+              <a:buSzPct val="100000"/>
+              <a:buFont typeface="Wingdings" panose="05000000000000000000" charset="2"/>
+              <a:buChar char="•"/>
+              <a:defRPr sz="3200">
+                <a:solidFill>
+                  <a:srgbClr val="1F497D"/>
+                </a:solidFill>
+                <a:latin typeface="Calibri"/>
+                <a:ea typeface="Calibri"/>
+                <a:cs typeface="Calibri"/>
+                <a:sym typeface="Calibri"/>
+              </a:defRPr>
+            </a:lvl8pPr>
+            <a:lvl9pPr marL="4023360" indent="-365760">
+              <a:spcBef>
+                <a:spcPts val="700"/>
+              </a:spcBef>
+              <a:buSzPct val="100000"/>
+              <a:buFont typeface="Wingdings" panose="05000000000000000000" charset="2"/>
+              <a:buChar char="•"/>
+              <a:defRPr sz="3200">
+                <a:solidFill>
+                  <a:srgbClr val="1F497D"/>
+                </a:solidFill>
+                <a:latin typeface="Calibri"/>
+                <a:ea typeface="Calibri"/>
+                <a:cs typeface="Calibri"/>
+                <a:sym typeface="Calibri"/>
+              </a:defRPr>
+            </a:lvl9pPr>
+          </a:lstStyle>
+          <a:p>
+            <a:pPr defTabSz="676275">
+              <a:spcBef>
+                <a:spcPts val="0"/>
+              </a:spcBef>
+              <a:buClr>
+                <a:srgbClr val="1F497D"/>
+              </a:buClr>
+              <a:buFont typeface="Arial" charset="0"/>
+              <a:buChar char="•"/>
+              <a:defRPr sz="1800">
+                <a:solidFill>
+                  <a:srgbClr val="000000"/>
+                </a:solidFill>
+              </a:defRPr>
+            </a:pPr>
+            <a:r>
+              <a:rPr lang="en-US" sz="2400" dirty="0" smtClean="0">
+                <a:solidFill>
+                  <a:schemeClr val="accent1">
+                    <a:lumMod val="50000"/>
+                  </a:schemeClr>
+                </a:solidFill>
+              </a:rPr>
+              <a:t>the FB graph has been estimated to have a diameter of as low as 4</a:t>
+            </a:r>
+            <a:endParaRPr lang="en-US" sz="2400" dirty="0" smtClean="0">
+              <a:solidFill>
+                <a:schemeClr val="accent1">
+                  <a:lumMod val="50000"/>
+                </a:schemeClr>
+              </a:solidFill>
+            </a:endParaRPr>
+          </a:p>
+          <a:p>
+            <a:pPr defTabSz="676275">
+              <a:spcBef>
+                <a:spcPts val="0"/>
+              </a:spcBef>
+              <a:buClr>
+                <a:srgbClr val="1F497D"/>
+              </a:buClr>
+              <a:buFont typeface="Arial" charset="0"/>
+              <a:buChar char="•"/>
+              <a:defRPr sz="1800">
+                <a:solidFill>
+                  <a:srgbClr val="000000"/>
+                </a:solidFill>
+              </a:defRPr>
+            </a:pPr>
+            <a:endParaRPr lang="en-US" sz="2400" dirty="0" smtClean="0">
+              <a:solidFill>
+                <a:schemeClr val="accent1">
+                  <a:lumMod val="50000"/>
+                </a:schemeClr>
+              </a:solidFill>
+            </a:endParaRPr>
+          </a:p>
+          <a:p>
+            <a:pPr defTabSz="676275">
+              <a:spcBef>
+                <a:spcPts val="0"/>
+              </a:spcBef>
+              <a:buClr>
+                <a:srgbClr val="1F497D"/>
+              </a:buClr>
+              <a:buFont typeface="Arial" charset="0"/>
+              <a:buChar char="•"/>
+              <a:defRPr sz="1800">
+                <a:solidFill>
+                  <a:srgbClr val="000000"/>
+                </a:solidFill>
+              </a:defRPr>
+            </a:pPr>
+            <a:r>
+              <a:rPr lang="en-US" sz="2400" dirty="0" smtClean="0">
+                <a:solidFill>
+                  <a:schemeClr val="accent1">
+                    <a:lumMod val="50000"/>
+                  </a:schemeClr>
+                </a:solidFill>
+              </a:rPr>
+              <a:t>because of many loose contacts instead of friends</a:t>
+            </a:r>
+            <a:endParaRPr lang="en-US" sz="2400" dirty="0" smtClean="0">
+              <a:solidFill>
+                <a:schemeClr val="accent1">
+                  <a:lumMod val="50000"/>
+                </a:schemeClr>
+              </a:solidFill>
+            </a:endParaRPr>
+          </a:p>
+          <a:p>
+            <a:pPr defTabSz="676275">
+              <a:spcBef>
+                <a:spcPts val="0"/>
+              </a:spcBef>
+              <a:buClr>
+                <a:srgbClr val="1F497D"/>
+              </a:buClr>
+              <a:buFont typeface="Arial" charset="0"/>
+              <a:buChar char="•"/>
+              <a:defRPr sz="1800">
+                <a:solidFill>
+                  <a:srgbClr val="000000"/>
+                </a:solidFill>
+              </a:defRPr>
+            </a:pPr>
+            <a:endParaRPr lang="en-US" sz="2400" dirty="0" smtClean="0">
+              <a:solidFill>
+                <a:schemeClr val="accent1">
+                  <a:lumMod val="50000"/>
+                </a:schemeClr>
+              </a:solidFill>
+            </a:endParaRPr>
+          </a:p>
+          <a:p>
+            <a:pPr defTabSz="676275">
+              <a:spcBef>
+                <a:spcPts val="0"/>
+              </a:spcBef>
+              <a:buClr>
+                <a:srgbClr val="1F497D"/>
+              </a:buClr>
+              <a:buFont typeface="Arial" charset="0"/>
+              <a:buChar char="•"/>
+              <a:defRPr sz="1800">
+                <a:solidFill>
+                  <a:srgbClr val="000000"/>
+                </a:solidFill>
+              </a:defRPr>
+            </a:pPr>
+            <a:r>
+              <a:rPr lang="en-US" sz="2400" dirty="0" smtClean="0">
+                <a:solidFill>
+                  <a:schemeClr val="accent1">
+                    <a:lumMod val="50000"/>
+                  </a:schemeClr>
+                </a:solidFill>
+              </a:rPr>
+              <a:t>the diameter is shrinking with new connections</a:t>
+            </a:r>
+            <a:endParaRPr lang="en-US" sz="2400" dirty="0" smtClean="0">
+              <a:solidFill>
+                <a:schemeClr val="accent1">
+                  <a:lumMod val="50000"/>
+                </a:schemeClr>
+              </a:solidFill>
+            </a:endParaRPr>
+          </a:p>
+          <a:p>
+            <a:pPr defTabSz="676275">
+              <a:spcBef>
+                <a:spcPts val="0"/>
+              </a:spcBef>
+              <a:buClr>
+                <a:srgbClr val="1F497D"/>
+              </a:buClr>
+              <a:buFont typeface="Arial" charset="0"/>
+              <a:buChar char="•"/>
+              <a:defRPr sz="1800">
+                <a:solidFill>
+                  <a:srgbClr val="000000"/>
+                </a:solidFill>
+              </a:defRPr>
+            </a:pPr>
+            <a:endParaRPr lang="en-US" sz="2400" dirty="0" smtClean="0">
+              <a:solidFill>
+                <a:schemeClr val="accent1">
+                  <a:lumMod val="50000"/>
+                </a:schemeClr>
+              </a:solidFill>
+            </a:endParaRPr>
+          </a:p>
+          <a:p>
+            <a:pPr defTabSz="676275">
+              <a:spcBef>
+                <a:spcPts val="0"/>
+              </a:spcBef>
+              <a:buClr>
+                <a:srgbClr val="1F497D"/>
+              </a:buClr>
+              <a:buFont typeface="Arial" charset="0"/>
+              <a:buChar char="•"/>
+              <a:defRPr sz="1800">
+                <a:solidFill>
+                  <a:srgbClr val="000000"/>
+                </a:solidFill>
+              </a:defRPr>
+            </a:pPr>
+            <a:r>
+              <a:rPr lang="en-US" sz="2400" dirty="0" smtClean="0">
+                <a:solidFill>
+                  <a:schemeClr val="accent1">
+                    <a:lumMod val="50000"/>
+                  </a:schemeClr>
+                </a:solidFill>
+              </a:rPr>
+              <a:t>although the graph is globally very sparse, individual node neighborhoods contain surprisingly dense structure</a:t>
+            </a:r>
+            <a:endParaRPr lang="en-US" sz="2400" dirty="0" smtClean="0">
+              <a:solidFill>
+                <a:schemeClr val="accent1">
+                  <a:lumMod val="50000"/>
+                </a:schemeClr>
+              </a:solidFill>
+            </a:endParaRPr>
+          </a:p>
+          <a:p>
+            <a:pPr defTabSz="676275">
+              <a:spcBef>
+                <a:spcPts val="0"/>
+              </a:spcBef>
+              <a:buClr>
+                <a:srgbClr val="1F497D"/>
+              </a:buClr>
+              <a:buFont typeface="Arial" charset="0"/>
+              <a:buChar char="•"/>
+              <a:defRPr sz="1800">
+                <a:solidFill>
+                  <a:srgbClr val="000000"/>
+                </a:solidFill>
+              </a:defRPr>
+            </a:pPr>
+            <a:endParaRPr lang="x-none" altLang="en-US" sz="2400" dirty="0" smtClean="0">
+              <a:solidFill>
+                <a:schemeClr val="accent1">
+                  <a:lumMod val="50000"/>
+                </a:schemeClr>
+              </a:solidFill>
+            </a:endParaRPr>
+          </a:p>
+          <a:p>
+            <a:pPr defTabSz="676275">
+              <a:spcBef>
+                <a:spcPts val="0"/>
+              </a:spcBef>
+              <a:buClr>
+                <a:srgbClr val="1F497D"/>
+              </a:buClr>
+              <a:buFont typeface="Arial" charset="0"/>
+              <a:buChar char="•"/>
+              <a:defRPr sz="1800">
+                <a:solidFill>
+                  <a:srgbClr val="000000"/>
+                </a:solidFill>
+              </a:defRPr>
+            </a:pPr>
+            <a:r>
+              <a:rPr lang="x-none" altLang="en-US" sz="2400" dirty="0" smtClean="0">
+                <a:solidFill>
+                  <a:schemeClr val="accent1">
+                    <a:lumMod val="50000"/>
+                  </a:schemeClr>
+                </a:solidFill>
+              </a:rPr>
+              <a:t>C</a:t>
+            </a:r>
+            <a:r>
+              <a:rPr lang="en-US" sz="2400" dirty="0" smtClean="0">
+                <a:solidFill>
+                  <a:schemeClr val="accent1">
+                    <a:lumMod val="50000"/>
+                  </a:schemeClr>
+                </a:solidFill>
+              </a:rPr>
+              <a:t>onclusion: We dont need the whole graph to calculate good recommendations - it might be possible to just take a node's immediate vicinity into account!</a:t>
+            </a:r>
+            <a:endParaRPr lang="en-US" sz="2400" dirty="0" smtClean="0">
+              <a:solidFill>
+                <a:schemeClr val="accent1">
+                  <a:lumMod val="50000"/>
+                </a:schemeClr>
+              </a:solidFill>
+            </a:endParaRPr>
+          </a:p>
+        </p:txBody>
+      </p:sp>
+    </p:spTree>
+  </p:cSld>
+  <p:clrMapOvr>
+    <a:masterClrMapping/>
+  </p:clrMapOvr>
+  <p:transition spd="med"/>
+  <p:timing>
+    <p:tnLst>
+      <p:par>
+        <p:cTn id="1" dur="indefinite" restart="never" nodeType="tmRoot"/>
+      </p:par>
+    </p:tnLst>
+  </p:timing>
+</p:sld>
+</file>
+
+<file path=ppt/slides/slide6.xml><?xml version="1.0" encoding="utf-8"?>
+<p:sld xmlns:a="http://schemas.openxmlformats.org/drawingml/2006/main" xmlns:r="http://schemas.openxmlformats.org/officeDocument/2006/relationships" xmlns:p="http://schemas.openxmlformats.org/presentationml/2006/main">
+  <p:cSld>
+    <p:spTree>
+      <p:nvGrpSpPr>
+        <p:cNvPr id="1" name=""/>
+        <p:cNvGrpSpPr/>
+        <p:nvPr/>
+      </p:nvGrpSpPr>
+      <p:grpSpPr>
+        <a:xfrm>
+          <a:off x="0" y="0"/>
+          <a:ext cx="0" cy="0"/>
+          <a:chOff x="0" y="0"/>
+          <a:chExt cx="0" cy="0"/>
+        </a:xfrm>
+      </p:grpSpPr>
+      <p:sp>
+        <p:nvSpPr>
+          <p:cNvPr id="2" name="Title 1"/>
+          <p:cNvSpPr>
+            <a:spLocks noGrp="1"/>
+          </p:cNvSpPr>
+          <p:nvPr>
+            <p:ph type="title"/>
+          </p:nvPr>
+        </p:nvSpPr>
+        <p:spPr>
+          <a:xfrm>
+            <a:off x="251518" y="0"/>
+            <a:ext cx="6093531" cy="427420"/>
+          </a:xfrm>
+        </p:spPr>
+        <p:txBody>
+          <a:bodyPr/>
+          <a:lstStyle/>
+          <a:p>
+            <a:r>
+              <a:rPr lang="x-none" altLang="en-US" dirty="0" smtClean="0"/>
+              <a:t>Traditional request / response cycle</a:t>
+            </a:r>
+            <a:endParaRPr lang="x-none" altLang="en-US" dirty="0"/>
+          </a:p>
+        </p:txBody>
+      </p:sp>
+      <p:pic>
+        <p:nvPicPr>
+          <p:cNvPr id="49" name="Picture 48" descr="request_response"/>
+          <p:cNvPicPr>
+            <a:picLocks noChangeAspect="1"/>
+          </p:cNvPicPr>
+          <p:nvPr/>
+        </p:nvPicPr>
+        <p:blipFill>
+          <a:blip r:embed="rId1"/>
+          <a:stretch>
+            <a:fillRect/>
+          </a:stretch>
+        </p:blipFill>
+        <p:spPr>
+          <a:xfrm>
+            <a:off x="256540" y="951230"/>
+            <a:ext cx="8580755" cy="4828540"/>
+          </a:xfrm>
+          <a:prstGeom prst="rect">
+            <a:avLst/>
+          </a:prstGeom>
+        </p:spPr>
+      </p:pic>
+    </p:spTree>
+  </p:cSld>
+  <p:clrMapOvr>
+    <a:masterClrMapping/>
+  </p:clrMapOvr>
+  <p:transition spd="med"/>
+  <p:timing>
+    <p:tnLst>
+      <p:par>
+        <p:cTn id="1" dur="indefinite" restart="never" nodeType="tmRoot"/>
+      </p:par>
+    </p:tnLst>
+  </p:timing>
+</p:sld>
+</file>
+
+<file path=ppt/slides/slide7.xml><?xml version="1.0" encoding="utf-8"?>
+<p:sld xmlns:a="http://schemas.openxmlformats.org/drawingml/2006/main" xmlns:r="http://schemas.openxmlformats.org/officeDocument/2006/relationships" xmlns:p="http://schemas.openxmlformats.org/presentationml/2006/main">
+  <p:cSld>
+    <p:spTree>
+      <p:nvGrpSpPr>
+        <p:cNvPr id="1" name=""/>
+        <p:cNvGrpSpPr/>
+        <p:nvPr/>
+      </p:nvGrpSpPr>
+      <p:grpSpPr>
+        <a:xfrm>
+          <a:off x="0" y="0"/>
+          <a:ext cx="0" cy="0"/>
+          <a:chOff x="0" y="0"/>
+          <a:chExt cx="0" cy="0"/>
+        </a:xfrm>
+      </p:grpSpPr>
+      <p:sp>
+        <p:nvSpPr>
+          <p:cNvPr id="2" name="Title 1"/>
+          <p:cNvSpPr>
+            <a:spLocks noGrp="1"/>
+          </p:cNvSpPr>
+          <p:nvPr>
+            <p:ph type="title"/>
+          </p:nvPr>
+        </p:nvSpPr>
+        <p:spPr>
+          <a:xfrm>
+            <a:off x="251518" y="0"/>
+            <a:ext cx="6093531" cy="427420"/>
+          </a:xfrm>
+        </p:spPr>
+        <p:txBody>
+          <a:bodyPr/>
+          <a:lstStyle/>
+          <a:p>
+            <a:r>
+              <a:rPr lang="x-none" altLang="en-US" dirty="0" smtClean="0"/>
+              <a:t>Longpolling / Ajax</a:t>
+            </a:r>
+            <a:endParaRPr lang="x-none" altLang="en-US" dirty="0"/>
+          </a:p>
+        </p:txBody>
+      </p:sp>
+      <p:pic>
+        <p:nvPicPr>
+          <p:cNvPr id="3" name="Picture 2" descr="ajax"/>
+          <p:cNvPicPr>
+            <a:picLocks noChangeAspect="1"/>
+          </p:cNvPicPr>
+          <p:nvPr/>
+        </p:nvPicPr>
+        <p:blipFill>
+          <a:blip r:embed="rId1"/>
+          <a:stretch>
+            <a:fillRect/>
+          </a:stretch>
+        </p:blipFill>
+        <p:spPr>
+          <a:xfrm>
+            <a:off x="46355" y="1118870"/>
+            <a:ext cx="9171305" cy="4828540"/>
+          </a:xfrm>
+          <a:prstGeom prst="rect">
+            <a:avLst/>
+          </a:prstGeom>
+        </p:spPr>
+      </p:pic>
+    </p:spTree>
+  </p:cSld>
+  <p:clrMapOvr>
+    <a:masterClrMapping/>
+  </p:clrMapOvr>
+  <p:transition spd="med"/>
+  <p:timing>
+    <p:tnLst>
+      <p:par>
+        <p:cTn id="1" dur="indefinite" restart="never" nodeType="tmRoot"/>
+      </p:par>
+    </p:tnLst>
+  </p:timing>
+</p:sld>
+</file>
+
+<file path=ppt/slides/slide8.xml><?xml version="1.0" encoding="utf-8"?>
+<p:sld xmlns:a="http://schemas.openxmlformats.org/drawingml/2006/main" xmlns:r="http://schemas.openxmlformats.org/officeDocument/2006/relationships" xmlns:p="http://schemas.openxmlformats.org/presentationml/2006/main">
+  <p:cSld>
+    <p:spTree>
+      <p:nvGrpSpPr>
+        <p:cNvPr id="1" name=""/>
+        <p:cNvGrpSpPr/>
+        <p:nvPr/>
+      </p:nvGrpSpPr>
+      <p:grpSpPr>
+        <a:xfrm>
+          <a:off x="0" y="0"/>
+          <a:ext cx="0" cy="0"/>
+          <a:chOff x="0" y="0"/>
+          <a:chExt cx="0" cy="0"/>
+        </a:xfrm>
+      </p:grpSpPr>
+      <p:sp>
+        <p:nvSpPr>
+          <p:cNvPr id="2" name="Title 1"/>
+          <p:cNvSpPr>
+            <a:spLocks noGrp="1"/>
+          </p:cNvSpPr>
+          <p:nvPr>
+            <p:ph type="title"/>
+          </p:nvPr>
+        </p:nvSpPr>
+        <p:spPr>
+          <a:xfrm>
+            <a:off x="251518" y="0"/>
+            <a:ext cx="6093531" cy="427420"/>
+          </a:xfrm>
+        </p:spPr>
+        <p:txBody>
+          <a:bodyPr/>
+          <a:lstStyle/>
+          <a:p>
+            <a:r>
+              <a:rPr lang="x-none" altLang="en-US" dirty="0" smtClean="0"/>
+              <a:t>Publish / Subscribe with automatic updates</a:t>
+            </a:r>
+            <a:endParaRPr lang="x-none" altLang="en-US" dirty="0"/>
+          </a:p>
+        </p:txBody>
+      </p:sp>
+      <p:pic>
+        <p:nvPicPr>
+          <p:cNvPr id="3" name="Picture 2" descr="pubsub"/>
+          <p:cNvPicPr>
+            <a:picLocks noChangeAspect="1"/>
+          </p:cNvPicPr>
+          <p:nvPr/>
+        </p:nvPicPr>
+        <p:blipFill>
+          <a:blip r:embed="rId1"/>
+          <a:stretch>
+            <a:fillRect/>
+          </a:stretch>
+        </p:blipFill>
+        <p:spPr>
+          <a:xfrm>
+            <a:off x="313690" y="1094740"/>
+            <a:ext cx="8437880" cy="4714240"/>
+          </a:xfrm>
+          <a:prstGeom prst="rect">
+            <a:avLst/>
+          </a:prstGeom>
+        </p:spPr>
+      </p:pic>
+    </p:spTree>
+  </p:cSld>
+  <p:clrMapOvr>
+    <a:masterClrMapping/>
+  </p:clrMapOvr>
+  <p:transition spd="med"/>
+  <p:timing>
+    <p:tnLst>
+      <p:par>
+        <p:cTn id="1" dur="indefinite" restart="never" nodeType="tmRoot"/>
+      </p:par>
+    </p:tnLst>
+  </p:timing>
+</p:sld>
+</file>
+
+<file path=ppt/slides/slide9.xml><?xml version="1.0" encoding="utf-8"?>
+<p:sld xmlns:a="http://schemas.openxmlformats.org/drawingml/2006/main" xmlns:r="http://schemas.openxmlformats.org/officeDocument/2006/relationships" xmlns:p="http://schemas.openxmlformats.org/presentationml/2006/main">
+  <p:cSld>
+    <p:spTree>
+      <p:nvGrpSpPr>
+        <p:cNvPr id="1" name=""/>
+        <p:cNvGrpSpPr/>
+        <p:nvPr/>
+      </p:nvGrpSpPr>
+      <p:grpSpPr>
+        <a:xfrm>
+          <a:off x="0" y="0"/>
+          <a:ext cx="0" cy="0"/>
+          <a:chOff x="0" y="0"/>
+          <a:chExt cx="0" cy="0"/>
+        </a:xfrm>
+      </p:grpSpPr>
+      <p:sp>
+        <p:nvSpPr>
+          <p:cNvPr id="2" name="Title 1"/>
+          <p:cNvSpPr>
+            <a:spLocks noGrp="1"/>
+          </p:cNvSpPr>
+          <p:nvPr>
+            <p:ph type="title"/>
+          </p:nvPr>
+        </p:nvSpPr>
+        <p:spPr>
+          <a:xfrm>
+            <a:off x="251518" y="0"/>
+            <a:ext cx="6093531" cy="427420"/>
+          </a:xfrm>
+        </p:spPr>
+        <p:txBody>
+          <a:bodyPr/>
+          <a:lstStyle/>
+          <a:p>
+            <a:r>
+              <a:rPr lang="x-none" altLang="en-US" dirty="0" smtClean="0"/>
+              <a:t>Global Sphere / Local Sphere</a:t>
+            </a:r>
+            <a:endParaRPr lang="x-none" altLang="en-US" dirty="0"/>
+          </a:p>
+        </p:txBody>
+      </p:sp>
+      <p:pic>
+        <p:nvPicPr>
+          <p:cNvPr id="3" name="Picture 2" descr="local_sphere"/>
+          <p:cNvPicPr>
+            <a:picLocks noChangeAspect="1"/>
+          </p:cNvPicPr>
+          <p:nvPr/>
+        </p:nvPicPr>
+        <p:blipFill>
+          <a:blip r:embed="rId1"/>
+          <a:stretch>
+            <a:fillRect/>
+          </a:stretch>
+        </p:blipFill>
+        <p:spPr>
+          <a:xfrm>
+            <a:off x="230505" y="947420"/>
+            <a:ext cx="8632825" cy="5096510"/>
+          </a:xfrm>
+          <a:prstGeom prst="rect">
+            <a:avLst/>
+          </a:prstGeom>
+        </p:spPr>
+      </p:pic>
     </p:spTree>
   </p:cSld>
   <p:clrMapOvr>

--- a/2017/CD-MAKE_2017/Fed/Federated_Learning_Local_Sphere.pptx
+++ b/2017/CD-MAKE_2017/Fed/Federated_Learning_Local_Sphere.pptx
@@ -16,10 +16,14 @@
     <p:sldId id="314" r:id="rId9"/>
     <p:sldId id="366" r:id="rId10"/>
     <p:sldId id="367" r:id="rId11"/>
-    <p:sldId id="368" r:id="rId12"/>
-    <p:sldId id="298" r:id="rId13"/>
-    <p:sldId id="369" r:id="rId14"/>
-    <p:sldId id="261" r:id="rId15"/>
+    <p:sldId id="375" r:id="rId12"/>
+    <p:sldId id="377" r:id="rId13"/>
+    <p:sldId id="368" r:id="rId14"/>
+    <p:sldId id="378" r:id="rId15"/>
+    <p:sldId id="379" r:id="rId16"/>
+    <p:sldId id="298" r:id="rId17"/>
+    <p:sldId id="369" r:id="rId18"/>
+    <p:sldId id="261" r:id="rId19"/>
   </p:sldIdLst>
   <p:sldSz cx="9144000" cy="6858000" type="screen4x3"/>
   <p:notesSz cx="6858000" cy="9144000"/>
@@ -379,6 +383,93 @@
 </p:notes>
 </file>
 
+<file path=ppt/notesSlides/notesSlide10.xml><?xml version="1.0" encoding="utf-8"?>
+<p:notes xmlns:a="http://schemas.openxmlformats.org/drawingml/2006/main" xmlns:r="http://schemas.openxmlformats.org/officeDocument/2006/relationships" xmlns:p="http://schemas.openxmlformats.org/presentationml/2006/main">
+  <p:cSld>
+    <p:spTree>
+      <p:nvGrpSpPr>
+        <p:cNvPr id="1" name=""/>
+        <p:cNvGrpSpPr/>
+        <p:nvPr/>
+      </p:nvGrpSpPr>
+      <p:grpSpPr>
+        <a:xfrm>
+          <a:off x="0" y="0"/>
+          <a:ext cx="0" cy="0"/>
+          <a:chOff x="0" y="0"/>
+          <a:chExt cx="0" cy="0"/>
+        </a:xfrm>
+      </p:grpSpPr>
+      <p:sp>
+        <p:nvSpPr>
+          <p:cNvPr id="51" name="Shape 51"/>
+          <p:cNvSpPr>
+            <a:spLocks noGrp="1" noRot="1" noChangeAspect="1"/>
+          </p:cNvSpPr>
+          <p:nvPr>
+            <p:ph type="sldImg"/>
+          </p:nvPr>
+        </p:nvSpPr>
+        <p:spPr>
+          <a:prstGeom prst="rect">
+            <a:avLst/>
+          </a:prstGeom>
+        </p:spPr>
+        <p:txBody>
+          <a:bodyPr/>
+          <a:lstStyle/>
+          <a:p>
+            <a:pPr lvl="0"/>
+          </a:p>
+        </p:txBody>
+      </p:sp>
+      <p:sp>
+        <p:nvSpPr>
+          <p:cNvPr id="52" name="Shape 52"/>
+          <p:cNvSpPr>
+            <a:spLocks noGrp="1"/>
+          </p:cNvSpPr>
+          <p:nvPr>
+            <p:ph type="body" sz="quarter" idx="1"/>
+          </p:nvPr>
+        </p:nvSpPr>
+        <p:spPr>
+          <a:prstGeom prst="rect">
+            <a:avLst/>
+          </a:prstGeom>
+        </p:spPr>
+        <p:txBody>
+          <a:bodyPr/>
+          <a:lstStyle>
+            <a:lvl1pPr defTabSz="914400">
+              <a:lnSpc>
+                <a:spcPct val="100000"/>
+              </a:lnSpc>
+              <a:defRPr sz="1800">
+                <a:latin typeface="Arial" charset="0"/>
+                <a:ea typeface="Arial" charset="0"/>
+                <a:cs typeface="Arial" charset="0"/>
+                <a:sym typeface="Arial" charset="0"/>
+              </a:defRPr>
+            </a:lvl1pPr>
+          </a:lstStyle>
+          <a:p>
+            <a:pPr lvl="0"/>
+            <a:r>
+              <a:rPr dirty="0"/>
+              <a:t>My DEDICATION is to make data valuable … Thank you!</a:t>
+            </a:r>
+          </a:p>
+        </p:txBody>
+      </p:sp>
+    </p:spTree>
+  </p:cSld>
+  <p:clrMapOvr>
+    <a:masterClrMapping/>
+  </p:clrMapOvr>
+</p:notes>
+</file>
+
 <file path=ppt/notesSlides/notesSlide2.xml><?xml version="1.0" encoding="utf-8"?>
 <p:notes xmlns:a="http://schemas.openxmlformats.org/drawingml/2006/main" xmlns:r="http://schemas.openxmlformats.org/officeDocument/2006/relationships" xmlns:p="http://schemas.openxmlformats.org/presentationml/2006/main">
   <p:cSld>
@@ -654,7 +745,7 @@
       </p:grpSpPr>
       <p:sp>
         <p:nvSpPr>
-          <p:cNvPr id="51" name="Shape 51"/>
+          <p:cNvPr id="2" name="Slide Image Placeholder 1"/>
           <p:cNvSpPr>
             <a:spLocks noGrp="1" noRot="1" noChangeAspect="1"/>
           </p:cNvSpPr>
@@ -662,55 +753,224 @@
             <p:ph type="sldImg"/>
           </p:nvPr>
         </p:nvSpPr>
-        <p:spPr>
-          <a:prstGeom prst="rect">
-            <a:avLst/>
-          </a:prstGeom>
-        </p:spPr>
-        <p:txBody>
-          <a:bodyPr/>
-          <a:lstStyle/>
-          <a:p>
-            <a:pPr lvl="0"/>
-          </a:p>
-        </p:txBody>
+        <p:spPr/>
       </p:sp>
       <p:sp>
         <p:nvSpPr>
-          <p:cNvPr id="52" name="Shape 52"/>
+          <p:cNvPr id="3" name="Notes Placeholder 2"/>
           <p:cNvSpPr>
             <a:spLocks noGrp="1"/>
           </p:cNvSpPr>
           <p:nvPr>
-            <p:ph type="body" sz="quarter" idx="1"/>
+            <p:ph type="body" idx="1"/>
           </p:nvPr>
         </p:nvSpPr>
-        <p:spPr>
-          <a:prstGeom prst="rect">
-            <a:avLst/>
-          </a:prstGeom>
-        </p:spPr>
+        <p:spPr/>
         <p:txBody>
           <a:bodyPr/>
-          <a:lstStyle>
-            <a:lvl1pPr defTabSz="914400">
-              <a:lnSpc>
-                <a:spcPct val="100000"/>
-              </a:lnSpc>
-              <a:defRPr sz="1800">
-                <a:latin typeface="Arial" charset="0"/>
-                <a:ea typeface="Arial" charset="0"/>
-                <a:cs typeface="Arial" charset="0"/>
-                <a:sym typeface="Arial" charset="0"/>
-              </a:defRPr>
-            </a:lvl1pPr>
-          </a:lstStyle>
-          <a:p>
-            <a:pPr lvl="0"/>
-            <a:r>
-              <a:rPr dirty="0"/>
-              <a:t>My DEDICATION is to make data valuable … Thank you!</a:t>
-            </a:r>
+          <a:lstStyle/>
+          <a:p>
+            <a:r>
+              <a:rPr lang="en-US" dirty="0" smtClean="0"/>
+              <a:t>Prepared for having</a:t>
+            </a:r>
+            <a:r>
+              <a:rPr lang="en-US" baseline="0" dirty="0" smtClean="0"/>
+              <a:t> this law now only applied to front-end databases but also to statistical of ML knowledge bases…</a:t>
+            </a:r>
+            <a:endParaRPr lang="en-US" dirty="0"/>
+          </a:p>
+        </p:txBody>
+      </p:sp>
+    </p:spTree>
+  </p:cSld>
+  <p:clrMapOvr>
+    <a:masterClrMapping/>
+  </p:clrMapOvr>
+</p:notes>
+</file>
+
+<file path=ppt/notesSlides/notesSlide7.xml><?xml version="1.0" encoding="utf-8"?>
+<p:notes xmlns:a="http://schemas.openxmlformats.org/drawingml/2006/main" xmlns:r="http://schemas.openxmlformats.org/officeDocument/2006/relationships" xmlns:p="http://schemas.openxmlformats.org/presentationml/2006/main">
+  <p:cSld>
+    <p:spTree>
+      <p:nvGrpSpPr>
+        <p:cNvPr id="1" name=""/>
+        <p:cNvGrpSpPr/>
+        <p:nvPr/>
+      </p:nvGrpSpPr>
+      <p:grpSpPr>
+        <a:xfrm>
+          <a:off x="0" y="0"/>
+          <a:ext cx="0" cy="0"/>
+          <a:chOff x="0" y="0"/>
+          <a:chExt cx="0" cy="0"/>
+        </a:xfrm>
+      </p:grpSpPr>
+      <p:sp>
+        <p:nvSpPr>
+          <p:cNvPr id="2" name="Slide Image Placeholder 1"/>
+          <p:cNvSpPr>
+            <a:spLocks noGrp="1" noRot="1" noChangeAspect="1"/>
+          </p:cNvSpPr>
+          <p:nvPr>
+            <p:ph type="sldImg"/>
+          </p:nvPr>
+        </p:nvSpPr>
+        <p:spPr/>
+      </p:sp>
+      <p:sp>
+        <p:nvSpPr>
+          <p:cNvPr id="3" name="Notes Placeholder 2"/>
+          <p:cNvSpPr>
+            <a:spLocks noGrp="1"/>
+          </p:cNvSpPr>
+          <p:nvPr>
+            <p:ph type="body" idx="1"/>
+          </p:nvPr>
+        </p:nvSpPr>
+        <p:spPr/>
+        <p:txBody>
+          <a:bodyPr/>
+          <a:lstStyle/>
+          <a:p>
+            <a:r>
+              <a:rPr lang="en-US" dirty="0" smtClean="0"/>
+              <a:t>Prepared for having</a:t>
+            </a:r>
+            <a:r>
+              <a:rPr lang="en-US" baseline="0" dirty="0" smtClean="0"/>
+              <a:t> this law now only applied to front-end databases but also to statistical of ML knowledge bases…</a:t>
+            </a:r>
+            <a:endParaRPr lang="en-US" dirty="0"/>
+          </a:p>
+        </p:txBody>
+      </p:sp>
+    </p:spTree>
+  </p:cSld>
+  <p:clrMapOvr>
+    <a:masterClrMapping/>
+  </p:clrMapOvr>
+</p:notes>
+</file>
+
+<file path=ppt/notesSlides/notesSlide8.xml><?xml version="1.0" encoding="utf-8"?>
+<p:notes xmlns:a="http://schemas.openxmlformats.org/drawingml/2006/main" xmlns:r="http://schemas.openxmlformats.org/officeDocument/2006/relationships" xmlns:p="http://schemas.openxmlformats.org/presentationml/2006/main">
+  <p:cSld>
+    <p:spTree>
+      <p:nvGrpSpPr>
+        <p:cNvPr id="1" name=""/>
+        <p:cNvGrpSpPr/>
+        <p:nvPr/>
+      </p:nvGrpSpPr>
+      <p:grpSpPr>
+        <a:xfrm>
+          <a:off x="0" y="0"/>
+          <a:ext cx="0" cy="0"/>
+          <a:chOff x="0" y="0"/>
+          <a:chExt cx="0" cy="0"/>
+        </a:xfrm>
+      </p:grpSpPr>
+      <p:sp>
+        <p:nvSpPr>
+          <p:cNvPr id="2" name="Slide Image Placeholder 1"/>
+          <p:cNvSpPr>
+            <a:spLocks noGrp="1" noRot="1" noChangeAspect="1"/>
+          </p:cNvSpPr>
+          <p:nvPr>
+            <p:ph type="sldImg"/>
+          </p:nvPr>
+        </p:nvSpPr>
+        <p:spPr/>
+      </p:sp>
+      <p:sp>
+        <p:nvSpPr>
+          <p:cNvPr id="3" name="Notes Placeholder 2"/>
+          <p:cNvSpPr>
+            <a:spLocks noGrp="1"/>
+          </p:cNvSpPr>
+          <p:nvPr>
+            <p:ph type="body" idx="1"/>
+          </p:nvPr>
+        </p:nvSpPr>
+        <p:spPr/>
+        <p:txBody>
+          <a:bodyPr/>
+          <a:lstStyle/>
+          <a:p>
+            <a:r>
+              <a:rPr lang="en-US" dirty="0" smtClean="0"/>
+              <a:t>Prepared for having</a:t>
+            </a:r>
+            <a:r>
+              <a:rPr lang="en-US" baseline="0" dirty="0" smtClean="0"/>
+              <a:t> this law now only applied to front-end databases but also to statistical of ML knowledge bases…</a:t>
+            </a:r>
+            <a:endParaRPr lang="en-US" dirty="0"/>
+          </a:p>
+        </p:txBody>
+      </p:sp>
+    </p:spTree>
+  </p:cSld>
+  <p:clrMapOvr>
+    <a:masterClrMapping/>
+  </p:clrMapOvr>
+</p:notes>
+</file>
+
+<file path=ppt/notesSlides/notesSlide9.xml><?xml version="1.0" encoding="utf-8"?>
+<p:notes xmlns:a="http://schemas.openxmlformats.org/drawingml/2006/main" xmlns:r="http://schemas.openxmlformats.org/officeDocument/2006/relationships" xmlns:p="http://schemas.openxmlformats.org/presentationml/2006/main">
+  <p:cSld>
+    <p:spTree>
+      <p:nvGrpSpPr>
+        <p:cNvPr id="1" name=""/>
+        <p:cNvGrpSpPr/>
+        <p:nvPr/>
+      </p:nvGrpSpPr>
+      <p:grpSpPr>
+        <a:xfrm>
+          <a:off x="0" y="0"/>
+          <a:ext cx="0" cy="0"/>
+          <a:chOff x="0" y="0"/>
+          <a:chExt cx="0" cy="0"/>
+        </a:xfrm>
+      </p:grpSpPr>
+      <p:sp>
+        <p:nvSpPr>
+          <p:cNvPr id="2" name="Slide Image Placeholder 1"/>
+          <p:cNvSpPr>
+            <a:spLocks noGrp="1" noRot="1" noChangeAspect="1"/>
+          </p:cNvSpPr>
+          <p:nvPr>
+            <p:ph type="sldImg"/>
+          </p:nvPr>
+        </p:nvSpPr>
+        <p:spPr/>
+      </p:sp>
+      <p:sp>
+        <p:nvSpPr>
+          <p:cNvPr id="3" name="Notes Placeholder 2"/>
+          <p:cNvSpPr>
+            <a:spLocks noGrp="1"/>
+          </p:cNvSpPr>
+          <p:nvPr>
+            <p:ph type="body" idx="1"/>
+          </p:nvPr>
+        </p:nvSpPr>
+        <p:spPr/>
+        <p:txBody>
+          <a:bodyPr/>
+          <a:lstStyle/>
+          <a:p>
+            <a:r>
+              <a:rPr lang="en-US" dirty="0" smtClean="0"/>
+              <a:t>Prepared for having</a:t>
+            </a:r>
+            <a:r>
+              <a:rPr lang="en-US" baseline="0" dirty="0" smtClean="0"/>
+              <a:t> this law now only applied to front-end databases but also to statistical of ML knowledge bases…</a:t>
+            </a:r>
+            <a:endParaRPr lang="en-US" dirty="0"/>
           </a:p>
         </p:txBody>
       </p:sp>
@@ -2803,7 +3063,7 @@
           <a:p>
             <a:r>
               <a:rPr lang="x-none" dirty="0" smtClean="0"/>
-              <a:t>Proposed mechanism</a:t>
+              <a:t>Global sphere / Local sphere</a:t>
             </a:r>
             <a:endParaRPr lang="x-none" dirty="0" smtClean="0"/>
           </a:p>
@@ -2817,8 +3077,8 @@
         </p:nvSpPr>
         <p:spPr>
           <a:xfrm>
-            <a:off x="295910" y="807720"/>
-            <a:ext cx="8392160" cy="5537835"/>
+            <a:off x="453390" y="917575"/>
+            <a:ext cx="8226425" cy="4923155"/>
           </a:xfrm>
           <a:prstGeom prst="rect">
             <a:avLst/>
@@ -2984,7 +3244,7 @@
             </a:lvl9pPr>
           </a:lstStyle>
           <a:p>
-            <a:pPr marL="457200" indent="-457200" defTabSz="676275">
+            <a:pPr defTabSz="676275">
               <a:spcBef>
                 <a:spcPts val="0"/>
               </a:spcBef>
@@ -2992,7 +3252,7 @@
                 <a:srgbClr val="1F497D"/>
               </a:buClr>
               <a:buFont typeface="Arial" charset="0"/>
-              <a:buAutoNum type="arabicPeriod"/>
+              <a:buChar char="•"/>
               <a:defRPr sz="1800">
                 <a:solidFill>
                   <a:srgbClr val="000000"/>
@@ -3007,7 +3267,27 @@
                   </a:schemeClr>
                 </a:solidFill>
               </a:rPr>
-              <a:t>Pub/Sub keeps the local sphere in sync with global data</a:t>
+              <a:t>Many globally distributed databases </a:t>
+            </a:r>
+            <a:r>
+              <a:rPr lang="en-US" sz="2400" i="1" dirty="0" smtClean="0">
+                <a:solidFill>
+                  <a:schemeClr val="accent1">
+                    <a:lumMod val="50000"/>
+                  </a:schemeClr>
+                </a:solidFill>
+              </a:rPr>
+              <a:t>dont have to / cannot be</a:t>
+            </a:r>
+            <a:r>
+              <a:rPr lang="en-US" sz="2400" dirty="0" smtClean="0">
+                <a:solidFill>
+                  <a:schemeClr val="accent1">
+                    <a:lumMod val="50000"/>
+                  </a:schemeClr>
+                </a:solidFill>
+              </a:rPr>
+              <a:t> implemented as a graph (AFAIK facebook also does not store one central graph)</a:t>
             </a:r>
             <a:endParaRPr lang="en-US" sz="2400" dirty="0" smtClean="0">
               <a:solidFill>
@@ -3018,7 +3298,7 @@
             </a:endParaRPr>
           </a:p>
           <a:p>
-            <a:pPr marL="457200" indent="-457200" defTabSz="676275">
+            <a:pPr lvl="1" defTabSz="676275">
               <a:spcBef>
                 <a:spcPts val="0"/>
               </a:spcBef>
@@ -3026,7 +3306,139 @@
                 <a:srgbClr val="1F497D"/>
               </a:buClr>
               <a:buFont typeface="Arial" charset="0"/>
-              <a:buAutoNum type="arabicPeriod"/>
+              <a:buChar char="•"/>
+              <a:defRPr sz="1800">
+                <a:solidFill>
+                  <a:srgbClr val="000000"/>
+                </a:solidFill>
+              </a:defRPr>
+            </a:pPr>
+            <a:r>
+              <a:rPr lang="en-US" sz="2400" dirty="0" smtClean="0">
+                <a:solidFill>
+                  <a:schemeClr val="accent1">
+                    <a:lumMod val="50000"/>
+                  </a:schemeClr>
+                </a:solidFill>
+              </a:rPr>
+              <a:t>would need too many globally propagating updates</a:t>
+            </a:r>
+            <a:endParaRPr lang="en-US" sz="2400" dirty="0" smtClean="0">
+              <a:solidFill>
+                <a:schemeClr val="accent1">
+                  <a:lumMod val="50000"/>
+                </a:schemeClr>
+              </a:solidFill>
+            </a:endParaRPr>
+          </a:p>
+          <a:p>
+            <a:pPr marL="0" indent="0" defTabSz="676275">
+              <a:spcBef>
+                <a:spcPts val="0"/>
+              </a:spcBef>
+              <a:buClr>
+                <a:srgbClr val="1F497D"/>
+              </a:buClr>
+              <a:buFont typeface="Arial" charset="0"/>
+              <a:buNone/>
+              <a:defRPr sz="1800">
+                <a:solidFill>
+                  <a:srgbClr val="000000"/>
+                </a:solidFill>
+              </a:defRPr>
+            </a:pPr>
+            <a:r>
+              <a:rPr lang="x-none" altLang="en-US" sz="2400" dirty="0" smtClean="0">
+                <a:solidFill>
+                  <a:schemeClr val="accent1">
+                    <a:lumMod val="50000"/>
+                  </a:schemeClr>
+                </a:solidFill>
+              </a:rPr>
+              <a:t>	</a:t>
+            </a:r>
+            <a:r>
+              <a:rPr lang="en-US" sz="2400" dirty="0" smtClean="0">
+                <a:solidFill>
+                  <a:schemeClr val="accent1">
+                    <a:lumMod val="50000"/>
+                  </a:schemeClr>
+                </a:solidFill>
+              </a:rPr>
+              <a:t>"the consequences of a tiny little update could affect the </a:t>
+            </a:r>
+            <a:r>
+              <a:rPr lang="x-none" altLang="en-US" sz="2400" dirty="0" smtClean="0">
+                <a:solidFill>
+                  <a:schemeClr val="accent1">
+                    <a:lumMod val="50000"/>
+                  </a:schemeClr>
+                </a:solidFill>
+              </a:rPr>
+              <a:t>	</a:t>
+            </a:r>
+            <a:r>
+              <a:rPr lang="en-US" sz="2400" dirty="0" smtClean="0">
+                <a:solidFill>
+                  <a:schemeClr val="accent1">
+                    <a:lumMod val="50000"/>
+                  </a:schemeClr>
+                </a:solidFill>
+              </a:rPr>
+              <a:t>farthest reaches of the global graph"</a:t>
+            </a:r>
+            <a:endParaRPr lang="en-US" sz="2400" dirty="0" smtClean="0">
+              <a:solidFill>
+                <a:schemeClr val="accent1">
+                  <a:lumMod val="50000"/>
+                </a:schemeClr>
+              </a:solidFill>
+            </a:endParaRPr>
+          </a:p>
+          <a:p>
+            <a:pPr lvl="1" defTabSz="676275">
+              <a:spcBef>
+                <a:spcPts val="0"/>
+              </a:spcBef>
+              <a:buClr>
+                <a:srgbClr val="1F497D"/>
+              </a:buClr>
+              <a:buFont typeface="Arial" charset="0"/>
+              <a:buChar char="•"/>
+              <a:defRPr sz="1800">
+                <a:solidFill>
+                  <a:srgbClr val="000000"/>
+                </a:solidFill>
+              </a:defRPr>
+            </a:pPr>
+            <a:r>
+              <a:rPr lang="en-US" sz="2400" dirty="0" smtClean="0">
+                <a:solidFill>
+                  <a:schemeClr val="accent1">
+                    <a:lumMod val="50000"/>
+                  </a:schemeClr>
+                </a:solidFill>
+              </a:rPr>
+              <a:t>huge problem for graph databases</a:t>
+            </a:r>
+            <a:endParaRPr lang="en-US" sz="2400" dirty="0" smtClean="0">
+              <a:solidFill>
+                <a:schemeClr val="accent1">
+                  <a:lumMod val="50000"/>
+                </a:schemeClr>
+              </a:solidFill>
+            </a:endParaRPr>
+          </a:p>
+          <a:p>
+            <a:pPr lvl="1" defTabSz="676275">
+              <a:spcBef>
+                <a:spcPts val="0"/>
+              </a:spcBef>
+              <a:buClr>
+                <a:srgbClr val="1F497D"/>
+              </a:buClr>
+              <a:buFont typeface="Arial" charset="0"/>
+              <a:buChar char="•"/>
               <a:defRPr sz="1800">
                 <a:solidFill>
                   <a:srgbClr val="000000"/>
@@ -3042,7 +3454,7 @@
             </a:endParaRPr>
           </a:p>
           <a:p>
-            <a:pPr marL="457200" indent="-457200" defTabSz="676275">
+            <a:pPr defTabSz="676275">
               <a:spcBef>
                 <a:spcPts val="0"/>
               </a:spcBef>
@@ -3050,7 +3462,7 @@
                 <a:srgbClr val="1F497D"/>
               </a:buClr>
               <a:buFont typeface="Arial" charset="0"/>
-              <a:buAutoNum type="arabicPeriod"/>
+              <a:buChar char="•"/>
               <a:defRPr sz="1800">
                 <a:solidFill>
                   <a:srgbClr val="000000"/>
@@ -3065,7 +3477,7 @@
                   </a:schemeClr>
                 </a:solidFill>
               </a:rPr>
-              <a:t>Local algorithms compute recommendations</a:t>
+              <a:t>The local sphere can get it's information from many pub/sub mechanism targeting different endpoints in the global sphere</a:t>
             </a:r>
             <a:endParaRPr lang="en-US" sz="2400" dirty="0" smtClean="0">
               <a:solidFill>
@@ -3076,41 +3488,7 @@
             </a:endParaRPr>
           </a:p>
           <a:p>
-            <a:pPr marL="800100" lvl="1" indent="-342900" defTabSz="676275">
-              <a:spcBef>
-                <a:spcPts val="0"/>
-              </a:spcBef>
-              <a:buClr>
-                <a:srgbClr val="1F497D"/>
-              </a:buClr>
-              <a:buFont typeface="Arial" charset="0"/>
-              <a:buChar char="•"/>
-              <a:defRPr sz="1800">
-                <a:solidFill>
-                  <a:srgbClr val="000000"/>
-                </a:solidFill>
-              </a:defRPr>
-            </a:pPr>
-            <a:r>
-              <a:rPr lang="en-US" sz="2400" dirty="0" smtClean="0">
-                <a:solidFill>
-                  <a:schemeClr val="accent1">
-                    <a:lumMod val="50000"/>
-                  </a:schemeClr>
-                </a:solidFill>
-              </a:rPr>
-              <a:t>these can also come from a client-side crawler (like the FB crawler which scans URLs you paste into a comment field and extracts images from a website etc.)</a:t>
-            </a:r>
-            <a:endParaRPr lang="en-US" sz="2400" dirty="0" smtClean="0">
-              <a:solidFill>
-                <a:schemeClr val="accent1">
-                  <a:lumMod val="50000"/>
-                </a:schemeClr>
-              </a:solidFill>
-            </a:endParaRPr>
-          </a:p>
-          <a:p>
-            <a:pPr marL="800100" lvl="1" indent="-342900" defTabSz="676275">
+            <a:pPr defTabSz="676275">
               <a:spcBef>
                 <a:spcPts val="0"/>
               </a:spcBef>
@@ -3134,7 +3512,7 @@
             </a:endParaRPr>
           </a:p>
           <a:p>
-            <a:pPr marL="457200" indent="-457200" defTabSz="676275">
+            <a:pPr defTabSz="676275">
               <a:spcBef>
                 <a:spcPts val="0"/>
               </a:spcBef>
@@ -3142,7 +3520,7 @@
                 <a:srgbClr val="1F497D"/>
               </a:buClr>
               <a:buFont typeface="Arial" charset="0"/>
-              <a:buAutoNum type="arabicPeriod"/>
+              <a:buChar char="•"/>
               <a:defRPr sz="1800">
                 <a:solidFill>
                   <a:srgbClr val="000000"/>
@@ -3157,149 +3535,9 @@
                   </a:schemeClr>
                 </a:solidFill>
               </a:rPr>
-              <a:t>Upon user acceptance, a new node is introduced into the local sphere + updated to the global sphere</a:t>
+              <a:t>The local sphere is a superset of the actual user's data, but user's data plus it's relevant vicinity</a:t>
             </a:r>
             <a:endParaRPr lang="en-US" sz="2400" dirty="0" smtClean="0">
-              <a:solidFill>
-                <a:schemeClr val="accent1">
-                  <a:lumMod val="50000"/>
-                </a:schemeClr>
-              </a:solidFill>
-            </a:endParaRPr>
-          </a:p>
-          <a:p>
-            <a:pPr marL="457200" indent="-457200" defTabSz="676275">
-              <a:spcBef>
-                <a:spcPts val="0"/>
-              </a:spcBef>
-              <a:buClr>
-                <a:srgbClr val="1F497D"/>
-              </a:buClr>
-              <a:buFont typeface="Arial" charset="0"/>
-              <a:buAutoNum type="arabicPeriod"/>
-              <a:defRPr sz="1800">
-                <a:solidFill>
-                  <a:srgbClr val="000000"/>
-                </a:solidFill>
-              </a:defRPr>
-            </a:pPr>
-            <a:endParaRPr lang="en-US" sz="2400" dirty="0" smtClean="0">
-              <a:solidFill>
-                <a:schemeClr val="accent1">
-                  <a:lumMod val="50000"/>
-                </a:schemeClr>
-              </a:solidFill>
-            </a:endParaRPr>
-          </a:p>
-          <a:p>
-            <a:pPr marL="457200" indent="-457200" defTabSz="676275">
-              <a:spcBef>
-                <a:spcPts val="0"/>
-              </a:spcBef>
-              <a:buClr>
-                <a:srgbClr val="1F497D"/>
-              </a:buClr>
-              <a:buFont typeface="Arial" charset="0"/>
-              <a:buAutoNum type="arabicPeriod"/>
-              <a:defRPr sz="1800">
-                <a:solidFill>
-                  <a:srgbClr val="000000"/>
-                </a:solidFill>
-              </a:defRPr>
-            </a:pPr>
-            <a:r>
-              <a:rPr lang="en-US" sz="2400" dirty="0" smtClean="0">
-                <a:solidFill>
-                  <a:schemeClr val="accent1">
-                    <a:lumMod val="50000"/>
-                  </a:schemeClr>
-                </a:solidFill>
-              </a:rPr>
-              <a:t>Client devices with overlapping local spheres now receive that node in the background</a:t>
-            </a:r>
-            <a:endParaRPr lang="en-US" sz="2400" dirty="0" smtClean="0">
-              <a:solidFill>
-                <a:schemeClr val="accent1">
-                  <a:lumMod val="50000"/>
-                </a:schemeClr>
-              </a:solidFill>
-            </a:endParaRPr>
-          </a:p>
-          <a:p>
-            <a:pPr marL="457200" indent="-457200" defTabSz="676275">
-              <a:spcBef>
-                <a:spcPts val="0"/>
-              </a:spcBef>
-              <a:buClr>
-                <a:srgbClr val="1F497D"/>
-              </a:buClr>
-              <a:buFont typeface="Arial" charset="0"/>
-              <a:buAutoNum type="arabicPeriod"/>
-              <a:defRPr sz="1800">
-                <a:solidFill>
-                  <a:srgbClr val="000000"/>
-                </a:solidFill>
-              </a:defRPr>
-            </a:pPr>
-            <a:endParaRPr lang="en-US" sz="2400" dirty="0" smtClean="0">
-              <a:solidFill>
-                <a:schemeClr val="accent1">
-                  <a:lumMod val="50000"/>
-                </a:schemeClr>
-              </a:solidFill>
-            </a:endParaRPr>
-          </a:p>
-          <a:p>
-            <a:pPr marL="457200" indent="-457200" defTabSz="676275">
-              <a:spcBef>
-                <a:spcPts val="0"/>
-              </a:spcBef>
-              <a:buClr>
-                <a:srgbClr val="1F497D"/>
-              </a:buClr>
-              <a:buFont typeface="Arial" charset="0"/>
-              <a:buAutoNum type="arabicPeriod"/>
-              <a:defRPr sz="1800">
-                <a:solidFill>
-                  <a:srgbClr val="000000"/>
-                </a:solidFill>
-              </a:defRPr>
-            </a:pPr>
-            <a:r>
-              <a:rPr lang="en-US" sz="2400" dirty="0" smtClean="0">
-                <a:solidFill>
-                  <a:schemeClr val="accent1">
-                    <a:lumMod val="50000"/>
-                  </a:schemeClr>
-                </a:solidFill>
-              </a:rPr>
-              <a:t>Their recommenders respond...</a:t>
-            </a:r>
-            <a:endParaRPr lang="en-US" sz="2400" dirty="0" smtClean="0">
-              <a:solidFill>
-                <a:schemeClr val="accent1">
-                  <a:lumMod val="50000"/>
-                </a:schemeClr>
-              </a:solidFill>
-            </a:endParaRPr>
-          </a:p>
-          <a:p>
-            <a:pPr marL="457200" indent="-457200" defTabSz="676275">
-              <a:spcBef>
-                <a:spcPts val="0"/>
-              </a:spcBef>
-              <a:buClr>
-                <a:srgbClr val="1F497D"/>
-              </a:buClr>
-              <a:buFont typeface="Arial" charset="0"/>
-              <a:buAutoNum type="arabicPeriod"/>
-              <a:defRPr sz="1800">
-                <a:solidFill>
-                  <a:srgbClr val="000000"/>
-                </a:solidFill>
-              </a:defRPr>
-            </a:pPr>
-            <a:endParaRPr lang="en-US" sz="2400" dirty="0">
               <a:solidFill>
                 <a:schemeClr val="accent1">
                   <a:lumMod val="50000"/>
@@ -3364,6 +3602,2395 @@
           <a:p>
             <a:r>
               <a:rPr lang="x-none" altLang="en-US" dirty="0" smtClean="0"/>
+              <a:t>Global Sphere / Local Sphere / User data</a:t>
+            </a:r>
+            <a:endParaRPr lang="x-none" altLang="en-US" dirty="0"/>
+          </a:p>
+        </p:txBody>
+      </p:sp>
+      <p:pic>
+        <p:nvPicPr>
+          <p:cNvPr id="3" name="Picture 2" descr="local_sphere"/>
+          <p:cNvPicPr>
+            <a:picLocks noChangeAspect="1"/>
+          </p:cNvPicPr>
+          <p:nvPr/>
+        </p:nvPicPr>
+        <p:blipFill>
+          <a:blip r:embed="rId1"/>
+          <a:stretch>
+            <a:fillRect/>
+          </a:stretch>
+        </p:blipFill>
+        <p:spPr>
+          <a:xfrm>
+            <a:off x="230505" y="638810"/>
+            <a:ext cx="8632825" cy="5096510"/>
+          </a:xfrm>
+          <a:prstGeom prst="rect">
+            <a:avLst/>
+          </a:prstGeom>
+        </p:spPr>
+      </p:pic>
+      <p:sp>
+        <p:nvSpPr>
+          <p:cNvPr id="5" name="Oval 4"/>
+          <p:cNvSpPr/>
+          <p:nvPr/>
+        </p:nvSpPr>
+        <p:spPr>
+          <a:xfrm rot="19380000">
+            <a:off x="3148965" y="2886075"/>
+            <a:ext cx="2499360" cy="3316605"/>
+          </a:xfrm>
+          <a:prstGeom prst="ellipse">
+            <a:avLst/>
+          </a:prstGeom>
+          <a:solidFill>
+            <a:schemeClr val="accent6">
+              <a:alpha val="54000"/>
+            </a:schemeClr>
+          </a:solidFill>
+          <a:ln w="25400" cap="flat">
+            <a:solidFill>
+              <a:srgbClr val="4F81BD"/>
+            </a:solidFill>
+            <a:prstDash val="solid"/>
+            <a:bevel/>
+          </a:ln>
+        </p:spPr>
+        <p:style>
+          <a:lnRef idx="0">
+            <a:scrgbClr r="0" g="0" b="0"/>
+          </a:lnRef>
+          <a:fillRef idx="0">
+            <a:scrgbClr r="0" g="0" b="0"/>
+          </a:fillRef>
+          <a:effectRef idx="0">
+            <a:scrgbClr r="0" g="0" b="0"/>
+          </a:effectRef>
+          <a:fontRef idx="none"/>
+        </p:style>
+        <p:txBody>
+          <a:bodyPr rot="0" vertOverflow="overflow" horzOverflow="overflow" vert="horz" wrap="square" lIns="45718" tIns="45718" rIns="45718" bIns="45718" numCol="1" spcCol="38100" rtlCol="0" anchor="ctr" forceAA="0">
+            <a:spAutoFit/>
+          </a:bodyPr>
+          <a:p>
+            <a:pPr marL="0" marR="0" indent="0" algn="l" defTabSz="914400" rtl="0" fontAlgn="auto" latinLnBrk="1" hangingPunct="0">
+              <a:lnSpc>
+                <a:spcPct val="100000"/>
+              </a:lnSpc>
+              <a:spcBef>
+                <a:spcPts val="0"/>
+              </a:spcBef>
+              <a:spcAft>
+                <a:spcPts val="0"/>
+              </a:spcAft>
+              <a:buClrTx/>
+              <a:buSzTx/>
+              <a:buFontTx/>
+              <a:buNone/>
+            </a:pPr>
+            <a:endParaRPr kumimoji="0" lang="en-US" sz="1800" b="0" i="0" u="none" strike="noStrike" cap="none" spc="0" normalizeH="0" baseline="0">
+              <a:ln>
+                <a:noFill/>
+              </a:ln>
+              <a:solidFill>
+                <a:srgbClr val="000000"/>
+              </a:solidFill>
+              <a:effectLst/>
+              <a:uFillTx/>
+              <a:latin typeface="+mj-lt"/>
+              <a:ea typeface="+mj-ea"/>
+              <a:cs typeface="+mj-cs"/>
+              <a:sym typeface="Helvetica"/>
+            </a:endParaRPr>
+          </a:p>
+        </p:txBody>
+      </p:sp>
+      <p:sp>
+        <p:nvSpPr>
+          <p:cNvPr id="4" name="Text Box 3"/>
+          <p:cNvSpPr txBox="1"/>
+          <p:nvPr/>
+        </p:nvSpPr>
+        <p:spPr>
+          <a:xfrm>
+            <a:off x="1721485" y="5821045"/>
+            <a:ext cx="5922645" cy="459105"/>
+          </a:xfrm>
+          <a:prstGeom prst="rect">
+            <a:avLst/>
+          </a:prstGeom>
+          <a:noFill/>
+          <a:ln w="12700" cap="flat">
+            <a:noFill/>
+            <a:miter lim="400000"/>
+          </a:ln>
+        </p:spPr>
+        <p:style>
+          <a:lnRef idx="0">
+            <a:scrgbClr r="0" g="0" b="0"/>
+          </a:lnRef>
+          <a:fillRef idx="0">
+            <a:scrgbClr r="0" g="0" b="0"/>
+          </a:fillRef>
+          <a:effectRef idx="0">
+            <a:scrgbClr r="0" g="0" b="0"/>
+          </a:effectRef>
+          <a:fontRef idx="none"/>
+        </p:style>
+        <p:txBody>
+          <a:bodyPr rot="0" vertOverflow="overflow" horzOverflow="overflow" vert="horz" wrap="square" lIns="45718" tIns="45718" rIns="45718" bIns="45718" numCol="1" spcCol="38100" rtlCol="0" anchor="t" forceAA="0">
+            <a:spAutoFit/>
+          </a:bodyPr>
+          <a:p>
+            <a:pPr marL="0" marR="0" indent="0" algn="l" defTabSz="914400" rtl="0" fontAlgn="auto" latinLnBrk="1" hangingPunct="0">
+              <a:lnSpc>
+                <a:spcPct val="100000"/>
+              </a:lnSpc>
+              <a:spcBef>
+                <a:spcPts val="0"/>
+              </a:spcBef>
+              <a:spcAft>
+                <a:spcPts val="0"/>
+              </a:spcAft>
+              <a:buClrTx/>
+              <a:buSzTx/>
+              <a:buFontTx/>
+              <a:buNone/>
+            </a:pPr>
+            <a:r>
+              <a:rPr kumimoji="0" lang="x-none" altLang="en-US" sz="2400" b="1" i="0" u="none" strike="noStrike" cap="none" spc="0" normalizeH="0" baseline="0">
+                <a:ln>
+                  <a:noFill/>
+                </a:ln>
+                <a:solidFill>
+                  <a:srgbClr val="000000"/>
+                </a:solidFill>
+                <a:effectLst/>
+                <a:uFillTx/>
+                <a:latin typeface="Calibri"/>
+                <a:ea typeface="+mj-ea"/>
+                <a:cs typeface="+mj-cs"/>
+                <a:sym typeface="Helvetica"/>
+              </a:rPr>
+              <a:t>GraphQL (not real-time yet) / Meteor.js / ....</a:t>
+            </a:r>
+            <a:endParaRPr kumimoji="0" lang="x-none" altLang="en-US" sz="2400" b="1" i="0" u="none" strike="noStrike" cap="none" spc="0" normalizeH="0" baseline="0">
+              <a:ln>
+                <a:noFill/>
+              </a:ln>
+              <a:solidFill>
+                <a:srgbClr val="000000"/>
+              </a:solidFill>
+              <a:effectLst/>
+              <a:uFillTx/>
+              <a:latin typeface="Calibri"/>
+              <a:ea typeface="+mj-ea"/>
+              <a:cs typeface="+mj-cs"/>
+              <a:sym typeface="Helvetica"/>
+            </a:endParaRPr>
+          </a:p>
+        </p:txBody>
+      </p:sp>
+    </p:spTree>
+  </p:cSld>
+  <p:clrMapOvr>
+    <a:masterClrMapping/>
+  </p:clrMapOvr>
+  <p:transition spd="med"/>
+  <p:timing>
+    <p:tnLst>
+      <p:par>
+        <p:cTn id="1" dur="indefinite" restart="never" nodeType="tmRoot"/>
+      </p:par>
+    </p:tnLst>
+  </p:timing>
+</p:sld>
+</file>
+
+<file path=ppt/slides/slide12.xml><?xml version="1.0" encoding="utf-8"?>
+<p:sld xmlns:a="http://schemas.openxmlformats.org/drawingml/2006/main" xmlns:r="http://schemas.openxmlformats.org/officeDocument/2006/relationships" xmlns:p="http://schemas.openxmlformats.org/presentationml/2006/main">
+  <p:cSld>
+    <p:spTree>
+      <p:nvGrpSpPr>
+        <p:cNvPr id="1" name=""/>
+        <p:cNvGrpSpPr/>
+        <p:nvPr/>
+      </p:nvGrpSpPr>
+      <p:grpSpPr>
+        <a:xfrm>
+          <a:off x="0" y="0"/>
+          <a:ext cx="0" cy="0"/>
+          <a:chOff x="0" y="0"/>
+          <a:chExt cx="0" cy="0"/>
+        </a:xfrm>
+      </p:grpSpPr>
+      <p:sp>
+        <p:nvSpPr>
+          <p:cNvPr id="2" name="Title 1"/>
+          <p:cNvSpPr txBox="1"/>
+          <p:nvPr/>
+        </p:nvSpPr>
+        <p:spPr>
+          <a:xfrm>
+            <a:off x="253746" y="-11495"/>
+            <a:ext cx="7227146" cy="427420"/>
+          </a:xfrm>
+          <a:prstGeom prst="rect">
+            <a:avLst/>
+          </a:prstGeom>
+        </p:spPr>
+        <p:txBody>
+          <a:bodyPr/>
+          <a:lstStyle>
+            <a:lvl1pPr>
+              <a:defRPr sz="2400" b="1">
+                <a:solidFill>
+                  <a:srgbClr val="1F497D"/>
+                </a:solidFill>
+                <a:latin typeface="Calibri"/>
+                <a:ea typeface="Calibri"/>
+                <a:cs typeface="Calibri"/>
+                <a:sym typeface="Calibri"/>
+              </a:defRPr>
+            </a:lvl1pPr>
+            <a:lvl2pPr>
+              <a:defRPr sz="2400" b="1">
+                <a:solidFill>
+                  <a:srgbClr val="1F497D"/>
+                </a:solidFill>
+                <a:latin typeface="Calibri"/>
+                <a:ea typeface="Calibri"/>
+                <a:cs typeface="Calibri"/>
+                <a:sym typeface="Calibri"/>
+              </a:defRPr>
+            </a:lvl2pPr>
+            <a:lvl3pPr>
+              <a:defRPr sz="2400" b="1">
+                <a:solidFill>
+                  <a:srgbClr val="1F497D"/>
+                </a:solidFill>
+                <a:latin typeface="Calibri"/>
+                <a:ea typeface="Calibri"/>
+                <a:cs typeface="Calibri"/>
+                <a:sym typeface="Calibri"/>
+              </a:defRPr>
+            </a:lvl3pPr>
+            <a:lvl4pPr>
+              <a:defRPr sz="2400" b="1">
+                <a:solidFill>
+                  <a:srgbClr val="1F497D"/>
+                </a:solidFill>
+                <a:latin typeface="Calibri"/>
+                <a:ea typeface="Calibri"/>
+                <a:cs typeface="Calibri"/>
+                <a:sym typeface="Calibri"/>
+              </a:defRPr>
+            </a:lvl4pPr>
+            <a:lvl5pPr>
+              <a:defRPr sz="2400" b="1">
+                <a:solidFill>
+                  <a:srgbClr val="1F497D"/>
+                </a:solidFill>
+                <a:latin typeface="Calibri"/>
+                <a:ea typeface="Calibri"/>
+                <a:cs typeface="Calibri"/>
+                <a:sym typeface="Calibri"/>
+              </a:defRPr>
+            </a:lvl5pPr>
+            <a:lvl6pPr>
+              <a:defRPr sz="2400" b="1">
+                <a:solidFill>
+                  <a:srgbClr val="1F497D"/>
+                </a:solidFill>
+                <a:latin typeface="Calibri"/>
+                <a:ea typeface="Calibri"/>
+                <a:cs typeface="Calibri"/>
+                <a:sym typeface="Calibri"/>
+              </a:defRPr>
+            </a:lvl6pPr>
+            <a:lvl7pPr>
+              <a:defRPr sz="2400" b="1">
+                <a:solidFill>
+                  <a:srgbClr val="1F497D"/>
+                </a:solidFill>
+                <a:latin typeface="Calibri"/>
+                <a:ea typeface="Calibri"/>
+                <a:cs typeface="Calibri"/>
+                <a:sym typeface="Calibri"/>
+              </a:defRPr>
+            </a:lvl7pPr>
+            <a:lvl8pPr>
+              <a:defRPr sz="2400" b="1">
+                <a:solidFill>
+                  <a:srgbClr val="1F497D"/>
+                </a:solidFill>
+                <a:latin typeface="Calibri"/>
+                <a:ea typeface="Calibri"/>
+                <a:cs typeface="Calibri"/>
+                <a:sym typeface="Calibri"/>
+              </a:defRPr>
+            </a:lvl8pPr>
+            <a:lvl9pPr>
+              <a:defRPr sz="2400" b="1">
+                <a:solidFill>
+                  <a:srgbClr val="1F497D"/>
+                </a:solidFill>
+                <a:latin typeface="Calibri"/>
+                <a:ea typeface="Calibri"/>
+                <a:cs typeface="Calibri"/>
+                <a:sym typeface="Calibri"/>
+              </a:defRPr>
+            </a:lvl9pPr>
+          </a:lstStyle>
+          <a:p>
+            <a:r>
+              <a:rPr lang="x-none" dirty="0" smtClean="0"/>
+              <a:t>Advantages</a:t>
+            </a:r>
+            <a:endParaRPr lang="x-none" dirty="0" smtClean="0"/>
+          </a:p>
+        </p:txBody>
+      </p:sp>
+      <p:sp>
+        <p:nvSpPr>
+          <p:cNvPr id="3" name="Shape 34"/>
+          <p:cNvSpPr txBox="1"/>
+          <p:nvPr/>
+        </p:nvSpPr>
+        <p:spPr>
+          <a:xfrm>
+            <a:off x="453390" y="917575"/>
+            <a:ext cx="8226425" cy="4923155"/>
+          </a:xfrm>
+          <a:prstGeom prst="rect">
+            <a:avLst/>
+          </a:prstGeom>
+        </p:spPr>
+        <p:txBody>
+          <a:bodyPr>
+            <a:noAutofit/>
+          </a:bodyPr>
+          <a:lstStyle>
+            <a:lvl1pPr marL="342900" indent="-342900">
+              <a:spcBef>
+                <a:spcPts val="700"/>
+              </a:spcBef>
+              <a:buSzPct val="100000"/>
+              <a:buFont typeface="Wingdings" panose="05000000000000000000" charset="2"/>
+              <a:buChar char="▪"/>
+              <a:defRPr sz="3200">
+                <a:solidFill>
+                  <a:srgbClr val="1F497D"/>
+                </a:solidFill>
+                <a:latin typeface="Calibri"/>
+                <a:ea typeface="Calibri"/>
+                <a:cs typeface="Calibri"/>
+                <a:sym typeface="Calibri"/>
+              </a:defRPr>
+            </a:lvl1pPr>
+            <a:lvl2pPr marL="783590" indent="-326390">
+              <a:spcBef>
+                <a:spcPts val="700"/>
+              </a:spcBef>
+              <a:buSzPct val="100000"/>
+              <a:buFont typeface="Wingdings" panose="05000000000000000000" charset="2"/>
+              <a:buChar char="▪"/>
+              <a:defRPr sz="3200">
+                <a:solidFill>
+                  <a:srgbClr val="1F497D"/>
+                </a:solidFill>
+                <a:latin typeface="Calibri"/>
+                <a:ea typeface="Calibri"/>
+                <a:cs typeface="Calibri"/>
+                <a:sym typeface="Calibri"/>
+              </a:defRPr>
+            </a:lvl2pPr>
+            <a:lvl3pPr marL="1219200" indent="-304800">
+              <a:spcBef>
+                <a:spcPts val="700"/>
+              </a:spcBef>
+              <a:buSzPct val="100000"/>
+              <a:buFont typeface="Wingdings" panose="05000000000000000000" charset="2"/>
+              <a:buChar char="▪"/>
+              <a:defRPr sz="3200">
+                <a:solidFill>
+                  <a:srgbClr val="1F497D"/>
+                </a:solidFill>
+                <a:latin typeface="Calibri"/>
+                <a:ea typeface="Calibri"/>
+                <a:cs typeface="Calibri"/>
+                <a:sym typeface="Calibri"/>
+              </a:defRPr>
+            </a:lvl3pPr>
+            <a:lvl4pPr marL="1737360" indent="-365760">
+              <a:spcBef>
+                <a:spcPts val="700"/>
+              </a:spcBef>
+              <a:buSzPct val="100000"/>
+              <a:buFont typeface="Wingdings" panose="05000000000000000000" charset="2"/>
+              <a:buChar char="▪"/>
+              <a:defRPr sz="3200">
+                <a:solidFill>
+                  <a:srgbClr val="1F497D"/>
+                </a:solidFill>
+                <a:latin typeface="Calibri"/>
+                <a:ea typeface="Calibri"/>
+                <a:cs typeface="Calibri"/>
+                <a:sym typeface="Calibri"/>
+              </a:defRPr>
+            </a:lvl4pPr>
+            <a:lvl5pPr marL="2194560" indent="-365760">
+              <a:spcBef>
+                <a:spcPts val="700"/>
+              </a:spcBef>
+              <a:buSzPct val="100000"/>
+              <a:buFont typeface="Wingdings" panose="05000000000000000000" charset="2"/>
+              <a:buChar char="▪"/>
+              <a:defRPr sz="3200">
+                <a:solidFill>
+                  <a:srgbClr val="1F497D"/>
+                </a:solidFill>
+                <a:latin typeface="Calibri"/>
+                <a:ea typeface="Calibri"/>
+                <a:cs typeface="Calibri"/>
+                <a:sym typeface="Calibri"/>
+              </a:defRPr>
+            </a:lvl5pPr>
+            <a:lvl6pPr marL="2651760" indent="-365760">
+              <a:spcBef>
+                <a:spcPts val="700"/>
+              </a:spcBef>
+              <a:buSzPct val="100000"/>
+              <a:buFont typeface="Wingdings" panose="05000000000000000000" charset="2"/>
+              <a:buChar char="•"/>
+              <a:defRPr sz="3200">
+                <a:solidFill>
+                  <a:srgbClr val="1F497D"/>
+                </a:solidFill>
+                <a:latin typeface="Calibri"/>
+                <a:ea typeface="Calibri"/>
+                <a:cs typeface="Calibri"/>
+                <a:sym typeface="Calibri"/>
+              </a:defRPr>
+            </a:lvl6pPr>
+            <a:lvl7pPr marL="3108960" indent="-365760">
+              <a:spcBef>
+                <a:spcPts val="700"/>
+              </a:spcBef>
+              <a:buSzPct val="100000"/>
+              <a:buFont typeface="Wingdings" panose="05000000000000000000" charset="2"/>
+              <a:buChar char="•"/>
+              <a:defRPr sz="3200">
+                <a:solidFill>
+                  <a:srgbClr val="1F497D"/>
+                </a:solidFill>
+                <a:latin typeface="Calibri"/>
+                <a:ea typeface="Calibri"/>
+                <a:cs typeface="Calibri"/>
+                <a:sym typeface="Calibri"/>
+              </a:defRPr>
+            </a:lvl7pPr>
+            <a:lvl8pPr marL="3566160" indent="-365760">
+              <a:spcBef>
+                <a:spcPts val="700"/>
+              </a:spcBef>
+              <a:buSzPct val="100000"/>
+              <a:buFont typeface="Wingdings" panose="05000000000000000000" charset="2"/>
+              <a:buChar char="•"/>
+              <a:defRPr sz="3200">
+                <a:solidFill>
+                  <a:srgbClr val="1F497D"/>
+                </a:solidFill>
+                <a:latin typeface="Calibri"/>
+                <a:ea typeface="Calibri"/>
+                <a:cs typeface="Calibri"/>
+                <a:sym typeface="Calibri"/>
+              </a:defRPr>
+            </a:lvl8pPr>
+            <a:lvl9pPr marL="4023360" indent="-365760">
+              <a:spcBef>
+                <a:spcPts val="700"/>
+              </a:spcBef>
+              <a:buSzPct val="100000"/>
+              <a:buFont typeface="Wingdings" panose="05000000000000000000" charset="2"/>
+              <a:buChar char="•"/>
+              <a:defRPr sz="3200">
+                <a:solidFill>
+                  <a:srgbClr val="1F497D"/>
+                </a:solidFill>
+                <a:latin typeface="Calibri"/>
+                <a:ea typeface="Calibri"/>
+                <a:cs typeface="Calibri"/>
+                <a:sym typeface="Calibri"/>
+              </a:defRPr>
+            </a:lvl9pPr>
+          </a:lstStyle>
+          <a:p>
+            <a:pPr defTabSz="676275">
+              <a:spcBef>
+                <a:spcPts val="0"/>
+              </a:spcBef>
+              <a:buClr>
+                <a:srgbClr val="1F497D"/>
+              </a:buClr>
+              <a:buFont typeface="Arial" charset="0"/>
+              <a:buChar char="•"/>
+              <a:defRPr sz="1800">
+                <a:solidFill>
+                  <a:srgbClr val="000000"/>
+                </a:solidFill>
+              </a:defRPr>
+            </a:pPr>
+            <a:r>
+              <a:rPr lang="en-US" sz="2400" dirty="0" smtClean="0">
+                <a:solidFill>
+                  <a:schemeClr val="accent1">
+                    <a:lumMod val="50000"/>
+                  </a:schemeClr>
+                </a:solidFill>
+              </a:rPr>
+              <a:t>GDPR says processing of personal data is expressely prohibited</a:t>
+            </a:r>
+            <a:endParaRPr lang="en-US" sz="2400" dirty="0" smtClean="0">
+              <a:solidFill>
+                <a:schemeClr val="accent1">
+                  <a:lumMod val="50000"/>
+                </a:schemeClr>
+              </a:solidFill>
+            </a:endParaRPr>
+          </a:p>
+          <a:p>
+            <a:pPr lvl="1" defTabSz="676275">
+              <a:spcBef>
+                <a:spcPts val="0"/>
+              </a:spcBef>
+              <a:buClr>
+                <a:srgbClr val="1F497D"/>
+              </a:buClr>
+              <a:buFont typeface="Arial" charset="0"/>
+              <a:buChar char="•"/>
+              <a:defRPr sz="1800">
+                <a:solidFill>
+                  <a:srgbClr val="000000"/>
+                </a:solidFill>
+              </a:defRPr>
+            </a:pPr>
+            <a:r>
+              <a:rPr lang="en-US" sz="2400" dirty="0" smtClean="0">
+                <a:solidFill>
+                  <a:schemeClr val="accent1">
+                    <a:lumMod val="50000"/>
+                  </a:schemeClr>
+                </a:solidFill>
+              </a:rPr>
+              <a:t>but they are talking about data you </a:t>
+            </a:r>
+            <a:r>
+              <a:rPr lang="en-US" sz="2400" b="1" dirty="0" smtClean="0">
+                <a:solidFill>
+                  <a:schemeClr val="accent1">
+                    <a:lumMod val="50000"/>
+                  </a:schemeClr>
+                </a:solidFill>
+              </a:rPr>
+              <a:t>collected</a:t>
+            </a:r>
+            <a:endParaRPr lang="en-US" sz="2400" b="1" dirty="0" smtClean="0">
+              <a:solidFill>
+                <a:schemeClr val="accent1">
+                  <a:lumMod val="50000"/>
+                </a:schemeClr>
+              </a:solidFill>
+            </a:endParaRPr>
+          </a:p>
+          <a:p>
+            <a:pPr lvl="1" defTabSz="676275">
+              <a:spcBef>
+                <a:spcPts val="0"/>
+              </a:spcBef>
+              <a:buClr>
+                <a:srgbClr val="1F497D"/>
+              </a:buClr>
+              <a:buFont typeface="Arial" charset="0"/>
+              <a:buChar char="•"/>
+              <a:defRPr sz="1800">
+                <a:solidFill>
+                  <a:srgbClr val="000000"/>
+                </a:solidFill>
+              </a:defRPr>
+            </a:pPr>
+            <a:r>
+              <a:rPr lang="en-US" sz="2400" dirty="0" smtClean="0">
+                <a:solidFill>
+                  <a:schemeClr val="accent1">
+                    <a:lumMod val="50000"/>
+                  </a:schemeClr>
+                </a:solidFill>
+              </a:rPr>
+              <a:t>what if you haven't collected it because it never left the users' device?</a:t>
+            </a:r>
+            <a:endParaRPr lang="en-US" sz="2400" dirty="0" smtClean="0">
+              <a:solidFill>
+                <a:schemeClr val="accent1">
+                  <a:lumMod val="50000"/>
+                </a:schemeClr>
+              </a:solidFill>
+            </a:endParaRPr>
+          </a:p>
+          <a:p>
+            <a:pPr lvl="0" defTabSz="676275">
+              <a:spcBef>
+                <a:spcPts val="0"/>
+              </a:spcBef>
+              <a:buClr>
+                <a:srgbClr val="1F497D"/>
+              </a:buClr>
+              <a:buFont typeface="Arial" charset="0"/>
+              <a:buChar char="•"/>
+              <a:defRPr sz="1800">
+                <a:solidFill>
+                  <a:srgbClr val="000000"/>
+                </a:solidFill>
+              </a:defRPr>
+            </a:pPr>
+            <a:endParaRPr lang="en-US" sz="2400" dirty="0" smtClean="0">
+              <a:solidFill>
+                <a:schemeClr val="accent1">
+                  <a:lumMod val="50000"/>
+                </a:schemeClr>
+              </a:solidFill>
+            </a:endParaRPr>
+          </a:p>
+          <a:p>
+            <a:pPr lvl="0" defTabSz="676275">
+              <a:spcBef>
+                <a:spcPts val="0"/>
+              </a:spcBef>
+              <a:buClr>
+                <a:srgbClr val="1F497D"/>
+              </a:buClr>
+              <a:buFont typeface="Arial" charset="0"/>
+              <a:buChar char="•"/>
+              <a:defRPr sz="1800">
+                <a:solidFill>
+                  <a:srgbClr val="000000"/>
+                </a:solidFill>
+              </a:defRPr>
+            </a:pPr>
+            <a:r>
+              <a:rPr lang="en-US" sz="2400" dirty="0" smtClean="0">
+                <a:solidFill>
+                  <a:schemeClr val="accent1">
+                    <a:lumMod val="50000"/>
+                  </a:schemeClr>
+                </a:solidFill>
+              </a:rPr>
+              <a:t>You can potentially use a wealth of information available on the client device you could never access server-side</a:t>
+            </a:r>
+            <a:endParaRPr lang="en-US" sz="2400" dirty="0" smtClean="0">
+              <a:solidFill>
+                <a:schemeClr val="accent1">
+                  <a:lumMod val="50000"/>
+                </a:schemeClr>
+              </a:solidFill>
+            </a:endParaRPr>
+          </a:p>
+          <a:p>
+            <a:pPr marL="0" indent="0" defTabSz="676275">
+              <a:spcBef>
+                <a:spcPts val="0"/>
+              </a:spcBef>
+              <a:buClr>
+                <a:srgbClr val="1F497D"/>
+              </a:buClr>
+              <a:buFont typeface="Arial" charset="0"/>
+              <a:buNone/>
+              <a:defRPr sz="1800">
+                <a:solidFill>
+                  <a:srgbClr val="000000"/>
+                </a:solidFill>
+              </a:defRPr>
+            </a:pPr>
+            <a:r>
+              <a:rPr lang="x-none" altLang="en-US" sz="2400" dirty="0" smtClean="0">
+                <a:solidFill>
+                  <a:schemeClr val="accent1">
+                    <a:lumMod val="50000"/>
+                  </a:schemeClr>
+                </a:solidFill>
+              </a:rPr>
+              <a:t>	</a:t>
+            </a:r>
+            <a:r>
+              <a:rPr lang="en-US" sz="2400" dirty="0" smtClean="0">
+                <a:solidFill>
+                  <a:schemeClr val="accent1">
+                    <a:lumMod val="50000"/>
+                  </a:schemeClr>
+                </a:solidFill>
+              </a:rPr>
+              <a:t>- address book</a:t>
+            </a:r>
+            <a:endParaRPr lang="en-US" sz="2400" dirty="0" smtClean="0">
+              <a:solidFill>
+                <a:schemeClr val="accent1">
+                  <a:lumMod val="50000"/>
+                </a:schemeClr>
+              </a:solidFill>
+            </a:endParaRPr>
+          </a:p>
+          <a:p>
+            <a:pPr marL="0" indent="0" defTabSz="676275">
+              <a:spcBef>
+                <a:spcPts val="0"/>
+              </a:spcBef>
+              <a:buClr>
+                <a:srgbClr val="1F497D"/>
+              </a:buClr>
+              <a:buFont typeface="Arial" charset="0"/>
+              <a:buNone/>
+              <a:defRPr sz="1800">
+                <a:solidFill>
+                  <a:srgbClr val="000000"/>
+                </a:solidFill>
+              </a:defRPr>
+            </a:pPr>
+            <a:r>
+              <a:rPr lang="x-none" altLang="en-US" sz="2400" dirty="0" smtClean="0">
+                <a:solidFill>
+                  <a:schemeClr val="accent1">
+                    <a:lumMod val="50000"/>
+                  </a:schemeClr>
+                </a:solidFill>
+              </a:rPr>
+              <a:t>	</a:t>
+            </a:r>
+            <a:r>
+              <a:rPr lang="en-US" sz="2400" dirty="0" smtClean="0">
+                <a:solidFill>
+                  <a:schemeClr val="accent1">
+                    <a:lumMod val="50000"/>
+                  </a:schemeClr>
+                </a:solidFill>
+              </a:rPr>
+              <a:t>- calendar</a:t>
+            </a:r>
+            <a:endParaRPr lang="en-US" sz="2400" dirty="0" smtClean="0">
+              <a:solidFill>
+                <a:schemeClr val="accent1">
+                  <a:lumMod val="50000"/>
+                </a:schemeClr>
+              </a:solidFill>
+            </a:endParaRPr>
+          </a:p>
+          <a:p>
+            <a:pPr marL="0" indent="0" defTabSz="676275">
+              <a:spcBef>
+                <a:spcPts val="0"/>
+              </a:spcBef>
+              <a:buClr>
+                <a:srgbClr val="1F497D"/>
+              </a:buClr>
+              <a:buFont typeface="Arial" charset="0"/>
+              <a:buNone/>
+              <a:defRPr sz="1800">
+                <a:solidFill>
+                  <a:srgbClr val="000000"/>
+                </a:solidFill>
+              </a:defRPr>
+            </a:pPr>
+            <a:r>
+              <a:rPr lang="x-none" altLang="en-US" sz="2400" dirty="0" smtClean="0">
+                <a:solidFill>
+                  <a:schemeClr val="accent1">
+                    <a:lumMod val="50000"/>
+                  </a:schemeClr>
+                </a:solidFill>
+              </a:rPr>
+              <a:t>	</a:t>
+            </a:r>
+            <a:r>
+              <a:rPr lang="en-US" sz="2400" dirty="0" smtClean="0">
+                <a:solidFill>
+                  <a:schemeClr val="accent1">
+                    <a:lumMod val="50000"/>
+                  </a:schemeClr>
+                </a:solidFill>
+              </a:rPr>
+              <a:t>- GPS</a:t>
+            </a:r>
+            <a:endParaRPr lang="en-US" sz="2400" dirty="0" smtClean="0">
+              <a:solidFill>
+                <a:schemeClr val="accent1">
+                  <a:lumMod val="50000"/>
+                </a:schemeClr>
+              </a:solidFill>
+            </a:endParaRPr>
+          </a:p>
+          <a:p>
+            <a:pPr marL="0" indent="0" defTabSz="676275">
+              <a:spcBef>
+                <a:spcPts val="0"/>
+              </a:spcBef>
+              <a:buClr>
+                <a:srgbClr val="1F497D"/>
+              </a:buClr>
+              <a:buFont typeface="Arial" charset="0"/>
+              <a:buNone/>
+              <a:defRPr sz="1800">
+                <a:solidFill>
+                  <a:srgbClr val="000000"/>
+                </a:solidFill>
+              </a:defRPr>
+            </a:pPr>
+            <a:r>
+              <a:rPr lang="x-none" altLang="en-US" sz="2400" dirty="0" smtClean="0">
+                <a:solidFill>
+                  <a:schemeClr val="accent1">
+                    <a:lumMod val="50000"/>
+                  </a:schemeClr>
+                </a:solidFill>
+              </a:rPr>
+              <a:t>	</a:t>
+            </a:r>
+            <a:r>
+              <a:rPr lang="en-US" sz="2400" dirty="0" smtClean="0">
+                <a:solidFill>
+                  <a:schemeClr val="accent1">
+                    <a:lumMod val="50000"/>
+                  </a:schemeClr>
+                </a:solidFill>
+              </a:rPr>
+              <a:t>- local files</a:t>
+            </a:r>
+            <a:endParaRPr lang="en-US" sz="2400" dirty="0" smtClean="0">
+              <a:solidFill>
+                <a:schemeClr val="accent1">
+                  <a:lumMod val="50000"/>
+                </a:schemeClr>
+              </a:solidFill>
+            </a:endParaRPr>
+          </a:p>
+          <a:p>
+            <a:pPr marL="0" indent="0" defTabSz="676275">
+              <a:spcBef>
+                <a:spcPts val="0"/>
+              </a:spcBef>
+              <a:buClr>
+                <a:srgbClr val="1F497D"/>
+              </a:buClr>
+              <a:buFont typeface="Arial" charset="0"/>
+              <a:buNone/>
+              <a:defRPr sz="1800">
+                <a:solidFill>
+                  <a:srgbClr val="000000"/>
+                </a:solidFill>
+              </a:defRPr>
+            </a:pPr>
+            <a:r>
+              <a:rPr lang="x-none" altLang="en-US" sz="2400" dirty="0" smtClean="0">
+                <a:solidFill>
+                  <a:schemeClr val="accent1">
+                    <a:lumMod val="50000"/>
+                  </a:schemeClr>
+                </a:solidFill>
+              </a:rPr>
+              <a:t>	- .............</a:t>
+            </a:r>
+            <a:endParaRPr lang="x-none" altLang="en-US" sz="2400" dirty="0" smtClean="0">
+              <a:solidFill>
+                <a:schemeClr val="accent1">
+                  <a:lumMod val="50000"/>
+                </a:schemeClr>
+              </a:solidFill>
+            </a:endParaRPr>
+          </a:p>
+        </p:txBody>
+      </p:sp>
+    </p:spTree>
+  </p:cSld>
+  <p:clrMapOvr>
+    <a:masterClrMapping/>
+  </p:clrMapOvr>
+  <p:transition spd="med"/>
+  <p:timing>
+    <p:tnLst>
+      <p:par>
+        <p:cTn id="1" dur="indefinite" restart="never" nodeType="tmRoot"/>
+      </p:par>
+    </p:tnLst>
+  </p:timing>
+</p:sld>
+</file>
+
+<file path=ppt/slides/slide13.xml><?xml version="1.0" encoding="utf-8"?>
+<p:sld xmlns:a="http://schemas.openxmlformats.org/drawingml/2006/main" xmlns:r="http://schemas.openxmlformats.org/officeDocument/2006/relationships" xmlns:p="http://schemas.openxmlformats.org/presentationml/2006/main">
+  <p:cSld>
+    <p:spTree>
+      <p:nvGrpSpPr>
+        <p:cNvPr id="1" name=""/>
+        <p:cNvGrpSpPr/>
+        <p:nvPr/>
+      </p:nvGrpSpPr>
+      <p:grpSpPr>
+        <a:xfrm>
+          <a:off x="0" y="0"/>
+          <a:ext cx="0" cy="0"/>
+          <a:chOff x="0" y="0"/>
+          <a:chExt cx="0" cy="0"/>
+        </a:xfrm>
+      </p:grpSpPr>
+      <p:sp>
+        <p:nvSpPr>
+          <p:cNvPr id="2" name="Title 1"/>
+          <p:cNvSpPr txBox="1"/>
+          <p:nvPr/>
+        </p:nvSpPr>
+        <p:spPr>
+          <a:xfrm>
+            <a:off x="253746" y="-11495"/>
+            <a:ext cx="7227146" cy="427420"/>
+          </a:xfrm>
+          <a:prstGeom prst="rect">
+            <a:avLst/>
+          </a:prstGeom>
+        </p:spPr>
+        <p:txBody>
+          <a:bodyPr/>
+          <a:lstStyle>
+            <a:lvl1pPr>
+              <a:defRPr sz="2400" b="1">
+                <a:solidFill>
+                  <a:srgbClr val="1F497D"/>
+                </a:solidFill>
+                <a:latin typeface="Calibri"/>
+                <a:ea typeface="Calibri"/>
+                <a:cs typeface="Calibri"/>
+                <a:sym typeface="Calibri"/>
+              </a:defRPr>
+            </a:lvl1pPr>
+            <a:lvl2pPr>
+              <a:defRPr sz="2400" b="1">
+                <a:solidFill>
+                  <a:srgbClr val="1F497D"/>
+                </a:solidFill>
+                <a:latin typeface="Calibri"/>
+                <a:ea typeface="Calibri"/>
+                <a:cs typeface="Calibri"/>
+                <a:sym typeface="Calibri"/>
+              </a:defRPr>
+            </a:lvl2pPr>
+            <a:lvl3pPr>
+              <a:defRPr sz="2400" b="1">
+                <a:solidFill>
+                  <a:srgbClr val="1F497D"/>
+                </a:solidFill>
+                <a:latin typeface="Calibri"/>
+                <a:ea typeface="Calibri"/>
+                <a:cs typeface="Calibri"/>
+                <a:sym typeface="Calibri"/>
+              </a:defRPr>
+            </a:lvl3pPr>
+            <a:lvl4pPr>
+              <a:defRPr sz="2400" b="1">
+                <a:solidFill>
+                  <a:srgbClr val="1F497D"/>
+                </a:solidFill>
+                <a:latin typeface="Calibri"/>
+                <a:ea typeface="Calibri"/>
+                <a:cs typeface="Calibri"/>
+                <a:sym typeface="Calibri"/>
+              </a:defRPr>
+            </a:lvl4pPr>
+            <a:lvl5pPr>
+              <a:defRPr sz="2400" b="1">
+                <a:solidFill>
+                  <a:srgbClr val="1F497D"/>
+                </a:solidFill>
+                <a:latin typeface="Calibri"/>
+                <a:ea typeface="Calibri"/>
+                <a:cs typeface="Calibri"/>
+                <a:sym typeface="Calibri"/>
+              </a:defRPr>
+            </a:lvl5pPr>
+            <a:lvl6pPr>
+              <a:defRPr sz="2400" b="1">
+                <a:solidFill>
+                  <a:srgbClr val="1F497D"/>
+                </a:solidFill>
+                <a:latin typeface="Calibri"/>
+                <a:ea typeface="Calibri"/>
+                <a:cs typeface="Calibri"/>
+                <a:sym typeface="Calibri"/>
+              </a:defRPr>
+            </a:lvl6pPr>
+            <a:lvl7pPr>
+              <a:defRPr sz="2400" b="1">
+                <a:solidFill>
+                  <a:srgbClr val="1F497D"/>
+                </a:solidFill>
+                <a:latin typeface="Calibri"/>
+                <a:ea typeface="Calibri"/>
+                <a:cs typeface="Calibri"/>
+                <a:sym typeface="Calibri"/>
+              </a:defRPr>
+            </a:lvl7pPr>
+            <a:lvl8pPr>
+              <a:defRPr sz="2400" b="1">
+                <a:solidFill>
+                  <a:srgbClr val="1F497D"/>
+                </a:solidFill>
+                <a:latin typeface="Calibri"/>
+                <a:ea typeface="Calibri"/>
+                <a:cs typeface="Calibri"/>
+                <a:sym typeface="Calibri"/>
+              </a:defRPr>
+            </a:lvl8pPr>
+            <a:lvl9pPr>
+              <a:defRPr sz="2400" b="1">
+                <a:solidFill>
+                  <a:srgbClr val="1F497D"/>
+                </a:solidFill>
+                <a:latin typeface="Calibri"/>
+                <a:ea typeface="Calibri"/>
+                <a:cs typeface="Calibri"/>
+                <a:sym typeface="Calibri"/>
+              </a:defRPr>
+            </a:lvl9pPr>
+          </a:lstStyle>
+          <a:p>
+            <a:r>
+              <a:rPr lang="x-none" dirty="0" smtClean="0"/>
+              <a:t>Advantages (coming back to the startup idea)</a:t>
+            </a:r>
+            <a:endParaRPr lang="x-none" dirty="0" smtClean="0"/>
+          </a:p>
+        </p:txBody>
+      </p:sp>
+      <p:sp>
+        <p:nvSpPr>
+          <p:cNvPr id="3" name="Shape 34"/>
+          <p:cNvSpPr txBox="1"/>
+          <p:nvPr/>
+        </p:nvSpPr>
+        <p:spPr>
+          <a:xfrm>
+            <a:off x="465455" y="822960"/>
+            <a:ext cx="8226425" cy="5266690"/>
+          </a:xfrm>
+          <a:prstGeom prst="rect">
+            <a:avLst/>
+          </a:prstGeom>
+        </p:spPr>
+        <p:txBody>
+          <a:bodyPr>
+            <a:noAutofit/>
+          </a:bodyPr>
+          <a:lstStyle>
+            <a:lvl1pPr marL="342900" indent="-342900">
+              <a:spcBef>
+                <a:spcPts val="700"/>
+              </a:spcBef>
+              <a:buSzPct val="100000"/>
+              <a:buFont typeface="Wingdings" panose="05000000000000000000" charset="2"/>
+              <a:buChar char="▪"/>
+              <a:defRPr sz="3200">
+                <a:solidFill>
+                  <a:srgbClr val="1F497D"/>
+                </a:solidFill>
+                <a:latin typeface="Calibri"/>
+                <a:ea typeface="Calibri"/>
+                <a:cs typeface="Calibri"/>
+                <a:sym typeface="Calibri"/>
+              </a:defRPr>
+            </a:lvl1pPr>
+            <a:lvl2pPr marL="783590" indent="-326390">
+              <a:spcBef>
+                <a:spcPts val="700"/>
+              </a:spcBef>
+              <a:buSzPct val="100000"/>
+              <a:buFont typeface="Wingdings" panose="05000000000000000000" charset="2"/>
+              <a:buChar char="▪"/>
+              <a:defRPr sz="3200">
+                <a:solidFill>
+                  <a:srgbClr val="1F497D"/>
+                </a:solidFill>
+                <a:latin typeface="Calibri"/>
+                <a:ea typeface="Calibri"/>
+                <a:cs typeface="Calibri"/>
+                <a:sym typeface="Calibri"/>
+              </a:defRPr>
+            </a:lvl2pPr>
+            <a:lvl3pPr marL="1219200" indent="-304800">
+              <a:spcBef>
+                <a:spcPts val="700"/>
+              </a:spcBef>
+              <a:buSzPct val="100000"/>
+              <a:buFont typeface="Wingdings" panose="05000000000000000000" charset="2"/>
+              <a:buChar char="▪"/>
+              <a:defRPr sz="3200">
+                <a:solidFill>
+                  <a:srgbClr val="1F497D"/>
+                </a:solidFill>
+                <a:latin typeface="Calibri"/>
+                <a:ea typeface="Calibri"/>
+                <a:cs typeface="Calibri"/>
+                <a:sym typeface="Calibri"/>
+              </a:defRPr>
+            </a:lvl3pPr>
+            <a:lvl4pPr marL="1737360" indent="-365760">
+              <a:spcBef>
+                <a:spcPts val="700"/>
+              </a:spcBef>
+              <a:buSzPct val="100000"/>
+              <a:buFont typeface="Wingdings" panose="05000000000000000000" charset="2"/>
+              <a:buChar char="▪"/>
+              <a:defRPr sz="3200">
+                <a:solidFill>
+                  <a:srgbClr val="1F497D"/>
+                </a:solidFill>
+                <a:latin typeface="Calibri"/>
+                <a:ea typeface="Calibri"/>
+                <a:cs typeface="Calibri"/>
+                <a:sym typeface="Calibri"/>
+              </a:defRPr>
+            </a:lvl4pPr>
+            <a:lvl5pPr marL="2194560" indent="-365760">
+              <a:spcBef>
+                <a:spcPts val="700"/>
+              </a:spcBef>
+              <a:buSzPct val="100000"/>
+              <a:buFont typeface="Wingdings" panose="05000000000000000000" charset="2"/>
+              <a:buChar char="▪"/>
+              <a:defRPr sz="3200">
+                <a:solidFill>
+                  <a:srgbClr val="1F497D"/>
+                </a:solidFill>
+                <a:latin typeface="Calibri"/>
+                <a:ea typeface="Calibri"/>
+                <a:cs typeface="Calibri"/>
+                <a:sym typeface="Calibri"/>
+              </a:defRPr>
+            </a:lvl5pPr>
+            <a:lvl6pPr marL="2651760" indent="-365760">
+              <a:spcBef>
+                <a:spcPts val="700"/>
+              </a:spcBef>
+              <a:buSzPct val="100000"/>
+              <a:buFont typeface="Wingdings" panose="05000000000000000000" charset="2"/>
+              <a:buChar char="•"/>
+              <a:defRPr sz="3200">
+                <a:solidFill>
+                  <a:srgbClr val="1F497D"/>
+                </a:solidFill>
+                <a:latin typeface="Calibri"/>
+                <a:ea typeface="Calibri"/>
+                <a:cs typeface="Calibri"/>
+                <a:sym typeface="Calibri"/>
+              </a:defRPr>
+            </a:lvl6pPr>
+            <a:lvl7pPr marL="3108960" indent="-365760">
+              <a:spcBef>
+                <a:spcPts val="700"/>
+              </a:spcBef>
+              <a:buSzPct val="100000"/>
+              <a:buFont typeface="Wingdings" panose="05000000000000000000" charset="2"/>
+              <a:buChar char="•"/>
+              <a:defRPr sz="3200">
+                <a:solidFill>
+                  <a:srgbClr val="1F497D"/>
+                </a:solidFill>
+                <a:latin typeface="Calibri"/>
+                <a:ea typeface="Calibri"/>
+                <a:cs typeface="Calibri"/>
+                <a:sym typeface="Calibri"/>
+              </a:defRPr>
+            </a:lvl7pPr>
+            <a:lvl8pPr marL="3566160" indent="-365760">
+              <a:spcBef>
+                <a:spcPts val="700"/>
+              </a:spcBef>
+              <a:buSzPct val="100000"/>
+              <a:buFont typeface="Wingdings" panose="05000000000000000000" charset="2"/>
+              <a:buChar char="•"/>
+              <a:defRPr sz="3200">
+                <a:solidFill>
+                  <a:srgbClr val="1F497D"/>
+                </a:solidFill>
+                <a:latin typeface="Calibri"/>
+                <a:ea typeface="Calibri"/>
+                <a:cs typeface="Calibri"/>
+                <a:sym typeface="Calibri"/>
+              </a:defRPr>
+            </a:lvl8pPr>
+            <a:lvl9pPr marL="4023360" indent="-365760">
+              <a:spcBef>
+                <a:spcPts val="700"/>
+              </a:spcBef>
+              <a:buSzPct val="100000"/>
+              <a:buFont typeface="Wingdings" panose="05000000000000000000" charset="2"/>
+              <a:buChar char="•"/>
+              <a:defRPr sz="3200">
+                <a:solidFill>
+                  <a:srgbClr val="1F497D"/>
+                </a:solidFill>
+                <a:latin typeface="Calibri"/>
+                <a:ea typeface="Calibri"/>
+                <a:cs typeface="Calibri"/>
+                <a:sym typeface="Calibri"/>
+              </a:defRPr>
+            </a:lvl9pPr>
+          </a:lstStyle>
+          <a:p>
+            <a:pPr defTabSz="676275">
+              <a:spcBef>
+                <a:spcPts val="0"/>
+              </a:spcBef>
+              <a:buClr>
+                <a:srgbClr val="1F497D"/>
+              </a:buClr>
+              <a:buFont typeface="Arial" charset="0"/>
+              <a:buChar char="•"/>
+              <a:defRPr sz="1800">
+                <a:solidFill>
+                  <a:srgbClr val="000000"/>
+                </a:solidFill>
+              </a:defRPr>
+            </a:pPr>
+            <a:r>
+              <a:rPr lang="en-US" sz="2400" dirty="0" smtClean="0">
+                <a:solidFill>
+                  <a:schemeClr val="accent1">
+                    <a:lumMod val="50000"/>
+                  </a:schemeClr>
+                </a:solidFill>
+              </a:rPr>
+              <a:t>BYOCP - "Bring your own computational power"</a:t>
+            </a:r>
+            <a:endParaRPr lang="en-US" sz="2400" dirty="0" smtClean="0">
+              <a:solidFill>
+                <a:schemeClr val="accent1">
+                  <a:lumMod val="50000"/>
+                </a:schemeClr>
+              </a:solidFill>
+            </a:endParaRPr>
+          </a:p>
+          <a:p>
+            <a:pPr marL="0" indent="0" defTabSz="676275">
+              <a:spcBef>
+                <a:spcPts val="0"/>
+              </a:spcBef>
+              <a:buClr>
+                <a:srgbClr val="1F497D"/>
+              </a:buClr>
+              <a:buFont typeface="Arial" charset="0"/>
+              <a:buNone/>
+              <a:defRPr sz="1800">
+                <a:solidFill>
+                  <a:srgbClr val="000000"/>
+                </a:solidFill>
+              </a:defRPr>
+            </a:pPr>
+            <a:r>
+              <a:rPr lang="x-none" altLang="en-US" sz="2400" dirty="0" smtClean="0">
+                <a:solidFill>
+                  <a:schemeClr val="accent1">
+                    <a:lumMod val="50000"/>
+                  </a:schemeClr>
+                </a:solidFill>
+              </a:rPr>
+              <a:t>	</a:t>
+            </a:r>
+            <a:r>
+              <a:rPr lang="en-US" sz="2400" dirty="0" smtClean="0">
+                <a:solidFill>
+                  <a:schemeClr val="accent1">
+                    <a:lumMod val="50000"/>
+                  </a:schemeClr>
+                </a:solidFill>
+              </a:rPr>
+              <a:t>- World's fastest supercomputer can do 93 Petaflops</a:t>
+            </a:r>
+            <a:endParaRPr lang="en-US" sz="2400" dirty="0" smtClean="0">
+              <a:solidFill>
+                <a:schemeClr val="accent1">
+                  <a:lumMod val="50000"/>
+                </a:schemeClr>
+              </a:solidFill>
+            </a:endParaRPr>
+          </a:p>
+          <a:p>
+            <a:pPr marL="0" indent="0" defTabSz="676275">
+              <a:spcBef>
+                <a:spcPts val="0"/>
+              </a:spcBef>
+              <a:buClr>
+                <a:srgbClr val="1F497D"/>
+              </a:buClr>
+              <a:buFont typeface="Arial" charset="0"/>
+              <a:buNone/>
+              <a:defRPr sz="1800">
+                <a:solidFill>
+                  <a:srgbClr val="000000"/>
+                </a:solidFill>
+              </a:defRPr>
+            </a:pPr>
+            <a:r>
+              <a:rPr lang="x-none" altLang="en-US" sz="2400" dirty="0" smtClean="0">
+                <a:solidFill>
+                  <a:schemeClr val="accent1">
+                    <a:lumMod val="50000"/>
+                  </a:schemeClr>
+                </a:solidFill>
+              </a:rPr>
+              <a:t>	</a:t>
+            </a:r>
+            <a:r>
+              <a:rPr lang="en-US" sz="2400" dirty="0" smtClean="0">
+                <a:solidFill>
+                  <a:schemeClr val="accent1">
+                    <a:lumMod val="50000"/>
+                  </a:schemeClr>
+                </a:solidFill>
+              </a:rPr>
+              <a:t>- A Geforce 1080 runs at about 12 Teraflops </a:t>
+            </a:r>
+            <a:r>
+              <a:rPr lang="x-none" altLang="en-US" sz="2400" dirty="0" smtClean="0">
+                <a:solidFill>
+                  <a:schemeClr val="accent1">
+                    <a:lumMod val="50000"/>
+                  </a:schemeClr>
+                </a:solidFill>
+              </a:rPr>
+              <a:t>(single prec.)</a:t>
+            </a:r>
+            <a:endParaRPr lang="x-none" altLang="en-US" sz="2400" dirty="0" smtClean="0">
+              <a:solidFill>
+                <a:schemeClr val="accent1">
+                  <a:lumMod val="50000"/>
+                </a:schemeClr>
+              </a:solidFill>
+            </a:endParaRPr>
+          </a:p>
+          <a:p>
+            <a:pPr marL="0" indent="0" defTabSz="676275">
+              <a:spcBef>
+                <a:spcPts val="0"/>
+              </a:spcBef>
+              <a:buClr>
+                <a:srgbClr val="1F497D"/>
+              </a:buClr>
+              <a:buFont typeface="Arial" charset="0"/>
+              <a:buNone/>
+              <a:defRPr sz="1800">
+                <a:solidFill>
+                  <a:srgbClr val="000000"/>
+                </a:solidFill>
+              </a:defRPr>
+            </a:pPr>
+            <a:r>
+              <a:rPr lang="x-none" altLang="en-US" sz="2400" dirty="0" smtClean="0">
+                <a:solidFill>
+                  <a:schemeClr val="accent1">
+                    <a:lumMod val="50000"/>
+                  </a:schemeClr>
+                </a:solidFill>
+              </a:rPr>
+              <a:t>	- Y</a:t>
+            </a:r>
+            <a:r>
+              <a:rPr lang="en-US" sz="2400" dirty="0" smtClean="0">
+                <a:solidFill>
+                  <a:schemeClr val="accent1">
+                    <a:lumMod val="50000"/>
+                  </a:schemeClr>
+                </a:solidFill>
+              </a:rPr>
+              <a:t>ou need ~7,750 customers with such cards to reach the </a:t>
+            </a:r>
+            <a:r>
+              <a:rPr lang="x-none" altLang="en-US" sz="2400" dirty="0" smtClean="0">
+                <a:solidFill>
+                  <a:schemeClr val="accent1">
+                    <a:lumMod val="50000"/>
+                  </a:schemeClr>
+                </a:solidFill>
+              </a:rPr>
+              <a:t>	  </a:t>
+            </a:r>
+            <a:r>
+              <a:rPr lang="en-US" sz="2400" dirty="0" smtClean="0">
+                <a:solidFill>
+                  <a:schemeClr val="accent1">
+                    <a:lumMod val="50000"/>
+                  </a:schemeClr>
+                </a:solidFill>
+              </a:rPr>
+              <a:t>TaihuLight</a:t>
+            </a:r>
+            <a:endParaRPr lang="en-US" sz="2400" dirty="0" smtClean="0">
+              <a:solidFill>
+                <a:schemeClr val="accent1">
+                  <a:lumMod val="50000"/>
+                </a:schemeClr>
+              </a:solidFill>
+            </a:endParaRPr>
+          </a:p>
+          <a:p>
+            <a:pPr marL="0" indent="0" defTabSz="676275">
+              <a:spcBef>
+                <a:spcPts val="0"/>
+              </a:spcBef>
+              <a:buClr>
+                <a:srgbClr val="1F497D"/>
+              </a:buClr>
+              <a:buFont typeface="Arial" charset="0"/>
+              <a:buNone/>
+              <a:defRPr sz="1800">
+                <a:solidFill>
+                  <a:srgbClr val="000000"/>
+                </a:solidFill>
+              </a:defRPr>
+            </a:pPr>
+            <a:r>
+              <a:rPr lang="x-none" altLang="en-US" sz="2400" dirty="0" smtClean="0">
+                <a:solidFill>
+                  <a:schemeClr val="accent1">
+                    <a:lumMod val="50000"/>
+                  </a:schemeClr>
+                </a:solidFill>
+              </a:rPr>
+              <a:t>	-</a:t>
+            </a:r>
+            <a:r>
+              <a:rPr lang="en-US" sz="2400" dirty="0" smtClean="0">
+                <a:solidFill>
+                  <a:schemeClr val="accent1">
+                    <a:lumMod val="50000"/>
+                  </a:schemeClr>
+                </a:solidFill>
+              </a:rPr>
+              <a:t> i</a:t>
+            </a:r>
+            <a:r>
+              <a:rPr lang="x-none" altLang="en-US" sz="2400" dirty="0" smtClean="0">
+                <a:solidFill>
+                  <a:schemeClr val="accent1">
+                    <a:lumMod val="50000"/>
+                  </a:schemeClr>
+                </a:solidFill>
+              </a:rPr>
+              <a:t>P</a:t>
+            </a:r>
+            <a:r>
+              <a:rPr lang="en-US" sz="2400" dirty="0" smtClean="0">
+                <a:solidFill>
+                  <a:schemeClr val="accent1">
+                    <a:lumMod val="50000"/>
+                  </a:schemeClr>
+                </a:solidFill>
+              </a:rPr>
+              <a:t>hone 7: GPU operates at 729.6 GFLOPS</a:t>
+            </a:r>
+            <a:endParaRPr lang="en-US" sz="2400" dirty="0" smtClean="0">
+              <a:solidFill>
+                <a:schemeClr val="accent1">
+                  <a:lumMod val="50000"/>
+                </a:schemeClr>
+              </a:solidFill>
+            </a:endParaRPr>
+          </a:p>
+          <a:p>
+            <a:pPr marL="0" indent="0" defTabSz="676275">
+              <a:spcBef>
+                <a:spcPts val="0"/>
+              </a:spcBef>
+              <a:buClr>
+                <a:srgbClr val="1F497D"/>
+              </a:buClr>
+              <a:buFont typeface="Arial" charset="0"/>
+              <a:buNone/>
+              <a:defRPr sz="1800">
+                <a:solidFill>
+                  <a:srgbClr val="000000"/>
+                </a:solidFill>
+              </a:defRPr>
+            </a:pPr>
+            <a:r>
+              <a:rPr lang="x-none" altLang="en-US" sz="2400" dirty="0" smtClean="0">
+                <a:solidFill>
+                  <a:schemeClr val="accent1">
+                    <a:lumMod val="50000"/>
+                  </a:schemeClr>
+                </a:solidFill>
+              </a:rPr>
+              <a:t>	- </a:t>
+            </a:r>
+            <a:r>
+              <a:rPr lang="en-US" sz="2400" dirty="0" smtClean="0">
+                <a:solidFill>
+                  <a:schemeClr val="accent1">
+                    <a:lumMod val="50000"/>
+                  </a:schemeClr>
+                </a:solidFill>
+              </a:rPr>
+              <a:t>~130k iphones stack up to the TaihuLight</a:t>
+            </a:r>
+            <a:endParaRPr lang="en-US" sz="2400" dirty="0" smtClean="0">
+              <a:solidFill>
+                <a:schemeClr val="accent1">
+                  <a:lumMod val="50000"/>
+                </a:schemeClr>
+              </a:solidFill>
+            </a:endParaRPr>
+          </a:p>
+          <a:p>
+            <a:pPr defTabSz="676275">
+              <a:spcBef>
+                <a:spcPts val="0"/>
+              </a:spcBef>
+              <a:buClr>
+                <a:srgbClr val="1F497D"/>
+              </a:buClr>
+              <a:buFont typeface="Arial" charset="0"/>
+              <a:buChar char="•"/>
+              <a:defRPr sz="1800">
+                <a:solidFill>
+                  <a:srgbClr val="000000"/>
+                </a:solidFill>
+              </a:defRPr>
+            </a:pPr>
+            <a:endParaRPr lang="en-US" sz="2400" dirty="0" smtClean="0">
+              <a:solidFill>
+                <a:schemeClr val="accent1">
+                  <a:lumMod val="50000"/>
+                </a:schemeClr>
+              </a:solidFill>
+            </a:endParaRPr>
+          </a:p>
+          <a:p>
+            <a:pPr defTabSz="676275">
+              <a:spcBef>
+                <a:spcPts val="0"/>
+              </a:spcBef>
+              <a:buClr>
+                <a:srgbClr val="1F497D"/>
+              </a:buClr>
+              <a:buFont typeface="Arial" charset="0"/>
+              <a:buChar char="•"/>
+              <a:defRPr sz="1800">
+                <a:solidFill>
+                  <a:srgbClr val="000000"/>
+                </a:solidFill>
+              </a:defRPr>
+            </a:pPr>
+            <a:r>
+              <a:rPr lang="en-US" sz="2400" dirty="0" smtClean="0">
+                <a:solidFill>
+                  <a:schemeClr val="accent1">
+                    <a:lumMod val="50000"/>
+                  </a:schemeClr>
+                </a:solidFill>
+              </a:rPr>
+              <a:t>of course those are very superficial &amp; unrealistic numbers, but they give a good feeling about the order of magnitude we're talking about</a:t>
+            </a:r>
+            <a:endParaRPr lang="en-US" sz="2400" dirty="0" smtClean="0">
+              <a:solidFill>
+                <a:schemeClr val="accent1">
+                  <a:lumMod val="50000"/>
+                </a:schemeClr>
+              </a:solidFill>
+            </a:endParaRPr>
+          </a:p>
+          <a:p>
+            <a:pPr defTabSz="676275">
+              <a:spcBef>
+                <a:spcPts val="0"/>
+              </a:spcBef>
+              <a:buClr>
+                <a:srgbClr val="1F497D"/>
+              </a:buClr>
+              <a:buFont typeface="Arial" charset="0"/>
+              <a:buChar char="•"/>
+              <a:defRPr sz="1800">
+                <a:solidFill>
+                  <a:srgbClr val="000000"/>
+                </a:solidFill>
+              </a:defRPr>
+            </a:pPr>
+            <a:endParaRPr lang="en-US" sz="2400" dirty="0" smtClean="0">
+              <a:solidFill>
+                <a:schemeClr val="accent1">
+                  <a:lumMod val="50000"/>
+                </a:schemeClr>
+              </a:solidFill>
+            </a:endParaRPr>
+          </a:p>
+          <a:p>
+            <a:pPr defTabSz="676275">
+              <a:spcBef>
+                <a:spcPts val="0"/>
+              </a:spcBef>
+              <a:buClr>
+                <a:srgbClr val="1F497D"/>
+              </a:buClr>
+              <a:buFont typeface="Arial" charset="0"/>
+              <a:buChar char="•"/>
+              <a:defRPr sz="1800">
+                <a:solidFill>
+                  <a:srgbClr val="000000"/>
+                </a:solidFill>
+              </a:defRPr>
+            </a:pPr>
+            <a:r>
+              <a:rPr lang="en-US" sz="2400" dirty="0" smtClean="0">
+                <a:solidFill>
+                  <a:schemeClr val="accent1">
+                    <a:lumMod val="50000"/>
+                  </a:schemeClr>
+                </a:solidFill>
+              </a:rPr>
+              <a:t>a few hundred thousand users is not much for a successful startup </a:t>
+            </a:r>
+            <a:r>
+              <a:rPr lang="x-none" altLang="en-US" sz="2400" dirty="0" smtClean="0">
+                <a:solidFill>
+                  <a:schemeClr val="accent1">
+                    <a:lumMod val="50000"/>
+                  </a:schemeClr>
+                </a:solidFill>
+              </a:rPr>
+              <a:t>today =&gt; SCALABILITY !!!</a:t>
+            </a:r>
+            <a:endParaRPr lang="x-none" altLang="en-US" sz="2400" dirty="0" smtClean="0">
+              <a:solidFill>
+                <a:schemeClr val="accent1">
+                  <a:lumMod val="50000"/>
+                </a:schemeClr>
+              </a:solidFill>
+            </a:endParaRPr>
+          </a:p>
+        </p:txBody>
+      </p:sp>
+    </p:spTree>
+  </p:cSld>
+  <p:clrMapOvr>
+    <a:masterClrMapping/>
+  </p:clrMapOvr>
+  <p:transition spd="med"/>
+  <p:timing>
+    <p:tnLst>
+      <p:par>
+        <p:cTn id="1" dur="indefinite" restart="never" nodeType="tmRoot"/>
+      </p:par>
+    </p:tnLst>
+  </p:timing>
+</p:sld>
+</file>
+
+<file path=ppt/slides/slide14.xml><?xml version="1.0" encoding="utf-8"?>
+<p:sld xmlns:a="http://schemas.openxmlformats.org/drawingml/2006/main" xmlns:r="http://schemas.openxmlformats.org/officeDocument/2006/relationships" xmlns:p="http://schemas.openxmlformats.org/presentationml/2006/main">
+  <p:cSld>
+    <p:spTree>
+      <p:nvGrpSpPr>
+        <p:cNvPr id="1" name=""/>
+        <p:cNvGrpSpPr/>
+        <p:nvPr/>
+      </p:nvGrpSpPr>
+      <p:grpSpPr>
+        <a:xfrm>
+          <a:off x="0" y="0"/>
+          <a:ext cx="0" cy="0"/>
+          <a:chOff x="0" y="0"/>
+          <a:chExt cx="0" cy="0"/>
+        </a:xfrm>
+      </p:grpSpPr>
+      <p:sp>
+        <p:nvSpPr>
+          <p:cNvPr id="2" name="Title 1"/>
+          <p:cNvSpPr txBox="1"/>
+          <p:nvPr/>
+        </p:nvSpPr>
+        <p:spPr>
+          <a:xfrm>
+            <a:off x="253746" y="-11495"/>
+            <a:ext cx="7227146" cy="427420"/>
+          </a:xfrm>
+          <a:prstGeom prst="rect">
+            <a:avLst/>
+          </a:prstGeom>
+        </p:spPr>
+        <p:txBody>
+          <a:bodyPr/>
+          <a:lstStyle>
+            <a:lvl1pPr>
+              <a:defRPr sz="2400" b="1">
+                <a:solidFill>
+                  <a:srgbClr val="1F497D"/>
+                </a:solidFill>
+                <a:latin typeface="Calibri"/>
+                <a:ea typeface="Calibri"/>
+                <a:cs typeface="Calibri"/>
+                <a:sym typeface="Calibri"/>
+              </a:defRPr>
+            </a:lvl1pPr>
+            <a:lvl2pPr>
+              <a:defRPr sz="2400" b="1">
+                <a:solidFill>
+                  <a:srgbClr val="1F497D"/>
+                </a:solidFill>
+                <a:latin typeface="Calibri"/>
+                <a:ea typeface="Calibri"/>
+                <a:cs typeface="Calibri"/>
+                <a:sym typeface="Calibri"/>
+              </a:defRPr>
+            </a:lvl2pPr>
+            <a:lvl3pPr>
+              <a:defRPr sz="2400" b="1">
+                <a:solidFill>
+                  <a:srgbClr val="1F497D"/>
+                </a:solidFill>
+                <a:latin typeface="Calibri"/>
+                <a:ea typeface="Calibri"/>
+                <a:cs typeface="Calibri"/>
+                <a:sym typeface="Calibri"/>
+              </a:defRPr>
+            </a:lvl3pPr>
+            <a:lvl4pPr>
+              <a:defRPr sz="2400" b="1">
+                <a:solidFill>
+                  <a:srgbClr val="1F497D"/>
+                </a:solidFill>
+                <a:latin typeface="Calibri"/>
+                <a:ea typeface="Calibri"/>
+                <a:cs typeface="Calibri"/>
+                <a:sym typeface="Calibri"/>
+              </a:defRPr>
+            </a:lvl4pPr>
+            <a:lvl5pPr>
+              <a:defRPr sz="2400" b="1">
+                <a:solidFill>
+                  <a:srgbClr val="1F497D"/>
+                </a:solidFill>
+                <a:latin typeface="Calibri"/>
+                <a:ea typeface="Calibri"/>
+                <a:cs typeface="Calibri"/>
+                <a:sym typeface="Calibri"/>
+              </a:defRPr>
+            </a:lvl5pPr>
+            <a:lvl6pPr>
+              <a:defRPr sz="2400" b="1">
+                <a:solidFill>
+                  <a:srgbClr val="1F497D"/>
+                </a:solidFill>
+                <a:latin typeface="Calibri"/>
+                <a:ea typeface="Calibri"/>
+                <a:cs typeface="Calibri"/>
+                <a:sym typeface="Calibri"/>
+              </a:defRPr>
+            </a:lvl6pPr>
+            <a:lvl7pPr>
+              <a:defRPr sz="2400" b="1">
+                <a:solidFill>
+                  <a:srgbClr val="1F497D"/>
+                </a:solidFill>
+                <a:latin typeface="Calibri"/>
+                <a:ea typeface="Calibri"/>
+                <a:cs typeface="Calibri"/>
+                <a:sym typeface="Calibri"/>
+              </a:defRPr>
+            </a:lvl7pPr>
+            <a:lvl8pPr>
+              <a:defRPr sz="2400" b="1">
+                <a:solidFill>
+                  <a:srgbClr val="1F497D"/>
+                </a:solidFill>
+                <a:latin typeface="Calibri"/>
+                <a:ea typeface="Calibri"/>
+                <a:cs typeface="Calibri"/>
+                <a:sym typeface="Calibri"/>
+              </a:defRPr>
+            </a:lvl8pPr>
+            <a:lvl9pPr>
+              <a:defRPr sz="2400" b="1">
+                <a:solidFill>
+                  <a:srgbClr val="1F497D"/>
+                </a:solidFill>
+                <a:latin typeface="Calibri"/>
+                <a:ea typeface="Calibri"/>
+                <a:cs typeface="Calibri"/>
+                <a:sym typeface="Calibri"/>
+              </a:defRPr>
+            </a:lvl9pPr>
+          </a:lstStyle>
+          <a:p>
+            <a:r>
+              <a:rPr lang="x-none" dirty="0" smtClean="0"/>
+              <a:t>Proposed mechanism</a:t>
+            </a:r>
+            <a:endParaRPr lang="x-none" dirty="0" smtClean="0"/>
+          </a:p>
+        </p:txBody>
+      </p:sp>
+      <p:sp>
+        <p:nvSpPr>
+          <p:cNvPr id="3" name="Shape 34"/>
+          <p:cNvSpPr txBox="1"/>
+          <p:nvPr/>
+        </p:nvSpPr>
+        <p:spPr>
+          <a:xfrm>
+            <a:off x="295910" y="807720"/>
+            <a:ext cx="8392160" cy="5537835"/>
+          </a:xfrm>
+          <a:prstGeom prst="rect">
+            <a:avLst/>
+          </a:prstGeom>
+        </p:spPr>
+        <p:txBody>
+          <a:bodyPr>
+            <a:noAutofit/>
+          </a:bodyPr>
+          <a:lstStyle>
+            <a:lvl1pPr marL="342900" indent="-342900">
+              <a:spcBef>
+                <a:spcPts val="700"/>
+              </a:spcBef>
+              <a:buSzPct val="100000"/>
+              <a:buFont typeface="Wingdings" panose="05000000000000000000" charset="2"/>
+              <a:buChar char="▪"/>
+              <a:defRPr sz="3200">
+                <a:solidFill>
+                  <a:srgbClr val="1F497D"/>
+                </a:solidFill>
+                <a:latin typeface="Calibri"/>
+                <a:ea typeface="Calibri"/>
+                <a:cs typeface="Calibri"/>
+                <a:sym typeface="Calibri"/>
+              </a:defRPr>
+            </a:lvl1pPr>
+            <a:lvl2pPr marL="783590" indent="-326390">
+              <a:spcBef>
+                <a:spcPts val="700"/>
+              </a:spcBef>
+              <a:buSzPct val="100000"/>
+              <a:buFont typeface="Wingdings" panose="05000000000000000000" charset="2"/>
+              <a:buChar char="▪"/>
+              <a:defRPr sz="3200">
+                <a:solidFill>
+                  <a:srgbClr val="1F497D"/>
+                </a:solidFill>
+                <a:latin typeface="Calibri"/>
+                <a:ea typeface="Calibri"/>
+                <a:cs typeface="Calibri"/>
+                <a:sym typeface="Calibri"/>
+              </a:defRPr>
+            </a:lvl2pPr>
+            <a:lvl3pPr marL="1219200" indent="-304800">
+              <a:spcBef>
+                <a:spcPts val="700"/>
+              </a:spcBef>
+              <a:buSzPct val="100000"/>
+              <a:buFont typeface="Wingdings" panose="05000000000000000000" charset="2"/>
+              <a:buChar char="▪"/>
+              <a:defRPr sz="3200">
+                <a:solidFill>
+                  <a:srgbClr val="1F497D"/>
+                </a:solidFill>
+                <a:latin typeface="Calibri"/>
+                <a:ea typeface="Calibri"/>
+                <a:cs typeface="Calibri"/>
+                <a:sym typeface="Calibri"/>
+              </a:defRPr>
+            </a:lvl3pPr>
+            <a:lvl4pPr marL="1737360" indent="-365760">
+              <a:spcBef>
+                <a:spcPts val="700"/>
+              </a:spcBef>
+              <a:buSzPct val="100000"/>
+              <a:buFont typeface="Wingdings" panose="05000000000000000000" charset="2"/>
+              <a:buChar char="▪"/>
+              <a:defRPr sz="3200">
+                <a:solidFill>
+                  <a:srgbClr val="1F497D"/>
+                </a:solidFill>
+                <a:latin typeface="Calibri"/>
+                <a:ea typeface="Calibri"/>
+                <a:cs typeface="Calibri"/>
+                <a:sym typeface="Calibri"/>
+              </a:defRPr>
+            </a:lvl4pPr>
+            <a:lvl5pPr marL="2194560" indent="-365760">
+              <a:spcBef>
+                <a:spcPts val="700"/>
+              </a:spcBef>
+              <a:buSzPct val="100000"/>
+              <a:buFont typeface="Wingdings" panose="05000000000000000000" charset="2"/>
+              <a:buChar char="▪"/>
+              <a:defRPr sz="3200">
+                <a:solidFill>
+                  <a:srgbClr val="1F497D"/>
+                </a:solidFill>
+                <a:latin typeface="Calibri"/>
+                <a:ea typeface="Calibri"/>
+                <a:cs typeface="Calibri"/>
+                <a:sym typeface="Calibri"/>
+              </a:defRPr>
+            </a:lvl5pPr>
+            <a:lvl6pPr marL="2651760" indent="-365760">
+              <a:spcBef>
+                <a:spcPts val="700"/>
+              </a:spcBef>
+              <a:buSzPct val="100000"/>
+              <a:buFont typeface="Wingdings" panose="05000000000000000000" charset="2"/>
+              <a:buChar char="•"/>
+              <a:defRPr sz="3200">
+                <a:solidFill>
+                  <a:srgbClr val="1F497D"/>
+                </a:solidFill>
+                <a:latin typeface="Calibri"/>
+                <a:ea typeface="Calibri"/>
+                <a:cs typeface="Calibri"/>
+                <a:sym typeface="Calibri"/>
+              </a:defRPr>
+            </a:lvl6pPr>
+            <a:lvl7pPr marL="3108960" indent="-365760">
+              <a:spcBef>
+                <a:spcPts val="700"/>
+              </a:spcBef>
+              <a:buSzPct val="100000"/>
+              <a:buFont typeface="Wingdings" panose="05000000000000000000" charset="2"/>
+              <a:buChar char="•"/>
+              <a:defRPr sz="3200">
+                <a:solidFill>
+                  <a:srgbClr val="1F497D"/>
+                </a:solidFill>
+                <a:latin typeface="Calibri"/>
+                <a:ea typeface="Calibri"/>
+                <a:cs typeface="Calibri"/>
+                <a:sym typeface="Calibri"/>
+              </a:defRPr>
+            </a:lvl7pPr>
+            <a:lvl8pPr marL="3566160" indent="-365760">
+              <a:spcBef>
+                <a:spcPts val="700"/>
+              </a:spcBef>
+              <a:buSzPct val="100000"/>
+              <a:buFont typeface="Wingdings" panose="05000000000000000000" charset="2"/>
+              <a:buChar char="•"/>
+              <a:defRPr sz="3200">
+                <a:solidFill>
+                  <a:srgbClr val="1F497D"/>
+                </a:solidFill>
+                <a:latin typeface="Calibri"/>
+                <a:ea typeface="Calibri"/>
+                <a:cs typeface="Calibri"/>
+                <a:sym typeface="Calibri"/>
+              </a:defRPr>
+            </a:lvl8pPr>
+            <a:lvl9pPr marL="4023360" indent="-365760">
+              <a:spcBef>
+                <a:spcPts val="700"/>
+              </a:spcBef>
+              <a:buSzPct val="100000"/>
+              <a:buFont typeface="Wingdings" panose="05000000000000000000" charset="2"/>
+              <a:buChar char="•"/>
+              <a:defRPr sz="3200">
+                <a:solidFill>
+                  <a:srgbClr val="1F497D"/>
+                </a:solidFill>
+                <a:latin typeface="Calibri"/>
+                <a:ea typeface="Calibri"/>
+                <a:cs typeface="Calibri"/>
+                <a:sym typeface="Calibri"/>
+              </a:defRPr>
+            </a:lvl9pPr>
+          </a:lstStyle>
+          <a:p>
+            <a:pPr marL="457200" indent="-457200" defTabSz="676275">
+              <a:spcBef>
+                <a:spcPts val="0"/>
+              </a:spcBef>
+              <a:buClr>
+                <a:srgbClr val="1F497D"/>
+              </a:buClr>
+              <a:buFont typeface="Arial" charset="0"/>
+              <a:buAutoNum type="arabicPeriod"/>
+              <a:defRPr sz="1800">
+                <a:solidFill>
+                  <a:srgbClr val="000000"/>
+                </a:solidFill>
+              </a:defRPr>
+            </a:pPr>
+            <a:r>
+              <a:rPr lang="en-US" sz="2400" dirty="0" smtClean="0">
+                <a:solidFill>
+                  <a:schemeClr val="accent1">
+                    <a:lumMod val="50000"/>
+                  </a:schemeClr>
+                </a:solidFill>
+              </a:rPr>
+              <a:t>Pub/Sub keeps the local sphere in sync with global data</a:t>
+            </a:r>
+            <a:endParaRPr lang="en-US" sz="2400" dirty="0" smtClean="0">
+              <a:solidFill>
+                <a:schemeClr val="accent1">
+                  <a:lumMod val="50000"/>
+                </a:schemeClr>
+              </a:solidFill>
+            </a:endParaRPr>
+          </a:p>
+          <a:p>
+            <a:pPr marL="457200" indent="-457200" defTabSz="676275">
+              <a:spcBef>
+                <a:spcPts val="0"/>
+              </a:spcBef>
+              <a:buClr>
+                <a:srgbClr val="1F497D"/>
+              </a:buClr>
+              <a:buFont typeface="Arial" charset="0"/>
+              <a:buAutoNum type="arabicPeriod"/>
+              <a:defRPr sz="1800">
+                <a:solidFill>
+                  <a:srgbClr val="000000"/>
+                </a:solidFill>
+              </a:defRPr>
+            </a:pPr>
+            <a:endParaRPr lang="en-US" sz="2400" dirty="0" smtClean="0">
+              <a:solidFill>
+                <a:schemeClr val="accent1">
+                  <a:lumMod val="50000"/>
+                </a:schemeClr>
+              </a:solidFill>
+            </a:endParaRPr>
+          </a:p>
+          <a:p>
+            <a:pPr marL="457200" indent="-457200" defTabSz="676275">
+              <a:spcBef>
+                <a:spcPts val="0"/>
+              </a:spcBef>
+              <a:buClr>
+                <a:srgbClr val="1F497D"/>
+              </a:buClr>
+              <a:buFont typeface="Arial" charset="0"/>
+              <a:buAutoNum type="arabicPeriod"/>
+              <a:defRPr sz="1800">
+                <a:solidFill>
+                  <a:srgbClr val="000000"/>
+                </a:solidFill>
+              </a:defRPr>
+            </a:pPr>
+            <a:r>
+              <a:rPr lang="en-US" sz="2400" dirty="0" smtClean="0">
+                <a:solidFill>
+                  <a:schemeClr val="accent1">
+                    <a:lumMod val="50000"/>
+                  </a:schemeClr>
+                </a:solidFill>
+              </a:rPr>
+              <a:t>Local algorithms compute recommendations</a:t>
+            </a:r>
+            <a:endParaRPr lang="en-US" sz="2400" dirty="0" smtClean="0">
+              <a:solidFill>
+                <a:schemeClr val="accent1">
+                  <a:lumMod val="50000"/>
+                </a:schemeClr>
+              </a:solidFill>
+            </a:endParaRPr>
+          </a:p>
+          <a:p>
+            <a:pPr marL="800100" lvl="1" indent="-342900" defTabSz="676275">
+              <a:spcBef>
+                <a:spcPts val="0"/>
+              </a:spcBef>
+              <a:buClr>
+                <a:srgbClr val="1F497D"/>
+              </a:buClr>
+              <a:buFont typeface="Arial" charset="0"/>
+              <a:buChar char="•"/>
+              <a:defRPr sz="1800">
+                <a:solidFill>
+                  <a:srgbClr val="000000"/>
+                </a:solidFill>
+              </a:defRPr>
+            </a:pPr>
+            <a:r>
+              <a:rPr lang="en-US" sz="2400" dirty="0" smtClean="0">
+                <a:solidFill>
+                  <a:schemeClr val="accent1">
+                    <a:lumMod val="50000"/>
+                  </a:schemeClr>
+                </a:solidFill>
+              </a:rPr>
+              <a:t>these can also come from a client-side crawler (like the FB crawler which scans URLs you paste into a comment field and extracts images from a website etc.)</a:t>
+            </a:r>
+            <a:endParaRPr lang="en-US" sz="2400" dirty="0" smtClean="0">
+              <a:solidFill>
+                <a:schemeClr val="accent1">
+                  <a:lumMod val="50000"/>
+                </a:schemeClr>
+              </a:solidFill>
+            </a:endParaRPr>
+          </a:p>
+          <a:p>
+            <a:pPr marL="800100" lvl="1" indent="-342900" defTabSz="676275">
+              <a:spcBef>
+                <a:spcPts val="0"/>
+              </a:spcBef>
+              <a:buClr>
+                <a:srgbClr val="1F497D"/>
+              </a:buClr>
+              <a:buFont typeface="Arial" charset="0"/>
+              <a:buChar char="•"/>
+              <a:defRPr sz="1800">
+                <a:solidFill>
+                  <a:srgbClr val="000000"/>
+                </a:solidFill>
+              </a:defRPr>
+            </a:pPr>
+            <a:endParaRPr lang="en-US" sz="2400" dirty="0" smtClean="0">
+              <a:solidFill>
+                <a:schemeClr val="accent1">
+                  <a:lumMod val="50000"/>
+                </a:schemeClr>
+              </a:solidFill>
+            </a:endParaRPr>
+          </a:p>
+          <a:p>
+            <a:pPr marL="457200" indent="-457200" defTabSz="676275">
+              <a:spcBef>
+                <a:spcPts val="0"/>
+              </a:spcBef>
+              <a:buClr>
+                <a:srgbClr val="1F497D"/>
+              </a:buClr>
+              <a:buFont typeface="Arial" charset="0"/>
+              <a:buAutoNum type="arabicPeriod"/>
+              <a:defRPr sz="1800">
+                <a:solidFill>
+                  <a:srgbClr val="000000"/>
+                </a:solidFill>
+              </a:defRPr>
+            </a:pPr>
+            <a:r>
+              <a:rPr lang="en-US" sz="2400" dirty="0" smtClean="0">
+                <a:solidFill>
+                  <a:schemeClr val="accent1">
+                    <a:lumMod val="50000"/>
+                  </a:schemeClr>
+                </a:solidFill>
+              </a:rPr>
+              <a:t>Upon user acceptance, a new node is introduced into the local sphere + updated to the global sphere</a:t>
+            </a:r>
+            <a:endParaRPr lang="en-US" sz="2400" dirty="0" smtClean="0">
+              <a:solidFill>
+                <a:schemeClr val="accent1">
+                  <a:lumMod val="50000"/>
+                </a:schemeClr>
+              </a:solidFill>
+            </a:endParaRPr>
+          </a:p>
+          <a:p>
+            <a:pPr marL="457200" indent="-457200" defTabSz="676275">
+              <a:spcBef>
+                <a:spcPts val="0"/>
+              </a:spcBef>
+              <a:buClr>
+                <a:srgbClr val="1F497D"/>
+              </a:buClr>
+              <a:buFont typeface="Arial" charset="0"/>
+              <a:buAutoNum type="arabicPeriod"/>
+              <a:defRPr sz="1800">
+                <a:solidFill>
+                  <a:srgbClr val="000000"/>
+                </a:solidFill>
+              </a:defRPr>
+            </a:pPr>
+            <a:endParaRPr lang="en-US" sz="2400" dirty="0" smtClean="0">
+              <a:solidFill>
+                <a:schemeClr val="accent1">
+                  <a:lumMod val="50000"/>
+                </a:schemeClr>
+              </a:solidFill>
+            </a:endParaRPr>
+          </a:p>
+          <a:p>
+            <a:pPr marL="457200" indent="-457200" defTabSz="676275">
+              <a:spcBef>
+                <a:spcPts val="0"/>
+              </a:spcBef>
+              <a:buClr>
+                <a:srgbClr val="1F497D"/>
+              </a:buClr>
+              <a:buFont typeface="Arial" charset="0"/>
+              <a:buAutoNum type="arabicPeriod"/>
+              <a:defRPr sz="1800">
+                <a:solidFill>
+                  <a:srgbClr val="000000"/>
+                </a:solidFill>
+              </a:defRPr>
+            </a:pPr>
+            <a:r>
+              <a:rPr lang="en-US" sz="2400" dirty="0" smtClean="0">
+                <a:solidFill>
+                  <a:schemeClr val="accent1">
+                    <a:lumMod val="50000"/>
+                  </a:schemeClr>
+                </a:solidFill>
+              </a:rPr>
+              <a:t>Client devices with overlapping local spheres now receive that node in the background</a:t>
+            </a:r>
+            <a:endParaRPr lang="en-US" sz="2400" dirty="0" smtClean="0">
+              <a:solidFill>
+                <a:schemeClr val="accent1">
+                  <a:lumMod val="50000"/>
+                </a:schemeClr>
+              </a:solidFill>
+            </a:endParaRPr>
+          </a:p>
+          <a:p>
+            <a:pPr marL="457200" indent="-457200" defTabSz="676275">
+              <a:spcBef>
+                <a:spcPts val="0"/>
+              </a:spcBef>
+              <a:buClr>
+                <a:srgbClr val="1F497D"/>
+              </a:buClr>
+              <a:buFont typeface="Arial" charset="0"/>
+              <a:buAutoNum type="arabicPeriod"/>
+              <a:defRPr sz="1800">
+                <a:solidFill>
+                  <a:srgbClr val="000000"/>
+                </a:solidFill>
+              </a:defRPr>
+            </a:pPr>
+            <a:endParaRPr lang="en-US" sz="2400" dirty="0" smtClean="0">
+              <a:solidFill>
+                <a:schemeClr val="accent1">
+                  <a:lumMod val="50000"/>
+                </a:schemeClr>
+              </a:solidFill>
+            </a:endParaRPr>
+          </a:p>
+          <a:p>
+            <a:pPr marL="457200" indent="-457200" defTabSz="676275">
+              <a:spcBef>
+                <a:spcPts val="0"/>
+              </a:spcBef>
+              <a:buClr>
+                <a:srgbClr val="1F497D"/>
+              </a:buClr>
+              <a:buFont typeface="Arial" charset="0"/>
+              <a:buAutoNum type="arabicPeriod"/>
+              <a:defRPr sz="1800">
+                <a:solidFill>
+                  <a:srgbClr val="000000"/>
+                </a:solidFill>
+              </a:defRPr>
+            </a:pPr>
+            <a:r>
+              <a:rPr lang="en-US" sz="2400" dirty="0" smtClean="0">
+                <a:solidFill>
+                  <a:schemeClr val="accent1">
+                    <a:lumMod val="50000"/>
+                  </a:schemeClr>
+                </a:solidFill>
+              </a:rPr>
+              <a:t>Their recommenders respond...</a:t>
+            </a:r>
+            <a:endParaRPr lang="en-US" sz="2400" dirty="0" smtClean="0">
+              <a:solidFill>
+                <a:schemeClr val="accent1">
+                  <a:lumMod val="50000"/>
+                </a:schemeClr>
+              </a:solidFill>
+            </a:endParaRPr>
+          </a:p>
+          <a:p>
+            <a:pPr marL="457200" indent="-457200" defTabSz="676275">
+              <a:spcBef>
+                <a:spcPts val="0"/>
+              </a:spcBef>
+              <a:buClr>
+                <a:srgbClr val="1F497D"/>
+              </a:buClr>
+              <a:buFont typeface="Arial" charset="0"/>
+              <a:buAutoNum type="arabicPeriod"/>
+              <a:defRPr sz="1800">
+                <a:solidFill>
+                  <a:srgbClr val="000000"/>
+                </a:solidFill>
+              </a:defRPr>
+            </a:pPr>
+            <a:endParaRPr lang="en-US" sz="2400" dirty="0">
+              <a:solidFill>
+                <a:schemeClr val="accent1">
+                  <a:lumMod val="50000"/>
+                </a:schemeClr>
+              </a:solidFill>
+            </a:endParaRPr>
+          </a:p>
+        </p:txBody>
+      </p:sp>
+    </p:spTree>
+  </p:cSld>
+  <p:clrMapOvr>
+    <a:masterClrMapping/>
+  </p:clrMapOvr>
+  <p:transition spd="med"/>
+  <p:timing>
+    <p:tnLst>
+      <p:par>
+        <p:cTn id="1" dur="indefinite" restart="never" nodeType="tmRoot"/>
+      </p:par>
+    </p:tnLst>
+  </p:timing>
+</p:sld>
+</file>
+
+<file path=ppt/slides/slide15.xml><?xml version="1.0" encoding="utf-8"?>
+<p:sld xmlns:a="http://schemas.openxmlformats.org/drawingml/2006/main" xmlns:r="http://schemas.openxmlformats.org/officeDocument/2006/relationships" xmlns:p="http://schemas.openxmlformats.org/presentationml/2006/main">
+  <p:cSld>
+    <p:spTree>
+      <p:nvGrpSpPr>
+        <p:cNvPr id="1" name=""/>
+        <p:cNvGrpSpPr/>
+        <p:nvPr/>
+      </p:nvGrpSpPr>
+      <p:grpSpPr>
+        <a:xfrm>
+          <a:off x="0" y="0"/>
+          <a:ext cx="0" cy="0"/>
+          <a:chOff x="0" y="0"/>
+          <a:chExt cx="0" cy="0"/>
+        </a:xfrm>
+      </p:grpSpPr>
+      <p:sp>
+        <p:nvSpPr>
+          <p:cNvPr id="2" name="Title 1"/>
+          <p:cNvSpPr>
+            <a:spLocks noGrp="1"/>
+          </p:cNvSpPr>
+          <p:nvPr>
+            <p:ph type="title"/>
+          </p:nvPr>
+        </p:nvSpPr>
+        <p:spPr>
+          <a:xfrm>
+            <a:off x="251518" y="0"/>
+            <a:ext cx="6093531" cy="427420"/>
+          </a:xfrm>
+        </p:spPr>
+        <p:txBody>
+          <a:bodyPr/>
+          <a:lstStyle/>
+          <a:p>
+            <a:r>
+              <a:rPr lang="x-none" altLang="en-US" dirty="0" smtClean="0"/>
               <a:t>Machine Learning / Conclusion</a:t>
             </a:r>
             <a:endParaRPr lang="x-none" altLang="en-US" dirty="0"/>
@@ -3386,7 +6013,7 @@
         </p:blipFill>
         <p:spPr>
           <a:xfrm>
-            <a:off x="683260" y="3404870"/>
+            <a:off x="683260" y="3496310"/>
             <a:ext cx="7695565" cy="2708910"/>
           </a:xfrm>
           <a:prstGeom prst="rect">
@@ -3402,7 +6029,7 @@
         </p:nvSpPr>
         <p:spPr>
           <a:xfrm>
-            <a:off x="440690" y="1041400"/>
+            <a:off x="440690" y="1007110"/>
             <a:ext cx="8330565" cy="2287905"/>
           </a:xfrm>
           <a:prstGeom prst="rect">
@@ -3554,7 +6181,7 @@
 </p:sld>
 </file>
 
-<file path=ppt/slides/slide12.xml><?xml version="1.0" encoding="utf-8"?>
+<file path=ppt/slides/slide16.xml><?xml version="1.0" encoding="utf-8"?>
 <p:sld xmlns:a="http://schemas.openxmlformats.org/drawingml/2006/main" xmlns:r="http://schemas.openxmlformats.org/officeDocument/2006/relationships" xmlns:p="http://schemas.openxmlformats.org/presentationml/2006/main">
   <p:cSld>
     <p:spTree>
@@ -4255,9 +6882,19 @@
                   </a:schemeClr>
                 </a:solidFill>
               </a:rPr>
-              <a:t>GDPR is a major impediment</a:t>
-            </a:r>
-            <a:endParaRPr lang="en-US" sz="2400" dirty="0" smtClean="0">
+              <a:t>GDPR is a major impediment </a:t>
+            </a:r>
+            <a:r>
+              <a:rPr lang="x-none" altLang="en-US" sz="2400" dirty="0" smtClean="0">
+                <a:solidFill>
+                  <a:schemeClr val="accent1">
+                    <a:lumMod val="50000"/>
+                  </a:schemeClr>
+                </a:solidFill>
+              </a:rPr>
+              <a:t>=&gt; expressely prohibits use of personal data... </a:t>
+            </a:r>
+            <a:endParaRPr lang="x-none" altLang="en-US" sz="2400" dirty="0" smtClean="0">
               <a:solidFill>
                 <a:schemeClr val="accent1">
                   <a:lumMod val="50000"/>
@@ -6251,7 +8888,7 @@
       </p:sp>
       <p:pic>
         <p:nvPicPr>
-          <p:cNvPr id="3" name="Picture 2" descr="pubsub"/>
+          <p:cNvPr id="4" name="Picture 3" descr="pubsub"/>
           <p:cNvPicPr>
             <a:picLocks noChangeAspect="1"/>
           </p:cNvPicPr>
@@ -6265,8 +8902,8 @@
         </p:blipFill>
         <p:spPr>
           <a:xfrm>
-            <a:off x="313690" y="1094740"/>
-            <a:ext cx="8437880" cy="4714240"/>
+            <a:off x="172720" y="840105"/>
+            <a:ext cx="8733155" cy="5314315"/>
           </a:xfrm>
           <a:prstGeom prst="rect">
             <a:avLst/>
@@ -6309,55 +8946,514 @@
       <p:sp>
         <p:nvSpPr>
           <p:cNvPr id="2" name="Title 1"/>
-          <p:cNvSpPr>
-            <a:spLocks noGrp="1"/>
-          </p:cNvSpPr>
-          <p:nvPr>
-            <p:ph type="title"/>
-          </p:nvPr>
+          <p:cNvSpPr txBox="1"/>
+          <p:nvPr/>
         </p:nvSpPr>
         <p:spPr>
           <a:xfrm>
-            <a:off x="251518" y="0"/>
-            <a:ext cx="6093531" cy="427420"/>
-          </a:xfrm>
-        </p:spPr>
-        <p:txBody>
-          <a:bodyPr/>
-          <a:lstStyle/>
-          <a:p>
-            <a:r>
-              <a:rPr lang="x-none" altLang="en-US" dirty="0" smtClean="0"/>
-              <a:t>Global Sphere / Local Sphere</a:t>
-            </a:r>
-            <a:endParaRPr lang="x-none" altLang="en-US" dirty="0"/>
-          </a:p>
-        </p:txBody>
-      </p:sp>
-      <p:pic>
-        <p:nvPicPr>
-          <p:cNvPr id="3" name="Picture 2" descr="local_sphere"/>
-          <p:cNvPicPr>
-            <a:picLocks noChangeAspect="1"/>
-          </p:cNvPicPr>
-          <p:nvPr/>
-        </p:nvPicPr>
-        <p:blipFill>
-          <a:blip r:embed="rId1"/>
-          <a:stretch>
-            <a:fillRect/>
-          </a:stretch>
-        </p:blipFill>
-        <p:spPr>
-          <a:xfrm>
-            <a:off x="230505" y="947420"/>
-            <a:ext cx="8632825" cy="5096510"/>
+            <a:off x="253746" y="-11495"/>
+            <a:ext cx="7227146" cy="427420"/>
           </a:xfrm>
           <a:prstGeom prst="rect">
             <a:avLst/>
           </a:prstGeom>
         </p:spPr>
-      </p:pic>
+        <p:txBody>
+          <a:bodyPr/>
+          <a:lstStyle>
+            <a:lvl1pPr>
+              <a:defRPr sz="2400" b="1">
+                <a:solidFill>
+                  <a:srgbClr val="1F497D"/>
+                </a:solidFill>
+                <a:latin typeface="Calibri"/>
+                <a:ea typeface="Calibri"/>
+                <a:cs typeface="Calibri"/>
+                <a:sym typeface="Calibri"/>
+              </a:defRPr>
+            </a:lvl1pPr>
+            <a:lvl2pPr>
+              <a:defRPr sz="2400" b="1">
+                <a:solidFill>
+                  <a:srgbClr val="1F497D"/>
+                </a:solidFill>
+                <a:latin typeface="Calibri"/>
+                <a:ea typeface="Calibri"/>
+                <a:cs typeface="Calibri"/>
+                <a:sym typeface="Calibri"/>
+              </a:defRPr>
+            </a:lvl2pPr>
+            <a:lvl3pPr>
+              <a:defRPr sz="2400" b="1">
+                <a:solidFill>
+                  <a:srgbClr val="1F497D"/>
+                </a:solidFill>
+                <a:latin typeface="Calibri"/>
+                <a:ea typeface="Calibri"/>
+                <a:cs typeface="Calibri"/>
+                <a:sym typeface="Calibri"/>
+              </a:defRPr>
+            </a:lvl3pPr>
+            <a:lvl4pPr>
+              <a:defRPr sz="2400" b="1">
+                <a:solidFill>
+                  <a:srgbClr val="1F497D"/>
+                </a:solidFill>
+                <a:latin typeface="Calibri"/>
+                <a:ea typeface="Calibri"/>
+                <a:cs typeface="Calibri"/>
+                <a:sym typeface="Calibri"/>
+              </a:defRPr>
+            </a:lvl4pPr>
+            <a:lvl5pPr>
+              <a:defRPr sz="2400" b="1">
+                <a:solidFill>
+                  <a:srgbClr val="1F497D"/>
+                </a:solidFill>
+                <a:latin typeface="Calibri"/>
+                <a:ea typeface="Calibri"/>
+                <a:cs typeface="Calibri"/>
+                <a:sym typeface="Calibri"/>
+              </a:defRPr>
+            </a:lvl5pPr>
+            <a:lvl6pPr>
+              <a:defRPr sz="2400" b="1">
+                <a:solidFill>
+                  <a:srgbClr val="1F497D"/>
+                </a:solidFill>
+                <a:latin typeface="Calibri"/>
+                <a:ea typeface="Calibri"/>
+                <a:cs typeface="Calibri"/>
+                <a:sym typeface="Calibri"/>
+              </a:defRPr>
+            </a:lvl6pPr>
+            <a:lvl7pPr>
+              <a:defRPr sz="2400" b="1">
+                <a:solidFill>
+                  <a:srgbClr val="1F497D"/>
+                </a:solidFill>
+                <a:latin typeface="Calibri"/>
+                <a:ea typeface="Calibri"/>
+                <a:cs typeface="Calibri"/>
+                <a:sym typeface="Calibri"/>
+              </a:defRPr>
+            </a:lvl7pPr>
+            <a:lvl8pPr>
+              <a:defRPr sz="2400" b="1">
+                <a:solidFill>
+                  <a:srgbClr val="1F497D"/>
+                </a:solidFill>
+                <a:latin typeface="Calibri"/>
+                <a:ea typeface="Calibri"/>
+                <a:cs typeface="Calibri"/>
+                <a:sym typeface="Calibri"/>
+              </a:defRPr>
+            </a:lvl8pPr>
+            <a:lvl9pPr>
+              <a:defRPr sz="2400" b="1">
+                <a:solidFill>
+                  <a:srgbClr val="1F497D"/>
+                </a:solidFill>
+                <a:latin typeface="Calibri"/>
+                <a:ea typeface="Calibri"/>
+                <a:cs typeface="Calibri"/>
+                <a:sym typeface="Calibri"/>
+              </a:defRPr>
+            </a:lvl9pPr>
+          </a:lstStyle>
+          <a:p>
+            <a:r>
+              <a:rPr lang="x-none" dirty="0" smtClean="0"/>
+              <a:t>Consequences of Pub/Sub</a:t>
+            </a:r>
+            <a:endParaRPr lang="x-none" dirty="0" smtClean="0"/>
+          </a:p>
+        </p:txBody>
+      </p:sp>
+      <p:sp>
+        <p:nvSpPr>
+          <p:cNvPr id="3" name="Shape 34"/>
+          <p:cNvSpPr txBox="1"/>
+          <p:nvPr/>
+        </p:nvSpPr>
+        <p:spPr>
+          <a:xfrm>
+            <a:off x="452120" y="1154430"/>
+            <a:ext cx="8226425" cy="4685665"/>
+          </a:xfrm>
+          <a:prstGeom prst="rect">
+            <a:avLst/>
+          </a:prstGeom>
+        </p:spPr>
+        <p:txBody>
+          <a:bodyPr>
+            <a:noAutofit/>
+          </a:bodyPr>
+          <a:lstStyle>
+            <a:lvl1pPr marL="342900" indent="-342900">
+              <a:spcBef>
+                <a:spcPts val="700"/>
+              </a:spcBef>
+              <a:buSzPct val="100000"/>
+              <a:buFont typeface="Wingdings" panose="05000000000000000000" charset="2"/>
+              <a:buChar char="▪"/>
+              <a:defRPr sz="3200">
+                <a:solidFill>
+                  <a:srgbClr val="1F497D"/>
+                </a:solidFill>
+                <a:latin typeface="Calibri"/>
+                <a:ea typeface="Calibri"/>
+                <a:cs typeface="Calibri"/>
+                <a:sym typeface="Calibri"/>
+              </a:defRPr>
+            </a:lvl1pPr>
+            <a:lvl2pPr marL="783590" indent="-326390">
+              <a:spcBef>
+                <a:spcPts val="700"/>
+              </a:spcBef>
+              <a:buSzPct val="100000"/>
+              <a:buFont typeface="Wingdings" panose="05000000000000000000" charset="2"/>
+              <a:buChar char="▪"/>
+              <a:defRPr sz="3200">
+                <a:solidFill>
+                  <a:srgbClr val="1F497D"/>
+                </a:solidFill>
+                <a:latin typeface="Calibri"/>
+                <a:ea typeface="Calibri"/>
+                <a:cs typeface="Calibri"/>
+                <a:sym typeface="Calibri"/>
+              </a:defRPr>
+            </a:lvl2pPr>
+            <a:lvl3pPr marL="1219200" indent="-304800">
+              <a:spcBef>
+                <a:spcPts val="700"/>
+              </a:spcBef>
+              <a:buSzPct val="100000"/>
+              <a:buFont typeface="Wingdings" panose="05000000000000000000" charset="2"/>
+              <a:buChar char="▪"/>
+              <a:defRPr sz="3200">
+                <a:solidFill>
+                  <a:srgbClr val="1F497D"/>
+                </a:solidFill>
+                <a:latin typeface="Calibri"/>
+                <a:ea typeface="Calibri"/>
+                <a:cs typeface="Calibri"/>
+                <a:sym typeface="Calibri"/>
+              </a:defRPr>
+            </a:lvl3pPr>
+            <a:lvl4pPr marL="1737360" indent="-365760">
+              <a:spcBef>
+                <a:spcPts val="700"/>
+              </a:spcBef>
+              <a:buSzPct val="100000"/>
+              <a:buFont typeface="Wingdings" panose="05000000000000000000" charset="2"/>
+              <a:buChar char="▪"/>
+              <a:defRPr sz="3200">
+                <a:solidFill>
+                  <a:srgbClr val="1F497D"/>
+                </a:solidFill>
+                <a:latin typeface="Calibri"/>
+                <a:ea typeface="Calibri"/>
+                <a:cs typeface="Calibri"/>
+                <a:sym typeface="Calibri"/>
+              </a:defRPr>
+            </a:lvl4pPr>
+            <a:lvl5pPr marL="2194560" indent="-365760">
+              <a:spcBef>
+                <a:spcPts val="700"/>
+              </a:spcBef>
+              <a:buSzPct val="100000"/>
+              <a:buFont typeface="Wingdings" panose="05000000000000000000" charset="2"/>
+              <a:buChar char="▪"/>
+              <a:defRPr sz="3200">
+                <a:solidFill>
+                  <a:srgbClr val="1F497D"/>
+                </a:solidFill>
+                <a:latin typeface="Calibri"/>
+                <a:ea typeface="Calibri"/>
+                <a:cs typeface="Calibri"/>
+                <a:sym typeface="Calibri"/>
+              </a:defRPr>
+            </a:lvl5pPr>
+            <a:lvl6pPr marL="2651760" indent="-365760">
+              <a:spcBef>
+                <a:spcPts val="700"/>
+              </a:spcBef>
+              <a:buSzPct val="100000"/>
+              <a:buFont typeface="Wingdings" panose="05000000000000000000" charset="2"/>
+              <a:buChar char="•"/>
+              <a:defRPr sz="3200">
+                <a:solidFill>
+                  <a:srgbClr val="1F497D"/>
+                </a:solidFill>
+                <a:latin typeface="Calibri"/>
+                <a:ea typeface="Calibri"/>
+                <a:cs typeface="Calibri"/>
+                <a:sym typeface="Calibri"/>
+              </a:defRPr>
+            </a:lvl6pPr>
+            <a:lvl7pPr marL="3108960" indent="-365760">
+              <a:spcBef>
+                <a:spcPts val="700"/>
+              </a:spcBef>
+              <a:buSzPct val="100000"/>
+              <a:buFont typeface="Wingdings" panose="05000000000000000000" charset="2"/>
+              <a:buChar char="•"/>
+              <a:defRPr sz="3200">
+                <a:solidFill>
+                  <a:srgbClr val="1F497D"/>
+                </a:solidFill>
+                <a:latin typeface="Calibri"/>
+                <a:ea typeface="Calibri"/>
+                <a:cs typeface="Calibri"/>
+                <a:sym typeface="Calibri"/>
+              </a:defRPr>
+            </a:lvl7pPr>
+            <a:lvl8pPr marL="3566160" indent="-365760">
+              <a:spcBef>
+                <a:spcPts val="700"/>
+              </a:spcBef>
+              <a:buSzPct val="100000"/>
+              <a:buFont typeface="Wingdings" panose="05000000000000000000" charset="2"/>
+              <a:buChar char="•"/>
+              <a:defRPr sz="3200">
+                <a:solidFill>
+                  <a:srgbClr val="1F497D"/>
+                </a:solidFill>
+                <a:latin typeface="Calibri"/>
+                <a:ea typeface="Calibri"/>
+                <a:cs typeface="Calibri"/>
+                <a:sym typeface="Calibri"/>
+              </a:defRPr>
+            </a:lvl8pPr>
+            <a:lvl9pPr marL="4023360" indent="-365760">
+              <a:spcBef>
+                <a:spcPts val="700"/>
+              </a:spcBef>
+              <a:buSzPct val="100000"/>
+              <a:buFont typeface="Wingdings" panose="05000000000000000000" charset="2"/>
+              <a:buChar char="•"/>
+              <a:defRPr sz="3200">
+                <a:solidFill>
+                  <a:srgbClr val="1F497D"/>
+                </a:solidFill>
+                <a:latin typeface="Calibri"/>
+                <a:ea typeface="Calibri"/>
+                <a:cs typeface="Calibri"/>
+                <a:sym typeface="Calibri"/>
+              </a:defRPr>
+            </a:lvl9pPr>
+          </a:lstStyle>
+          <a:p>
+            <a:pPr defTabSz="676275">
+              <a:spcBef>
+                <a:spcPts val="0"/>
+              </a:spcBef>
+              <a:buClr>
+                <a:srgbClr val="1F497D"/>
+              </a:buClr>
+              <a:buFont typeface="Arial" charset="0"/>
+              <a:buChar char="•"/>
+              <a:defRPr sz="1800">
+                <a:solidFill>
+                  <a:srgbClr val="000000"/>
+                </a:solidFill>
+              </a:defRPr>
+            </a:pPr>
+            <a:r>
+              <a:rPr lang="en-US" sz="2400" dirty="0" smtClean="0">
+                <a:solidFill>
+                  <a:schemeClr val="accent1">
+                    <a:lumMod val="50000"/>
+                  </a:schemeClr>
+                </a:solidFill>
+              </a:rPr>
+              <a:t>This means in effect, that all information within the neighborhood of a node (if you see it graph theoretically) is constantly available within the browser / mobile device</a:t>
+            </a:r>
+            <a:endParaRPr lang="en-US" sz="2400" dirty="0" smtClean="0">
+              <a:solidFill>
+                <a:schemeClr val="accent1">
+                  <a:lumMod val="50000"/>
+                </a:schemeClr>
+              </a:solidFill>
+            </a:endParaRPr>
+          </a:p>
+          <a:p>
+            <a:pPr defTabSz="676275">
+              <a:spcBef>
+                <a:spcPts val="0"/>
+              </a:spcBef>
+              <a:buClr>
+                <a:srgbClr val="1F497D"/>
+              </a:buClr>
+              <a:buFont typeface="Arial" charset="0"/>
+              <a:buChar char="•"/>
+              <a:defRPr sz="1800">
+                <a:solidFill>
+                  <a:srgbClr val="000000"/>
+                </a:solidFill>
+              </a:defRPr>
+            </a:pPr>
+            <a:endParaRPr lang="en-US" sz="2400" dirty="0" smtClean="0">
+              <a:solidFill>
+                <a:schemeClr val="accent1">
+                  <a:lumMod val="50000"/>
+                </a:schemeClr>
+              </a:solidFill>
+            </a:endParaRPr>
+          </a:p>
+          <a:p>
+            <a:pPr lvl="1" defTabSz="676275">
+              <a:spcBef>
+                <a:spcPts val="0"/>
+              </a:spcBef>
+              <a:buClr>
+                <a:srgbClr val="1F497D"/>
+              </a:buClr>
+              <a:buFont typeface="Arial" charset="0"/>
+              <a:buChar char="•"/>
+              <a:defRPr sz="1800">
+                <a:solidFill>
+                  <a:srgbClr val="000000"/>
+                </a:solidFill>
+              </a:defRPr>
+            </a:pPr>
+            <a:r>
+              <a:rPr lang="en-US" sz="2400" dirty="0" smtClean="0">
+                <a:solidFill>
+                  <a:schemeClr val="accent1">
+                    <a:lumMod val="50000"/>
+                  </a:schemeClr>
+                </a:solidFill>
+              </a:rPr>
+              <a:t>my direct friends on a social network</a:t>
+            </a:r>
+            <a:endParaRPr lang="en-US" sz="2400" dirty="0" smtClean="0">
+              <a:solidFill>
+                <a:schemeClr val="accent1">
+                  <a:lumMod val="50000"/>
+                </a:schemeClr>
+              </a:solidFill>
+            </a:endParaRPr>
+          </a:p>
+          <a:p>
+            <a:pPr lvl="1" defTabSz="676275">
+              <a:spcBef>
+                <a:spcPts val="0"/>
+              </a:spcBef>
+              <a:buClr>
+                <a:srgbClr val="1F497D"/>
+              </a:buClr>
+              <a:buFont typeface="Arial" charset="0"/>
+              <a:buChar char="•"/>
+              <a:defRPr sz="1800">
+                <a:solidFill>
+                  <a:srgbClr val="000000"/>
+                </a:solidFill>
+              </a:defRPr>
+            </a:pPr>
+            <a:r>
+              <a:rPr lang="en-US" sz="2400" dirty="0" smtClean="0">
+                <a:solidFill>
+                  <a:schemeClr val="accent1">
+                    <a:lumMod val="50000"/>
+                  </a:schemeClr>
+                </a:solidFill>
+              </a:rPr>
+              <a:t>all the information within my project group</a:t>
+            </a:r>
+            <a:endParaRPr lang="en-US" sz="2400" dirty="0" smtClean="0">
+              <a:solidFill>
+                <a:schemeClr val="accent1">
+                  <a:lumMod val="50000"/>
+                </a:schemeClr>
+              </a:solidFill>
+            </a:endParaRPr>
+          </a:p>
+          <a:p>
+            <a:pPr lvl="0" defTabSz="676275">
+              <a:spcBef>
+                <a:spcPts val="0"/>
+              </a:spcBef>
+              <a:buClr>
+                <a:srgbClr val="1F497D"/>
+              </a:buClr>
+              <a:buFont typeface="Arial" charset="0"/>
+              <a:buChar char="•"/>
+              <a:defRPr sz="1800">
+                <a:solidFill>
+                  <a:srgbClr val="000000"/>
+                </a:solidFill>
+              </a:defRPr>
+            </a:pPr>
+            <a:endParaRPr lang="x-none" altLang="en-US" sz="2400" dirty="0" smtClean="0">
+              <a:solidFill>
+                <a:schemeClr val="accent1">
+                  <a:lumMod val="50000"/>
+                </a:schemeClr>
+              </a:solidFill>
+            </a:endParaRPr>
+          </a:p>
+          <a:p>
+            <a:pPr lvl="0" defTabSz="676275">
+              <a:spcBef>
+                <a:spcPts val="0"/>
+              </a:spcBef>
+              <a:buClr>
+                <a:srgbClr val="1F497D"/>
+              </a:buClr>
+              <a:buFont typeface="Arial" charset="0"/>
+              <a:buChar char="•"/>
+              <a:defRPr sz="1800">
+                <a:solidFill>
+                  <a:srgbClr val="000000"/>
+                </a:solidFill>
+              </a:defRPr>
+            </a:pPr>
+            <a:endParaRPr lang="x-none" altLang="en-US" sz="2400" dirty="0" smtClean="0">
+              <a:solidFill>
+                <a:schemeClr val="accent1">
+                  <a:lumMod val="50000"/>
+                </a:schemeClr>
+              </a:solidFill>
+            </a:endParaRPr>
+          </a:p>
+          <a:p>
+            <a:pPr lvl="0" defTabSz="676275">
+              <a:spcBef>
+                <a:spcPts val="0"/>
+              </a:spcBef>
+              <a:buClr>
+                <a:srgbClr val="1F497D"/>
+              </a:buClr>
+              <a:buFont typeface="Arial" charset="0"/>
+              <a:buChar char="•"/>
+              <a:defRPr sz="1800">
+                <a:solidFill>
+                  <a:srgbClr val="000000"/>
+                </a:solidFill>
+              </a:defRPr>
+            </a:pPr>
+            <a:r>
+              <a:rPr lang="x-none" altLang="en-US" sz="2400" dirty="0" smtClean="0">
+                <a:solidFill>
+                  <a:schemeClr val="accent1">
+                    <a:lumMod val="50000"/>
+                  </a:schemeClr>
+                </a:solidFill>
+              </a:rPr>
+              <a:t>Combining those two views, we see that a majority of relevant recommendations could also be computed client-side...</a:t>
+            </a:r>
+            <a:endParaRPr lang="x-none" altLang="en-US" sz="2400" dirty="0" smtClean="0">
+              <a:solidFill>
+                <a:schemeClr val="accent1">
+                  <a:lumMod val="50000"/>
+                </a:schemeClr>
+              </a:solidFill>
+            </a:endParaRPr>
+          </a:p>
+        </p:txBody>
+      </p:sp>
     </p:spTree>
   </p:cSld>
   <p:clrMapOvr>

--- a/2017/CD-MAKE_2017/Fed/Federated_Learning_Local_Sphere.pptx
+++ b/2017/CD-MAKE_2017/Fed/Federated_Learning_Local_Sphere.pptx
@@ -2805,7 +2805,23 @@
                   <a:schemeClr val="tx2"/>
                 </a:solidFill>
               </a:rPr>
-              <a:t>, Andreas Holzinger</a:t>
+              <a:t>, Peter Kieseberg </a:t>
+            </a:r>
+            <a:r>
+              <a:rPr lang="x-none" altLang="en-US" sz="2000" b="1" dirty="0" smtClean="0">
+                <a:solidFill>
+                  <a:schemeClr val="tx2"/>
+                </a:solidFill>
+              </a:rPr>
+              <a:t>and</a:t>
+            </a:r>
+            <a:r>
+              <a:rPr lang="en-US" sz="2000" b="1" dirty="0" smtClean="0">
+                <a:solidFill>
+                  <a:schemeClr val="tx2"/>
+                </a:solidFill>
+              </a:rPr>
+              <a:t> Andreas Holzinger</a:t>
             </a:r>
             <a:endParaRPr lang="en-US" sz="2000" b="1" dirty="0" smtClean="0">
               <a:solidFill>
@@ -6713,7 +6729,7 @@
             </a:endParaRPr>
           </a:p>
           <a:p>
-            <a:pPr defTabSz="676275">
+            <a:pPr lvl="1" defTabSz="676275">
               <a:spcBef>
                 <a:spcPts val="0"/>
               </a:spcBef>
@@ -6728,6 +6744,148 @@
                 </a:solidFill>
               </a:defRPr>
             </a:pPr>
+            <a:r>
+              <a:rPr lang="en-US" sz="2400" dirty="0" smtClean="0">
+                <a:solidFill>
+                  <a:schemeClr val="accent1">
+                    <a:lumMod val="50000"/>
+                  </a:schemeClr>
+                </a:solidFill>
+              </a:rPr>
+              <a:t>Usually less startup capital than U.S. competitors</a:t>
+            </a:r>
+            <a:endParaRPr lang="en-US" sz="2400" dirty="0" smtClean="0">
+              <a:solidFill>
+                <a:schemeClr val="accent1">
+                  <a:lumMod val="50000"/>
+                </a:schemeClr>
+              </a:solidFill>
+            </a:endParaRPr>
+          </a:p>
+          <a:p>
+            <a:pPr marL="914400" lvl="2" indent="0" defTabSz="676275">
+              <a:spcBef>
+                <a:spcPts val="0"/>
+              </a:spcBef>
+              <a:buClr>
+                <a:srgbClr val="1F497D"/>
+              </a:buClr>
+              <a:buFont typeface="Arial" charset="0"/>
+              <a:buNone/>
+              <a:defRPr sz="1800">
+                <a:solidFill>
+                  <a:srgbClr val="000000"/>
+                </a:solidFill>
+              </a:defRPr>
+            </a:pPr>
+            <a:r>
+              <a:rPr lang="x-none" altLang="en-US" sz="2400" dirty="0" smtClean="0">
+                <a:solidFill>
+                  <a:schemeClr val="accent1">
+                    <a:lumMod val="50000"/>
+                  </a:schemeClr>
+                </a:solidFill>
+              </a:rPr>
+              <a:t>	</a:t>
+            </a:r>
+            <a:r>
+              <a:rPr lang="en-US" sz="2400" dirty="0" smtClean="0">
+                <a:solidFill>
+                  <a:schemeClr val="accent1">
+                    <a:lumMod val="50000"/>
+                  </a:schemeClr>
+                </a:solidFill>
+              </a:rPr>
+              <a:t>=&gt; therefore less money for computing power</a:t>
+            </a:r>
+            <a:endParaRPr lang="en-US" sz="2400" dirty="0" smtClean="0">
+              <a:solidFill>
+                <a:schemeClr val="accent1">
+                  <a:lumMod val="50000"/>
+                </a:schemeClr>
+              </a:solidFill>
+            </a:endParaRPr>
+          </a:p>
+          <a:p>
+            <a:pPr marL="800100" lvl="1" indent="-342900" defTabSz="676275">
+              <a:spcBef>
+                <a:spcPts val="0"/>
+              </a:spcBef>
+              <a:buClr>
+                <a:srgbClr val="1F497D"/>
+              </a:buClr>
+              <a:buFont typeface="Arial" charset="0"/>
+              <a:buChar char="•"/>
+              <a:defRPr sz="1800">
+                <a:solidFill>
+                  <a:srgbClr val="000000"/>
+                </a:solidFill>
+              </a:defRPr>
+            </a:pPr>
+            <a:r>
+              <a:rPr lang="en-US" sz="2400" dirty="0" smtClean="0">
+                <a:solidFill>
+                  <a:schemeClr val="accent1">
+                    <a:lumMod val="50000"/>
+                  </a:schemeClr>
+                </a:solidFill>
+              </a:rPr>
+              <a:t>much fewer possible customers </a:t>
+            </a:r>
+            <a:r>
+              <a:rPr lang="x-none" altLang="en-US" sz="2400" dirty="0" smtClean="0">
+                <a:solidFill>
+                  <a:schemeClr val="accent1">
+                    <a:lumMod val="50000"/>
+                  </a:schemeClr>
+                </a:solidFill>
+              </a:rPr>
+              <a:t>(initially)</a:t>
+            </a:r>
+            <a:r>
+              <a:rPr lang="en-US" sz="2400" dirty="0" smtClean="0">
+                <a:solidFill>
+                  <a:schemeClr val="accent1">
+                    <a:lumMod val="50000"/>
+                  </a:schemeClr>
+                </a:solidFill>
+              </a:rPr>
+              <a:t> than Asian competitors </a:t>
+            </a:r>
+            <a:endParaRPr lang="en-US" sz="2400" dirty="0" smtClean="0">
+              <a:solidFill>
+                <a:schemeClr val="accent1">
+                  <a:lumMod val="50000"/>
+                </a:schemeClr>
+              </a:solidFill>
+            </a:endParaRPr>
+          </a:p>
+          <a:p>
+            <a:pPr marL="457200" lvl="1" indent="0" defTabSz="676275">
+              <a:spcBef>
+                <a:spcPts val="0"/>
+              </a:spcBef>
+              <a:buClr>
+                <a:srgbClr val="1F497D"/>
+              </a:buClr>
+              <a:buFont typeface="Arial" charset="0"/>
+              <a:buNone/>
+              <a:defRPr sz="1800">
+                <a:solidFill>
+                  <a:srgbClr val="000000"/>
+                </a:solidFill>
+              </a:defRPr>
+            </a:pPr>
+            <a:r>
+              <a:rPr lang="x-none" altLang="en-US" sz="2400" dirty="0" smtClean="0">
+                <a:solidFill>
+                  <a:schemeClr val="accent1">
+                    <a:lumMod val="50000"/>
+                  </a:schemeClr>
+                </a:solidFill>
+              </a:rPr>
+              <a:t>		=&gt; less initial data</a:t>
+            </a:r>
             <a:endParaRPr lang="x-none" altLang="en-US" sz="2400" dirty="0" smtClean="0">
               <a:solidFill>
                 <a:schemeClr val="accent1">
@@ -6737,7 +6895,7 @@
             </a:endParaRPr>
           </a:p>
           <a:p>
-            <a:pPr lvl="1" defTabSz="676275">
+            <a:pPr marL="800100" lvl="1" indent="-342900" defTabSz="676275">
               <a:spcBef>
                 <a:spcPts val="0"/>
               </a:spcBef>
@@ -6760,7 +6918,7 @@
                   </a:schemeClr>
                 </a:solidFill>
               </a:rPr>
-              <a:t>Usually less startup capital than U.S. competitors</a:t>
+              <a:t>GDPR is a major impediment </a:t>
             </a:r>
             <a:endParaRPr lang="en-US" sz="2400" dirty="0" smtClean="0">
               <a:solidFill>
@@ -6771,7 +6929,7 @@
             </a:endParaRPr>
           </a:p>
           <a:p>
-            <a:pPr marL="914400" lvl="2" indent="0" defTabSz="676275">
+            <a:pPr marL="457200" lvl="1" indent="0" defTabSz="676275">
               <a:spcBef>
                 <a:spcPts val="0"/>
               </a:spcBef>
@@ -6787,112 +6945,14 @@
               </a:defRPr>
             </a:pPr>
             <a:r>
-              <a:rPr lang="en-US" sz="2400" dirty="0" smtClean="0">
+              <a:rPr lang="x-none" altLang="en-US" sz="2400" dirty="0" smtClean="0">
                 <a:solidFill>
                   <a:schemeClr val="accent1">
                     <a:lumMod val="50000"/>
                   </a:schemeClr>
                 </a:solidFill>
               </a:rPr>
-              <a:t>=&gt; therefore less money for computing power</a:t>
-            </a:r>
-            <a:endParaRPr lang="en-US" sz="2400" dirty="0" smtClean="0">
-              <a:solidFill>
-                <a:schemeClr val="accent1">
-                  <a:lumMod val="50000"/>
-                </a:schemeClr>
-              </a:solidFill>
-            </a:endParaRPr>
-          </a:p>
-          <a:p>
-            <a:pPr marL="800100" lvl="1" indent="-342900" defTabSz="676275">
-              <a:spcBef>
-                <a:spcPts val="0"/>
-              </a:spcBef>
-              <a:buClr>
-                <a:srgbClr val="1F497D"/>
-              </a:buClr>
-              <a:buFont typeface="Arial" charset="0"/>
-              <a:buChar char="•"/>
-              <a:defRPr sz="1800">
-                <a:solidFill>
-                  <a:srgbClr val="000000"/>
-                </a:solidFill>
-              </a:defRPr>
-            </a:pPr>
-            <a:r>
-              <a:rPr lang="en-US" sz="2400" dirty="0" smtClean="0">
-                <a:solidFill>
-                  <a:schemeClr val="accent1">
-                    <a:lumMod val="50000"/>
-                  </a:schemeClr>
-                </a:solidFill>
-              </a:rPr>
-              <a:t>much fewer possible customers </a:t>
-            </a:r>
-            <a:r>
-              <a:rPr lang="x-none" altLang="en-US" sz="2400" dirty="0" smtClean="0">
-                <a:solidFill>
-                  <a:schemeClr val="accent1">
-                    <a:lumMod val="50000"/>
-                  </a:schemeClr>
-                </a:solidFill>
-              </a:rPr>
-              <a:t>(initially)</a:t>
-            </a:r>
-            <a:r>
-              <a:rPr lang="en-US" sz="2400" dirty="0" smtClean="0">
-                <a:solidFill>
-                  <a:schemeClr val="accent1">
-                    <a:lumMod val="50000"/>
-                  </a:schemeClr>
-                </a:solidFill>
-              </a:rPr>
-              <a:t> than Asian competitors</a:t>
-            </a:r>
-            <a:endParaRPr lang="en-US" sz="2400" dirty="0" smtClean="0">
-              <a:solidFill>
-                <a:schemeClr val="accent1">
-                  <a:lumMod val="50000"/>
-                </a:schemeClr>
-              </a:solidFill>
-            </a:endParaRPr>
-          </a:p>
-          <a:p>
-            <a:pPr marL="800100" lvl="1" indent="-342900" defTabSz="676275">
-              <a:spcBef>
-                <a:spcPts val="0"/>
-              </a:spcBef>
-              <a:buClr>
-                <a:srgbClr val="1F497D"/>
-              </a:buClr>
-              <a:buFont typeface="Arial" charset="0"/>
-              <a:buChar char="•"/>
-              <a:defRPr sz="1800">
-                <a:solidFill>
-                  <a:srgbClr val="000000"/>
-                </a:solidFill>
-              </a:defRPr>
-            </a:pPr>
-            <a:r>
-              <a:rPr lang="en-US" sz="2400" dirty="0" smtClean="0">
-                <a:solidFill>
-                  <a:schemeClr val="accent1">
-                    <a:lumMod val="50000"/>
-                  </a:schemeClr>
-                </a:solidFill>
-              </a:rPr>
-              <a:t>GDPR is a major impediment </a:t>
-            </a:r>
-            <a:r>
-              <a:rPr lang="x-none" altLang="en-US" sz="2400" dirty="0" smtClean="0">
-                <a:solidFill>
-                  <a:schemeClr val="accent1">
-                    <a:lumMod val="50000"/>
-                  </a:schemeClr>
-                </a:solidFill>
-              </a:rPr>
-              <a:t>=&gt; expressely prohibits use of personal data... </a:t>
+              <a:t>		=&gt; expressely prohibits use of personal data... </a:t>
             </a:r>
             <a:endParaRPr lang="x-none" altLang="en-US" sz="2400" dirty="0" smtClean="0">
               <a:solidFill>

--- a/2017/CD-MAKE_2017/Fed/Federated_Learning_Local_Sphere.pptx
+++ b/2017/CD-MAKE_2017/Fed/Federated_Learning_Local_Sphere.pptx
@@ -5,25 +5,25 @@
     <p:sldMasterId id="2147483648" r:id="rId1"/>
   </p:sldMasterIdLst>
   <p:notesMasterIdLst>
-    <p:notesMasterId r:id="rId4"/>
+    <p:notesMasterId r:id="rId18"/>
   </p:notesMasterIdLst>
   <p:sldIdLst>
-    <p:sldId id="290" r:id="rId3"/>
-    <p:sldId id="371" r:id="rId5"/>
-    <p:sldId id="373" r:id="rId6"/>
-    <p:sldId id="370" r:id="rId7"/>
-    <p:sldId id="374" r:id="rId8"/>
-    <p:sldId id="314" r:id="rId9"/>
-    <p:sldId id="366" r:id="rId10"/>
-    <p:sldId id="367" r:id="rId11"/>
-    <p:sldId id="375" r:id="rId12"/>
-    <p:sldId id="377" r:id="rId13"/>
-    <p:sldId id="368" r:id="rId14"/>
-    <p:sldId id="378" r:id="rId15"/>
-    <p:sldId id="379" r:id="rId16"/>
-    <p:sldId id="298" r:id="rId17"/>
-    <p:sldId id="369" r:id="rId18"/>
-    <p:sldId id="261" r:id="rId19"/>
+    <p:sldId id="290" r:id="rId2"/>
+    <p:sldId id="371" r:id="rId3"/>
+    <p:sldId id="373" r:id="rId4"/>
+    <p:sldId id="370" r:id="rId5"/>
+    <p:sldId id="374" r:id="rId6"/>
+    <p:sldId id="314" r:id="rId7"/>
+    <p:sldId id="366" r:id="rId8"/>
+    <p:sldId id="367" r:id="rId9"/>
+    <p:sldId id="375" r:id="rId10"/>
+    <p:sldId id="377" r:id="rId11"/>
+    <p:sldId id="368" r:id="rId12"/>
+    <p:sldId id="378" r:id="rId13"/>
+    <p:sldId id="379" r:id="rId14"/>
+    <p:sldId id="298" r:id="rId15"/>
+    <p:sldId id="369" r:id="rId16"/>
+    <p:sldId id="261" r:id="rId17"/>
   </p:sldIdLst>
   <p:sldSz cx="9144000" cy="6858000" type="screen4x3"/>
   <p:notesSz cx="6858000" cy="9144000"/>
@@ -101,6 +101,14 @@
       </a:defRPr>
     </a:lvl9pPr>
   </p:defaultTextStyle>
+  <p:extLst>
+    <p:ext uri="{EFAFB233-063F-42B5-8137-9DF3F51BA10A}">
+      <p15:sldGuideLst xmlns:p15="http://schemas.microsoft.com/office/powerpoint/2012/main"/>
+    </p:ext>
+    <p:ext uri="{2D200454-40CA-4A62-9FC3-DE9A4176ACB9}">
+      <p15:notesGuideLst xmlns:p15="http://schemas.microsoft.com/office/powerpoint/2012/main"/>
+    </p:ext>
+  </p:extLst>
 </p:presentation>
 </file>
 
@@ -150,6 +158,7 @@
           <a:lstStyle/>
           <a:p>
             <a:pPr lvl="0"/>
+            <a:endParaRPr/>
           </a:p>
         </p:txBody>
       </p:sp>
@@ -177,6 +186,7 @@
           <a:lstStyle/>
           <a:p>
             <a:pPr lvl="0"/>
+            <a:endParaRPr/>
           </a:p>
         </p:txBody>
       </p:sp>
@@ -324,6 +334,7 @@
           <a:lstStyle/>
           <a:p>
             <a:pPr lvl="0"/>
+            <a:endParaRPr/>
           </a:p>
         </p:txBody>
       </p:sp>
@@ -352,7 +363,7 @@
               </a:lnSpc>
               <a:defRPr sz="1800"/>
             </a:pPr>
-            <a:endParaRPr lang="en-US" dirty="0" smtClean="0">
+            <a:endParaRPr lang="en-US" dirty="0">
               <a:latin typeface="Cambria"/>
               <a:ea typeface="Cambria"/>
               <a:cs typeface="Cambria"/>
@@ -420,6 +431,7 @@
           <a:lstStyle/>
           <a:p>
             <a:pPr lvl="0"/>
+            <a:endParaRPr/>
           </a:p>
         </p:txBody>
       </p:sp>
@@ -515,11 +527,11 @@
           <a:lstStyle/>
           <a:p>
             <a:r>
-              <a:rPr lang="en-US" dirty="0" smtClean="0"/>
+              <a:rPr lang="en-US" dirty="0"/>
               <a:t>Prepared for having</a:t>
             </a:r>
             <a:r>
-              <a:rPr lang="en-US" baseline="0" dirty="0" smtClean="0"/>
+              <a:rPr lang="en-US" baseline="0" dirty="0"/>
               <a:t> this law now only applied to front-end databases but also to statistical of ML knowledge bases…</a:t>
             </a:r>
             <a:endParaRPr lang="en-US" dirty="0"/>
@@ -579,11 +591,11 @@
           <a:lstStyle/>
           <a:p>
             <a:r>
-              <a:rPr lang="en-US" dirty="0" smtClean="0"/>
+              <a:rPr lang="en-US" dirty="0"/>
               <a:t>Prepared for having</a:t>
             </a:r>
             <a:r>
-              <a:rPr lang="en-US" baseline="0" dirty="0" smtClean="0"/>
+              <a:rPr lang="en-US" baseline="0" dirty="0"/>
               <a:t> this law now only applied to front-end databases but also to statistical of ML knowledge bases…</a:t>
             </a:r>
             <a:endParaRPr lang="en-US" dirty="0"/>
@@ -643,11 +655,11 @@
           <a:lstStyle/>
           <a:p>
             <a:r>
-              <a:rPr lang="en-US" dirty="0" smtClean="0"/>
+              <a:rPr lang="en-US" dirty="0"/>
               <a:t>Prepared for having</a:t>
             </a:r>
             <a:r>
-              <a:rPr lang="en-US" baseline="0" dirty="0" smtClean="0"/>
+              <a:rPr lang="en-US" baseline="0" dirty="0"/>
               <a:t> this law now only applied to front-end databases but also to statistical of ML knowledge bases…</a:t>
             </a:r>
             <a:endParaRPr lang="en-US" dirty="0"/>
@@ -707,11 +719,11 @@
           <a:lstStyle/>
           <a:p>
             <a:r>
-              <a:rPr lang="en-US" dirty="0" smtClean="0"/>
+              <a:rPr lang="en-US" dirty="0"/>
               <a:t>Prepared for having</a:t>
             </a:r>
             <a:r>
-              <a:rPr lang="en-US" baseline="0" dirty="0" smtClean="0"/>
+              <a:rPr lang="en-US" baseline="0" dirty="0"/>
               <a:t> this law now only applied to front-end databases but also to statistical of ML knowledge bases…</a:t>
             </a:r>
             <a:endParaRPr lang="en-US" dirty="0"/>
@@ -771,11 +783,11 @@
           <a:lstStyle/>
           <a:p>
             <a:r>
-              <a:rPr lang="en-US" dirty="0" smtClean="0"/>
+              <a:rPr lang="en-US" dirty="0"/>
               <a:t>Prepared for having</a:t>
             </a:r>
             <a:r>
-              <a:rPr lang="en-US" baseline="0" dirty="0" smtClean="0"/>
+              <a:rPr lang="en-US" baseline="0" dirty="0"/>
               <a:t> this law now only applied to front-end databases but also to statistical of ML knowledge bases…</a:t>
             </a:r>
             <a:endParaRPr lang="en-US" dirty="0"/>
@@ -835,11 +847,11 @@
           <a:lstStyle/>
           <a:p>
             <a:r>
-              <a:rPr lang="en-US" dirty="0" smtClean="0"/>
+              <a:rPr lang="en-US" dirty="0"/>
               <a:t>Prepared for having</a:t>
             </a:r>
             <a:r>
-              <a:rPr lang="en-US" baseline="0" dirty="0" smtClean="0"/>
+              <a:rPr lang="en-US" baseline="0" dirty="0"/>
               <a:t> this law now only applied to front-end databases but also to statistical of ML knowledge bases…</a:t>
             </a:r>
             <a:endParaRPr lang="en-US" dirty="0"/>
@@ -899,11 +911,11 @@
           <a:lstStyle/>
           <a:p>
             <a:r>
-              <a:rPr lang="en-US" dirty="0" smtClean="0"/>
+              <a:rPr lang="en-US" dirty="0"/>
               <a:t>Prepared for having</a:t>
             </a:r>
             <a:r>
-              <a:rPr lang="en-US" baseline="0" dirty="0" smtClean="0"/>
+              <a:rPr lang="en-US" baseline="0" dirty="0"/>
               <a:t> this law now only applied to front-end databases but also to statistical of ML knowledge bases…</a:t>
             </a:r>
             <a:endParaRPr lang="en-US" dirty="0"/>
@@ -963,11 +975,11 @@
           <a:lstStyle/>
           <a:p>
             <a:r>
-              <a:rPr lang="en-US" dirty="0" smtClean="0"/>
+              <a:rPr lang="en-US" dirty="0"/>
               <a:t>Prepared for having</a:t>
             </a:r>
             <a:r>
-              <a:rPr lang="en-US" baseline="0" dirty="0" smtClean="0"/>
+              <a:rPr lang="en-US" baseline="0" dirty="0"/>
               <a:t> this law now only applied to front-end databases but also to statistical of ML knowledge bases…</a:t>
             </a:r>
             <a:endParaRPr lang="en-US" dirty="0"/>
@@ -1023,7 +1035,7 @@
           <a:lstStyle/>
           <a:p>
             <a:r>
-              <a:rPr lang="en-US" smtClean="0"/>
+              <a:rPr lang="en-US"/>
               <a:t>&lt;#&gt;</a:t>
             </a:r>
             <a:endParaRPr lang="en-US" dirty="0"/>
@@ -1036,13 +1048,6 @@
     <a:masterClrMapping/>
   </p:clrMapOvr>
   <p:transition spd="med"/>
-  <p:timing>
-    <p:tnLst>
-      <p:par>
-        <p:cTn id="1" dur="indefinite" restart="never" nodeType="tmRoot"/>
-      </p:par>
-    </p:tnLst>
-  </p:timing>
 </p:sldLayout>
 </file>
 
@@ -1140,11 +1145,6 @@
               </a:rPr>
               <a:t>Textmasterformat bearbeiten</a:t>
             </a:r>
-            <a:endParaRPr sz="3200">
-              <a:solidFill>
-                <a:srgbClr val="1F497D"/>
-              </a:solidFill>
-            </a:endParaRPr>
           </a:p>
           <a:p>
             <a:pPr lvl="1">
@@ -1162,11 +1162,6 @@
               </a:rPr>
               <a:t>Zweite Ebene</a:t>
             </a:r>
-            <a:endParaRPr sz="3200">
-              <a:solidFill>
-                <a:srgbClr val="1F497D"/>
-              </a:solidFill>
-            </a:endParaRPr>
           </a:p>
           <a:p>
             <a:pPr lvl="2">
@@ -1184,11 +1179,6 @@
               </a:rPr>
               <a:t>Dritte Ebene</a:t>
             </a:r>
-            <a:endParaRPr sz="3200">
-              <a:solidFill>
-                <a:srgbClr val="1F497D"/>
-              </a:solidFill>
-            </a:endParaRPr>
           </a:p>
           <a:p>
             <a:pPr lvl="3">
@@ -1206,11 +1196,6 @@
               </a:rPr>
               <a:t>Vierte Ebene</a:t>
             </a:r>
-            <a:endParaRPr sz="3200">
-              <a:solidFill>
-                <a:srgbClr val="1F497D"/>
-              </a:solidFill>
-            </a:endParaRPr>
           </a:p>
           <a:p>
             <a:pPr lvl="4">
@@ -1237,13 +1222,6 @@
     <a:masterClrMapping/>
   </p:clrMapOvr>
   <p:transition spd="med"/>
-  <p:timing>
-    <p:tnLst>
-      <p:par>
-        <p:cTn id="1" dur="indefinite" restart="never" nodeType="tmRoot"/>
-      </p:par>
-    </p:tnLst>
-  </p:timing>
 </p:sldLayout>
 </file>
 
@@ -1391,11 +1369,6 @@
               </a:rPr>
               <a:t>Textmasterformat bearbeiten</a:t>
             </a:r>
-            <a:endParaRPr sz="3200">
-              <a:solidFill>
-                <a:srgbClr val="17375E"/>
-              </a:solidFill>
-            </a:endParaRPr>
           </a:p>
           <a:p>
             <a:pPr lvl="1">
@@ -1413,11 +1386,6 @@
               </a:rPr>
               <a:t>Zweite Ebene</a:t>
             </a:r>
-            <a:endParaRPr sz="3200">
-              <a:solidFill>
-                <a:srgbClr val="17375E"/>
-              </a:solidFill>
-            </a:endParaRPr>
           </a:p>
           <a:p>
             <a:pPr lvl="2">
@@ -1435,11 +1403,6 @@
               </a:rPr>
               <a:t>Dritte Ebene</a:t>
             </a:r>
-            <a:endParaRPr sz="3200">
-              <a:solidFill>
-                <a:srgbClr val="17375E"/>
-              </a:solidFill>
-            </a:endParaRPr>
           </a:p>
           <a:p>
             <a:pPr lvl="3">
@@ -1457,11 +1420,6 @@
               </a:rPr>
               <a:t>Vierte Ebene</a:t>
             </a:r>
-            <a:endParaRPr sz="3200">
-              <a:solidFill>
-                <a:srgbClr val="17375E"/>
-              </a:solidFill>
-            </a:endParaRPr>
           </a:p>
           <a:p>
             <a:pPr lvl="4">
@@ -1488,13 +1446,6 @@
     <a:masterClrMapping/>
   </p:clrMapOvr>
   <p:transition spd="med"/>
-  <p:timing>
-    <p:tnLst>
-      <p:par>
-        <p:cTn id="1" dur="indefinite" restart="never" nodeType="tmRoot"/>
-      </p:par>
-    </p:tnLst>
-  </p:timing>
 </p:sldLayout>
 </file>
 
@@ -1551,6 +1502,7 @@
             <a:pPr lvl="0" defTabSz="457200">
               <a:defRPr sz="1200"/>
             </a:pPr>
+            <a:endParaRPr/>
           </a:p>
         </p:txBody>
       </p:sp>
@@ -1742,7 +1694,7 @@
               </a:defRPr>
             </a:pPr>
             <a:r>
-              <a:rPr sz="3200" dirty="0" err="1" smtClean="0">
+              <a:rPr sz="3200" dirty="0" err="1">
                 <a:solidFill>
                   <a:srgbClr val="1F497D"/>
                 </a:solidFill>
@@ -1750,7 +1702,7 @@
               <a:t>Fünfte</a:t>
             </a:r>
             <a:r>
-              <a:rPr sz="3200" dirty="0" smtClean="0">
+              <a:rPr sz="3200" dirty="0">
                 <a:solidFill>
                   <a:srgbClr val="1F497D"/>
                 </a:solidFill>
@@ -1758,7 +1710,7 @@
               <a:t> </a:t>
             </a:r>
             <a:r>
-              <a:rPr sz="3200" dirty="0" err="1" smtClean="0">
+              <a:rPr sz="3200" dirty="0" err="1">
                 <a:solidFill>
                   <a:srgbClr val="1F497D"/>
                 </a:solidFill>
@@ -1925,7 +1877,7 @@
               <a:buNone/>
             </a:pPr>
             <a:r>
-              <a:rPr kumimoji="0" lang="en-US" sz="1200" b="1" i="0" u="none" strike="noStrike" cap="none" spc="0" normalizeH="0" baseline="0" dirty="0" smtClean="0">
+              <a:rPr kumimoji="0" lang="en-US" sz="1200" b="1" i="0" u="none" strike="noStrike" cap="none" spc="0" normalizeH="0" baseline="0" dirty="0">
                 <a:ln>
                   <a:noFill/>
                 </a:ln>
@@ -1943,22 +1895,6 @@
               </a:rPr>
               <a:t>Bernd Malle &lt;b.malle@hci-kdd.org&gt;</a:t>
             </a:r>
-            <a:endParaRPr kumimoji="0" lang="en-US" sz="1200" b="1" i="0" u="none" strike="noStrike" cap="none" spc="0" normalizeH="0" baseline="0" dirty="0">
-              <a:ln>
-                <a:noFill/>
-              </a:ln>
-              <a:solidFill>
-                <a:schemeClr val="accent1">
-                  <a:lumMod val="50000"/>
-                </a:schemeClr>
-              </a:solidFill>
-              <a:effectLst/>
-              <a:uFillTx/>
-              <a:latin typeface="+mj-lt"/>
-              <a:ea typeface="+mj-ea"/>
-              <a:cs typeface="+mj-cs"/>
-              <a:sym typeface="Helvetica"/>
-            </a:endParaRPr>
           </a:p>
         </p:txBody>
       </p:sp>
@@ -1970,8 +1906,8 @@
         </p:nvSpPr>
         <p:spPr>
           <a:xfrm>
-            <a:off x="6866255" y="6553200"/>
-            <a:ext cx="2085975" cy="273050"/>
+            <a:off x="6679097" y="6553200"/>
+            <a:ext cx="2273134" cy="276995"/>
           </a:xfrm>
           <a:prstGeom prst="rect">
             <a:avLst/>
@@ -2017,7 +1953,7 @@
               <a:buNone/>
             </a:pPr>
             <a:r>
-              <a:rPr kumimoji="0" lang="x-none" altLang="en-US" sz="1200" b="1" i="0" u="none" strike="noStrike" cap="none" spc="0" normalizeH="0" baseline="0" dirty="0" smtClean="0">
+              <a:rPr kumimoji="0" lang="x-none" altLang="en-US" sz="1200" b="1" i="0" u="none" strike="noStrike" cap="none" spc="0" normalizeH="0" baseline="0" dirty="0">
                 <a:ln>
                   <a:noFill/>
                 </a:ln>
@@ -2036,7 +1972,7 @@
               <a:t>Reggio Calabria</a:t>
             </a:r>
             <a:r>
-              <a:rPr kumimoji="0" lang="en-US" sz="1200" b="1" i="0" u="none" strike="noStrike" cap="none" spc="0" normalizeH="0" baseline="0" dirty="0" smtClean="0">
+              <a:rPr kumimoji="0" lang="en-US" sz="1200" b="1" i="0" u="none" strike="noStrike" cap="none" spc="0" normalizeH="0" baseline="0" dirty="0">
                 <a:ln>
                   <a:noFill/>
                 </a:ln>
@@ -2055,7 +1991,7 @@
               <a:t>, 201</a:t>
             </a:r>
             <a:r>
-              <a:rPr kumimoji="0" lang="x-none" altLang="en-US" sz="1200" b="1" i="0" u="none" strike="noStrike" cap="none" spc="0" normalizeH="0" baseline="0" dirty="0" smtClean="0">
+              <a:rPr kumimoji="0" lang="x-none" altLang="en-US" sz="1200" b="1" i="0" u="none" strike="noStrike" cap="none" spc="0" normalizeH="0" baseline="0" dirty="0">
                 <a:ln>
                   <a:noFill/>
                 </a:ln>
@@ -2074,7 +2010,7 @@
               <a:t>7</a:t>
             </a:r>
             <a:r>
-              <a:rPr kumimoji="0" lang="en-US" sz="1200" b="1" i="0" u="none" strike="noStrike" cap="none" spc="0" normalizeH="0" baseline="0" dirty="0" smtClean="0">
+              <a:rPr kumimoji="0" lang="en-US" sz="1200" b="1" i="0" u="none" strike="noStrike" cap="none" spc="0" normalizeH="0" baseline="0" dirty="0">
                 <a:ln>
                   <a:noFill/>
                 </a:ln>
@@ -2093,7 +2029,7 @@
               <a:t>-0</a:t>
             </a:r>
             <a:r>
-              <a:rPr kumimoji="0" lang="x-none" altLang="en-US" sz="1200" b="1" i="0" u="none" strike="noStrike" cap="none" spc="0" normalizeH="0" baseline="0" dirty="0" smtClean="0">
+              <a:rPr kumimoji="0" lang="x-none" altLang="en-US" sz="1200" b="1" i="0" u="none" strike="noStrike" cap="none" spc="0" normalizeH="0" baseline="0" dirty="0">
                 <a:ln>
                   <a:noFill/>
                 </a:ln>
@@ -2112,7 +2048,7 @@
               <a:t>9</a:t>
             </a:r>
             <a:r>
-              <a:rPr kumimoji="0" lang="en-US" sz="1200" b="1" i="0" u="none" strike="noStrike" cap="none" spc="0" normalizeH="0" baseline="0" dirty="0" smtClean="0">
+              <a:rPr kumimoji="0" lang="en-US" sz="1200" b="1" i="0" u="none" strike="noStrike" cap="none" spc="0" normalizeH="0" baseline="0" dirty="0">
                 <a:ln>
                   <a:noFill/>
                 </a:ln>
@@ -2131,7 +2067,7 @@
               <a:t>-</a:t>
             </a:r>
             <a:r>
-              <a:rPr kumimoji="0" lang="x-none" altLang="en-US" sz="1200" b="1" i="0" u="none" strike="noStrike" cap="none" spc="0" normalizeH="0" baseline="0" dirty="0" smtClean="0">
+              <a:rPr kumimoji="0" lang="x-none" altLang="en-US" sz="1200" b="1" i="0" u="none" strike="noStrike" cap="none" spc="0" normalizeH="0" baseline="0" dirty="0">
                 <a:ln>
                   <a:noFill/>
                 </a:ln>
@@ -2149,22 +2085,6 @@
               </a:rPr>
               <a:t>01</a:t>
             </a:r>
-            <a:endParaRPr kumimoji="0" lang="x-none" altLang="en-US" sz="1200" b="1" i="0" u="none" strike="noStrike" cap="none" spc="0" normalizeH="0" baseline="0" dirty="0" smtClean="0">
-              <a:ln>
-                <a:noFill/>
-              </a:ln>
-              <a:solidFill>
-                <a:schemeClr val="accent1">
-                  <a:lumMod val="50000"/>
-                </a:schemeClr>
-              </a:solidFill>
-              <a:effectLst/>
-              <a:uFillTx/>
-              <a:latin typeface="+mj-lt"/>
-              <a:ea typeface="+mj-ea"/>
-              <a:cs typeface="+mj-cs"/>
-              <a:sym typeface="Helvetica"/>
-            </a:endParaRPr>
           </a:p>
         </p:txBody>
       </p:sp>
@@ -2177,7 +2097,7 @@
           <p:nvPr userDrawn="1"/>
         </p:nvPicPr>
         <p:blipFill>
-          <a:blip r:embed="rId4" cstate="print">
+          <a:blip r:embed="rId5" cstate="print">
             <a:extLst>
               <a:ext uri="{28A0092B-C50C-407E-A947-70E740481C1C}">
                 <a14:useLocalDpi xmlns:a14="http://schemas.microsoft.com/office/drawing/2010/main" val="0"/>
@@ -2207,7 +2127,7 @@
           <p:nvPr userDrawn="1"/>
         </p:nvPicPr>
         <p:blipFill>
-          <a:blip r:embed="rId5" cstate="print">
+          <a:blip r:embed="rId6" cstate="print">
             <a:extLst>
               <a:ext uri="{28A0092B-C50C-407E-A947-70E740481C1C}">
                 <a14:useLocalDpi xmlns:a14="http://schemas.microsoft.com/office/drawing/2010/main" val="0"/>
@@ -2237,13 +2157,6 @@
     <p:sldLayoutId id="2147483651" r:id="rId3"/>
   </p:sldLayoutIdLst>
   <p:transition spd="med"/>
-  <p:timing>
-    <p:tnLst>
-      <p:par>
-        <p:cTn id="1" dur="indefinite" restart="never" nodeType="tmRoot"/>
-      </p:par>
-    </p:tnLst>
-  </p:timing>
   <p:hf hdr="0" ftr="0" dt="0"/>
   <p:txStyles>
     <p:titleStyle>
@@ -2648,7 +2561,7 @@
           <a:p>
             <a:pPr algn="ctr"/>
             <a:r>
-              <a:rPr lang="x-none" altLang="en-US" sz="2400" b="1" dirty="0" smtClean="0">
+              <a:rPr lang="x-none" altLang="en-US" sz="2400" b="1" dirty="0">
                 <a:solidFill>
                   <a:srgbClr val="1F497D"/>
                 </a:solidFill>
@@ -2659,7 +2572,7 @@
               <a:t>CD-MAKE</a:t>
             </a:r>
             <a:r>
-              <a:rPr lang="en-US" sz="2400" b="1" dirty="0" smtClean="0">
+              <a:rPr lang="en-US" sz="2400" b="1" dirty="0">
                 <a:solidFill>
                   <a:srgbClr val="1F497D"/>
                 </a:solidFill>
@@ -2670,7 +2583,7 @@
               <a:t> 201</a:t>
             </a:r>
             <a:r>
-              <a:rPr lang="x-none" altLang="en-US" sz="2400" b="1" dirty="0" smtClean="0">
+              <a:rPr lang="x-none" altLang="en-US" sz="2400" b="1" dirty="0">
                 <a:solidFill>
                   <a:srgbClr val="1F497D"/>
                 </a:solidFill>
@@ -2680,7 +2593,7 @@
               </a:rPr>
               <a:t>7</a:t>
             </a:r>
-            <a:endParaRPr lang="en-US" sz="2400" b="1" dirty="0" smtClean="0">
+            <a:endParaRPr lang="en-US" sz="2400" b="1" dirty="0">
               <a:solidFill>
                 <a:srgbClr val="1F497D"/>
               </a:solidFill>
@@ -2700,7 +2613,7 @@
           <a:p>
             <a:pPr lvl="0" algn="ctr"/>
             <a:r>
-              <a:rPr lang="x-none" altLang="en-US" sz="4000" b="1" dirty="0" smtClean="0">
+              <a:rPr lang="x-none" altLang="en-US" sz="4000" b="1" dirty="0">
                 <a:solidFill>
                   <a:srgbClr val="1F497D"/>
                 </a:solidFill>
@@ -2711,15 +2624,6 @@
               </a:rPr>
               <a:t>The more the merrier -</a:t>
             </a:r>
-            <a:endParaRPr lang="x-none" altLang="en-US" sz="4000" b="1" dirty="0" smtClean="0">
-              <a:solidFill>
-                <a:srgbClr val="1F497D"/>
-              </a:solidFill>
-              <a:latin typeface="Calibri"/>
-              <a:ea typeface="Calibri"/>
-              <a:cs typeface="Calibri"/>
-              <a:sym typeface="Calibri"/>
-            </a:endParaRPr>
           </a:p>
           <a:p>
             <a:pPr lvl="0" algn="ctr"/>
@@ -2735,15 +2639,6 @@
               </a:rPr>
               <a:t>Federated learning from local sphere recommendations</a:t>
             </a:r>
-            <a:endParaRPr lang="x-none" altLang="en-US" sz="4000" b="1" dirty="0">
-              <a:solidFill>
-                <a:srgbClr val="1F497D"/>
-              </a:solidFill>
-              <a:latin typeface="Calibri"/>
-              <a:ea typeface="Calibri"/>
-              <a:cs typeface="Calibri"/>
-              <a:sym typeface="Calibri"/>
-            </a:endParaRPr>
           </a:p>
           <a:p>
             <a:pPr lvl="0" algn="ctr"/>
@@ -2784,7 +2679,7 @@
           <a:p>
             <a:pPr algn="ctr"/>
             <a:r>
-              <a:rPr lang="en-US" sz="2000" b="1" dirty="0" smtClean="0">
+              <a:rPr lang="en-US" sz="2000" b="1" dirty="0">
                 <a:solidFill>
                   <a:schemeClr val="tx2"/>
                 </a:solidFill>
@@ -2792,7 +2687,7 @@
               <a:t>Bernd Malle, </a:t>
             </a:r>
             <a:r>
-              <a:rPr lang="x-none" altLang="en-US" sz="2000" b="1" dirty="0" smtClean="0">
+              <a:rPr lang="x-none" altLang="en-US" sz="2000" b="1" dirty="0">
                 <a:solidFill>
                   <a:schemeClr val="tx2"/>
                 </a:solidFill>
@@ -2800,7 +2695,7 @@
               <a:t>Nicola Giuliani</a:t>
             </a:r>
             <a:r>
-              <a:rPr lang="en-US" sz="2000" b="1" dirty="0" smtClean="0">
+              <a:rPr lang="en-US" sz="2000" b="1" dirty="0">
                 <a:solidFill>
                   <a:schemeClr val="tx2"/>
                 </a:solidFill>
@@ -2808,7 +2703,7 @@
               <a:t>, Peter Kieseberg </a:t>
             </a:r>
             <a:r>
-              <a:rPr lang="x-none" altLang="en-US" sz="2000" b="1" dirty="0" smtClean="0">
+              <a:rPr lang="x-none" altLang="en-US" sz="2000" b="1" dirty="0">
                 <a:solidFill>
                   <a:schemeClr val="tx2"/>
                 </a:solidFill>
@@ -2816,18 +2711,13 @@
               <a:t>and</a:t>
             </a:r>
             <a:r>
-              <a:rPr lang="en-US" sz="2000" b="1" dirty="0" smtClean="0">
+              <a:rPr lang="en-US" sz="2000" b="1" dirty="0">
                 <a:solidFill>
                   <a:schemeClr val="tx2"/>
                 </a:solidFill>
               </a:rPr>
               <a:t> Andreas Holzinger</a:t>
             </a:r>
-            <a:endParaRPr lang="en-US" sz="2000" b="1" dirty="0" smtClean="0">
-              <a:solidFill>
-                <a:schemeClr val="tx2"/>
-              </a:solidFill>
-            </a:endParaRPr>
           </a:p>
           <a:p>
             <a:pPr algn="ctr"/>
@@ -2840,7 +2730,7 @@
           <a:p>
             <a:pPr algn="ctr"/>
             <a:r>
-              <a:rPr lang="en-US" sz="2400" b="1" kern="1200" dirty="0" smtClean="0">
+              <a:rPr lang="en-US" sz="2400" b="1" kern="1200" dirty="0">
                 <a:solidFill>
                   <a:schemeClr val="accent1">
                     <a:lumMod val="75000"/>
@@ -2852,16 +2742,6 @@
               </a:rPr>
               <a:t>b.malle@hci-kdd.org</a:t>
             </a:r>
-            <a:endParaRPr lang="en-US" sz="2400" b="1" kern="1200" dirty="0">
-              <a:solidFill>
-                <a:schemeClr val="accent1">
-                  <a:lumMod val="75000"/>
-                </a:schemeClr>
-              </a:solidFill>
-              <a:latin typeface="+mn-lt"/>
-              <a:ea typeface="+mn-ea"/>
-              <a:cs typeface="+mn-cs"/>
-            </a:endParaRPr>
           </a:p>
         </p:txBody>
       </p:sp>
@@ -2874,7 +2754,7 @@
           <p:nvPr/>
         </p:nvPicPr>
         <p:blipFill>
-          <a:blip r:embed="rId1" cstate="print">
+          <a:blip r:embed="rId3" cstate="print">
             <a:extLst>
               <a:ext uri="{28A0092B-C50C-407E-A947-70E740481C1C}">
                 <a14:useLocalDpi xmlns:a14="http://schemas.microsoft.com/office/drawing/2010/main" val="0"/>
@@ -2904,7 +2784,7 @@
           <p:nvPr/>
         </p:nvPicPr>
         <p:blipFill>
-          <a:blip r:embed="rId2">
+          <a:blip r:embed="rId4">
             <a:extLst>
               <a:ext uri="{28A0092B-C50C-407E-A947-70E740481C1C}">
                 <a14:useLocalDpi xmlns:a14="http://schemas.microsoft.com/office/drawing/2010/main" val="0"/>
@@ -2931,13 +2811,6 @@
     <a:masterClrMapping/>
   </p:clrMapOvr>
   <p:transition spd="med"/>
-  <p:timing>
-    <p:tnLst>
-      <p:par>
-        <p:cTn id="1" dur="indefinite" restart="never" nodeType="tmRoot"/>
-      </p:par>
-    </p:tnLst>
-  </p:timing>
 </p:sld>
 </file>
 
@@ -3078,10 +2951,9 @@
           </a:lstStyle>
           <a:p>
             <a:r>
-              <a:rPr lang="x-none" dirty="0" smtClean="0"/>
+              <a:rPr lang="x-none" dirty="0"/>
               <a:t>Global sphere / Local sphere</a:t>
             </a:r>
-            <a:endParaRPr lang="x-none" dirty="0" smtClean="0"/>
           </a:p>
         </p:txBody>
       </p:sp>
@@ -3093,8 +2965,8 @@
         </p:nvSpPr>
         <p:spPr>
           <a:xfrm>
-            <a:off x="453390" y="917575"/>
-            <a:ext cx="8226425" cy="4923155"/>
+            <a:off x="453390" y="742951"/>
+            <a:ext cx="8226425" cy="5248274"/>
           </a:xfrm>
           <a:prstGeom prst="rect">
             <a:avLst/>
@@ -3276,7 +3148,7 @@
               </a:defRPr>
             </a:pPr>
             <a:r>
-              <a:rPr lang="en-US" sz="2400" dirty="0" smtClean="0">
+              <a:rPr lang="en-US" sz="2400" dirty="0">
                 <a:solidFill>
                   <a:schemeClr val="accent1">
                     <a:lumMod val="50000"/>
@@ -3286,7 +3158,7 @@
               <a:t>Many globally distributed databases </a:t>
             </a:r>
             <a:r>
-              <a:rPr lang="en-US" sz="2400" i="1" dirty="0" smtClean="0">
+              <a:rPr lang="en-US" sz="2400" i="1" dirty="0">
                 <a:solidFill>
                   <a:schemeClr val="accent1">
                     <a:lumMod val="50000"/>
@@ -3296,16 +3168,157 @@
               <a:t>dont have to / cannot be</a:t>
             </a:r>
             <a:r>
-              <a:rPr lang="en-US" sz="2400" dirty="0" smtClean="0">
+              <a:rPr lang="en-US" sz="2400" dirty="0">
                 <a:solidFill>
                   <a:schemeClr val="accent1">
                     <a:lumMod val="50000"/>
                   </a:schemeClr>
                 </a:solidFill>
               </a:rPr>
-              <a:t> implemented as a graph (AFAIK facebook also does not store one central graph)</a:t>
-            </a:r>
-            <a:endParaRPr lang="en-US" sz="2400" dirty="0" smtClean="0">
+              <a:t> implemented as a graph (</a:t>
+            </a:r>
+            <a:r>
+              <a:rPr lang="en-US" sz="2400" dirty="0" err="1">
+                <a:solidFill>
+                  <a:schemeClr val="accent1">
+                    <a:lumMod val="50000"/>
+                  </a:schemeClr>
+                </a:solidFill>
+              </a:rPr>
+              <a:t>facebook</a:t>
+            </a:r>
+            <a:r>
+              <a:rPr lang="en-US" sz="2400" dirty="0">
+                <a:solidFill>
+                  <a:schemeClr val="accent1">
+                    <a:lumMod val="50000"/>
+                  </a:schemeClr>
+                </a:solidFill>
+              </a:rPr>
+              <a:t> also does not store one central graph, but rather superimposes relational DBs with a logical graph layer - </a:t>
+            </a:r>
+            <a:r>
+              <a:rPr lang="en-US" sz="2400" dirty="0" err="1">
+                <a:solidFill>
+                  <a:schemeClr val="accent1">
+                    <a:lumMod val="50000"/>
+                  </a:schemeClr>
+                </a:solidFill>
+              </a:rPr>
+              <a:t>GraphQL</a:t>
+            </a:r>
+            <a:r>
+              <a:rPr lang="en-US" sz="2400" dirty="0">
+                <a:solidFill>
+                  <a:schemeClr val="accent1">
+                    <a:lumMod val="50000"/>
+                  </a:schemeClr>
+                </a:solidFill>
+              </a:rPr>
+              <a:t>)</a:t>
+            </a:r>
+          </a:p>
+          <a:p>
+            <a:pPr lvl="1" defTabSz="676275">
+              <a:spcBef>
+                <a:spcPts val="0"/>
+              </a:spcBef>
+              <a:buClr>
+                <a:srgbClr val="1F497D"/>
+              </a:buClr>
+              <a:buFont typeface="Arial" charset="0"/>
+              <a:buChar char="•"/>
+              <a:defRPr sz="1800">
+                <a:solidFill>
+                  <a:srgbClr val="000000"/>
+                </a:solidFill>
+              </a:defRPr>
+            </a:pPr>
+            <a:r>
+              <a:rPr lang="en-US" sz="2400" dirty="0">
+                <a:solidFill>
+                  <a:schemeClr val="accent1">
+                    <a:lumMod val="50000"/>
+                  </a:schemeClr>
+                </a:solidFill>
+              </a:rPr>
+              <a:t>would need too many globally propagating updates –</a:t>
+            </a:r>
+          </a:p>
+          <a:p>
+            <a:pPr marL="0" indent="0" defTabSz="676275">
+              <a:spcBef>
+                <a:spcPts val="0"/>
+              </a:spcBef>
+              <a:buClr>
+                <a:srgbClr val="1F497D"/>
+              </a:buClr>
+              <a:buFont typeface="Arial" charset="0"/>
+              <a:buNone/>
+              <a:defRPr sz="1800">
+                <a:solidFill>
+                  <a:srgbClr val="000000"/>
+                </a:solidFill>
+              </a:defRPr>
+            </a:pPr>
+            <a:r>
+              <a:rPr lang="x-none" altLang="en-US" sz="2400" dirty="0">
+                <a:solidFill>
+                  <a:schemeClr val="accent1">
+                    <a:lumMod val="50000"/>
+                  </a:schemeClr>
+                </a:solidFill>
+              </a:rPr>
+              <a:t>	</a:t>
+            </a:r>
+            <a:r>
+              <a:rPr lang="en-US" sz="2400" dirty="0">
+                <a:solidFill>
+                  <a:schemeClr val="accent1">
+                    <a:lumMod val="50000"/>
+                  </a:schemeClr>
+                </a:solidFill>
+              </a:rPr>
+              <a:t>"the consequences of a tiny node update could affect the </a:t>
+            </a:r>
+            <a:r>
+              <a:rPr lang="x-none" altLang="en-US" sz="2400" dirty="0">
+                <a:solidFill>
+                  <a:schemeClr val="accent1">
+                    <a:lumMod val="50000"/>
+                  </a:schemeClr>
+                </a:solidFill>
+              </a:rPr>
+              <a:t>	</a:t>
+            </a:r>
+            <a:r>
+              <a:rPr lang="en-US" sz="2400" dirty="0">
+                <a:solidFill>
+                  <a:schemeClr val="accent1">
+                    <a:lumMod val="50000"/>
+                  </a:schemeClr>
+                </a:solidFill>
+              </a:rPr>
+              <a:t>farthest reaches of the global graph"</a:t>
+            </a:r>
+          </a:p>
+          <a:p>
+            <a:pPr lvl="1" defTabSz="676275">
+              <a:spcBef>
+                <a:spcPts val="0"/>
+              </a:spcBef>
+              <a:buClr>
+                <a:srgbClr val="1F497D"/>
+              </a:buClr>
+              <a:buFont typeface="Arial" charset="0"/>
+              <a:buChar char="•"/>
+              <a:defRPr sz="1800">
+                <a:solidFill>
+                  <a:srgbClr val="000000"/>
+                </a:solidFill>
+              </a:defRPr>
+            </a:pPr>
+            <a:endParaRPr lang="en-US" sz="2400" dirty="0">
               <a:solidFill>
                 <a:schemeClr val="accent1">
                   <a:lumMod val="50000"/>
@@ -3314,7 +3327,7 @@
             </a:endParaRPr>
           </a:p>
           <a:p>
-            <a:pPr lvl="1" defTabSz="676275">
+            <a:pPr defTabSz="676275">
               <a:spcBef>
                 <a:spcPts val="0"/>
               </a:spcBef>
@@ -3330,16 +3343,33 @@
               </a:defRPr>
             </a:pPr>
             <a:r>
-              <a:rPr lang="en-US" sz="2400" dirty="0" smtClean="0">
+              <a:rPr lang="en-US" sz="2400" dirty="0">
                 <a:solidFill>
                   <a:schemeClr val="accent1">
                     <a:lumMod val="50000"/>
                   </a:schemeClr>
                 </a:solidFill>
               </a:rPr>
-              <a:t>would need too many globally propagating updates</a:t>
-            </a:r>
-            <a:endParaRPr lang="en-US" sz="2400" dirty="0" smtClean="0">
+              <a:t>The local sphere can get it's information from many pub/sub mechanism targeting different endpoints in the global sphere</a:t>
+            </a:r>
+          </a:p>
+          <a:p>
+            <a:pPr defTabSz="676275">
+              <a:spcBef>
+                <a:spcPts val="0"/>
+              </a:spcBef>
+              <a:buClr>
+                <a:srgbClr val="1F497D"/>
+              </a:buClr>
+              <a:buFont typeface="Arial" charset="0"/>
+              <a:buChar char="•"/>
+              <a:defRPr sz="1800">
+                <a:solidFill>
+                  <a:srgbClr val="000000"/>
+                </a:solidFill>
+              </a:defRPr>
+            </a:pPr>
+            <a:endParaRPr lang="en-US" sz="2400" dirty="0">
               <a:solidFill>
                 <a:schemeClr val="accent1">
                   <a:lumMod val="50000"/>
@@ -3348,71 +3378,7 @@
             </a:endParaRPr>
           </a:p>
           <a:p>
-            <a:pPr marL="0" indent="0" defTabSz="676275">
-              <a:spcBef>
-                <a:spcPts val="0"/>
-              </a:spcBef>
-              <a:buClr>
-                <a:srgbClr val="1F497D"/>
-              </a:buClr>
-              <a:buFont typeface="Arial" charset="0"/>
-              <a:buNone/>
-              <a:defRPr sz="1800">
-                <a:solidFill>
-                  <a:srgbClr val="000000"/>
-                </a:solidFill>
-              </a:defRPr>
-            </a:pPr>
-            <a:r>
-              <a:rPr lang="x-none" altLang="en-US" sz="2400" dirty="0" smtClean="0">
-                <a:solidFill>
-                  <a:schemeClr val="accent1">
-                    <a:lumMod val="50000"/>
-                  </a:schemeClr>
-                </a:solidFill>
-              </a:rPr>
-              <a:t>	</a:t>
-            </a:r>
-            <a:r>
-              <a:rPr lang="en-US" sz="2400" dirty="0" smtClean="0">
-                <a:solidFill>
-                  <a:schemeClr val="accent1">
-                    <a:lumMod val="50000"/>
-                  </a:schemeClr>
-                </a:solidFill>
-              </a:rPr>
-              <a:t>"the consequences of a tiny little update could affect the </a:t>
-            </a:r>
-            <a:r>
-              <a:rPr lang="x-none" altLang="en-US" sz="2400" dirty="0" smtClean="0">
-                <a:solidFill>
-                  <a:schemeClr val="accent1">
-                    <a:lumMod val="50000"/>
-                  </a:schemeClr>
-                </a:solidFill>
-              </a:rPr>
-              <a:t>	</a:t>
-            </a:r>
-            <a:r>
-              <a:rPr lang="en-US" sz="2400" dirty="0" smtClean="0">
-                <a:solidFill>
-                  <a:schemeClr val="accent1">
-                    <a:lumMod val="50000"/>
-                  </a:schemeClr>
-                </a:solidFill>
-              </a:rPr>
-              <a:t>farthest reaches of the global graph"</a:t>
-            </a:r>
-            <a:endParaRPr lang="en-US" sz="2400" dirty="0" smtClean="0">
-              <a:solidFill>
-                <a:schemeClr val="accent1">
-                  <a:lumMod val="50000"/>
-                </a:schemeClr>
-              </a:solidFill>
-            </a:endParaRPr>
-          </a:p>
-          <a:p>
-            <a:pPr lvl="1" defTabSz="676275">
+            <a:pPr defTabSz="676275">
               <a:spcBef>
                 <a:spcPts val="0"/>
               </a:spcBef>
@@ -3428,138 +3394,15 @@
               </a:defRPr>
             </a:pPr>
             <a:r>
-              <a:rPr lang="en-US" sz="2400" dirty="0" smtClean="0">
+              <a:rPr lang="en-US" sz="2400" dirty="0">
                 <a:solidFill>
                   <a:schemeClr val="accent1">
                     <a:lumMod val="50000"/>
                   </a:schemeClr>
                 </a:solidFill>
               </a:rPr>
-              <a:t>huge problem for graph databases</a:t>
-            </a:r>
-            <a:endParaRPr lang="en-US" sz="2400" dirty="0" smtClean="0">
-              <a:solidFill>
-                <a:schemeClr val="accent1">
-                  <a:lumMod val="50000"/>
-                </a:schemeClr>
-              </a:solidFill>
-            </a:endParaRPr>
-          </a:p>
-          <a:p>
-            <a:pPr lvl="1" defTabSz="676275">
-              <a:spcBef>
-                <a:spcPts val="0"/>
-              </a:spcBef>
-              <a:buClr>
-                <a:srgbClr val="1F497D"/>
-              </a:buClr>
-              <a:buFont typeface="Arial" charset="0"/>
-              <a:buChar char="•"/>
-              <a:defRPr sz="1800">
-                <a:solidFill>
-                  <a:srgbClr val="000000"/>
-                </a:solidFill>
-              </a:defRPr>
-            </a:pPr>
-            <a:endParaRPr lang="en-US" sz="2400" dirty="0" smtClean="0">
-              <a:solidFill>
-                <a:schemeClr val="accent1">
-                  <a:lumMod val="50000"/>
-                </a:schemeClr>
-              </a:solidFill>
-            </a:endParaRPr>
-          </a:p>
-          <a:p>
-            <a:pPr defTabSz="676275">
-              <a:spcBef>
-                <a:spcPts val="0"/>
-              </a:spcBef>
-              <a:buClr>
-                <a:srgbClr val="1F497D"/>
-              </a:buClr>
-              <a:buFont typeface="Arial" charset="0"/>
-              <a:buChar char="•"/>
-              <a:defRPr sz="1800">
-                <a:solidFill>
-                  <a:srgbClr val="000000"/>
-                </a:solidFill>
-              </a:defRPr>
-            </a:pPr>
-            <a:r>
-              <a:rPr lang="en-US" sz="2400" dirty="0" smtClean="0">
-                <a:solidFill>
-                  <a:schemeClr val="accent1">
-                    <a:lumMod val="50000"/>
-                  </a:schemeClr>
-                </a:solidFill>
-              </a:rPr>
-              <a:t>The local sphere can get it's information from many pub/sub mechanism targeting different endpoints in the global sphere</a:t>
-            </a:r>
-            <a:endParaRPr lang="en-US" sz="2400" dirty="0" smtClean="0">
-              <a:solidFill>
-                <a:schemeClr val="accent1">
-                  <a:lumMod val="50000"/>
-                </a:schemeClr>
-              </a:solidFill>
-            </a:endParaRPr>
-          </a:p>
-          <a:p>
-            <a:pPr defTabSz="676275">
-              <a:spcBef>
-                <a:spcPts val="0"/>
-              </a:spcBef>
-              <a:buClr>
-                <a:srgbClr val="1F497D"/>
-              </a:buClr>
-              <a:buFont typeface="Arial" charset="0"/>
-              <a:buChar char="•"/>
-              <a:defRPr sz="1800">
-                <a:solidFill>
-                  <a:srgbClr val="000000"/>
-                </a:solidFill>
-              </a:defRPr>
-            </a:pPr>
-            <a:endParaRPr lang="en-US" sz="2400" dirty="0" smtClean="0">
-              <a:solidFill>
-                <a:schemeClr val="accent1">
-                  <a:lumMod val="50000"/>
-                </a:schemeClr>
-              </a:solidFill>
-            </a:endParaRPr>
-          </a:p>
-          <a:p>
-            <a:pPr defTabSz="676275">
-              <a:spcBef>
-                <a:spcPts val="0"/>
-              </a:spcBef>
-              <a:buClr>
-                <a:srgbClr val="1F497D"/>
-              </a:buClr>
-              <a:buFont typeface="Arial" charset="0"/>
-              <a:buChar char="•"/>
-              <a:defRPr sz="1800">
-                <a:solidFill>
-                  <a:srgbClr val="000000"/>
-                </a:solidFill>
-              </a:defRPr>
-            </a:pPr>
-            <a:r>
-              <a:rPr lang="en-US" sz="2400" dirty="0" smtClean="0">
-                <a:solidFill>
-                  <a:schemeClr val="accent1">
-                    <a:lumMod val="50000"/>
-                  </a:schemeClr>
-                </a:solidFill>
-              </a:rPr>
-              <a:t>The local sphere is a superset of the actual user's data, but user's data plus it's relevant vicinity</a:t>
-            </a:r>
-            <a:endParaRPr lang="en-US" sz="2400" dirty="0" smtClean="0">
-              <a:solidFill>
-                <a:schemeClr val="accent1">
-                  <a:lumMod val="50000"/>
-                </a:schemeClr>
-              </a:solidFill>
-            </a:endParaRPr>
+              <a:t>The local sphere is a superset of the actual user's data enriched with data from it's relevant vicinity, plus possibly sensitive information only available on the client itself. </a:t>
+            </a:r>
           </a:p>
         </p:txBody>
       </p:sp>
@@ -3569,13 +3412,6 @@
     <a:masterClrMapping/>
   </p:clrMapOvr>
   <p:transition spd="med"/>
-  <p:timing>
-    <p:tnLst>
-      <p:par>
-        <p:cTn id="1" dur="indefinite" restart="never" nodeType="tmRoot"/>
-      </p:par>
-    </p:tnLst>
-  </p:timing>
 </p:sld>
 </file>
 
@@ -3617,10 +3453,9 @@
           <a:lstStyle/>
           <a:p>
             <a:r>
-              <a:rPr lang="x-none" altLang="en-US" dirty="0" smtClean="0"/>
+              <a:rPr lang="x-none" altLang="en-US" dirty="0"/>
               <a:t>Global Sphere / Local Sphere / User data</a:t>
             </a:r>
-            <a:endParaRPr lang="x-none" altLang="en-US" dirty="0"/>
           </a:p>
         </p:txBody>
       </p:sp>
@@ -3633,7 +3468,7 @@
           <p:nvPr/>
         </p:nvPicPr>
         <p:blipFill>
-          <a:blip r:embed="rId1"/>
+          <a:blip r:embed="rId2"/>
           <a:stretch>
             <a:fillRect/>
           </a:stretch>
@@ -3691,6 +3526,7 @@
           <a:bodyPr rot="0" vertOverflow="overflow" horzOverflow="overflow" vert="horz" wrap="square" lIns="45718" tIns="45718" rIns="45718" bIns="45718" numCol="1" spcCol="38100" rtlCol="0" anchor="ctr" forceAA="0">
             <a:spAutoFit/>
           </a:bodyPr>
+          <a:lstStyle/>
           <a:p>
             <a:pPr marL="0" marR="0" indent="0" algn="l" defTabSz="914400" rtl="0" fontAlgn="auto" latinLnBrk="1" hangingPunct="0">
               <a:lnSpc>
@@ -3732,8 +3568,8 @@
         </p:nvSpPr>
         <p:spPr>
           <a:xfrm>
-            <a:off x="1721485" y="5821045"/>
-            <a:ext cx="5922645" cy="459105"/>
+            <a:off x="2667000" y="5989637"/>
+            <a:ext cx="4853305" cy="459105"/>
           </a:xfrm>
           <a:prstGeom prst="rect">
             <a:avLst/>
@@ -3760,6 +3596,7 @@
           <a:bodyPr rot="0" vertOverflow="overflow" horzOverflow="overflow" vert="horz" wrap="square" lIns="45718" tIns="45718" rIns="45718" bIns="45718" numCol="1" spcCol="38100" rtlCol="0" anchor="t" forceAA="0">
             <a:spAutoFit/>
           </a:bodyPr>
+          <a:lstStyle/>
           <a:p>
             <a:pPr marL="0" marR="0" indent="0" algn="l" defTabSz="914400" rtl="0" fontAlgn="auto" latinLnBrk="1" hangingPunct="0">
               <a:lnSpc>
@@ -3777,7 +3614,7 @@
               <a:buNone/>
             </a:pPr>
             <a:r>
-              <a:rPr kumimoji="0" lang="x-none" altLang="en-US" sz="2400" b="1" i="0" u="none" strike="noStrike" cap="none" spc="0" normalizeH="0" baseline="0">
+              <a:rPr kumimoji="0" lang="x-none" altLang="en-US" sz="2400" b="1" i="0" u="none" strike="noStrike" cap="none" spc="0" normalizeH="0" baseline="0" dirty="0">
                 <a:ln>
                   <a:noFill/>
                 </a:ln>
@@ -3791,9 +3628,60 @@
                 <a:cs typeface="+mj-cs"/>
                 <a:sym typeface="Helvetica"/>
               </a:rPr>
-              <a:t>GraphQL (not real-time yet) / Meteor.js / ....</a:t>
-            </a:r>
-            <a:endParaRPr kumimoji="0" lang="x-none" altLang="en-US" sz="2400" b="1" i="0" u="none" strike="noStrike" cap="none" spc="0" normalizeH="0" baseline="0">
+              <a:t>GraphQL / </a:t>
+            </a:r>
+            <a:r>
+              <a:rPr kumimoji="0" lang="en-US" altLang="en-US" sz="2400" b="1" i="0" u="none" strike="noStrike" cap="none" spc="0" normalizeH="0" baseline="0" dirty="0" err="1">
+                <a:ln>
+                  <a:noFill/>
+                </a:ln>
+                <a:solidFill>
+                  <a:srgbClr val="000000"/>
+                </a:solidFill>
+                <a:effectLst/>
+                <a:uFillTx/>
+                <a:latin typeface="Calibri"/>
+                <a:ea typeface="+mj-ea"/>
+                <a:cs typeface="+mj-cs"/>
+                <a:sym typeface="Helvetica"/>
+              </a:rPr>
+              <a:t>Websockets</a:t>
+            </a:r>
+            <a:r>
+              <a:rPr kumimoji="0" lang="x-none" altLang="en-US" sz="2400" b="1" i="0" u="none" strike="noStrike" cap="none" spc="0" normalizeH="0" baseline="0" dirty="0">
+                <a:ln>
+                  <a:noFill/>
+                </a:ln>
+                <a:solidFill>
+                  <a:srgbClr val="000000"/>
+                </a:solidFill>
+                <a:effectLst/>
+                <a:uFillTx/>
+                <a:latin typeface="Calibri"/>
+                <a:ea typeface="+mj-ea"/>
+                <a:cs typeface="+mj-cs"/>
+                <a:sym typeface="Helvetica"/>
+              </a:rPr>
+              <a:t> /</a:t>
+            </a:r>
+            <a:r>
+              <a:rPr kumimoji="0" lang="en-US" altLang="en-US" sz="2400" b="1" i="0" u="none" strike="noStrike" cap="none" spc="0" normalizeH="0" baseline="0" dirty="0">
+                <a:ln>
+                  <a:noFill/>
+                </a:ln>
+                <a:solidFill>
+                  <a:srgbClr val="000000"/>
+                </a:solidFill>
+                <a:effectLst/>
+                <a:uFillTx/>
+                <a:latin typeface="Calibri"/>
+                <a:ea typeface="+mj-ea"/>
+                <a:cs typeface="+mj-cs"/>
+                <a:sym typeface="Helvetica"/>
+              </a:rPr>
+              <a:t> etc.</a:t>
+            </a:r>
+            <a:endParaRPr kumimoji="0" lang="x-none" altLang="en-US" sz="2400" b="1" i="0" u="none" strike="noStrike" cap="none" spc="0" normalizeH="0" baseline="0" dirty="0">
               <a:ln>
                 <a:noFill/>
               </a:ln>
@@ -3816,13 +3704,6 @@
     <a:masterClrMapping/>
   </p:clrMapOvr>
   <p:transition spd="med"/>
-  <p:timing>
-    <p:tnLst>
-      <p:par>
-        <p:cTn id="1" dur="indefinite" restart="never" nodeType="tmRoot"/>
-      </p:par>
-    </p:tnLst>
-  </p:timing>
 </p:sld>
 </file>
 
@@ -3963,10 +3844,9 @@
           </a:lstStyle>
           <a:p>
             <a:r>
-              <a:rPr lang="x-none" dirty="0" smtClean="0"/>
+              <a:rPr lang="x-none" dirty="0"/>
               <a:t>Advantages</a:t>
             </a:r>
-            <a:endParaRPr lang="x-none" dirty="0" smtClean="0"/>
           </a:p>
         </p:txBody>
       </p:sp>
@@ -4161,7 +4041,7 @@
               </a:defRPr>
             </a:pPr>
             <a:r>
-              <a:rPr lang="en-US" sz="2400" dirty="0" smtClean="0">
+              <a:rPr lang="en-US" sz="2400" dirty="0">
                 <a:solidFill>
                   <a:schemeClr val="accent1">
                     <a:lumMod val="50000"/>
@@ -4170,7 +4050,88 @@
               </a:rPr>
               <a:t>GDPR says processing of personal data is expressely prohibited</a:t>
             </a:r>
-            <a:endParaRPr lang="en-US" sz="2400" dirty="0" smtClean="0">
+          </a:p>
+          <a:p>
+            <a:pPr lvl="1" defTabSz="676275">
+              <a:spcBef>
+                <a:spcPts val="0"/>
+              </a:spcBef>
+              <a:buClr>
+                <a:srgbClr val="1F497D"/>
+              </a:buClr>
+              <a:buFont typeface="Arial" charset="0"/>
+              <a:buChar char="•"/>
+              <a:defRPr sz="1800">
+                <a:solidFill>
+                  <a:srgbClr val="000000"/>
+                </a:solidFill>
+              </a:defRPr>
+            </a:pPr>
+            <a:r>
+              <a:rPr lang="en-US" sz="2400" dirty="0">
+                <a:solidFill>
+                  <a:schemeClr val="accent1">
+                    <a:lumMod val="50000"/>
+                  </a:schemeClr>
+                </a:solidFill>
+              </a:rPr>
+              <a:t>but they are talking about data you </a:t>
+            </a:r>
+            <a:r>
+              <a:rPr lang="en-US" sz="2400" b="1" dirty="0">
+                <a:solidFill>
+                  <a:schemeClr val="accent1">
+                    <a:lumMod val="50000"/>
+                  </a:schemeClr>
+                </a:solidFill>
+              </a:rPr>
+              <a:t>collected</a:t>
+            </a:r>
+          </a:p>
+          <a:p>
+            <a:pPr lvl="1" defTabSz="676275">
+              <a:spcBef>
+                <a:spcPts val="0"/>
+              </a:spcBef>
+              <a:buClr>
+                <a:srgbClr val="1F497D"/>
+              </a:buClr>
+              <a:buFont typeface="Arial" charset="0"/>
+              <a:buChar char="•"/>
+              <a:defRPr sz="1800">
+                <a:solidFill>
+                  <a:srgbClr val="000000"/>
+                </a:solidFill>
+              </a:defRPr>
+            </a:pPr>
+            <a:r>
+              <a:rPr lang="en-US" sz="2400" dirty="0">
+                <a:solidFill>
+                  <a:schemeClr val="accent1">
+                    <a:lumMod val="50000"/>
+                  </a:schemeClr>
+                </a:solidFill>
+              </a:rPr>
+              <a:t>what if you haven't collected it because it never left the users' device?</a:t>
+            </a:r>
+          </a:p>
+          <a:p>
+            <a:pPr lvl="0" defTabSz="676275">
+              <a:spcBef>
+                <a:spcPts val="0"/>
+              </a:spcBef>
+              <a:buClr>
+                <a:srgbClr val="1F497D"/>
+              </a:buClr>
+              <a:buFont typeface="Arial" charset="0"/>
+              <a:buChar char="•"/>
+              <a:defRPr sz="1800">
+                <a:solidFill>
+                  <a:srgbClr val="000000"/>
+                </a:solidFill>
+              </a:defRPr>
+            </a:pPr>
+            <a:endParaRPr lang="en-US" sz="2400" dirty="0">
               <a:solidFill>
                 <a:schemeClr val="accent1">
                   <a:lumMod val="50000"/>
@@ -4179,7 +4140,7 @@
             </a:endParaRPr>
           </a:p>
           <a:p>
-            <a:pPr lvl="1" defTabSz="676275">
+            <a:pPr lvl="0" defTabSz="676275">
               <a:spcBef>
                 <a:spcPts val="0"/>
               </a:spcBef>
@@ -4195,124 +4156,15 @@
               </a:defRPr>
             </a:pPr>
             <a:r>
-              <a:rPr lang="en-US" sz="2400" dirty="0" smtClean="0">
+              <a:rPr lang="en-US" sz="2400" dirty="0">
                 <a:solidFill>
                   <a:schemeClr val="accent1">
                     <a:lumMod val="50000"/>
                   </a:schemeClr>
                 </a:solidFill>
               </a:rPr>
-              <a:t>but they are talking about data you </a:t>
-            </a:r>
-            <a:r>
-              <a:rPr lang="en-US" sz="2400" b="1" dirty="0" smtClean="0">
-                <a:solidFill>
-                  <a:schemeClr val="accent1">
-                    <a:lumMod val="50000"/>
-                  </a:schemeClr>
-                </a:solidFill>
-              </a:rPr>
-              <a:t>collected</a:t>
-            </a:r>
-            <a:endParaRPr lang="en-US" sz="2400" b="1" dirty="0" smtClean="0">
-              <a:solidFill>
-                <a:schemeClr val="accent1">
-                  <a:lumMod val="50000"/>
-                </a:schemeClr>
-              </a:solidFill>
-            </a:endParaRPr>
-          </a:p>
-          <a:p>
-            <a:pPr lvl="1" defTabSz="676275">
-              <a:spcBef>
-                <a:spcPts val="0"/>
-              </a:spcBef>
-              <a:buClr>
-                <a:srgbClr val="1F497D"/>
-              </a:buClr>
-              <a:buFont typeface="Arial" charset="0"/>
-              <a:buChar char="•"/>
-              <a:defRPr sz="1800">
-                <a:solidFill>
-                  <a:srgbClr val="000000"/>
-                </a:solidFill>
-              </a:defRPr>
-            </a:pPr>
-            <a:r>
-              <a:rPr lang="en-US" sz="2400" dirty="0" smtClean="0">
-                <a:solidFill>
-                  <a:schemeClr val="accent1">
-                    <a:lumMod val="50000"/>
-                  </a:schemeClr>
-                </a:solidFill>
-              </a:rPr>
-              <a:t>what if you haven't collected it because it never left the users' device?</a:t>
-            </a:r>
-            <a:endParaRPr lang="en-US" sz="2400" dirty="0" smtClean="0">
-              <a:solidFill>
-                <a:schemeClr val="accent1">
-                  <a:lumMod val="50000"/>
-                </a:schemeClr>
-              </a:solidFill>
-            </a:endParaRPr>
-          </a:p>
-          <a:p>
-            <a:pPr lvl="0" defTabSz="676275">
-              <a:spcBef>
-                <a:spcPts val="0"/>
-              </a:spcBef>
-              <a:buClr>
-                <a:srgbClr val="1F497D"/>
-              </a:buClr>
-              <a:buFont typeface="Arial" charset="0"/>
-              <a:buChar char="•"/>
-              <a:defRPr sz="1800">
-                <a:solidFill>
-                  <a:srgbClr val="000000"/>
-                </a:solidFill>
-              </a:defRPr>
-            </a:pPr>
-            <a:endParaRPr lang="en-US" sz="2400" dirty="0" smtClean="0">
-              <a:solidFill>
-                <a:schemeClr val="accent1">
-                  <a:lumMod val="50000"/>
-                </a:schemeClr>
-              </a:solidFill>
-            </a:endParaRPr>
-          </a:p>
-          <a:p>
-            <a:pPr lvl="0" defTabSz="676275">
-              <a:spcBef>
-                <a:spcPts val="0"/>
-              </a:spcBef>
-              <a:buClr>
-                <a:srgbClr val="1F497D"/>
-              </a:buClr>
-              <a:buFont typeface="Arial" charset="0"/>
-              <a:buChar char="•"/>
-              <a:defRPr sz="1800">
-                <a:solidFill>
-                  <a:srgbClr val="000000"/>
-                </a:solidFill>
-              </a:defRPr>
-            </a:pPr>
-            <a:r>
-              <a:rPr lang="en-US" sz="2400" dirty="0" smtClean="0">
-                <a:solidFill>
-                  <a:schemeClr val="accent1">
-                    <a:lumMod val="50000"/>
-                  </a:schemeClr>
-                </a:solidFill>
-              </a:rPr>
               <a:t>You can potentially use a wealth of information available on the client device you could never access server-side</a:t>
             </a:r>
-            <a:endParaRPr lang="en-US" sz="2400" dirty="0" smtClean="0">
-              <a:solidFill>
-                <a:schemeClr val="accent1">
-                  <a:lumMod val="50000"/>
-                </a:schemeClr>
-              </a:solidFill>
-            </a:endParaRPr>
           </a:p>
           <a:p>
             <a:pPr marL="0" indent="0" defTabSz="676275">
@@ -4331,7 +4183,7 @@
               </a:defRPr>
             </a:pPr>
             <a:r>
-              <a:rPr lang="x-none" altLang="en-US" sz="2400" dirty="0" smtClean="0">
+              <a:rPr lang="x-none" altLang="en-US" sz="2400" dirty="0">
                 <a:solidFill>
                   <a:schemeClr val="accent1">
                     <a:lumMod val="50000"/>
@@ -4341,7 +4193,7 @@
               <a:t>	</a:t>
             </a:r>
             <a:r>
-              <a:rPr lang="en-US" sz="2400" dirty="0" smtClean="0">
+              <a:rPr lang="en-US" sz="2400" dirty="0">
                 <a:solidFill>
                   <a:schemeClr val="accent1">
                     <a:lumMod val="50000"/>
@@ -4350,13 +4202,6 @@
               </a:rPr>
               <a:t>- address book</a:t>
             </a:r>
-            <a:endParaRPr lang="en-US" sz="2400" dirty="0" smtClean="0">
-              <a:solidFill>
-                <a:schemeClr val="accent1">
-                  <a:lumMod val="50000"/>
-                </a:schemeClr>
-              </a:solidFill>
-            </a:endParaRPr>
           </a:p>
           <a:p>
             <a:pPr marL="0" indent="0" defTabSz="676275">
@@ -4375,7 +4220,7 @@
               </a:defRPr>
             </a:pPr>
             <a:r>
-              <a:rPr lang="x-none" altLang="en-US" sz="2400" dirty="0" smtClean="0">
+              <a:rPr lang="x-none" altLang="en-US" sz="2400" dirty="0">
                 <a:solidFill>
                   <a:schemeClr val="accent1">
                     <a:lumMod val="50000"/>
@@ -4385,7 +4230,7 @@
               <a:t>	</a:t>
             </a:r>
             <a:r>
-              <a:rPr lang="en-US" sz="2400" dirty="0" smtClean="0">
+              <a:rPr lang="en-US" sz="2400" dirty="0">
                 <a:solidFill>
                   <a:schemeClr val="accent1">
                     <a:lumMod val="50000"/>
@@ -4394,13 +4239,6 @@
               </a:rPr>
               <a:t>- calendar</a:t>
             </a:r>
-            <a:endParaRPr lang="en-US" sz="2400" dirty="0" smtClean="0">
-              <a:solidFill>
-                <a:schemeClr val="accent1">
-                  <a:lumMod val="50000"/>
-                </a:schemeClr>
-              </a:solidFill>
-            </a:endParaRPr>
           </a:p>
           <a:p>
             <a:pPr marL="0" indent="0" defTabSz="676275">
@@ -4419,7 +4257,7 @@
               </a:defRPr>
             </a:pPr>
             <a:r>
-              <a:rPr lang="x-none" altLang="en-US" sz="2400" dirty="0" smtClean="0">
+              <a:rPr lang="x-none" altLang="en-US" sz="2400" dirty="0">
                 <a:solidFill>
                   <a:schemeClr val="accent1">
                     <a:lumMod val="50000"/>
@@ -4429,7 +4267,7 @@
               <a:t>	</a:t>
             </a:r>
             <a:r>
-              <a:rPr lang="en-US" sz="2400" dirty="0" smtClean="0">
+              <a:rPr lang="en-US" sz="2400" dirty="0">
                 <a:solidFill>
                   <a:schemeClr val="accent1">
                     <a:lumMod val="50000"/>
@@ -4438,13 +4276,6 @@
               </a:rPr>
               <a:t>- GPS</a:t>
             </a:r>
-            <a:endParaRPr lang="en-US" sz="2400" dirty="0" smtClean="0">
-              <a:solidFill>
-                <a:schemeClr val="accent1">
-                  <a:lumMod val="50000"/>
-                </a:schemeClr>
-              </a:solidFill>
-            </a:endParaRPr>
           </a:p>
           <a:p>
             <a:pPr marL="0" indent="0" defTabSz="676275">
@@ -4463,7 +4294,7 @@
               </a:defRPr>
             </a:pPr>
             <a:r>
-              <a:rPr lang="x-none" altLang="en-US" sz="2400" dirty="0" smtClean="0">
+              <a:rPr lang="x-none" altLang="en-US" sz="2400" dirty="0">
                 <a:solidFill>
                   <a:schemeClr val="accent1">
                     <a:lumMod val="50000"/>
@@ -4473,22 +4304,15 @@
               <a:t>	</a:t>
             </a:r>
             <a:r>
-              <a:rPr lang="en-US" sz="2400" dirty="0" smtClean="0">
+              <a:rPr lang="en-US" sz="2400" dirty="0">
                 <a:solidFill>
                   <a:schemeClr val="accent1">
                     <a:lumMod val="50000"/>
                   </a:schemeClr>
                 </a:solidFill>
               </a:rPr>
-              <a:t>- local files</a:t>
-            </a:r>
-            <a:endParaRPr lang="en-US" sz="2400" dirty="0" smtClean="0">
-              <a:solidFill>
-                <a:schemeClr val="accent1">
-                  <a:lumMod val="50000"/>
-                </a:schemeClr>
-              </a:solidFill>
-            </a:endParaRPr>
+              <a:t>- emails</a:t>
+            </a:r>
           </a:p>
           <a:p>
             <a:pPr marL="0" indent="0" defTabSz="676275">
@@ -4507,16 +4331,53 @@
               </a:defRPr>
             </a:pPr>
             <a:r>
-              <a:rPr lang="x-none" altLang="en-US" sz="2400" dirty="0" smtClean="0">
+              <a:rPr lang="x-none" altLang="en-US" sz="2400" dirty="0">
                 <a:solidFill>
                   <a:schemeClr val="accent1">
                     <a:lumMod val="50000"/>
                   </a:schemeClr>
                 </a:solidFill>
               </a:rPr>
-              <a:t>	- .............</a:t>
-            </a:r>
-            <a:endParaRPr lang="x-none" altLang="en-US" sz="2400" dirty="0" smtClean="0">
+              <a:t>	- </a:t>
+            </a:r>
+            <a:r>
+              <a:rPr lang="en-US" altLang="en-US" sz="2400" dirty="0">
+                <a:solidFill>
+                  <a:schemeClr val="accent1">
+                    <a:lumMod val="50000"/>
+                  </a:schemeClr>
+                </a:solidFill>
+              </a:rPr>
+              <a:t>messaging services</a:t>
+            </a:r>
+          </a:p>
+          <a:p>
+            <a:pPr marL="0" indent="0" defTabSz="676275">
+              <a:spcBef>
+                <a:spcPts val="0"/>
+              </a:spcBef>
+              <a:buClr>
+                <a:srgbClr val="1F497D"/>
+              </a:buClr>
+              <a:buFont typeface="Arial" charset="0"/>
+              <a:buNone/>
+              <a:defRPr sz="1800">
+                <a:solidFill>
+                  <a:srgbClr val="000000"/>
+                </a:solidFill>
+              </a:defRPr>
+            </a:pPr>
+            <a:r>
+              <a:rPr lang="en-US" altLang="en-US" sz="2400" dirty="0">
+                <a:solidFill>
+                  <a:schemeClr val="accent1">
+                    <a:lumMod val="50000"/>
+                  </a:schemeClr>
+                </a:solidFill>
+              </a:rPr>
+              <a:t>	- …..</a:t>
+            </a:r>
+            <a:endParaRPr lang="x-none" altLang="en-US" sz="2400" dirty="0">
               <a:solidFill>
                 <a:schemeClr val="accent1">
                   <a:lumMod val="50000"/>
@@ -4532,13 +4393,6 @@
     <a:masterClrMapping/>
   </p:clrMapOvr>
   <p:transition spd="med"/>
-  <p:timing>
-    <p:tnLst>
-      <p:par>
-        <p:cTn id="1" dur="indefinite" restart="never" nodeType="tmRoot"/>
-      </p:par>
-    </p:tnLst>
-  </p:timing>
 </p:sld>
 </file>
 
@@ -4679,10 +4533,9 @@
           </a:lstStyle>
           <a:p>
             <a:r>
-              <a:rPr lang="x-none" dirty="0" smtClean="0"/>
+              <a:rPr lang="x-none" dirty="0"/>
               <a:t>Advantages (coming back to the startup idea)</a:t>
             </a:r>
-            <a:endParaRPr lang="x-none" dirty="0" smtClean="0"/>
           </a:p>
         </p:txBody>
       </p:sp>
@@ -4877,16 +4730,268 @@
               </a:defRPr>
             </a:pPr>
             <a:r>
-              <a:rPr lang="en-US" sz="2400" dirty="0" smtClean="0">
+              <a:rPr lang="en-US" sz="2400" dirty="0">
                 <a:solidFill>
                   <a:schemeClr val="accent1">
                     <a:lumMod val="50000"/>
                   </a:schemeClr>
                 </a:solidFill>
               </a:rPr>
-              <a:t>BYOCP - "Bring your own computational power"</a:t>
-            </a:r>
-            <a:endParaRPr lang="en-US" sz="2400" dirty="0" smtClean="0">
+              <a:t>BYOPP - "Bring your own processing power"</a:t>
+            </a:r>
+          </a:p>
+          <a:p>
+            <a:pPr marL="0" indent="0" defTabSz="676275">
+              <a:spcBef>
+                <a:spcPts val="0"/>
+              </a:spcBef>
+              <a:buClr>
+                <a:srgbClr val="1F497D"/>
+              </a:buClr>
+              <a:buFont typeface="Arial" charset="0"/>
+              <a:buNone/>
+              <a:defRPr sz="1800">
+                <a:solidFill>
+                  <a:srgbClr val="000000"/>
+                </a:solidFill>
+              </a:defRPr>
+            </a:pPr>
+            <a:r>
+              <a:rPr lang="x-none" altLang="en-US" sz="2400" dirty="0">
+                <a:solidFill>
+                  <a:schemeClr val="accent1">
+                    <a:lumMod val="50000"/>
+                  </a:schemeClr>
+                </a:solidFill>
+              </a:rPr>
+              <a:t>	</a:t>
+            </a:r>
+            <a:r>
+              <a:rPr lang="en-US" sz="2400" dirty="0">
+                <a:solidFill>
+                  <a:schemeClr val="accent1">
+                    <a:lumMod val="50000"/>
+                  </a:schemeClr>
+                </a:solidFill>
+              </a:rPr>
+              <a:t>- World's fastest supercomputer can do 93 Petaflops</a:t>
+            </a:r>
+          </a:p>
+          <a:p>
+            <a:pPr marL="0" indent="0" defTabSz="676275">
+              <a:spcBef>
+                <a:spcPts val="0"/>
+              </a:spcBef>
+              <a:buClr>
+                <a:srgbClr val="1F497D"/>
+              </a:buClr>
+              <a:buFont typeface="Arial" charset="0"/>
+              <a:buNone/>
+              <a:defRPr sz="1800">
+                <a:solidFill>
+                  <a:srgbClr val="000000"/>
+                </a:solidFill>
+              </a:defRPr>
+            </a:pPr>
+            <a:r>
+              <a:rPr lang="x-none" altLang="en-US" sz="2400" dirty="0">
+                <a:solidFill>
+                  <a:schemeClr val="accent1">
+                    <a:lumMod val="50000"/>
+                  </a:schemeClr>
+                </a:solidFill>
+              </a:rPr>
+              <a:t>	</a:t>
+            </a:r>
+            <a:r>
+              <a:rPr lang="en-US" sz="2400" dirty="0">
+                <a:solidFill>
+                  <a:schemeClr val="accent1">
+                    <a:lumMod val="50000"/>
+                  </a:schemeClr>
+                </a:solidFill>
+              </a:rPr>
+              <a:t>- A Geforce 1080 runs at about 12 Teraflops </a:t>
+            </a:r>
+            <a:r>
+              <a:rPr lang="x-none" altLang="en-US" sz="2400" dirty="0">
+                <a:solidFill>
+                  <a:schemeClr val="accent1">
+                    <a:lumMod val="50000"/>
+                  </a:schemeClr>
+                </a:solidFill>
+              </a:rPr>
+              <a:t>(single prec.)</a:t>
+            </a:r>
+          </a:p>
+          <a:p>
+            <a:pPr marL="0" indent="0" defTabSz="676275">
+              <a:spcBef>
+                <a:spcPts val="0"/>
+              </a:spcBef>
+              <a:buClr>
+                <a:srgbClr val="1F497D"/>
+              </a:buClr>
+              <a:buFont typeface="Arial" charset="0"/>
+              <a:buNone/>
+              <a:defRPr sz="1800">
+                <a:solidFill>
+                  <a:srgbClr val="000000"/>
+                </a:solidFill>
+              </a:defRPr>
+            </a:pPr>
+            <a:r>
+              <a:rPr lang="x-none" altLang="en-US" sz="2400" dirty="0">
+                <a:solidFill>
+                  <a:schemeClr val="accent1">
+                    <a:lumMod val="50000"/>
+                  </a:schemeClr>
+                </a:solidFill>
+              </a:rPr>
+              <a:t>	- Y</a:t>
+            </a:r>
+            <a:r>
+              <a:rPr lang="en-US" sz="2400" dirty="0">
+                <a:solidFill>
+                  <a:schemeClr val="accent1">
+                    <a:lumMod val="50000"/>
+                  </a:schemeClr>
+                </a:solidFill>
+              </a:rPr>
+              <a:t>ou need ~7,750 customers with such cards to reach the </a:t>
+            </a:r>
+            <a:r>
+              <a:rPr lang="x-none" altLang="en-US" sz="2400" dirty="0">
+                <a:solidFill>
+                  <a:schemeClr val="accent1">
+                    <a:lumMod val="50000"/>
+                  </a:schemeClr>
+                </a:solidFill>
+              </a:rPr>
+              <a:t>	  </a:t>
+            </a:r>
+            <a:r>
+              <a:rPr lang="en-US" sz="2400" dirty="0">
+                <a:solidFill>
+                  <a:schemeClr val="accent1">
+                    <a:lumMod val="50000"/>
+                  </a:schemeClr>
+                </a:solidFill>
+              </a:rPr>
+              <a:t>TaihuLight</a:t>
+            </a:r>
+          </a:p>
+          <a:p>
+            <a:pPr marL="0" indent="0" defTabSz="676275">
+              <a:spcBef>
+                <a:spcPts val="0"/>
+              </a:spcBef>
+              <a:buClr>
+                <a:srgbClr val="1F497D"/>
+              </a:buClr>
+              <a:buFont typeface="Arial" charset="0"/>
+              <a:buNone/>
+              <a:defRPr sz="1800">
+                <a:solidFill>
+                  <a:srgbClr val="000000"/>
+                </a:solidFill>
+              </a:defRPr>
+            </a:pPr>
+            <a:r>
+              <a:rPr lang="x-none" altLang="en-US" sz="2400" dirty="0">
+                <a:solidFill>
+                  <a:schemeClr val="accent1">
+                    <a:lumMod val="50000"/>
+                  </a:schemeClr>
+                </a:solidFill>
+              </a:rPr>
+              <a:t>	-</a:t>
+            </a:r>
+            <a:r>
+              <a:rPr lang="en-US" sz="2400" dirty="0">
+                <a:solidFill>
+                  <a:schemeClr val="accent1">
+                    <a:lumMod val="50000"/>
+                  </a:schemeClr>
+                </a:solidFill>
+              </a:rPr>
+              <a:t> i</a:t>
+            </a:r>
+            <a:r>
+              <a:rPr lang="x-none" altLang="en-US" sz="2400" dirty="0">
+                <a:solidFill>
+                  <a:schemeClr val="accent1">
+                    <a:lumMod val="50000"/>
+                  </a:schemeClr>
+                </a:solidFill>
+              </a:rPr>
+              <a:t>P</a:t>
+            </a:r>
+            <a:r>
+              <a:rPr lang="en-US" sz="2400" dirty="0">
+                <a:solidFill>
+                  <a:schemeClr val="accent1">
+                    <a:lumMod val="50000"/>
+                  </a:schemeClr>
+                </a:solidFill>
+              </a:rPr>
+              <a:t>hone 7: GPU operates at 729.6 GFLOPS</a:t>
+            </a:r>
+          </a:p>
+          <a:p>
+            <a:pPr marL="0" indent="0" defTabSz="676275">
+              <a:spcBef>
+                <a:spcPts val="0"/>
+              </a:spcBef>
+              <a:buClr>
+                <a:srgbClr val="1F497D"/>
+              </a:buClr>
+              <a:buFont typeface="Arial" charset="0"/>
+              <a:buNone/>
+              <a:defRPr sz="1800">
+                <a:solidFill>
+                  <a:srgbClr val="000000"/>
+                </a:solidFill>
+              </a:defRPr>
+            </a:pPr>
+            <a:r>
+              <a:rPr lang="x-none" altLang="en-US" sz="2400" dirty="0">
+                <a:solidFill>
+                  <a:schemeClr val="accent1">
+                    <a:lumMod val="50000"/>
+                  </a:schemeClr>
+                </a:solidFill>
+              </a:rPr>
+              <a:t>	- </a:t>
+            </a:r>
+            <a:r>
+              <a:rPr lang="en-US" sz="2400" dirty="0">
+                <a:solidFill>
+                  <a:schemeClr val="accent1">
+                    <a:lumMod val="50000"/>
+                  </a:schemeClr>
+                </a:solidFill>
+              </a:rPr>
+              <a:t>~130k iphones stack up to the TaihuLight</a:t>
+            </a:r>
+          </a:p>
+          <a:p>
+            <a:pPr defTabSz="676275">
+              <a:spcBef>
+                <a:spcPts val="0"/>
+              </a:spcBef>
+              <a:buClr>
+                <a:srgbClr val="1F497D"/>
+              </a:buClr>
+              <a:buFont typeface="Arial" charset="0"/>
+              <a:buChar char="•"/>
+              <a:defRPr sz="1800">
+                <a:solidFill>
+                  <a:srgbClr val="000000"/>
+                </a:solidFill>
+              </a:defRPr>
+            </a:pPr>
+            <a:endParaRPr lang="en-US" sz="2400" dirty="0">
               <a:solidFill>
                 <a:schemeClr val="accent1">
                   <a:lumMod val="50000"/>
@@ -4895,7 +5000,7 @@
             </a:endParaRPr>
           </a:p>
           <a:p>
-            <a:pPr marL="0" indent="0" defTabSz="676275">
+            <a:pPr defTabSz="676275">
               <a:spcBef>
                 <a:spcPts val="0"/>
               </a:spcBef>
@@ -4903,7 +5008,7 @@
                 <a:srgbClr val="1F497D"/>
               </a:buClr>
               <a:buFont typeface="Arial" charset="0"/>
-              <a:buNone/>
+              <a:buChar char="•"/>
               <a:defRPr sz="1800">
                 <a:solidFill>
                   <a:srgbClr val="000000"/>
@@ -4911,26 +5016,33 @@
               </a:defRPr>
             </a:pPr>
             <a:r>
-              <a:rPr lang="x-none" altLang="en-US" sz="2400" dirty="0" smtClean="0">
+              <a:rPr lang="en-US" sz="2400" dirty="0">
                 <a:solidFill>
                   <a:schemeClr val="accent1">
                     <a:lumMod val="50000"/>
                   </a:schemeClr>
                 </a:solidFill>
               </a:rPr>
-              <a:t>	</a:t>
-            </a:r>
-            <a:r>
-              <a:rPr lang="en-US" sz="2400" dirty="0" smtClean="0">
-                <a:solidFill>
-                  <a:schemeClr val="accent1">
-                    <a:lumMod val="50000"/>
-                  </a:schemeClr>
-                </a:solidFill>
-              </a:rPr>
-              <a:t>- World's fastest supercomputer can do 93 Petaflops</a:t>
-            </a:r>
-            <a:endParaRPr lang="en-US" sz="2400" dirty="0" smtClean="0">
+              <a:t>of course apps can never access the full potential of a client device (think of battery alone…), but those numbers give a  good feeling about the magnitude we're talking about</a:t>
+            </a:r>
+          </a:p>
+          <a:p>
+            <a:pPr defTabSz="676275">
+              <a:spcBef>
+                <a:spcPts val="0"/>
+              </a:spcBef>
+              <a:buClr>
+                <a:srgbClr val="1F497D"/>
+              </a:buClr>
+              <a:buFont typeface="Arial" charset="0"/>
+              <a:buChar char="•"/>
+              <a:defRPr sz="1800">
+                <a:solidFill>
+                  <a:srgbClr val="000000"/>
+                </a:solidFill>
+              </a:defRPr>
+            </a:pPr>
+            <a:endParaRPr lang="en-US" sz="2400" dirty="0">
               <a:solidFill>
                 <a:schemeClr val="accent1">
                   <a:lumMod val="50000"/>
@@ -4939,232 +5051,6 @@
             </a:endParaRPr>
           </a:p>
           <a:p>
-            <a:pPr marL="0" indent="0" defTabSz="676275">
-              <a:spcBef>
-                <a:spcPts val="0"/>
-              </a:spcBef>
-              <a:buClr>
-                <a:srgbClr val="1F497D"/>
-              </a:buClr>
-              <a:buFont typeface="Arial" charset="0"/>
-              <a:buNone/>
-              <a:defRPr sz="1800">
-                <a:solidFill>
-                  <a:srgbClr val="000000"/>
-                </a:solidFill>
-              </a:defRPr>
-            </a:pPr>
-            <a:r>
-              <a:rPr lang="x-none" altLang="en-US" sz="2400" dirty="0" smtClean="0">
-                <a:solidFill>
-                  <a:schemeClr val="accent1">
-                    <a:lumMod val="50000"/>
-                  </a:schemeClr>
-                </a:solidFill>
-              </a:rPr>
-              <a:t>	</a:t>
-            </a:r>
-            <a:r>
-              <a:rPr lang="en-US" sz="2400" dirty="0" smtClean="0">
-                <a:solidFill>
-                  <a:schemeClr val="accent1">
-                    <a:lumMod val="50000"/>
-                  </a:schemeClr>
-                </a:solidFill>
-              </a:rPr>
-              <a:t>- A Geforce 1080 runs at about 12 Teraflops </a:t>
-            </a:r>
-            <a:r>
-              <a:rPr lang="x-none" altLang="en-US" sz="2400" dirty="0" smtClean="0">
-                <a:solidFill>
-                  <a:schemeClr val="accent1">
-                    <a:lumMod val="50000"/>
-                  </a:schemeClr>
-                </a:solidFill>
-              </a:rPr>
-              <a:t>(single prec.)</a:t>
-            </a:r>
-            <a:endParaRPr lang="x-none" altLang="en-US" sz="2400" dirty="0" smtClean="0">
-              <a:solidFill>
-                <a:schemeClr val="accent1">
-                  <a:lumMod val="50000"/>
-                </a:schemeClr>
-              </a:solidFill>
-            </a:endParaRPr>
-          </a:p>
-          <a:p>
-            <a:pPr marL="0" indent="0" defTabSz="676275">
-              <a:spcBef>
-                <a:spcPts val="0"/>
-              </a:spcBef>
-              <a:buClr>
-                <a:srgbClr val="1F497D"/>
-              </a:buClr>
-              <a:buFont typeface="Arial" charset="0"/>
-              <a:buNone/>
-              <a:defRPr sz="1800">
-                <a:solidFill>
-                  <a:srgbClr val="000000"/>
-                </a:solidFill>
-              </a:defRPr>
-            </a:pPr>
-            <a:r>
-              <a:rPr lang="x-none" altLang="en-US" sz="2400" dirty="0" smtClean="0">
-                <a:solidFill>
-                  <a:schemeClr val="accent1">
-                    <a:lumMod val="50000"/>
-                  </a:schemeClr>
-                </a:solidFill>
-              </a:rPr>
-              <a:t>	- Y</a:t>
-            </a:r>
-            <a:r>
-              <a:rPr lang="en-US" sz="2400" dirty="0" smtClean="0">
-                <a:solidFill>
-                  <a:schemeClr val="accent1">
-                    <a:lumMod val="50000"/>
-                  </a:schemeClr>
-                </a:solidFill>
-              </a:rPr>
-              <a:t>ou need ~7,750 customers with such cards to reach the </a:t>
-            </a:r>
-            <a:r>
-              <a:rPr lang="x-none" altLang="en-US" sz="2400" dirty="0" smtClean="0">
-                <a:solidFill>
-                  <a:schemeClr val="accent1">
-                    <a:lumMod val="50000"/>
-                  </a:schemeClr>
-                </a:solidFill>
-              </a:rPr>
-              <a:t>	  </a:t>
-            </a:r>
-            <a:r>
-              <a:rPr lang="en-US" sz="2400" dirty="0" smtClean="0">
-                <a:solidFill>
-                  <a:schemeClr val="accent1">
-                    <a:lumMod val="50000"/>
-                  </a:schemeClr>
-                </a:solidFill>
-              </a:rPr>
-              <a:t>TaihuLight</a:t>
-            </a:r>
-            <a:endParaRPr lang="en-US" sz="2400" dirty="0" smtClean="0">
-              <a:solidFill>
-                <a:schemeClr val="accent1">
-                  <a:lumMod val="50000"/>
-                </a:schemeClr>
-              </a:solidFill>
-            </a:endParaRPr>
-          </a:p>
-          <a:p>
-            <a:pPr marL="0" indent="0" defTabSz="676275">
-              <a:spcBef>
-                <a:spcPts val="0"/>
-              </a:spcBef>
-              <a:buClr>
-                <a:srgbClr val="1F497D"/>
-              </a:buClr>
-              <a:buFont typeface="Arial" charset="0"/>
-              <a:buNone/>
-              <a:defRPr sz="1800">
-                <a:solidFill>
-                  <a:srgbClr val="000000"/>
-                </a:solidFill>
-              </a:defRPr>
-            </a:pPr>
-            <a:r>
-              <a:rPr lang="x-none" altLang="en-US" sz="2400" dirty="0" smtClean="0">
-                <a:solidFill>
-                  <a:schemeClr val="accent1">
-                    <a:lumMod val="50000"/>
-                  </a:schemeClr>
-                </a:solidFill>
-              </a:rPr>
-              <a:t>	-</a:t>
-            </a:r>
-            <a:r>
-              <a:rPr lang="en-US" sz="2400" dirty="0" smtClean="0">
-                <a:solidFill>
-                  <a:schemeClr val="accent1">
-                    <a:lumMod val="50000"/>
-                  </a:schemeClr>
-                </a:solidFill>
-              </a:rPr>
-              <a:t> i</a:t>
-            </a:r>
-            <a:r>
-              <a:rPr lang="x-none" altLang="en-US" sz="2400" dirty="0" smtClean="0">
-                <a:solidFill>
-                  <a:schemeClr val="accent1">
-                    <a:lumMod val="50000"/>
-                  </a:schemeClr>
-                </a:solidFill>
-              </a:rPr>
-              <a:t>P</a:t>
-            </a:r>
-            <a:r>
-              <a:rPr lang="en-US" sz="2400" dirty="0" smtClean="0">
-                <a:solidFill>
-                  <a:schemeClr val="accent1">
-                    <a:lumMod val="50000"/>
-                  </a:schemeClr>
-                </a:solidFill>
-              </a:rPr>
-              <a:t>hone 7: GPU operates at 729.6 GFLOPS</a:t>
-            </a:r>
-            <a:endParaRPr lang="en-US" sz="2400" dirty="0" smtClean="0">
-              <a:solidFill>
-                <a:schemeClr val="accent1">
-                  <a:lumMod val="50000"/>
-                </a:schemeClr>
-              </a:solidFill>
-            </a:endParaRPr>
-          </a:p>
-          <a:p>
-            <a:pPr marL="0" indent="0" defTabSz="676275">
-              <a:spcBef>
-                <a:spcPts val="0"/>
-              </a:spcBef>
-              <a:buClr>
-                <a:srgbClr val="1F497D"/>
-              </a:buClr>
-              <a:buFont typeface="Arial" charset="0"/>
-              <a:buNone/>
-              <a:defRPr sz="1800">
-                <a:solidFill>
-                  <a:srgbClr val="000000"/>
-                </a:solidFill>
-              </a:defRPr>
-            </a:pPr>
-            <a:r>
-              <a:rPr lang="x-none" altLang="en-US" sz="2400" dirty="0" smtClean="0">
-                <a:solidFill>
-                  <a:schemeClr val="accent1">
-                    <a:lumMod val="50000"/>
-                  </a:schemeClr>
-                </a:solidFill>
-              </a:rPr>
-              <a:t>	- </a:t>
-            </a:r>
-            <a:r>
-              <a:rPr lang="en-US" sz="2400" dirty="0" smtClean="0">
-                <a:solidFill>
-                  <a:schemeClr val="accent1">
-                    <a:lumMod val="50000"/>
-                  </a:schemeClr>
-                </a:solidFill>
-              </a:rPr>
-              <a:t>~130k iphones stack up to the TaihuLight</a:t>
-            </a:r>
-            <a:endParaRPr lang="en-US" sz="2400" dirty="0" smtClean="0">
-              <a:solidFill>
-                <a:schemeClr val="accent1">
-                  <a:lumMod val="50000"/>
-                </a:schemeClr>
-              </a:solidFill>
-            </a:endParaRPr>
-          </a:p>
-          <a:p>
             <a:pPr defTabSz="676275">
               <a:spcBef>
                 <a:spcPts val="0"/>
@@ -5180,115 +5066,26 @@
                 </a:solidFill>
               </a:defRPr>
             </a:pPr>
-            <a:endParaRPr lang="en-US" sz="2400" dirty="0" smtClean="0">
-              <a:solidFill>
-                <a:schemeClr val="accent1">
-                  <a:lumMod val="50000"/>
-                </a:schemeClr>
-              </a:solidFill>
-            </a:endParaRPr>
-          </a:p>
-          <a:p>
-            <a:pPr defTabSz="676275">
-              <a:spcBef>
-                <a:spcPts val="0"/>
-              </a:spcBef>
-              <a:buClr>
-                <a:srgbClr val="1F497D"/>
-              </a:buClr>
-              <a:buFont typeface="Arial" charset="0"/>
-              <a:buChar char="•"/>
-              <a:defRPr sz="1800">
-                <a:solidFill>
-                  <a:srgbClr val="000000"/>
-                </a:solidFill>
-              </a:defRPr>
-            </a:pPr>
-            <a:r>
-              <a:rPr lang="en-US" sz="2400" dirty="0" smtClean="0">
+            <a:r>
+              <a:rPr lang="en-US" sz="2400" dirty="0">
                 <a:solidFill>
                   <a:schemeClr val="accent1">
                     <a:lumMod val="50000"/>
                   </a:schemeClr>
                 </a:solidFill>
               </a:rPr>
-              <a:t>of course those are very superficial &amp; unrealistic numbers, but they give a good feeling about the order of magnitude we're talking about</a:t>
-            </a:r>
-            <a:endParaRPr lang="en-US" sz="2400" dirty="0" smtClean="0">
-              <a:solidFill>
-                <a:schemeClr val="accent1">
-                  <a:lumMod val="50000"/>
-                </a:schemeClr>
-              </a:solidFill>
-            </a:endParaRPr>
-          </a:p>
-          <a:p>
-            <a:pPr defTabSz="676275">
-              <a:spcBef>
-                <a:spcPts val="0"/>
-              </a:spcBef>
-              <a:buClr>
-                <a:srgbClr val="1F497D"/>
-              </a:buClr>
-              <a:buFont typeface="Arial" charset="0"/>
-              <a:buChar char="•"/>
-              <a:defRPr sz="1800">
-                <a:solidFill>
-                  <a:srgbClr val="000000"/>
-                </a:solidFill>
-              </a:defRPr>
-            </a:pPr>
-            <a:endParaRPr lang="en-US" sz="2400" dirty="0" smtClean="0">
-              <a:solidFill>
-                <a:schemeClr val="accent1">
-                  <a:lumMod val="50000"/>
-                </a:schemeClr>
-              </a:solidFill>
-            </a:endParaRPr>
-          </a:p>
-          <a:p>
-            <a:pPr defTabSz="676275">
-              <a:spcBef>
-                <a:spcPts val="0"/>
-              </a:spcBef>
-              <a:buClr>
-                <a:srgbClr val="1F497D"/>
-              </a:buClr>
-              <a:buFont typeface="Arial" charset="0"/>
-              <a:buChar char="•"/>
-              <a:defRPr sz="1800">
-                <a:solidFill>
-                  <a:srgbClr val="000000"/>
-                </a:solidFill>
-              </a:defRPr>
-            </a:pPr>
-            <a:r>
-              <a:rPr lang="en-US" sz="2400" dirty="0" smtClean="0">
+              <a:t>a few hundred thousand users is not much for a successful startup </a:t>
+            </a:r>
+            <a:r>
+              <a:rPr lang="x-none" altLang="en-US" sz="2400" dirty="0">
                 <a:solidFill>
                   <a:schemeClr val="accent1">
                     <a:lumMod val="50000"/>
                   </a:schemeClr>
                 </a:solidFill>
               </a:rPr>
-              <a:t>a few hundred thousand users is not much for a successful startup </a:t>
-            </a:r>
-            <a:r>
-              <a:rPr lang="x-none" altLang="en-US" sz="2400" dirty="0" smtClean="0">
-                <a:solidFill>
-                  <a:schemeClr val="accent1">
-                    <a:lumMod val="50000"/>
-                  </a:schemeClr>
-                </a:solidFill>
-              </a:rPr>
               <a:t>today =&gt; SCALABILITY !!!</a:t>
             </a:r>
-            <a:endParaRPr lang="x-none" altLang="en-US" sz="2400" dirty="0" smtClean="0">
-              <a:solidFill>
-                <a:schemeClr val="accent1">
-                  <a:lumMod val="50000"/>
-                </a:schemeClr>
-              </a:solidFill>
-            </a:endParaRPr>
           </a:p>
         </p:txBody>
       </p:sp>
@@ -5298,13 +5095,6 @@
     <a:masterClrMapping/>
   </p:clrMapOvr>
   <p:transition spd="med"/>
-  <p:timing>
-    <p:tnLst>
-      <p:par>
-        <p:cTn id="1" dur="indefinite" restart="never" nodeType="tmRoot"/>
-      </p:par>
-    </p:tnLst>
-  </p:timing>
 </p:sld>
 </file>
 
@@ -5445,10 +5235,9 @@
           </a:lstStyle>
           <a:p>
             <a:r>
-              <a:rPr lang="x-none" dirty="0" smtClean="0"/>
+              <a:rPr lang="x-none" dirty="0"/>
               <a:t>Proposed mechanism</a:t>
             </a:r>
-            <a:endParaRPr lang="x-none" dirty="0" smtClean="0"/>
           </a:p>
         </p:txBody>
       </p:sp>
@@ -5643,7 +5432,7 @@
               </a:defRPr>
             </a:pPr>
             <a:r>
-              <a:rPr lang="en-US" sz="2400" dirty="0" smtClean="0">
+              <a:rPr lang="en-US" sz="2400" dirty="0">
                 <a:solidFill>
                   <a:schemeClr val="accent1">
                     <a:lumMod val="50000"/>
@@ -5652,279 +5441,6 @@
               </a:rPr>
               <a:t>Pub/Sub keeps the local sphere in sync with global data</a:t>
             </a:r>
-            <a:endParaRPr lang="en-US" sz="2400" dirty="0" smtClean="0">
-              <a:solidFill>
-                <a:schemeClr val="accent1">
-                  <a:lumMod val="50000"/>
-                </a:schemeClr>
-              </a:solidFill>
-            </a:endParaRPr>
-          </a:p>
-          <a:p>
-            <a:pPr marL="457200" indent="-457200" defTabSz="676275">
-              <a:spcBef>
-                <a:spcPts val="0"/>
-              </a:spcBef>
-              <a:buClr>
-                <a:srgbClr val="1F497D"/>
-              </a:buClr>
-              <a:buFont typeface="Arial" charset="0"/>
-              <a:buAutoNum type="arabicPeriod"/>
-              <a:defRPr sz="1800">
-                <a:solidFill>
-                  <a:srgbClr val="000000"/>
-                </a:solidFill>
-              </a:defRPr>
-            </a:pPr>
-            <a:endParaRPr lang="en-US" sz="2400" dirty="0" smtClean="0">
-              <a:solidFill>
-                <a:schemeClr val="accent1">
-                  <a:lumMod val="50000"/>
-                </a:schemeClr>
-              </a:solidFill>
-            </a:endParaRPr>
-          </a:p>
-          <a:p>
-            <a:pPr marL="457200" indent="-457200" defTabSz="676275">
-              <a:spcBef>
-                <a:spcPts val="0"/>
-              </a:spcBef>
-              <a:buClr>
-                <a:srgbClr val="1F497D"/>
-              </a:buClr>
-              <a:buFont typeface="Arial" charset="0"/>
-              <a:buAutoNum type="arabicPeriod"/>
-              <a:defRPr sz="1800">
-                <a:solidFill>
-                  <a:srgbClr val="000000"/>
-                </a:solidFill>
-              </a:defRPr>
-            </a:pPr>
-            <a:r>
-              <a:rPr lang="en-US" sz="2400" dirty="0" smtClean="0">
-                <a:solidFill>
-                  <a:schemeClr val="accent1">
-                    <a:lumMod val="50000"/>
-                  </a:schemeClr>
-                </a:solidFill>
-              </a:rPr>
-              <a:t>Local algorithms compute recommendations</a:t>
-            </a:r>
-            <a:endParaRPr lang="en-US" sz="2400" dirty="0" smtClean="0">
-              <a:solidFill>
-                <a:schemeClr val="accent1">
-                  <a:lumMod val="50000"/>
-                </a:schemeClr>
-              </a:solidFill>
-            </a:endParaRPr>
-          </a:p>
-          <a:p>
-            <a:pPr marL="800100" lvl="1" indent="-342900" defTabSz="676275">
-              <a:spcBef>
-                <a:spcPts val="0"/>
-              </a:spcBef>
-              <a:buClr>
-                <a:srgbClr val="1F497D"/>
-              </a:buClr>
-              <a:buFont typeface="Arial" charset="0"/>
-              <a:buChar char="•"/>
-              <a:defRPr sz="1800">
-                <a:solidFill>
-                  <a:srgbClr val="000000"/>
-                </a:solidFill>
-              </a:defRPr>
-            </a:pPr>
-            <a:r>
-              <a:rPr lang="en-US" sz="2400" dirty="0" smtClean="0">
-                <a:solidFill>
-                  <a:schemeClr val="accent1">
-                    <a:lumMod val="50000"/>
-                  </a:schemeClr>
-                </a:solidFill>
-              </a:rPr>
-              <a:t>these can also come from a client-side crawler (like the FB crawler which scans URLs you paste into a comment field and extracts images from a website etc.)</a:t>
-            </a:r>
-            <a:endParaRPr lang="en-US" sz="2400" dirty="0" smtClean="0">
-              <a:solidFill>
-                <a:schemeClr val="accent1">
-                  <a:lumMod val="50000"/>
-                </a:schemeClr>
-              </a:solidFill>
-            </a:endParaRPr>
-          </a:p>
-          <a:p>
-            <a:pPr marL="800100" lvl="1" indent="-342900" defTabSz="676275">
-              <a:spcBef>
-                <a:spcPts val="0"/>
-              </a:spcBef>
-              <a:buClr>
-                <a:srgbClr val="1F497D"/>
-              </a:buClr>
-              <a:buFont typeface="Arial" charset="0"/>
-              <a:buChar char="•"/>
-              <a:defRPr sz="1800">
-                <a:solidFill>
-                  <a:srgbClr val="000000"/>
-                </a:solidFill>
-              </a:defRPr>
-            </a:pPr>
-            <a:endParaRPr lang="en-US" sz="2400" dirty="0" smtClean="0">
-              <a:solidFill>
-                <a:schemeClr val="accent1">
-                  <a:lumMod val="50000"/>
-                </a:schemeClr>
-              </a:solidFill>
-            </a:endParaRPr>
-          </a:p>
-          <a:p>
-            <a:pPr marL="457200" indent="-457200" defTabSz="676275">
-              <a:spcBef>
-                <a:spcPts val="0"/>
-              </a:spcBef>
-              <a:buClr>
-                <a:srgbClr val="1F497D"/>
-              </a:buClr>
-              <a:buFont typeface="Arial" charset="0"/>
-              <a:buAutoNum type="arabicPeriod"/>
-              <a:defRPr sz="1800">
-                <a:solidFill>
-                  <a:srgbClr val="000000"/>
-                </a:solidFill>
-              </a:defRPr>
-            </a:pPr>
-            <a:r>
-              <a:rPr lang="en-US" sz="2400" dirty="0" smtClean="0">
-                <a:solidFill>
-                  <a:schemeClr val="accent1">
-                    <a:lumMod val="50000"/>
-                  </a:schemeClr>
-                </a:solidFill>
-              </a:rPr>
-              <a:t>Upon user acceptance, a new node is introduced into the local sphere + updated to the global sphere</a:t>
-            </a:r>
-            <a:endParaRPr lang="en-US" sz="2400" dirty="0" smtClean="0">
-              <a:solidFill>
-                <a:schemeClr val="accent1">
-                  <a:lumMod val="50000"/>
-                </a:schemeClr>
-              </a:solidFill>
-            </a:endParaRPr>
-          </a:p>
-          <a:p>
-            <a:pPr marL="457200" indent="-457200" defTabSz="676275">
-              <a:spcBef>
-                <a:spcPts val="0"/>
-              </a:spcBef>
-              <a:buClr>
-                <a:srgbClr val="1F497D"/>
-              </a:buClr>
-              <a:buFont typeface="Arial" charset="0"/>
-              <a:buAutoNum type="arabicPeriod"/>
-              <a:defRPr sz="1800">
-                <a:solidFill>
-                  <a:srgbClr val="000000"/>
-                </a:solidFill>
-              </a:defRPr>
-            </a:pPr>
-            <a:endParaRPr lang="en-US" sz="2400" dirty="0" smtClean="0">
-              <a:solidFill>
-                <a:schemeClr val="accent1">
-                  <a:lumMod val="50000"/>
-                </a:schemeClr>
-              </a:solidFill>
-            </a:endParaRPr>
-          </a:p>
-          <a:p>
-            <a:pPr marL="457200" indent="-457200" defTabSz="676275">
-              <a:spcBef>
-                <a:spcPts val="0"/>
-              </a:spcBef>
-              <a:buClr>
-                <a:srgbClr val="1F497D"/>
-              </a:buClr>
-              <a:buFont typeface="Arial" charset="0"/>
-              <a:buAutoNum type="arabicPeriod"/>
-              <a:defRPr sz="1800">
-                <a:solidFill>
-                  <a:srgbClr val="000000"/>
-                </a:solidFill>
-              </a:defRPr>
-            </a:pPr>
-            <a:r>
-              <a:rPr lang="en-US" sz="2400" dirty="0" smtClean="0">
-                <a:solidFill>
-                  <a:schemeClr val="accent1">
-                    <a:lumMod val="50000"/>
-                  </a:schemeClr>
-                </a:solidFill>
-              </a:rPr>
-              <a:t>Client devices with overlapping local spheres now receive that node in the background</a:t>
-            </a:r>
-            <a:endParaRPr lang="en-US" sz="2400" dirty="0" smtClean="0">
-              <a:solidFill>
-                <a:schemeClr val="accent1">
-                  <a:lumMod val="50000"/>
-                </a:schemeClr>
-              </a:solidFill>
-            </a:endParaRPr>
-          </a:p>
-          <a:p>
-            <a:pPr marL="457200" indent="-457200" defTabSz="676275">
-              <a:spcBef>
-                <a:spcPts val="0"/>
-              </a:spcBef>
-              <a:buClr>
-                <a:srgbClr val="1F497D"/>
-              </a:buClr>
-              <a:buFont typeface="Arial" charset="0"/>
-              <a:buAutoNum type="arabicPeriod"/>
-              <a:defRPr sz="1800">
-                <a:solidFill>
-                  <a:srgbClr val="000000"/>
-                </a:solidFill>
-              </a:defRPr>
-            </a:pPr>
-            <a:endParaRPr lang="en-US" sz="2400" dirty="0" smtClean="0">
-              <a:solidFill>
-                <a:schemeClr val="accent1">
-                  <a:lumMod val="50000"/>
-                </a:schemeClr>
-              </a:solidFill>
-            </a:endParaRPr>
-          </a:p>
-          <a:p>
-            <a:pPr marL="457200" indent="-457200" defTabSz="676275">
-              <a:spcBef>
-                <a:spcPts val="0"/>
-              </a:spcBef>
-              <a:buClr>
-                <a:srgbClr val="1F497D"/>
-              </a:buClr>
-              <a:buFont typeface="Arial" charset="0"/>
-              <a:buAutoNum type="arabicPeriod"/>
-              <a:defRPr sz="1800">
-                <a:solidFill>
-                  <a:srgbClr val="000000"/>
-                </a:solidFill>
-              </a:defRPr>
-            </a:pPr>
-            <a:r>
-              <a:rPr lang="en-US" sz="2400" dirty="0" smtClean="0">
-                <a:solidFill>
-                  <a:schemeClr val="accent1">
-                    <a:lumMod val="50000"/>
-                  </a:schemeClr>
-                </a:solidFill>
-              </a:rPr>
-              <a:t>Their recommenders respond...</a:t>
-            </a:r>
-            <a:endParaRPr lang="en-US" sz="2400" dirty="0" smtClean="0">
-              <a:solidFill>
-                <a:schemeClr val="accent1">
-                  <a:lumMod val="50000"/>
-                </a:schemeClr>
-              </a:solidFill>
-            </a:endParaRPr>
           </a:p>
           <a:p>
             <a:pPr marL="457200" indent="-457200" defTabSz="676275">
@@ -5950,6 +5466,237 @@
               </a:solidFill>
             </a:endParaRPr>
           </a:p>
+          <a:p>
+            <a:pPr marL="457200" indent="-457200" defTabSz="676275">
+              <a:spcBef>
+                <a:spcPts val="0"/>
+              </a:spcBef>
+              <a:buClr>
+                <a:srgbClr val="1F497D"/>
+              </a:buClr>
+              <a:buFont typeface="Arial" charset="0"/>
+              <a:buAutoNum type="arabicPeriod"/>
+              <a:defRPr sz="1800">
+                <a:solidFill>
+                  <a:srgbClr val="000000"/>
+                </a:solidFill>
+              </a:defRPr>
+            </a:pPr>
+            <a:r>
+              <a:rPr lang="en-US" sz="2400" dirty="0">
+                <a:solidFill>
+                  <a:schemeClr val="accent1">
+                    <a:lumMod val="50000"/>
+                  </a:schemeClr>
+                </a:solidFill>
+              </a:rPr>
+              <a:t>Local algorithms compute recommendations</a:t>
+            </a:r>
+          </a:p>
+          <a:p>
+            <a:pPr marL="800100" lvl="1" indent="-342900" defTabSz="676275">
+              <a:spcBef>
+                <a:spcPts val="0"/>
+              </a:spcBef>
+              <a:buClr>
+                <a:srgbClr val="1F497D"/>
+              </a:buClr>
+              <a:buFont typeface="Arial" charset="0"/>
+              <a:buChar char="•"/>
+              <a:defRPr sz="1800">
+                <a:solidFill>
+                  <a:srgbClr val="000000"/>
+                </a:solidFill>
+              </a:defRPr>
+            </a:pPr>
+            <a:r>
+              <a:rPr lang="en-US" sz="2400" dirty="0">
+                <a:solidFill>
+                  <a:schemeClr val="accent1">
+                    <a:lumMod val="50000"/>
+                  </a:schemeClr>
+                </a:solidFill>
+              </a:rPr>
+              <a:t>these can also come from a client-side crawler (like the FB crawler which scans URLs you paste into a comment field and extracts images from a website)</a:t>
+            </a:r>
+          </a:p>
+          <a:p>
+            <a:pPr marL="800100" lvl="1" indent="-342900" defTabSz="676275">
+              <a:spcBef>
+                <a:spcPts val="0"/>
+              </a:spcBef>
+              <a:buClr>
+                <a:srgbClr val="1F497D"/>
+              </a:buClr>
+              <a:buFont typeface="Arial" charset="0"/>
+              <a:buChar char="•"/>
+              <a:defRPr sz="1800">
+                <a:solidFill>
+                  <a:srgbClr val="000000"/>
+                </a:solidFill>
+              </a:defRPr>
+            </a:pPr>
+            <a:endParaRPr lang="en-US" sz="2400" dirty="0">
+              <a:solidFill>
+                <a:schemeClr val="accent1">
+                  <a:lumMod val="50000"/>
+                </a:schemeClr>
+              </a:solidFill>
+            </a:endParaRPr>
+          </a:p>
+          <a:p>
+            <a:pPr marL="457200" indent="-457200" defTabSz="676275">
+              <a:spcBef>
+                <a:spcPts val="0"/>
+              </a:spcBef>
+              <a:buClr>
+                <a:srgbClr val="1F497D"/>
+              </a:buClr>
+              <a:buFont typeface="Arial" charset="0"/>
+              <a:buAutoNum type="arabicPeriod"/>
+              <a:defRPr sz="1800">
+                <a:solidFill>
+                  <a:srgbClr val="000000"/>
+                </a:solidFill>
+              </a:defRPr>
+            </a:pPr>
+            <a:r>
+              <a:rPr lang="en-US" sz="2400" dirty="0">
+                <a:solidFill>
+                  <a:schemeClr val="accent1">
+                    <a:lumMod val="50000"/>
+                  </a:schemeClr>
+                </a:solidFill>
+              </a:rPr>
+              <a:t>Upon user acceptance, a new node is introduced into the local sphere + updated to the global sphere</a:t>
+            </a:r>
+          </a:p>
+          <a:p>
+            <a:pPr marL="457200" indent="-457200" defTabSz="676275">
+              <a:spcBef>
+                <a:spcPts val="0"/>
+              </a:spcBef>
+              <a:buClr>
+                <a:srgbClr val="1F497D"/>
+              </a:buClr>
+              <a:buFont typeface="Arial" charset="0"/>
+              <a:buAutoNum type="arabicPeriod"/>
+              <a:defRPr sz="1800">
+                <a:solidFill>
+                  <a:srgbClr val="000000"/>
+                </a:solidFill>
+              </a:defRPr>
+            </a:pPr>
+            <a:endParaRPr lang="en-US" sz="2400" dirty="0">
+              <a:solidFill>
+                <a:schemeClr val="accent1">
+                  <a:lumMod val="50000"/>
+                </a:schemeClr>
+              </a:solidFill>
+            </a:endParaRPr>
+          </a:p>
+          <a:p>
+            <a:pPr marL="457200" indent="-457200" defTabSz="676275">
+              <a:spcBef>
+                <a:spcPts val="0"/>
+              </a:spcBef>
+              <a:buClr>
+                <a:srgbClr val="1F497D"/>
+              </a:buClr>
+              <a:buFont typeface="Arial" charset="0"/>
+              <a:buAutoNum type="arabicPeriod"/>
+              <a:defRPr sz="1800">
+                <a:solidFill>
+                  <a:srgbClr val="000000"/>
+                </a:solidFill>
+              </a:defRPr>
+            </a:pPr>
+            <a:r>
+              <a:rPr lang="en-US" sz="2400" dirty="0">
+                <a:solidFill>
+                  <a:schemeClr val="accent1">
+                    <a:lumMod val="50000"/>
+                  </a:schemeClr>
+                </a:solidFill>
+              </a:rPr>
+              <a:t>Client devices with overlapping local spheres now receive that node in the background</a:t>
+            </a:r>
+          </a:p>
+          <a:p>
+            <a:pPr marL="457200" indent="-457200" defTabSz="676275">
+              <a:spcBef>
+                <a:spcPts val="0"/>
+              </a:spcBef>
+              <a:buClr>
+                <a:srgbClr val="1F497D"/>
+              </a:buClr>
+              <a:buFont typeface="Arial" charset="0"/>
+              <a:buAutoNum type="arabicPeriod"/>
+              <a:defRPr sz="1800">
+                <a:solidFill>
+                  <a:srgbClr val="000000"/>
+                </a:solidFill>
+              </a:defRPr>
+            </a:pPr>
+            <a:endParaRPr lang="en-US" sz="2400" dirty="0">
+              <a:solidFill>
+                <a:schemeClr val="accent1">
+                  <a:lumMod val="50000"/>
+                </a:schemeClr>
+              </a:solidFill>
+            </a:endParaRPr>
+          </a:p>
+          <a:p>
+            <a:pPr marL="457200" indent="-457200" defTabSz="676275">
+              <a:spcBef>
+                <a:spcPts val="0"/>
+              </a:spcBef>
+              <a:buClr>
+                <a:srgbClr val="1F497D"/>
+              </a:buClr>
+              <a:buFont typeface="Arial" charset="0"/>
+              <a:buAutoNum type="arabicPeriod"/>
+              <a:defRPr sz="1800">
+                <a:solidFill>
+                  <a:srgbClr val="000000"/>
+                </a:solidFill>
+              </a:defRPr>
+            </a:pPr>
+            <a:r>
+              <a:rPr lang="en-US" sz="2400" dirty="0">
+                <a:solidFill>
+                  <a:schemeClr val="accent1">
+                    <a:lumMod val="50000"/>
+                  </a:schemeClr>
+                </a:solidFill>
+              </a:rPr>
+              <a:t>Their recommenders respond… =&gt; 1…</a:t>
+            </a:r>
+          </a:p>
+          <a:p>
+            <a:pPr marL="457200" indent="-457200" defTabSz="676275">
+              <a:spcBef>
+                <a:spcPts val="0"/>
+              </a:spcBef>
+              <a:buClr>
+                <a:srgbClr val="1F497D"/>
+              </a:buClr>
+              <a:buFont typeface="Arial" charset="0"/>
+              <a:buAutoNum type="arabicPeriod"/>
+              <a:defRPr sz="1800">
+                <a:solidFill>
+                  <a:srgbClr val="000000"/>
+                </a:solidFill>
+              </a:defRPr>
+            </a:pPr>
+            <a:endParaRPr lang="en-US" sz="2400" dirty="0">
+              <a:solidFill>
+                <a:schemeClr val="accent1">
+                  <a:lumMod val="50000"/>
+                </a:schemeClr>
+              </a:solidFill>
+            </a:endParaRPr>
+          </a:p>
         </p:txBody>
       </p:sp>
     </p:spTree>
@@ -5958,13 +5705,6 @@
     <a:masterClrMapping/>
   </p:clrMapOvr>
   <p:transition spd="med"/>
-  <p:timing>
-    <p:tnLst>
-      <p:par>
-        <p:cTn id="1" dur="indefinite" restart="never" nodeType="tmRoot"/>
-      </p:par>
-    </p:tnLst>
-  </p:timing>
 </p:sld>
 </file>
 
@@ -6006,10 +5746,9 @@
           <a:lstStyle/>
           <a:p>
             <a:r>
-              <a:rPr lang="x-none" altLang="en-US" dirty="0" smtClean="0"/>
+              <a:rPr lang="x-none" altLang="en-US" dirty="0"/>
               <a:t>Machine Learning / Conclusion</a:t>
             </a:r>
-            <a:endParaRPr lang="x-none" altLang="en-US" dirty="0"/>
           </a:p>
         </p:txBody>
       </p:sp>
@@ -6022,7 +5761,7 @@
           <p:nvPr/>
         </p:nvPicPr>
         <p:blipFill>
-          <a:blip r:embed="rId1"/>
+          <a:blip r:embed="rId2"/>
           <a:stretch>
             <a:fillRect/>
           </a:stretch>
@@ -6045,8 +5784,8 @@
         </p:nvSpPr>
         <p:spPr>
           <a:xfrm>
-            <a:off x="440690" y="1007110"/>
-            <a:ext cx="8330565" cy="2287905"/>
+            <a:off x="352425" y="1007110"/>
+            <a:ext cx="8572499" cy="2308320"/>
           </a:xfrm>
           <a:prstGeom prst="rect">
             <a:avLst/>
@@ -6073,6 +5812,7 @@
           <a:bodyPr rot="0" vertOverflow="overflow" horzOverflow="overflow" vert="horz" wrap="square" lIns="45718" tIns="45718" rIns="45718" bIns="45718" numCol="1" spcCol="38100" rtlCol="0" anchor="t" forceAA="0">
             <a:spAutoFit/>
           </a:bodyPr>
+          <a:lstStyle/>
           <a:p>
             <a:pPr marL="457200" indent="-457200" defTabSz="676275">
               <a:spcBef>
@@ -6090,7 +5830,7 @@
               </a:defRPr>
             </a:pPr>
             <a:r>
-              <a:rPr lang="x-none" altLang="en-US" sz="2400" dirty="0" smtClean="0">
+              <a:rPr lang="x-none" altLang="en-US" sz="2400" dirty="0">
                 <a:solidFill>
                   <a:schemeClr val="accent1">
                     <a:lumMod val="50000"/>
@@ -6101,7 +5841,7 @@
               </a:rPr>
               <a:t>Maybe it's even possible to implement Machine Learning paradigms on such a distributed platform (see bagging below)</a:t>
             </a:r>
-            <a:endParaRPr lang="x-none" altLang="en-US" sz="2400" dirty="0" smtClean="0">
+            <a:endParaRPr lang="x-none" altLang="en-US" sz="2400" dirty="0">
               <a:solidFill>
                 <a:schemeClr val="accent1">
                   <a:lumMod val="50000"/>
@@ -6126,7 +5866,7 @@
                 </a:solidFill>
               </a:defRPr>
             </a:pPr>
-            <a:endParaRPr lang="en-US" sz="2400" dirty="0" smtClean="0">
+            <a:endParaRPr lang="en-US" sz="2400" dirty="0">
               <a:solidFill>
                 <a:schemeClr val="accent1">
                   <a:lumMod val="50000"/>
@@ -6153,7 +5893,7 @@
               </a:defRPr>
             </a:pPr>
             <a:r>
-              <a:rPr lang="x-none" altLang="en-US" sz="2400" dirty="0" smtClean="0">
+              <a:rPr lang="en-US" altLang="en-US" sz="2400" dirty="0">
                 <a:solidFill>
                   <a:schemeClr val="accent1">
                     <a:lumMod val="50000"/>
@@ -6162,9 +5902,81 @@
                 <a:latin typeface="Calibri"/>
                 <a:sym typeface="+mn-ea"/>
               </a:rPr>
-              <a:t>In the end, we might not even have to curate a global graph anymore - it could be a 'ghost-like', implicit instantiation of the sum of all local spheres....</a:t>
-            </a:r>
-            <a:endParaRPr kumimoji="0" lang="x-none" altLang="en-US" sz="2400" b="0" i="0" u="none" strike="noStrike" cap="none" spc="0" normalizeH="0" baseline="0">
+              <a:t>Eventually</a:t>
+            </a:r>
+            <a:r>
+              <a:rPr lang="x-none" altLang="en-US" sz="2400" dirty="0">
+                <a:solidFill>
+                  <a:schemeClr val="accent1">
+                    <a:lumMod val="50000"/>
+                  </a:schemeClr>
+                </a:solidFill>
+                <a:latin typeface="Calibri"/>
+                <a:sym typeface="+mn-ea"/>
+              </a:rPr>
+              <a:t>, we might not even have to curate a global graph anymore - it could be a </a:t>
+            </a:r>
+            <a:r>
+              <a:rPr lang="en-US" altLang="en-US" sz="2400" dirty="0">
+                <a:solidFill>
+                  <a:schemeClr val="accent1">
+                    <a:lumMod val="50000"/>
+                  </a:schemeClr>
+                </a:solidFill>
+                <a:latin typeface="Calibri"/>
+                <a:sym typeface="+mn-ea"/>
+              </a:rPr>
+              <a:t>virtual</a:t>
+            </a:r>
+            <a:r>
+              <a:rPr lang="x-none" altLang="en-US" sz="2400" dirty="0">
+                <a:solidFill>
+                  <a:schemeClr val="accent1">
+                    <a:lumMod val="50000"/>
+                  </a:schemeClr>
+                </a:solidFill>
+                <a:latin typeface="Calibri"/>
+                <a:sym typeface="+mn-ea"/>
+              </a:rPr>
+              <a:t>, implicit</a:t>
+            </a:r>
+            <a:r>
+              <a:rPr lang="en-US" altLang="en-US" sz="2400" dirty="0">
+                <a:solidFill>
+                  <a:schemeClr val="accent1">
+                    <a:lumMod val="50000"/>
+                  </a:schemeClr>
+                </a:solidFill>
+                <a:latin typeface="Calibri"/>
+                <a:sym typeface="+mn-ea"/>
+              </a:rPr>
+              <a:t>, query-able</a:t>
+            </a:r>
+            <a:r>
+              <a:rPr lang="x-none" altLang="en-US" sz="2400" dirty="0">
+                <a:solidFill>
+                  <a:schemeClr val="accent1">
+                    <a:lumMod val="50000"/>
+                  </a:schemeClr>
+                </a:solidFill>
+                <a:latin typeface="Calibri"/>
+                <a:sym typeface="+mn-ea"/>
+              </a:rPr>
+              <a:t> instantiation of the sum of all local spheres</a:t>
+            </a:r>
+            <a:r>
+              <a:rPr lang="en-US" altLang="en-US" sz="2400" dirty="0">
+                <a:solidFill>
+                  <a:schemeClr val="accent1">
+                    <a:lumMod val="50000"/>
+                  </a:schemeClr>
+                </a:solidFill>
+                <a:latin typeface="Calibri"/>
+                <a:sym typeface="+mn-ea"/>
+              </a:rPr>
+              <a:t> at any given point in time!</a:t>
+            </a:r>
+            <a:endParaRPr kumimoji="0" lang="x-none" altLang="en-US" sz="2400" b="0" i="0" u="none" strike="noStrike" cap="none" spc="0" normalizeH="0" baseline="0" dirty="0">
               <a:ln>
                 <a:noFill/>
               </a:ln>
@@ -6187,13 +5999,6 @@
     <a:masterClrMapping/>
   </p:clrMapOvr>
   <p:transition spd="med"/>
-  <p:timing>
-    <p:tnLst>
-      <p:par>
-        <p:cTn id="1" dur="indefinite" restart="never" nodeType="tmRoot"/>
-      </p:par>
-    </p:tnLst>
-  </p:timing>
 </p:sld>
 </file>
 
@@ -6221,7 +6026,7 @@
           <p:nvPr/>
         </p:nvPicPr>
         <p:blipFill>
-          <a:blip r:embed="rId1"/>
+          <a:blip r:embed="rId3"/>
           <a:stretch>
             <a:fillRect/>
           </a:stretch>
@@ -6298,13 +6103,6 @@
     <a:masterClrMapping/>
   </p:clrMapOvr>
   <p:transition spd="med"/>
-  <p:timing>
-    <p:tnLst>
-      <p:par>
-        <p:cTn id="1" dur="indefinite" restart="never" nodeType="tmRoot"/>
-      </p:par>
-    </p:tnLst>
-  </p:timing>
 </p:sld>
 </file>
 
@@ -6445,10 +6243,9 @@
           </a:lstStyle>
           <a:p>
             <a:r>
-              <a:rPr lang="x-none" dirty="0" smtClean="0"/>
+              <a:rPr lang="x-none" dirty="0"/>
               <a:t>Introduction and Motivation</a:t>
             </a:r>
-            <a:endParaRPr lang="x-none" dirty="0" smtClean="0"/>
           </a:p>
         </p:txBody>
       </p:sp>
@@ -6643,7 +6440,7 @@
               </a:defRPr>
             </a:pPr>
             <a:r>
-              <a:rPr lang="en-US" sz="2400" dirty="0" smtClean="0">
+              <a:rPr lang="en-US" sz="2400" dirty="0">
                 <a:solidFill>
                   <a:schemeClr val="accent1">
                     <a:lumMod val="50000"/>
@@ -6652,7 +6449,24 @@
               </a:rPr>
               <a:t>Thinking about Machine learning from a *European* startup perspective</a:t>
             </a:r>
-            <a:endParaRPr lang="en-US" sz="2400" dirty="0" smtClean="0">
+          </a:p>
+          <a:p>
+            <a:pPr defTabSz="676275">
+              <a:spcBef>
+                <a:spcPts val="0"/>
+              </a:spcBef>
+              <a:buClr>
+                <a:srgbClr val="1F497D"/>
+              </a:buClr>
+              <a:buFont typeface="Arial" charset="0"/>
+              <a:buChar char="•"/>
+              <a:defRPr sz="1800">
+                <a:solidFill>
+                  <a:srgbClr val="000000"/>
+                </a:solidFill>
+              </a:defRPr>
+            </a:pPr>
+            <a:endParaRPr lang="en-US" sz="2400" dirty="0">
               <a:solidFill>
                 <a:schemeClr val="accent1">
                   <a:lumMod val="50000"/>
@@ -6676,7 +6490,236 @@
                 </a:solidFill>
               </a:defRPr>
             </a:pPr>
-            <a:endParaRPr lang="en-US" sz="2400" dirty="0" smtClean="0">
+            <a:r>
+              <a:rPr lang="en-US" sz="2400" dirty="0">
+                <a:solidFill>
+                  <a:schemeClr val="accent1">
+                    <a:lumMod val="50000"/>
+                  </a:schemeClr>
+                </a:solidFill>
+              </a:rPr>
+              <a:t>Which brings a few particular challenges with it</a:t>
+            </a:r>
+            <a:r>
+              <a:rPr lang="x-none" altLang="en-US" sz="2400" dirty="0">
+                <a:solidFill>
+                  <a:schemeClr val="accent1">
+                    <a:lumMod val="50000"/>
+                  </a:schemeClr>
+                </a:solidFill>
+              </a:rPr>
+              <a:t>:</a:t>
+            </a:r>
+          </a:p>
+          <a:p>
+            <a:pPr lvl="1" defTabSz="676275">
+              <a:spcBef>
+                <a:spcPts val="0"/>
+              </a:spcBef>
+              <a:buClr>
+                <a:srgbClr val="1F497D"/>
+              </a:buClr>
+              <a:buFont typeface="Arial" charset="0"/>
+              <a:buChar char="•"/>
+              <a:defRPr sz="1800">
+                <a:solidFill>
+                  <a:srgbClr val="000000"/>
+                </a:solidFill>
+              </a:defRPr>
+            </a:pPr>
+            <a:r>
+              <a:rPr lang="en-US" sz="2400" dirty="0">
+                <a:solidFill>
+                  <a:schemeClr val="accent1">
+                    <a:lumMod val="50000"/>
+                  </a:schemeClr>
+                </a:solidFill>
+              </a:rPr>
+              <a:t>Usually less startup capital than U.S. competitors</a:t>
+            </a:r>
+          </a:p>
+          <a:p>
+            <a:pPr marL="914400" lvl="2" indent="0" defTabSz="676275">
+              <a:spcBef>
+                <a:spcPts val="0"/>
+              </a:spcBef>
+              <a:buClr>
+                <a:srgbClr val="1F497D"/>
+              </a:buClr>
+              <a:buFont typeface="Arial" charset="0"/>
+              <a:buNone/>
+              <a:defRPr sz="1800">
+                <a:solidFill>
+                  <a:srgbClr val="000000"/>
+                </a:solidFill>
+              </a:defRPr>
+            </a:pPr>
+            <a:r>
+              <a:rPr lang="x-none" altLang="en-US" sz="2400" dirty="0">
+                <a:solidFill>
+                  <a:schemeClr val="accent1">
+                    <a:lumMod val="50000"/>
+                  </a:schemeClr>
+                </a:solidFill>
+              </a:rPr>
+              <a:t>	</a:t>
+            </a:r>
+            <a:r>
+              <a:rPr lang="en-US" sz="2400" dirty="0">
+                <a:solidFill>
+                  <a:schemeClr val="accent1">
+                    <a:lumMod val="50000"/>
+                  </a:schemeClr>
+                </a:solidFill>
+              </a:rPr>
+              <a:t>=&gt; therefore less money for computing power</a:t>
+            </a:r>
+          </a:p>
+          <a:p>
+            <a:pPr marL="800100" lvl="1" indent="-342900" defTabSz="676275">
+              <a:spcBef>
+                <a:spcPts val="0"/>
+              </a:spcBef>
+              <a:buClr>
+                <a:srgbClr val="1F497D"/>
+              </a:buClr>
+              <a:buFont typeface="Arial" charset="0"/>
+              <a:buChar char="•"/>
+              <a:defRPr sz="1800">
+                <a:solidFill>
+                  <a:srgbClr val="000000"/>
+                </a:solidFill>
+              </a:defRPr>
+            </a:pPr>
+            <a:r>
+              <a:rPr lang="en-US" sz="2400" dirty="0">
+                <a:solidFill>
+                  <a:schemeClr val="accent1">
+                    <a:lumMod val="50000"/>
+                  </a:schemeClr>
+                </a:solidFill>
+              </a:rPr>
+              <a:t>much fewer possible customers </a:t>
+            </a:r>
+            <a:r>
+              <a:rPr lang="x-none" altLang="en-US" sz="2400" dirty="0">
+                <a:solidFill>
+                  <a:schemeClr val="accent1">
+                    <a:lumMod val="50000"/>
+                  </a:schemeClr>
+                </a:solidFill>
+              </a:rPr>
+              <a:t>(initially)</a:t>
+            </a:r>
+            <a:r>
+              <a:rPr lang="en-US" sz="2400" dirty="0">
+                <a:solidFill>
+                  <a:schemeClr val="accent1">
+                    <a:lumMod val="50000"/>
+                  </a:schemeClr>
+                </a:solidFill>
+              </a:rPr>
+              <a:t> than Asian competitors </a:t>
+            </a:r>
+          </a:p>
+          <a:p>
+            <a:pPr marL="457200" lvl="1" indent="0" defTabSz="676275">
+              <a:spcBef>
+                <a:spcPts val="0"/>
+              </a:spcBef>
+              <a:buClr>
+                <a:srgbClr val="1F497D"/>
+              </a:buClr>
+              <a:buFont typeface="Arial" charset="0"/>
+              <a:buNone/>
+              <a:defRPr sz="1800">
+                <a:solidFill>
+                  <a:srgbClr val="000000"/>
+                </a:solidFill>
+              </a:defRPr>
+            </a:pPr>
+            <a:r>
+              <a:rPr lang="x-none" altLang="en-US" sz="2400" dirty="0">
+                <a:solidFill>
+                  <a:schemeClr val="accent1">
+                    <a:lumMod val="50000"/>
+                  </a:schemeClr>
+                </a:solidFill>
+              </a:rPr>
+              <a:t>		=&gt; less initial data</a:t>
+            </a:r>
+          </a:p>
+          <a:p>
+            <a:pPr marL="800100" lvl="1" indent="-342900" defTabSz="676275">
+              <a:spcBef>
+                <a:spcPts val="0"/>
+              </a:spcBef>
+              <a:buClr>
+                <a:srgbClr val="1F497D"/>
+              </a:buClr>
+              <a:buFont typeface="Arial" charset="0"/>
+              <a:buChar char="•"/>
+              <a:defRPr sz="1800">
+                <a:solidFill>
+                  <a:srgbClr val="000000"/>
+                </a:solidFill>
+              </a:defRPr>
+            </a:pPr>
+            <a:r>
+              <a:rPr lang="en-US" sz="2400" dirty="0">
+                <a:solidFill>
+                  <a:schemeClr val="accent1">
+                    <a:lumMod val="50000"/>
+                  </a:schemeClr>
+                </a:solidFill>
+              </a:rPr>
+              <a:t>GDPR is a major impediment </a:t>
+            </a:r>
+          </a:p>
+          <a:p>
+            <a:pPr marL="457200" lvl="1" indent="0" defTabSz="676275">
+              <a:spcBef>
+                <a:spcPts val="0"/>
+              </a:spcBef>
+              <a:buClr>
+                <a:srgbClr val="1F497D"/>
+              </a:buClr>
+              <a:buFont typeface="Arial" charset="0"/>
+              <a:buNone/>
+              <a:defRPr sz="1800">
+                <a:solidFill>
+                  <a:srgbClr val="000000"/>
+                </a:solidFill>
+              </a:defRPr>
+            </a:pPr>
+            <a:r>
+              <a:rPr lang="x-none" altLang="en-US" sz="2400" dirty="0">
+                <a:solidFill>
+                  <a:schemeClr val="accent1">
+                    <a:lumMod val="50000"/>
+                  </a:schemeClr>
+                </a:solidFill>
+              </a:rPr>
+              <a:t>		=&gt; expressely prohibits use of personal data... </a:t>
+            </a:r>
+          </a:p>
+          <a:p>
+            <a:pPr marL="800100" lvl="1" indent="-342900" defTabSz="676275">
+              <a:spcBef>
+                <a:spcPts val="0"/>
+              </a:spcBef>
+              <a:buClr>
+                <a:srgbClr val="1F497D"/>
+              </a:buClr>
+              <a:buFont typeface="Arial" charset="0"/>
+              <a:buChar char="•"/>
+              <a:defRPr sz="1800">
+                <a:solidFill>
+                  <a:srgbClr val="000000"/>
+                </a:solidFill>
+              </a:defRPr>
+            </a:pPr>
+            <a:endParaRPr lang="en-US" sz="2400" dirty="0">
               <a:solidFill>
                 <a:schemeClr val="accent1">
                   <a:lumMod val="50000"/>
@@ -6685,7 +6728,7 @@
             </a:endParaRPr>
           </a:p>
           <a:p>
-            <a:pPr defTabSz="676275">
+            <a:pPr marL="342900" lvl="0" indent="-342900" defTabSz="676275">
               <a:spcBef>
                 <a:spcPts val="0"/>
               </a:spcBef>
@@ -6701,69 +6744,18 @@
               </a:defRPr>
             </a:pPr>
             <a:r>
-              <a:rPr lang="en-US" sz="2400" dirty="0" smtClean="0">
+              <a:rPr lang="x-none" altLang="en-US" sz="2400" dirty="0">
                 <a:solidFill>
                   <a:schemeClr val="accent1">
                     <a:lumMod val="50000"/>
                   </a:schemeClr>
                 </a:solidFill>
               </a:rPr>
-              <a:t>Which brings a few particular challenges with it</a:t>
-            </a:r>
-            <a:r>
-              <a:rPr lang="x-none" altLang="en-US" sz="2400" dirty="0" smtClean="0">
-                <a:solidFill>
-                  <a:schemeClr val="accent1">
-                    <a:lumMod val="50000"/>
-                  </a:schemeClr>
-                </a:solidFill>
-              </a:rPr>
-              <a:t>:</a:t>
-            </a:r>
-            <a:endParaRPr lang="x-none" altLang="en-US" sz="2400" dirty="0" smtClean="0">
-              <a:solidFill>
-                <a:schemeClr val="accent1">
-                  <a:lumMod val="50000"/>
-                </a:schemeClr>
-              </a:solidFill>
-            </a:endParaRPr>
-          </a:p>
-          <a:p>
-            <a:pPr lvl="1" defTabSz="676275">
-              <a:spcBef>
-                <a:spcPts val="0"/>
-              </a:spcBef>
-              <a:buClr>
-                <a:srgbClr val="1F497D"/>
-              </a:buClr>
-              <a:buFont typeface="Arial" charset="0"/>
-              <a:buChar char="•"/>
-              <a:defRPr sz="1800">
-                <a:solidFill>
-                  <a:srgbClr val="000000"/>
-                </a:solidFill>
-              </a:defRPr>
-            </a:pPr>
-            <a:r>
-              <a:rPr lang="en-US" sz="2400" dirty="0" smtClean="0">
-                <a:solidFill>
-                  <a:schemeClr val="accent1">
-                    <a:lumMod val="50000"/>
-                  </a:schemeClr>
-                </a:solidFill>
-              </a:rPr>
-              <a:t>Usually less startup capital than U.S. competitors</a:t>
-            </a:r>
-            <a:endParaRPr lang="en-US" sz="2400" dirty="0" smtClean="0">
-              <a:solidFill>
-                <a:schemeClr val="accent1">
-                  <a:lumMod val="50000"/>
-                </a:schemeClr>
-              </a:solidFill>
-            </a:endParaRPr>
-          </a:p>
-          <a:p>
-            <a:pPr marL="914400" lvl="2" indent="0" defTabSz="676275">
+              <a:t>Maybe we can circumnavigate all those hurdles via</a:t>
+            </a:r>
+          </a:p>
+          <a:p>
+            <a:pPr marL="0" lvl="0" indent="0" defTabSz="676275">
               <a:spcBef>
                 <a:spcPts val="0"/>
               </a:spcBef>
@@ -6779,280 +6771,15 @@
               </a:defRPr>
             </a:pPr>
             <a:r>
-              <a:rPr lang="x-none" altLang="en-US" sz="2400" dirty="0" smtClean="0">
+              <a:rPr lang="x-none" altLang="en-US" sz="2400" b="1" dirty="0">
                 <a:solidFill>
                   <a:schemeClr val="accent1">
                     <a:lumMod val="50000"/>
                   </a:schemeClr>
                 </a:solidFill>
               </a:rPr>
-              <a:t>	</a:t>
-            </a:r>
-            <a:r>
-              <a:rPr lang="en-US" sz="2400" dirty="0" smtClean="0">
-                <a:solidFill>
-                  <a:schemeClr val="accent1">
-                    <a:lumMod val="50000"/>
-                  </a:schemeClr>
-                </a:solidFill>
-              </a:rPr>
-              <a:t>=&gt; therefore less money for computing power</a:t>
-            </a:r>
-            <a:endParaRPr lang="en-US" sz="2400" dirty="0" smtClean="0">
-              <a:solidFill>
-                <a:schemeClr val="accent1">
-                  <a:lumMod val="50000"/>
-                </a:schemeClr>
-              </a:solidFill>
-            </a:endParaRPr>
-          </a:p>
-          <a:p>
-            <a:pPr marL="800100" lvl="1" indent="-342900" defTabSz="676275">
-              <a:spcBef>
-                <a:spcPts val="0"/>
-              </a:spcBef>
-              <a:buClr>
-                <a:srgbClr val="1F497D"/>
-              </a:buClr>
-              <a:buFont typeface="Arial" charset="0"/>
-              <a:buChar char="•"/>
-              <a:defRPr sz="1800">
-                <a:solidFill>
-                  <a:srgbClr val="000000"/>
-                </a:solidFill>
-              </a:defRPr>
-            </a:pPr>
-            <a:r>
-              <a:rPr lang="en-US" sz="2400" dirty="0" smtClean="0">
-                <a:solidFill>
-                  <a:schemeClr val="accent1">
-                    <a:lumMod val="50000"/>
-                  </a:schemeClr>
-                </a:solidFill>
-              </a:rPr>
-              <a:t>much fewer possible customers </a:t>
-            </a:r>
-            <a:r>
-              <a:rPr lang="x-none" altLang="en-US" sz="2400" dirty="0" smtClean="0">
-                <a:solidFill>
-                  <a:schemeClr val="accent1">
-                    <a:lumMod val="50000"/>
-                  </a:schemeClr>
-                </a:solidFill>
-              </a:rPr>
-              <a:t>(initially)</a:t>
-            </a:r>
-            <a:r>
-              <a:rPr lang="en-US" sz="2400" dirty="0" smtClean="0">
-                <a:solidFill>
-                  <a:schemeClr val="accent1">
-                    <a:lumMod val="50000"/>
-                  </a:schemeClr>
-                </a:solidFill>
-              </a:rPr>
-              <a:t> than Asian competitors </a:t>
-            </a:r>
-            <a:endParaRPr lang="en-US" sz="2400" dirty="0" smtClean="0">
-              <a:solidFill>
-                <a:schemeClr val="accent1">
-                  <a:lumMod val="50000"/>
-                </a:schemeClr>
-              </a:solidFill>
-            </a:endParaRPr>
-          </a:p>
-          <a:p>
-            <a:pPr marL="457200" lvl="1" indent="0" defTabSz="676275">
-              <a:spcBef>
-                <a:spcPts val="0"/>
-              </a:spcBef>
-              <a:buClr>
-                <a:srgbClr val="1F497D"/>
-              </a:buClr>
-              <a:buFont typeface="Arial" charset="0"/>
-              <a:buNone/>
-              <a:defRPr sz="1800">
-                <a:solidFill>
-                  <a:srgbClr val="000000"/>
-                </a:solidFill>
-              </a:defRPr>
-            </a:pPr>
-            <a:r>
-              <a:rPr lang="x-none" altLang="en-US" sz="2400" dirty="0" smtClean="0">
-                <a:solidFill>
-                  <a:schemeClr val="accent1">
-                    <a:lumMod val="50000"/>
-                  </a:schemeClr>
-                </a:solidFill>
-              </a:rPr>
-              <a:t>		=&gt; less initial data</a:t>
-            </a:r>
-            <a:endParaRPr lang="x-none" altLang="en-US" sz="2400" dirty="0" smtClean="0">
-              <a:solidFill>
-                <a:schemeClr val="accent1">
-                  <a:lumMod val="50000"/>
-                </a:schemeClr>
-              </a:solidFill>
-            </a:endParaRPr>
-          </a:p>
-          <a:p>
-            <a:pPr marL="800100" lvl="1" indent="-342900" defTabSz="676275">
-              <a:spcBef>
-                <a:spcPts val="0"/>
-              </a:spcBef>
-              <a:buClr>
-                <a:srgbClr val="1F497D"/>
-              </a:buClr>
-              <a:buFont typeface="Arial" charset="0"/>
-              <a:buChar char="•"/>
-              <a:defRPr sz="1800">
-                <a:solidFill>
-                  <a:srgbClr val="000000"/>
-                </a:solidFill>
-              </a:defRPr>
-            </a:pPr>
-            <a:r>
-              <a:rPr lang="en-US" sz="2400" dirty="0" smtClean="0">
-                <a:solidFill>
-                  <a:schemeClr val="accent1">
-                    <a:lumMod val="50000"/>
-                  </a:schemeClr>
-                </a:solidFill>
-              </a:rPr>
-              <a:t>GDPR is a major impediment </a:t>
-            </a:r>
-            <a:endParaRPr lang="en-US" sz="2400" dirty="0" smtClean="0">
-              <a:solidFill>
-                <a:schemeClr val="accent1">
-                  <a:lumMod val="50000"/>
-                </a:schemeClr>
-              </a:solidFill>
-            </a:endParaRPr>
-          </a:p>
-          <a:p>
-            <a:pPr marL="457200" lvl="1" indent="0" defTabSz="676275">
-              <a:spcBef>
-                <a:spcPts val="0"/>
-              </a:spcBef>
-              <a:buClr>
-                <a:srgbClr val="1F497D"/>
-              </a:buClr>
-              <a:buFont typeface="Arial" charset="0"/>
-              <a:buNone/>
-              <a:defRPr sz="1800">
-                <a:solidFill>
-                  <a:srgbClr val="000000"/>
-                </a:solidFill>
-              </a:defRPr>
-            </a:pPr>
-            <a:r>
-              <a:rPr lang="x-none" altLang="en-US" sz="2400" dirty="0" smtClean="0">
-                <a:solidFill>
-                  <a:schemeClr val="accent1">
-                    <a:lumMod val="50000"/>
-                  </a:schemeClr>
-                </a:solidFill>
-              </a:rPr>
-              <a:t>		=&gt; expressely prohibits use of personal data... </a:t>
-            </a:r>
-            <a:endParaRPr lang="x-none" altLang="en-US" sz="2400" dirty="0" smtClean="0">
-              <a:solidFill>
-                <a:schemeClr val="accent1">
-                  <a:lumMod val="50000"/>
-                </a:schemeClr>
-              </a:solidFill>
-            </a:endParaRPr>
-          </a:p>
-          <a:p>
-            <a:pPr marL="800100" lvl="1" indent="-342900" defTabSz="676275">
-              <a:spcBef>
-                <a:spcPts val="0"/>
-              </a:spcBef>
-              <a:buClr>
-                <a:srgbClr val="1F497D"/>
-              </a:buClr>
-              <a:buFont typeface="Arial" charset="0"/>
-              <a:buChar char="•"/>
-              <a:defRPr sz="1800">
-                <a:solidFill>
-                  <a:srgbClr val="000000"/>
-                </a:solidFill>
-              </a:defRPr>
-            </a:pPr>
-            <a:endParaRPr lang="en-US" sz="2400" dirty="0" smtClean="0">
-              <a:solidFill>
-                <a:schemeClr val="accent1">
-                  <a:lumMod val="50000"/>
-                </a:schemeClr>
-              </a:solidFill>
-            </a:endParaRPr>
-          </a:p>
-          <a:p>
-            <a:pPr marL="342900" lvl="0" indent="-342900" defTabSz="676275">
-              <a:spcBef>
-                <a:spcPts val="0"/>
-              </a:spcBef>
-              <a:buClr>
-                <a:srgbClr val="1F497D"/>
-              </a:buClr>
-              <a:buFont typeface="Arial" charset="0"/>
-              <a:buChar char="•"/>
-              <a:defRPr sz="1800">
-                <a:solidFill>
-                  <a:srgbClr val="000000"/>
-                </a:solidFill>
-              </a:defRPr>
-            </a:pPr>
-            <a:r>
-              <a:rPr lang="x-none" altLang="en-US" sz="2400" dirty="0" smtClean="0">
-                <a:solidFill>
-                  <a:schemeClr val="accent1">
-                    <a:lumMod val="50000"/>
-                  </a:schemeClr>
-                </a:solidFill>
-              </a:rPr>
-              <a:t>Maybe we can circumnavigate all those hurdles via</a:t>
-            </a:r>
-            <a:endParaRPr lang="x-none" altLang="en-US" sz="2400" dirty="0" smtClean="0">
-              <a:solidFill>
-                <a:schemeClr val="accent1">
-                  <a:lumMod val="50000"/>
-                </a:schemeClr>
-              </a:solidFill>
-            </a:endParaRPr>
-          </a:p>
-          <a:p>
-            <a:pPr marL="0" lvl="0" indent="0" defTabSz="676275">
-              <a:spcBef>
-                <a:spcPts val="0"/>
-              </a:spcBef>
-              <a:buClr>
-                <a:srgbClr val="1F497D"/>
-              </a:buClr>
-              <a:buFont typeface="Arial" charset="0"/>
-              <a:buNone/>
-              <a:defRPr sz="1800">
-                <a:solidFill>
-                  <a:srgbClr val="000000"/>
-                </a:solidFill>
-              </a:defRPr>
-            </a:pPr>
-            <a:r>
-              <a:rPr lang="x-none" altLang="en-US" sz="2400" b="1" dirty="0" smtClean="0">
-                <a:solidFill>
-                  <a:schemeClr val="accent1">
-                    <a:lumMod val="50000"/>
-                  </a:schemeClr>
-                </a:solidFill>
-              </a:rPr>
               <a:t>			Client-side Machine Learning</a:t>
             </a:r>
-            <a:endParaRPr lang="x-none" altLang="en-US" sz="2400" b="1" dirty="0" smtClean="0">
-              <a:solidFill>
-                <a:schemeClr val="accent1">
-                  <a:lumMod val="50000"/>
-                </a:schemeClr>
-              </a:solidFill>
-            </a:endParaRPr>
           </a:p>
           <a:p>
             <a:pPr marL="457200" indent="-457200" defTabSz="676275">
@@ -7070,7 +6797,7 @@
                 </a:solidFill>
               </a:defRPr>
             </a:pPr>
-            <a:endParaRPr lang="x-none" altLang="en-US" sz="2400" b="1" dirty="0" smtClean="0">
+            <a:endParaRPr lang="x-none" altLang="en-US" sz="2400" b="1" dirty="0">
               <a:solidFill>
                 <a:schemeClr val="accent1">
                   <a:lumMod val="50000"/>
@@ -7086,13 +6813,6 @@
     <a:masterClrMapping/>
   </p:clrMapOvr>
   <p:transition spd="med"/>
-  <p:timing>
-    <p:tnLst>
-      <p:par>
-        <p:cTn id="1" dur="indefinite" restart="never" nodeType="tmRoot"/>
-      </p:par>
-    </p:tnLst>
-  </p:timing>
 </p:sld>
 </file>
 
@@ -7233,10 +6953,9 @@
           </a:lstStyle>
           <a:p>
             <a:r>
-              <a:rPr lang="x-none" dirty="0" smtClean="0"/>
+              <a:rPr lang="x-none" dirty="0"/>
               <a:t>Introduction and Motivation</a:t>
             </a:r>
-            <a:endParaRPr lang="x-none" dirty="0" smtClean="0"/>
           </a:p>
         </p:txBody>
       </p:sp>
@@ -7431,7 +7150,7 @@
               </a:defRPr>
             </a:pPr>
             <a:r>
-              <a:rPr lang="en-US" sz="2400" dirty="0" smtClean="0">
+              <a:rPr lang="en-US" sz="2400" dirty="0">
                 <a:solidFill>
                   <a:schemeClr val="accent1">
                     <a:lumMod val="50000"/>
@@ -7440,13 +7159,6 @@
               </a:rPr>
               <a:t>How far away are relevant decision points within a social networks usually?</a:t>
             </a:r>
-            <a:endParaRPr lang="en-US" sz="2400" dirty="0" smtClean="0">
-              <a:solidFill>
-                <a:schemeClr val="accent1">
-                  <a:lumMod val="50000"/>
-                </a:schemeClr>
-              </a:solidFill>
-            </a:endParaRPr>
           </a:p>
           <a:p>
             <a:pPr defTabSz="676275">
@@ -7465,7 +7177,7 @@
               </a:defRPr>
             </a:pPr>
             <a:r>
-              <a:rPr lang="en-US" sz="2400" dirty="0" smtClean="0">
+              <a:rPr lang="en-US" sz="2400" dirty="0">
                 <a:solidFill>
                   <a:schemeClr val="accent1">
                     <a:lumMod val="50000"/>
@@ -7475,7 +7187,7 @@
               <a:t>Leskovec</a:t>
             </a:r>
             <a:r>
-              <a:rPr lang="x-none" altLang="en-US" sz="2400" dirty="0" smtClean="0">
+              <a:rPr lang="x-none" altLang="en-US" sz="2400" dirty="0">
                 <a:solidFill>
                   <a:schemeClr val="accent1">
                     <a:lumMod val="50000"/>
@@ -7485,7 +7197,7 @@
               <a:t>,</a:t>
             </a:r>
             <a:r>
-              <a:rPr lang="en-US" sz="2400" dirty="0" smtClean="0">
+              <a:rPr lang="en-US" sz="2400" dirty="0">
                 <a:solidFill>
                   <a:schemeClr val="accent1">
                     <a:lumMod val="50000"/>
@@ -7494,13 +7206,6 @@
               </a:rPr>
               <a:t> even back in 2006 observed recommender cascades within an online shopping system</a:t>
             </a:r>
-            <a:endParaRPr lang="en-US" sz="2400" dirty="0" smtClean="0">
-              <a:solidFill>
-                <a:schemeClr val="accent1">
-                  <a:lumMod val="50000"/>
-                </a:schemeClr>
-              </a:solidFill>
-            </a:endParaRPr>
           </a:p>
           <a:p>
             <a:pPr lvl="1" defTabSz="676275">
@@ -7519,7 +7224,7 @@
               </a:defRPr>
             </a:pPr>
             <a:r>
-              <a:rPr lang="en-US" sz="2400" dirty="0" smtClean="0">
+              <a:rPr lang="en-US" sz="2400" dirty="0">
                 <a:solidFill>
                   <a:schemeClr val="accent1">
                     <a:lumMod val="50000"/>
@@ -7528,13 +7233,6 @@
               </a:rPr>
               <a:t>for 3 out of 4 products: maximum size of cascade was &lt; 10</a:t>
             </a:r>
-            <a:endParaRPr lang="en-US" sz="2400" dirty="0" smtClean="0">
-              <a:solidFill>
-                <a:schemeClr val="accent1">
-                  <a:lumMod val="50000"/>
-                </a:schemeClr>
-              </a:solidFill>
-            </a:endParaRPr>
           </a:p>
           <a:p>
             <a:pPr lvl="1" defTabSz="676275">
@@ -7552,7 +7250,7 @@
                 </a:solidFill>
               </a:defRPr>
             </a:pPr>
-            <a:endParaRPr lang="en-US" sz="2400" dirty="0" smtClean="0">
+            <a:endParaRPr lang="en-US" sz="2400" dirty="0">
               <a:solidFill>
                 <a:schemeClr val="accent1">
                   <a:lumMod val="50000"/>
@@ -7571,7 +7269,7 @@
           <p:nvPr/>
         </p:nvPicPr>
         <p:blipFill>
-          <a:blip r:embed="rId1"/>
+          <a:blip r:embed="rId3"/>
           <a:stretch>
             <a:fillRect/>
           </a:stretch>
@@ -7622,6 +7320,7 @@
           <a:bodyPr rot="0" vertOverflow="overflow" horzOverflow="overflow" vert="horz" wrap="square" lIns="45718" tIns="45718" rIns="45718" bIns="45718" numCol="1" spcCol="38100" rtlCol="0" anchor="t" forceAA="0">
             <a:spAutoFit/>
           </a:bodyPr>
+          <a:lstStyle/>
           <a:p>
             <a:pPr marL="0" marR="0" indent="0" algn="l" defTabSz="914400" rtl="0" fontAlgn="auto" latinLnBrk="1" hangingPunct="0">
               <a:lnSpc>
@@ -7655,20 +7354,6 @@
               </a:rPr>
               <a:t>Leskovec, Jure, Ajit Singh, and Jon Kleinberg. "Patterns of influence in a recommendation network." Pacific-Asia Conference on Knowledge Discovery and Data Mining. Springer, Berlin, Heidelberg, 2006.</a:t>
             </a:r>
-            <a:endParaRPr kumimoji="0" lang="en-US" sz="1200" b="0" i="0" u="none" strike="noStrike" cap="none" spc="0" normalizeH="0" baseline="0">
-              <a:ln>
-                <a:noFill/>
-              </a:ln>
-              <a:solidFill>
-                <a:srgbClr val="000000"/>
-              </a:solidFill>
-              <a:effectLst/>
-              <a:uFillTx/>
-              <a:latin typeface="Calibri"/>
-              <a:ea typeface="+mj-ea"/>
-              <a:cs typeface="+mj-cs"/>
-              <a:sym typeface="Helvetica"/>
-            </a:endParaRPr>
           </a:p>
         </p:txBody>
       </p:sp>
@@ -7678,13 +7363,6 @@
     <a:masterClrMapping/>
   </p:clrMapOvr>
   <p:transition spd="med"/>
-  <p:timing>
-    <p:tnLst>
-      <p:par>
-        <p:cTn id="1" dur="indefinite" restart="never" nodeType="tmRoot"/>
-      </p:par>
-    </p:tnLst>
-  </p:timing>
 </p:sld>
 </file>
 
@@ -7726,10 +7404,9 @@
           <a:lstStyle/>
           <a:p>
             <a:r>
-              <a:rPr lang="x-none" altLang="en-US" dirty="0" smtClean="0"/>
+              <a:rPr lang="x-none" altLang="en-US" dirty="0"/>
               <a:t>Recommendation Cascades</a:t>
             </a:r>
-            <a:endParaRPr lang="x-none" altLang="en-US" dirty="0"/>
           </a:p>
         </p:txBody>
       </p:sp>
@@ -7742,7 +7419,7 @@
           <p:nvPr/>
         </p:nvPicPr>
         <p:blipFill>
-          <a:blip r:embed="rId1"/>
+          <a:blip r:embed="rId2"/>
           <a:stretch>
             <a:fillRect/>
           </a:stretch>
@@ -7793,6 +7470,7 @@
           <a:bodyPr rot="0" vertOverflow="overflow" horzOverflow="overflow" vert="horz" wrap="square" lIns="45718" tIns="45718" rIns="45718" bIns="45718" numCol="1" spcCol="38100" rtlCol="0" anchor="t" forceAA="0">
             <a:spAutoFit/>
           </a:bodyPr>
+          <a:lstStyle/>
           <a:p>
             <a:pPr marL="0" marR="0" indent="0" algn="l" defTabSz="914400" rtl="0" fontAlgn="auto" latinLnBrk="1" hangingPunct="0">
               <a:lnSpc>
@@ -7826,20 +7504,6 @@
               </a:rPr>
               <a:t>Leskovec, Jure, Ajit Singh, and Jon Kleinberg. "Patterns of influence in a recommendation network." Pacific-Asia Conference on Knowledge Discovery and Data Mining. Springer, Berlin, Heidelberg, 2006.</a:t>
             </a:r>
-            <a:endParaRPr kumimoji="0" lang="en-US" sz="1200" b="0" i="0" u="none" strike="noStrike" cap="none" spc="0" normalizeH="0" baseline="0">
-              <a:ln>
-                <a:noFill/>
-              </a:ln>
-              <a:solidFill>
-                <a:srgbClr val="000000"/>
-              </a:solidFill>
-              <a:effectLst/>
-              <a:uFillTx/>
-              <a:latin typeface="Calibri"/>
-              <a:ea typeface="+mj-ea"/>
-              <a:cs typeface="+mj-cs"/>
-              <a:sym typeface="Helvetica"/>
-            </a:endParaRPr>
           </a:p>
         </p:txBody>
       </p:sp>
@@ -7879,6 +7543,7 @@
           <a:bodyPr rot="0" vertOverflow="overflow" horzOverflow="overflow" vert="horz" wrap="square" lIns="45718" tIns="45718" rIns="45718" bIns="45718" numCol="1" spcCol="38100" rtlCol="0" anchor="t" forceAA="0">
             <a:spAutoFit/>
           </a:bodyPr>
+          <a:lstStyle/>
           <a:p>
             <a:pPr marL="342900" marR="0" indent="-342900" algn="l" defTabSz="914400" rtl="0" fontAlgn="auto" latinLnBrk="1" hangingPunct="0">
               <a:lnSpc>
@@ -7914,22 +7579,6 @@
               </a:rPr>
               <a:t>most were not chains, but one node influencing many others (splits) or several recommendations directed at one node (merges)</a:t>
             </a:r>
-            <a:endParaRPr kumimoji="0" lang="en-US" sz="2400" b="0" i="0" u="none" strike="noStrike" cap="none" spc="0" normalizeH="0" baseline="0">
-              <a:ln>
-                <a:noFill/>
-              </a:ln>
-              <a:solidFill>
-                <a:schemeClr val="accent5">
-                  <a:lumMod val="50000"/>
-                </a:schemeClr>
-              </a:solidFill>
-              <a:effectLst/>
-              <a:uFillTx/>
-              <a:latin typeface="Calibri"/>
-              <a:ea typeface="+mj-ea"/>
-              <a:cs typeface="+mj-cs"/>
-              <a:sym typeface="Helvetica"/>
-            </a:endParaRPr>
           </a:p>
           <a:p>
             <a:pPr marL="342900" marR="0" indent="-342900" algn="l" defTabSz="914400" rtl="0" fontAlgn="auto" latinLnBrk="1" hangingPunct="0">
@@ -7999,22 +7648,6 @@
               </a:rPr>
               <a:t>single recommendations made up the majority of 'cascades'</a:t>
             </a:r>
-            <a:endParaRPr kumimoji="0" lang="en-US" sz="2400" b="0" i="0" u="none" strike="noStrike" cap="none" spc="0" normalizeH="0" baseline="0">
-              <a:ln>
-                <a:noFill/>
-              </a:ln>
-              <a:solidFill>
-                <a:schemeClr val="accent5">
-                  <a:lumMod val="50000"/>
-                </a:schemeClr>
-              </a:solidFill>
-              <a:effectLst/>
-              <a:uFillTx/>
-              <a:latin typeface="Calibri"/>
-              <a:ea typeface="+mj-ea"/>
-              <a:cs typeface="+mj-cs"/>
-              <a:sym typeface="Helvetica"/>
-            </a:endParaRPr>
           </a:p>
           <a:p>
             <a:pPr marL="342900" marR="0" indent="-342900" algn="l" defTabSz="914400" rtl="0" fontAlgn="auto" latinLnBrk="1" hangingPunct="0">
@@ -8084,22 +7717,6 @@
               </a:rPr>
               <a:t>overall, the average ego network from which relevant recommendations originated was little more than 1(!)</a:t>
             </a:r>
-            <a:endParaRPr kumimoji="0" lang="en-US" sz="2400" b="0" i="0" u="none" strike="noStrike" cap="none" spc="0" normalizeH="0" baseline="0">
-              <a:ln>
-                <a:noFill/>
-              </a:ln>
-              <a:solidFill>
-                <a:schemeClr val="accent5">
-                  <a:lumMod val="50000"/>
-                </a:schemeClr>
-              </a:solidFill>
-              <a:effectLst/>
-              <a:uFillTx/>
-              <a:latin typeface="Calibri"/>
-              <a:ea typeface="+mj-ea"/>
-              <a:cs typeface="+mj-cs"/>
-              <a:sym typeface="Helvetica"/>
-            </a:endParaRPr>
           </a:p>
         </p:txBody>
       </p:sp>
@@ -8109,13 +7726,6 @@
     <a:masterClrMapping/>
   </p:clrMapOvr>
   <p:transition spd="med"/>
-  <p:timing>
-    <p:tnLst>
-      <p:par>
-        <p:cTn id="1" dur="indefinite" restart="never" nodeType="tmRoot"/>
-      </p:par>
-    </p:tnLst>
-  </p:timing>
 </p:sld>
 </file>
 
@@ -8256,10 +7866,9 @@
           </a:lstStyle>
           <a:p>
             <a:r>
-              <a:rPr lang="x-none" dirty="0" smtClean="0"/>
+              <a:rPr lang="x-none" dirty="0"/>
               <a:t>Introduction and Motivation</a:t>
             </a:r>
-            <a:endParaRPr lang="x-none" dirty="0" smtClean="0"/>
           </a:p>
         </p:txBody>
       </p:sp>
@@ -8271,8 +7880,8 @@
         </p:nvSpPr>
         <p:spPr>
           <a:xfrm>
-            <a:off x="450850" y="916940"/>
-            <a:ext cx="8226425" cy="5230495"/>
+            <a:off x="450850" y="1219200"/>
+            <a:ext cx="8226425" cy="4928235"/>
           </a:xfrm>
           <a:prstGeom prst="rect">
             <a:avLst/>
@@ -8454,7 +8063,7 @@
               </a:defRPr>
             </a:pPr>
             <a:r>
-              <a:rPr lang="en-US" sz="2400" dirty="0" smtClean="0">
+              <a:rPr lang="en-US" sz="2400" dirty="0">
                 <a:solidFill>
                   <a:schemeClr val="accent1">
                     <a:lumMod val="50000"/>
@@ -8463,7 +8072,24 @@
               </a:rPr>
               <a:t>the FB graph has been estimated to have a diameter of as low as 4</a:t>
             </a:r>
-            <a:endParaRPr lang="en-US" sz="2400" dirty="0" smtClean="0">
+          </a:p>
+          <a:p>
+            <a:pPr defTabSz="676275">
+              <a:spcBef>
+                <a:spcPts val="0"/>
+              </a:spcBef>
+              <a:buClr>
+                <a:srgbClr val="1F497D"/>
+              </a:buClr>
+              <a:buFont typeface="Arial" charset="0"/>
+              <a:buChar char="•"/>
+              <a:defRPr sz="1800">
+                <a:solidFill>
+                  <a:srgbClr val="000000"/>
+                </a:solidFill>
+              </a:defRPr>
+            </a:pPr>
+            <a:endParaRPr lang="en-US" sz="2400" dirty="0">
               <a:solidFill>
                 <a:schemeClr val="accent1">
                   <a:lumMod val="50000"/>
@@ -8487,7 +8113,34 @@
                 </a:solidFill>
               </a:defRPr>
             </a:pPr>
-            <a:endParaRPr lang="en-US" sz="2400" dirty="0" smtClean="0">
+            <a:r>
+              <a:rPr lang="en-US" sz="2400" dirty="0">
+                <a:solidFill>
+                  <a:schemeClr val="accent1">
+                    <a:lumMod val="50000"/>
+                  </a:schemeClr>
+                </a:solidFill>
+              </a:rPr>
+              <a:t>the diameter is shrinking with new connections (despite new users)</a:t>
+            </a:r>
+          </a:p>
+          <a:p>
+            <a:pPr defTabSz="676275">
+              <a:spcBef>
+                <a:spcPts val="0"/>
+              </a:spcBef>
+              <a:buClr>
+                <a:srgbClr val="1F497D"/>
+              </a:buClr>
+              <a:buFont typeface="Arial" charset="0"/>
+              <a:buChar char="•"/>
+              <a:defRPr sz="1800">
+                <a:solidFill>
+                  <a:srgbClr val="000000"/>
+                </a:solidFill>
+              </a:defRPr>
+            </a:pPr>
+            <a:endParaRPr lang="en-US" sz="2400" dirty="0">
               <a:solidFill>
                 <a:schemeClr val="accent1">
                   <a:lumMod val="50000"/>
@@ -8512,16 +8165,33 @@
               </a:defRPr>
             </a:pPr>
             <a:r>
-              <a:rPr lang="en-US" sz="2400" dirty="0" smtClean="0">
+              <a:rPr lang="en-US" sz="2400" dirty="0">
                 <a:solidFill>
                   <a:schemeClr val="accent1">
                     <a:lumMod val="50000"/>
                   </a:schemeClr>
                 </a:solidFill>
               </a:rPr>
-              <a:t>because of many loose contacts instead of friends</a:t>
-            </a:r>
-            <a:endParaRPr lang="en-US" sz="2400" dirty="0" smtClean="0">
+              <a:t>although the graph is globally very sparse, individual node neighborhoods contain surprisingly dense structure</a:t>
+            </a:r>
+          </a:p>
+          <a:p>
+            <a:pPr defTabSz="676275">
+              <a:spcBef>
+                <a:spcPts val="0"/>
+              </a:spcBef>
+              <a:buClr>
+                <a:srgbClr val="1F497D"/>
+              </a:buClr>
+              <a:buFont typeface="Arial" charset="0"/>
+              <a:buChar char="•"/>
+              <a:defRPr sz="1800">
+                <a:solidFill>
+                  <a:srgbClr val="000000"/>
+                </a:solidFill>
+              </a:defRPr>
+            </a:pPr>
+            <a:endParaRPr lang="x-none" altLang="en-US" sz="2400" dirty="0">
               <a:solidFill>
                 <a:schemeClr val="accent1">
                   <a:lumMod val="50000"/>
@@ -8545,173 +8215,26 @@
                 </a:solidFill>
               </a:defRPr>
             </a:pPr>
-            <a:endParaRPr lang="en-US" sz="2400" dirty="0" smtClean="0">
-              <a:solidFill>
-                <a:schemeClr val="accent1">
-                  <a:lumMod val="50000"/>
-                </a:schemeClr>
-              </a:solidFill>
-            </a:endParaRPr>
-          </a:p>
-          <a:p>
-            <a:pPr defTabSz="676275">
-              <a:spcBef>
-                <a:spcPts val="0"/>
-              </a:spcBef>
-              <a:buClr>
-                <a:srgbClr val="1F497D"/>
-              </a:buClr>
-              <a:buFont typeface="Arial" charset="0"/>
-              <a:buChar char="•"/>
-              <a:defRPr sz="1800">
-                <a:solidFill>
-                  <a:srgbClr val="000000"/>
-                </a:solidFill>
-              </a:defRPr>
-            </a:pPr>
-            <a:r>
-              <a:rPr lang="en-US" sz="2400" dirty="0" smtClean="0">
+            <a:r>
+              <a:rPr lang="x-none" altLang="en-US" sz="2400" dirty="0">
                 <a:solidFill>
                   <a:schemeClr val="accent1">
                     <a:lumMod val="50000"/>
                   </a:schemeClr>
                 </a:solidFill>
               </a:rPr>
-              <a:t>the diameter is shrinking with new connections</a:t>
-            </a:r>
-            <a:endParaRPr lang="en-US" sz="2400" dirty="0" smtClean="0">
-              <a:solidFill>
-                <a:schemeClr val="accent1">
-                  <a:lumMod val="50000"/>
-                </a:schemeClr>
-              </a:solidFill>
-            </a:endParaRPr>
-          </a:p>
-          <a:p>
-            <a:pPr defTabSz="676275">
-              <a:spcBef>
-                <a:spcPts val="0"/>
-              </a:spcBef>
-              <a:buClr>
-                <a:srgbClr val="1F497D"/>
-              </a:buClr>
-              <a:buFont typeface="Arial" charset="0"/>
-              <a:buChar char="•"/>
-              <a:defRPr sz="1800">
-                <a:solidFill>
-                  <a:srgbClr val="000000"/>
-                </a:solidFill>
-              </a:defRPr>
-            </a:pPr>
-            <a:endParaRPr lang="en-US" sz="2400" dirty="0" smtClean="0">
-              <a:solidFill>
-                <a:schemeClr val="accent1">
-                  <a:lumMod val="50000"/>
-                </a:schemeClr>
-              </a:solidFill>
-            </a:endParaRPr>
-          </a:p>
-          <a:p>
-            <a:pPr defTabSz="676275">
-              <a:spcBef>
-                <a:spcPts val="0"/>
-              </a:spcBef>
-              <a:buClr>
-                <a:srgbClr val="1F497D"/>
-              </a:buClr>
-              <a:buFont typeface="Arial" charset="0"/>
-              <a:buChar char="•"/>
-              <a:defRPr sz="1800">
-                <a:solidFill>
-                  <a:srgbClr val="000000"/>
-                </a:solidFill>
-              </a:defRPr>
-            </a:pPr>
-            <a:r>
-              <a:rPr lang="en-US" sz="2400" dirty="0" smtClean="0">
+              <a:t>C</a:t>
+            </a:r>
+            <a:r>
+              <a:rPr lang="en-US" sz="2400" dirty="0">
                 <a:solidFill>
                   <a:schemeClr val="accent1">
                     <a:lumMod val="50000"/>
                   </a:schemeClr>
                 </a:solidFill>
               </a:rPr>
-              <a:t>although the graph is globally very sparse, individual node neighborhoods contain surprisingly dense structure</a:t>
-            </a:r>
-            <a:endParaRPr lang="en-US" sz="2400" dirty="0" smtClean="0">
-              <a:solidFill>
-                <a:schemeClr val="accent1">
-                  <a:lumMod val="50000"/>
-                </a:schemeClr>
-              </a:solidFill>
-            </a:endParaRPr>
-          </a:p>
-          <a:p>
-            <a:pPr defTabSz="676275">
-              <a:spcBef>
-                <a:spcPts val="0"/>
-              </a:spcBef>
-              <a:buClr>
-                <a:srgbClr val="1F497D"/>
-              </a:buClr>
-              <a:buFont typeface="Arial" charset="0"/>
-              <a:buChar char="•"/>
-              <a:defRPr sz="1800">
-                <a:solidFill>
-                  <a:srgbClr val="000000"/>
-                </a:solidFill>
-              </a:defRPr>
-            </a:pPr>
-            <a:endParaRPr lang="x-none" altLang="en-US" sz="2400" dirty="0" smtClean="0">
-              <a:solidFill>
-                <a:schemeClr val="accent1">
-                  <a:lumMod val="50000"/>
-                </a:schemeClr>
-              </a:solidFill>
-            </a:endParaRPr>
-          </a:p>
-          <a:p>
-            <a:pPr defTabSz="676275">
-              <a:spcBef>
-                <a:spcPts val="0"/>
-              </a:spcBef>
-              <a:buClr>
-                <a:srgbClr val="1F497D"/>
-              </a:buClr>
-              <a:buFont typeface="Arial" charset="0"/>
-              <a:buChar char="•"/>
-              <a:defRPr sz="1800">
-                <a:solidFill>
-                  <a:srgbClr val="000000"/>
-                </a:solidFill>
-              </a:defRPr>
-            </a:pPr>
-            <a:r>
-              <a:rPr lang="x-none" altLang="en-US" sz="2400" dirty="0" smtClean="0">
-                <a:solidFill>
-                  <a:schemeClr val="accent1">
-                    <a:lumMod val="50000"/>
-                  </a:schemeClr>
-                </a:solidFill>
-              </a:rPr>
-              <a:t>C</a:t>
-            </a:r>
-            <a:r>
-              <a:rPr lang="en-US" sz="2400" dirty="0" smtClean="0">
-                <a:solidFill>
-                  <a:schemeClr val="accent1">
-                    <a:lumMod val="50000"/>
-                  </a:schemeClr>
-                </a:solidFill>
-              </a:rPr>
-              <a:t>onclusion: We dont need the whole graph to calculate good recommendations - it might be possible to just take a node's immediate vicinity into account!</a:t>
-            </a:r>
-            <a:endParaRPr lang="en-US" sz="2400" dirty="0" smtClean="0">
-              <a:solidFill>
-                <a:schemeClr val="accent1">
-                  <a:lumMod val="50000"/>
-                </a:schemeClr>
-              </a:solidFill>
-            </a:endParaRPr>
+              <a:t>onclusion: We dont need the whole graph to calculate good recommendations – in most cases we only need to take a node's immediate vicinity into account!</a:t>
+            </a:r>
           </a:p>
         </p:txBody>
       </p:sp>
@@ -8721,13 +8244,6 @@
     <a:masterClrMapping/>
   </p:clrMapOvr>
   <p:transition spd="med"/>
-  <p:timing>
-    <p:tnLst>
-      <p:par>
-        <p:cTn id="1" dur="indefinite" restart="never" nodeType="tmRoot"/>
-      </p:par>
-    </p:tnLst>
-  </p:timing>
 </p:sld>
 </file>
 
@@ -8769,10 +8285,9 @@
           <a:lstStyle/>
           <a:p>
             <a:r>
-              <a:rPr lang="x-none" altLang="en-US" dirty="0" smtClean="0"/>
+              <a:rPr lang="x-none" altLang="en-US" dirty="0"/>
               <a:t>Traditional request / response cycle</a:t>
             </a:r>
-            <a:endParaRPr lang="x-none" altLang="en-US" dirty="0"/>
           </a:p>
         </p:txBody>
       </p:sp>
@@ -8785,7 +8300,7 @@
           <p:nvPr/>
         </p:nvPicPr>
         <p:blipFill>
-          <a:blip r:embed="rId1"/>
+          <a:blip r:embed="rId2"/>
           <a:stretch>
             <a:fillRect/>
           </a:stretch>
@@ -8806,13 +8321,6 @@
     <a:masterClrMapping/>
   </p:clrMapOvr>
   <p:transition spd="med"/>
-  <p:timing>
-    <p:tnLst>
-      <p:par>
-        <p:cTn id="1" dur="indefinite" restart="never" nodeType="tmRoot"/>
-      </p:par>
-    </p:tnLst>
-  </p:timing>
 </p:sld>
 </file>
 
@@ -8854,10 +8362,9 @@
           <a:lstStyle/>
           <a:p>
             <a:r>
-              <a:rPr lang="x-none" altLang="en-US" dirty="0" smtClean="0"/>
+              <a:rPr lang="x-none" altLang="en-US" dirty="0"/>
               <a:t>Longpolling / Ajax</a:t>
             </a:r>
-            <a:endParaRPr lang="x-none" altLang="en-US" dirty="0"/>
           </a:p>
         </p:txBody>
       </p:sp>
@@ -8870,7 +8377,7 @@
           <p:nvPr/>
         </p:nvPicPr>
         <p:blipFill>
-          <a:blip r:embed="rId1"/>
+          <a:blip r:embed="rId2"/>
           <a:stretch>
             <a:fillRect/>
           </a:stretch>
@@ -8891,13 +8398,6 @@
     <a:masterClrMapping/>
   </p:clrMapOvr>
   <p:transition spd="med"/>
-  <p:timing>
-    <p:tnLst>
-      <p:par>
-        <p:cTn id="1" dur="indefinite" restart="never" nodeType="tmRoot"/>
-      </p:par>
-    </p:tnLst>
-  </p:timing>
 </p:sld>
 </file>
 
@@ -8939,10 +8439,9 @@
           <a:lstStyle/>
           <a:p>
             <a:r>
-              <a:rPr lang="x-none" altLang="en-US" dirty="0" smtClean="0"/>
+              <a:rPr lang="x-none" altLang="en-US" dirty="0"/>
               <a:t>Publish / Subscribe with automatic updates</a:t>
             </a:r>
-            <a:endParaRPr lang="x-none" altLang="en-US" dirty="0"/>
           </a:p>
         </p:txBody>
       </p:sp>
@@ -8955,7 +8454,7 @@
           <p:nvPr/>
         </p:nvPicPr>
         <p:blipFill>
-          <a:blip r:embed="rId1"/>
+          <a:blip r:embed="rId2"/>
           <a:stretch>
             <a:fillRect/>
           </a:stretch>
@@ -8976,13 +8475,6 @@
     <a:masterClrMapping/>
   </p:clrMapOvr>
   <p:transition spd="med"/>
-  <p:timing>
-    <p:tnLst>
-      <p:par>
-        <p:cTn id="1" dur="indefinite" restart="never" nodeType="tmRoot"/>
-      </p:par>
-    </p:tnLst>
-  </p:timing>
 </p:sld>
 </file>
 
@@ -9123,10 +8615,9 @@
           </a:lstStyle>
           <a:p>
             <a:r>
-              <a:rPr lang="x-none" dirty="0" smtClean="0"/>
+              <a:rPr lang="x-none" dirty="0"/>
               <a:t>Consequences of Pub/Sub</a:t>
             </a:r>
-            <a:endParaRPr lang="x-none" dirty="0" smtClean="0"/>
           </a:p>
         </p:txBody>
       </p:sp>
@@ -9138,8 +8629,8 @@
         </p:nvSpPr>
         <p:spPr>
           <a:xfrm>
-            <a:off x="452120" y="1154430"/>
-            <a:ext cx="8226425" cy="4685665"/>
+            <a:off x="452120" y="1323975"/>
+            <a:ext cx="8226425" cy="4516120"/>
           </a:xfrm>
           <a:prstGeom prst="rect">
             <a:avLst/>
@@ -9321,16 +8812,33 @@
               </a:defRPr>
             </a:pPr>
             <a:r>
-              <a:rPr lang="en-US" sz="2400" dirty="0" smtClean="0">
+              <a:rPr lang="en-US" sz="2400" dirty="0">
                 <a:solidFill>
                   <a:schemeClr val="accent1">
                     <a:lumMod val="50000"/>
                   </a:schemeClr>
                 </a:solidFill>
               </a:rPr>
-              <a:t>This means in effect, that all information within the neighborhood of a node (if you see it graph theoretically) is constantly available within the browser / mobile device</a:t>
-            </a:r>
-            <a:endParaRPr lang="en-US" sz="2400" dirty="0" smtClean="0">
+              <a:t>This means in effect, that all information within the neighborhood of a node (if you see it from a network perspective) is constantly available within the browser / mobile device</a:t>
+            </a:r>
+          </a:p>
+          <a:p>
+            <a:pPr defTabSz="676275">
+              <a:spcBef>
+                <a:spcPts val="0"/>
+              </a:spcBef>
+              <a:buClr>
+                <a:srgbClr val="1F497D"/>
+              </a:buClr>
+              <a:buFont typeface="Arial" charset="0"/>
+              <a:buChar char="•"/>
+              <a:defRPr sz="1800">
+                <a:solidFill>
+                  <a:srgbClr val="000000"/>
+                </a:solidFill>
+              </a:defRPr>
+            </a:pPr>
+            <a:endParaRPr lang="en-US" sz="2400" dirty="0">
               <a:solidFill>
                 <a:schemeClr val="accent1">
                   <a:lumMod val="50000"/>
@@ -9339,7 +8847,7 @@
             </a:endParaRPr>
           </a:p>
           <a:p>
-            <a:pPr defTabSz="676275">
+            <a:pPr lvl="1" defTabSz="676275">
               <a:spcBef>
                 <a:spcPts val="0"/>
               </a:spcBef>
@@ -9354,7 +8862,60 @@
                 </a:solidFill>
               </a:defRPr>
             </a:pPr>
-            <a:endParaRPr lang="en-US" sz="2400" dirty="0" smtClean="0">
+            <a:r>
+              <a:rPr lang="en-US" sz="2400" dirty="0">
+                <a:solidFill>
+                  <a:schemeClr val="accent1">
+                    <a:lumMod val="50000"/>
+                  </a:schemeClr>
+                </a:solidFill>
+              </a:rPr>
+              <a:t>my direct friends on a social network</a:t>
+            </a:r>
+          </a:p>
+          <a:p>
+            <a:pPr lvl="1" defTabSz="676275">
+              <a:spcBef>
+                <a:spcPts val="0"/>
+              </a:spcBef>
+              <a:buClr>
+                <a:srgbClr val="1F497D"/>
+              </a:buClr>
+              <a:buFont typeface="Arial" charset="0"/>
+              <a:buChar char="•"/>
+              <a:defRPr sz="1800">
+                <a:solidFill>
+                  <a:srgbClr val="000000"/>
+                </a:solidFill>
+              </a:defRPr>
+            </a:pPr>
+            <a:r>
+              <a:rPr lang="en-US" sz="2400" dirty="0">
+                <a:solidFill>
+                  <a:schemeClr val="accent1">
+                    <a:lumMod val="50000"/>
+                  </a:schemeClr>
+                </a:solidFill>
+              </a:rPr>
+              <a:t>the information / resources within my project group</a:t>
+            </a:r>
+          </a:p>
+          <a:p>
+            <a:pPr marL="0" lvl="0" indent="0" defTabSz="676275">
+              <a:spcBef>
+                <a:spcPts val="0"/>
+              </a:spcBef>
+              <a:buClr>
+                <a:srgbClr val="1F497D"/>
+              </a:buClr>
+              <a:buNone/>
+              <a:defRPr sz="1800">
+                <a:solidFill>
+                  <a:srgbClr val="000000"/>
+                </a:solidFill>
+              </a:defRPr>
+            </a:pPr>
+            <a:endParaRPr lang="x-none" altLang="en-US" sz="2400" dirty="0">
               <a:solidFill>
                 <a:schemeClr val="accent1">
                   <a:lumMod val="50000"/>
@@ -9363,7 +8924,7 @@
             </a:endParaRPr>
           </a:p>
           <a:p>
-            <a:pPr lvl="1" defTabSz="676275">
+            <a:pPr lvl="0" defTabSz="676275">
               <a:spcBef>
                 <a:spcPts val="0"/>
               </a:spcBef>
@@ -9379,138 +8940,115 @@
               </a:defRPr>
             </a:pPr>
             <a:r>
-              <a:rPr lang="en-US" sz="2400" dirty="0" smtClean="0">
+              <a:rPr lang="x-none" altLang="en-US" sz="2400" dirty="0">
                 <a:solidFill>
                   <a:schemeClr val="accent1">
                     <a:lumMod val="50000"/>
                   </a:schemeClr>
                 </a:solidFill>
               </a:rPr>
-              <a:t>my direct friends on a social network</a:t>
-            </a:r>
-            <a:endParaRPr lang="en-US" sz="2400" dirty="0" smtClean="0">
-              <a:solidFill>
-                <a:schemeClr val="accent1">
-                  <a:lumMod val="50000"/>
-                </a:schemeClr>
-              </a:solidFill>
-            </a:endParaRPr>
-          </a:p>
-          <a:p>
-            <a:pPr lvl="1" defTabSz="676275">
-              <a:spcBef>
-                <a:spcPts val="0"/>
-              </a:spcBef>
-              <a:buClr>
-                <a:srgbClr val="1F497D"/>
-              </a:buClr>
-              <a:buFont typeface="Arial" charset="0"/>
-              <a:buChar char="•"/>
-              <a:defRPr sz="1800">
-                <a:solidFill>
-                  <a:srgbClr val="000000"/>
-                </a:solidFill>
-              </a:defRPr>
-            </a:pPr>
-            <a:r>
-              <a:rPr lang="en-US" sz="2400" dirty="0" smtClean="0">
+              <a:t>Combining </a:t>
+            </a:r>
+            <a:r>
+              <a:rPr lang="en-US" altLang="en-US" sz="2400" dirty="0">
                 <a:solidFill>
                   <a:schemeClr val="accent1">
                     <a:lumMod val="50000"/>
                   </a:schemeClr>
                 </a:solidFill>
               </a:rPr>
-              <a:t>all the information within my project group</a:t>
-            </a:r>
-            <a:endParaRPr lang="en-US" sz="2400" dirty="0" smtClean="0">
-              <a:solidFill>
-                <a:schemeClr val="accent1">
-                  <a:lumMod val="50000"/>
-                </a:schemeClr>
-              </a:solidFill>
-            </a:endParaRPr>
-          </a:p>
-          <a:p>
-            <a:pPr lvl="0" defTabSz="676275">
-              <a:spcBef>
-                <a:spcPts val="0"/>
-              </a:spcBef>
-              <a:buClr>
-                <a:srgbClr val="1F497D"/>
-              </a:buClr>
-              <a:buFont typeface="Arial" charset="0"/>
-              <a:buChar char="•"/>
-              <a:defRPr sz="1800">
-                <a:solidFill>
-                  <a:srgbClr val="000000"/>
-                </a:solidFill>
-              </a:defRPr>
-            </a:pPr>
-            <a:endParaRPr lang="x-none" altLang="en-US" sz="2400" dirty="0" smtClean="0">
-              <a:solidFill>
-                <a:schemeClr val="accent1">
-                  <a:lumMod val="50000"/>
-                </a:schemeClr>
-              </a:solidFill>
-            </a:endParaRPr>
-          </a:p>
-          <a:p>
-            <a:pPr lvl="0" defTabSz="676275">
-              <a:spcBef>
-                <a:spcPts val="0"/>
-              </a:spcBef>
-              <a:buClr>
-                <a:srgbClr val="1F497D"/>
-              </a:buClr>
-              <a:buFont typeface="Arial" charset="0"/>
-              <a:buChar char="•"/>
-              <a:defRPr sz="1800">
-                <a:solidFill>
-                  <a:srgbClr val="000000"/>
-                </a:solidFill>
-              </a:defRPr>
-            </a:pPr>
-            <a:endParaRPr lang="x-none" altLang="en-US" sz="2400" dirty="0" smtClean="0">
-              <a:solidFill>
-                <a:schemeClr val="accent1">
-                  <a:lumMod val="50000"/>
-                </a:schemeClr>
-              </a:solidFill>
-            </a:endParaRPr>
-          </a:p>
-          <a:p>
-            <a:pPr lvl="0" defTabSz="676275">
-              <a:spcBef>
-                <a:spcPts val="0"/>
-              </a:spcBef>
-              <a:buClr>
-                <a:srgbClr val="1F497D"/>
-              </a:buClr>
-              <a:buFont typeface="Arial" charset="0"/>
-              <a:buChar char="•"/>
-              <a:defRPr sz="1800">
-                <a:solidFill>
-                  <a:srgbClr val="000000"/>
-                </a:solidFill>
-              </a:defRPr>
-            </a:pPr>
-            <a:r>
-              <a:rPr lang="x-none" altLang="en-US" sz="2400" dirty="0" smtClean="0">
+              <a:t>the</a:t>
+            </a:r>
+            <a:r>
+              <a:rPr lang="x-none" altLang="en-US" sz="2400" dirty="0">
                 <a:solidFill>
                   <a:schemeClr val="accent1">
                     <a:lumMod val="50000"/>
                   </a:schemeClr>
                 </a:solidFill>
               </a:rPr>
-              <a:t>Combining those two views, we see that a majority of relevant recommendations could also be computed client-side...</a:t>
-            </a:r>
-            <a:endParaRPr lang="x-none" altLang="en-US" sz="2400" dirty="0" smtClean="0">
-              <a:solidFill>
-                <a:schemeClr val="accent1">
-                  <a:lumMod val="50000"/>
-                </a:schemeClr>
-              </a:solidFill>
-            </a:endParaRPr>
+              <a:t> two </a:t>
+            </a:r>
+            <a:r>
+              <a:rPr lang="en-US" altLang="en-US" sz="2400" dirty="0">
+                <a:solidFill>
+                  <a:schemeClr val="accent1">
+                    <a:lumMod val="50000"/>
+                  </a:schemeClr>
+                </a:solidFill>
+              </a:rPr>
+              <a:t>principles of Pub/Sub and recommender cascades</a:t>
+            </a:r>
+            <a:r>
+              <a:rPr lang="x-none" altLang="en-US" sz="2400" dirty="0">
+                <a:solidFill>
+                  <a:schemeClr val="accent1">
+                    <a:lumMod val="50000"/>
+                  </a:schemeClr>
+                </a:solidFill>
+              </a:rPr>
+              <a:t>, we see that a majority of relevant recommen</a:t>
+            </a:r>
+            <a:r>
+              <a:rPr lang="en-US" altLang="en-US" sz="2400" dirty="0">
+                <a:solidFill>
+                  <a:schemeClr val="accent1">
+                    <a:lumMod val="50000"/>
+                  </a:schemeClr>
+                </a:solidFill>
+              </a:rPr>
+              <a:t>d-</a:t>
+            </a:r>
+            <a:r>
+              <a:rPr lang="x-none" altLang="en-US" sz="2400" dirty="0">
+                <a:solidFill>
+                  <a:schemeClr val="accent1">
+                    <a:lumMod val="50000"/>
+                  </a:schemeClr>
+                </a:solidFill>
+              </a:rPr>
+              <a:t>dations could </a:t>
+            </a:r>
+            <a:r>
+              <a:rPr lang="en-US" altLang="en-US" sz="2400" dirty="0">
+                <a:solidFill>
+                  <a:schemeClr val="accent1">
+                    <a:lumMod val="50000"/>
+                  </a:schemeClr>
+                </a:solidFill>
+              </a:rPr>
+              <a:t>b</a:t>
+            </a:r>
+            <a:r>
+              <a:rPr lang="x-none" altLang="en-US" sz="2400" dirty="0">
+                <a:solidFill>
+                  <a:schemeClr val="accent1">
+                    <a:lumMod val="50000"/>
+                  </a:schemeClr>
+                </a:solidFill>
+              </a:rPr>
+              <a:t>e computed </a:t>
+            </a:r>
+            <a:r>
+              <a:rPr lang="en-US" altLang="en-US" sz="2400" dirty="0">
+                <a:solidFill>
+                  <a:schemeClr val="accent1">
+                    <a:lumMod val="50000"/>
+                  </a:schemeClr>
+                </a:solidFill>
+              </a:rPr>
+              <a:t>directly on the </a:t>
+            </a:r>
+            <a:r>
+              <a:rPr lang="x-none" altLang="en-US" sz="2400" dirty="0">
+                <a:solidFill>
+                  <a:schemeClr val="accent1">
+                    <a:lumMod val="50000"/>
+                  </a:schemeClr>
+                </a:solidFill>
+              </a:rPr>
+              <a:t>client</a:t>
+            </a:r>
           </a:p>
         </p:txBody>
       </p:sp>
@@ -9520,13 +9058,6 @@
     <a:masterClrMapping/>
   </p:clrMapOvr>
   <p:transition spd="med"/>
-  <p:timing>
-    <p:tnLst>
-      <p:par>
-        <p:cTn id="1" dur="indefinite" restart="never" nodeType="tmRoot"/>
-      </p:par>
-    </p:tnLst>
-  </p:timing>
 </p:sld>
 </file>
 
